--- a/UnitTest.pptx
+++ b/UnitTest.pptx
@@ -5032,7 +5032,6 @@
               <a:rPr lang="en-US" sz="2800" dirty="0" smtClean="0"/>
               <a:t>Test cases</a:t>
             </a:r>
-            <a:endParaRPr lang="en-US" sz="2800" dirty="0" smtClean="0"/>
           </a:p>
         </p:txBody>
       </p:sp>
@@ -5131,44 +5130,6 @@
       </p:grpSpPr>
       <p:sp>
         <p:nvSpPr>
-          <p:cNvPr id="2" name="Content Placeholder 1"/>
-          <p:cNvSpPr>
-            <a:spLocks noGrp="1"/>
-          </p:cNvSpPr>
-          <p:nvPr>
-            <p:ph sz="quarter" idx="13"/>
-          </p:nvPr>
-        </p:nvSpPr>
-        <p:spPr/>
-        <p:txBody>
-          <a:bodyPr/>
-          <a:lstStyle/>
-          <a:p>
-            <a:endParaRPr lang="en-US" dirty="0"/>
-          </a:p>
-        </p:txBody>
-      </p:sp>
-      <p:sp>
-        <p:nvSpPr>
-          <p:cNvPr id="3" name="Content Placeholder 2"/>
-          <p:cNvSpPr>
-            <a:spLocks noGrp="1"/>
-          </p:cNvSpPr>
-          <p:nvPr>
-            <p:ph sz="quarter" idx="14"/>
-          </p:nvPr>
-        </p:nvSpPr>
-        <p:spPr/>
-        <p:txBody>
-          <a:bodyPr/>
-          <a:lstStyle/>
-          <a:p>
-            <a:endParaRPr lang="en-US" dirty="0"/>
-          </a:p>
-        </p:txBody>
-      </p:sp>
-      <p:sp>
-        <p:nvSpPr>
           <p:cNvPr id="4" name="Title 3"/>
           <p:cNvSpPr>
             <a:spLocks noGrp="1"/>
@@ -5191,6 +5152,121 @@
               <a:t>BOUNDARY TEST</a:t>
             </a:r>
             <a:endParaRPr lang="en-US" dirty="0"/>
+          </a:p>
+        </p:txBody>
+      </p:sp>
+      <p:sp>
+        <p:nvSpPr>
+          <p:cNvPr id="6" name="Content Placeholder 5"/>
+          <p:cNvSpPr>
+            <a:spLocks noGrp="1"/>
+          </p:cNvSpPr>
+          <p:nvPr>
+            <p:ph sz="quarter" idx="13"/>
+          </p:nvPr>
+        </p:nvSpPr>
+        <p:spPr>
+          <a:xfrm>
+            <a:off x="609600" y="1600200"/>
+            <a:ext cx="7924800" cy="4419600"/>
+          </a:xfrm>
+        </p:spPr>
+        <p:txBody>
+          <a:bodyPr>
+            <a:normAutofit lnSpcReduction="10000"/>
+          </a:bodyPr>
+          <a:lstStyle/>
+          <a:p>
+            <a:pPr>
+              <a:buFont typeface="Wingdings" pitchFamily="2" charset="2"/>
+              <a:buChar char="v"/>
+            </a:pPr>
+            <a:r>
+              <a:rPr lang="en-US" sz="2800" dirty="0" smtClean="0"/>
+              <a:t>Pros and cons</a:t>
+            </a:r>
+          </a:p>
+          <a:p>
+            <a:pPr>
+              <a:buFont typeface="Wingdings" pitchFamily="2" charset="2"/>
+              <a:buChar char="ü"/>
+            </a:pPr>
+            <a:r>
+              <a:rPr lang="en-US" sz="2400" dirty="0" smtClean="0"/>
+              <a:t>Relatively straightforward test-case generation</a:t>
+            </a:r>
+          </a:p>
+          <a:p>
+            <a:pPr>
+              <a:buFont typeface="Wingdings" pitchFamily="2" charset="2"/>
+              <a:buChar char="ü"/>
+            </a:pPr>
+            <a:r>
+              <a:rPr lang="en-US" sz="2400" dirty="0" smtClean="0"/>
+              <a:t>Pre-test</a:t>
+            </a:r>
+          </a:p>
+          <a:p>
+            <a:pPr>
+              <a:buFont typeface="Wingdings" pitchFamily="2" charset="2"/>
+              <a:buChar char="ü"/>
+            </a:pPr>
+            <a:r>
+              <a:rPr lang="en-US" sz="2400" dirty="0" smtClean="0"/>
+              <a:t>Suitable for input data that:</a:t>
+            </a:r>
+          </a:p>
+          <a:p>
+            <a:pPr lvl="1"/>
+            <a:r>
+              <a:rPr lang="en-US" sz="2400" dirty="0" smtClean="0"/>
+              <a:t>Independent</a:t>
+            </a:r>
+          </a:p>
+          <a:p>
+            <a:pPr lvl="1"/>
+            <a:r>
+              <a:rPr lang="en-US" sz="2400" dirty="0" smtClean="0"/>
+              <a:t>Physical measure </a:t>
+            </a:r>
+          </a:p>
+          <a:p>
+            <a:pPr marL="457200" lvl="1" indent="0">
+              <a:buNone/>
+            </a:pPr>
+            <a:endParaRPr lang="en-US" sz="2400" dirty="0"/>
+          </a:p>
+          <a:p>
+            <a:pPr>
+              <a:buFont typeface="Courier New" pitchFamily="49" charset="0"/>
+              <a:buChar char="o"/>
+            </a:pPr>
+            <a:r>
+              <a:rPr lang="en-US" sz="2400" dirty="0" smtClean="0"/>
+              <a:t>Bounds are not always obvious</a:t>
+            </a:r>
+          </a:p>
+          <a:p>
+            <a:pPr>
+              <a:buFont typeface="Courier New" pitchFamily="49" charset="0"/>
+              <a:buChar char="o"/>
+            </a:pPr>
+            <a:r>
+              <a:rPr lang="en-US" sz="2400" dirty="0" smtClean="0"/>
+              <a:t>Bounds are not always appropriate</a:t>
+            </a:r>
+          </a:p>
+          <a:p>
+            <a:pPr marL="0" indent="0">
+              <a:buNone/>
+            </a:pPr>
+            <a:endParaRPr lang="en-US" dirty="0"/>
+          </a:p>
+          <a:p>
+            <a:pPr marL="457200" lvl="1" indent="0">
+              <a:buNone/>
+            </a:pPr>
+            <a:endParaRPr lang="en-US" dirty="0" smtClean="0"/>
           </a:p>
         </p:txBody>
       </p:sp>

--- a/UnitTest.pptx
+++ b/UnitTest.pptx
@@ -5167,13 +5167,13 @@
         </p:nvSpPr>
         <p:spPr>
           <a:xfrm>
-            <a:off x="609600" y="1600200"/>
-            <a:ext cx="7924800" cy="4419600"/>
+            <a:off x="609600" y="1371600"/>
+            <a:ext cx="7924800" cy="4724400"/>
           </a:xfrm>
         </p:spPr>
         <p:txBody>
           <a:bodyPr>
-            <a:normAutofit lnSpcReduction="10000"/>
+            <a:normAutofit fontScale="92500" lnSpcReduction="10000"/>
           </a:bodyPr>
           <a:lstStyle/>
           <a:p>
@@ -5229,6 +5229,7 @@
               <a:rPr lang="en-US" sz="2400" dirty="0" smtClean="0"/>
               <a:t>Physical measure </a:t>
             </a:r>
+            <a:endParaRPr lang="en-US" sz="2400" dirty="0" smtClean="0"/>
           </a:p>
           <a:p>
             <a:pPr marL="457200" lvl="1" indent="0">
@@ -5253,8 +5254,23 @@
             </a:pPr>
             <a:r>
               <a:rPr lang="en-US" sz="2400" dirty="0" smtClean="0"/>
-              <a:t>Bounds are not always appropriate</a:t>
-            </a:r>
+              <a:t>Bounds are not always </a:t>
+            </a:r>
+            <a:r>
+              <a:rPr lang="en-US" sz="2400" dirty="0" smtClean="0"/>
+              <a:t>appropriate</a:t>
+            </a:r>
+          </a:p>
+          <a:p>
+            <a:pPr>
+              <a:buFont typeface="Courier New" pitchFamily="49" charset="0"/>
+              <a:buChar char="o"/>
+            </a:pPr>
+            <a:r>
+              <a:rPr lang="en-US" sz="2400" dirty="0" smtClean="0"/>
+              <a:t>Inadequate when there are dependencies between variables</a:t>
+            </a:r>
+            <a:endParaRPr lang="en-US" sz="2400" dirty="0" smtClean="0"/>
           </a:p>
           <a:p>
             <a:pPr marL="0" indent="0">

--- a/UnitTest.pptx
+++ b/UnitTest.pptx
@@ -4583,8 +4583,8 @@
         </p:nvSpPr>
         <p:spPr>
           <a:xfrm>
-            <a:off x="4814705" y="1600200"/>
-            <a:ext cx="3733800" cy="4114800"/>
+            <a:off x="4814705" y="1600201"/>
+            <a:ext cx="3733800" cy="1447800"/>
           </a:xfrm>
         </p:spPr>
         <p:txBody>
@@ -4678,24 +4678,336 @@
           </a:prstGeom>
         </p:spPr>
       </p:pic>
+      <p:grpSp>
+        <p:nvGrpSpPr>
+          <p:cNvPr id="7" name="Group 6"/>
+          <p:cNvGrpSpPr/>
+          <p:nvPr/>
+        </p:nvGrpSpPr>
+        <p:grpSpPr>
+          <a:xfrm>
+            <a:off x="4495800" y="5179031"/>
+            <a:ext cx="4343400" cy="687486"/>
+            <a:chOff x="4495800" y="4876800"/>
+            <a:chExt cx="4343400" cy="687486"/>
+          </a:xfrm>
+        </p:grpSpPr>
+        <p:cxnSp>
+          <p:nvCxnSpPr>
+            <p:cNvPr id="10" name="Straight Connector 9"/>
+            <p:cNvCxnSpPr/>
+            <p:nvPr/>
+          </p:nvCxnSpPr>
+          <p:spPr>
+            <a:xfrm>
+              <a:off x="5562600" y="4876800"/>
+              <a:ext cx="0" cy="304800"/>
+            </a:xfrm>
+            <a:prstGeom prst="line">
+              <a:avLst/>
+            </a:prstGeom>
+            <a:ln w="28575">
+              <a:solidFill>
+                <a:srgbClr val="00B0F0"/>
+              </a:solidFill>
+            </a:ln>
+          </p:spPr>
+          <p:style>
+            <a:lnRef idx="1">
+              <a:schemeClr val="accent1"/>
+            </a:lnRef>
+            <a:fillRef idx="0">
+              <a:schemeClr val="accent1"/>
+            </a:fillRef>
+            <a:effectRef idx="0">
+              <a:schemeClr val="accent1"/>
+            </a:effectRef>
+            <a:fontRef idx="minor">
+              <a:schemeClr val="tx1"/>
+            </a:fontRef>
+          </p:style>
+        </p:cxnSp>
+        <p:cxnSp>
+          <p:nvCxnSpPr>
+            <p:cNvPr id="11" name="Straight Connector 10"/>
+            <p:cNvCxnSpPr/>
+            <p:nvPr/>
+          </p:nvCxnSpPr>
+          <p:spPr>
+            <a:xfrm>
+              <a:off x="6172200" y="4885899"/>
+              <a:ext cx="0" cy="304800"/>
+            </a:xfrm>
+            <a:prstGeom prst="line">
+              <a:avLst/>
+            </a:prstGeom>
+            <a:ln w="28575">
+              <a:solidFill>
+                <a:srgbClr val="00B0F0"/>
+              </a:solidFill>
+            </a:ln>
+          </p:spPr>
+          <p:style>
+            <a:lnRef idx="1">
+              <a:schemeClr val="accent1"/>
+            </a:lnRef>
+            <a:fillRef idx="0">
+              <a:schemeClr val="accent1"/>
+            </a:fillRef>
+            <a:effectRef idx="0">
+              <a:schemeClr val="accent1"/>
+            </a:effectRef>
+            <a:fontRef idx="minor">
+              <a:schemeClr val="tx1"/>
+            </a:fontRef>
+          </p:style>
+        </p:cxnSp>
+        <p:cxnSp>
+          <p:nvCxnSpPr>
+            <p:cNvPr id="12" name="Straight Connector 11"/>
+            <p:cNvCxnSpPr/>
+            <p:nvPr/>
+          </p:nvCxnSpPr>
+          <p:spPr>
+            <a:xfrm>
+              <a:off x="6781800" y="4885899"/>
+              <a:ext cx="0" cy="304800"/>
+            </a:xfrm>
+            <a:prstGeom prst="line">
+              <a:avLst/>
+            </a:prstGeom>
+            <a:ln w="28575">
+              <a:solidFill>
+                <a:srgbClr val="00B0F0"/>
+              </a:solidFill>
+            </a:ln>
+          </p:spPr>
+          <p:style>
+            <a:lnRef idx="1">
+              <a:schemeClr val="accent1"/>
+            </a:lnRef>
+            <a:fillRef idx="0">
+              <a:schemeClr val="accent1"/>
+            </a:fillRef>
+            <a:effectRef idx="0">
+              <a:schemeClr val="accent1"/>
+            </a:effectRef>
+            <a:fontRef idx="minor">
+              <a:schemeClr val="tx1"/>
+            </a:fontRef>
+          </p:style>
+        </p:cxnSp>
+        <p:cxnSp>
+          <p:nvCxnSpPr>
+            <p:cNvPr id="15" name="Straight Connector 14"/>
+            <p:cNvCxnSpPr/>
+            <p:nvPr/>
+          </p:nvCxnSpPr>
+          <p:spPr>
+            <a:xfrm>
+              <a:off x="7843828" y="4876800"/>
+              <a:ext cx="0" cy="304800"/>
+            </a:xfrm>
+            <a:prstGeom prst="line">
+              <a:avLst/>
+            </a:prstGeom>
+            <a:ln w="28575">
+              <a:solidFill>
+                <a:srgbClr val="00B0F0"/>
+              </a:solidFill>
+            </a:ln>
+          </p:spPr>
+          <p:style>
+            <a:lnRef idx="1">
+              <a:schemeClr val="accent1"/>
+            </a:lnRef>
+            <a:fillRef idx="0">
+              <a:schemeClr val="accent1"/>
+            </a:fillRef>
+            <a:effectRef idx="0">
+              <a:schemeClr val="accent1"/>
+            </a:effectRef>
+            <a:fontRef idx="minor">
+              <a:schemeClr val="tx1"/>
+            </a:fontRef>
+          </p:style>
+        </p:cxnSp>
+        <p:sp>
+          <p:nvSpPr>
+            <p:cNvPr id="17" name="TextBox 16"/>
+            <p:cNvSpPr txBox="1"/>
+            <p:nvPr/>
+          </p:nvSpPr>
+          <p:spPr>
+            <a:xfrm>
+              <a:off x="5410200" y="5179031"/>
+              <a:ext cx="348018" cy="371901"/>
+            </a:xfrm>
+            <a:prstGeom prst="rect">
+              <a:avLst/>
+            </a:prstGeom>
+            <a:noFill/>
+          </p:spPr>
+          <p:txBody>
+            <a:bodyPr wrap="square" rtlCol="0">
+              <a:spAutoFit/>
+            </a:bodyPr>
+            <a:lstStyle/>
+            <a:p>
+              <a:r>
+                <a:rPr lang="en-US" dirty="0" smtClean="0"/>
+                <a:t>0</a:t>
+              </a:r>
+              <a:endParaRPr lang="en-US" dirty="0"/>
+            </a:p>
+          </p:txBody>
+        </p:sp>
+        <p:sp>
+          <p:nvSpPr>
+            <p:cNvPr id="18" name="TextBox 17"/>
+            <p:cNvSpPr txBox="1"/>
+            <p:nvPr/>
+          </p:nvSpPr>
+          <p:spPr>
+            <a:xfrm>
+              <a:off x="6019800" y="5181600"/>
+              <a:ext cx="478809" cy="369332"/>
+            </a:xfrm>
+            <a:prstGeom prst="rect">
+              <a:avLst/>
+            </a:prstGeom>
+            <a:noFill/>
+          </p:spPr>
+          <p:txBody>
+            <a:bodyPr wrap="square" rtlCol="0">
+              <a:spAutoFit/>
+            </a:bodyPr>
+            <a:lstStyle/>
+            <a:p>
+              <a:r>
+                <a:rPr lang="en-US" dirty="0" smtClean="0"/>
+                <a:t>50</a:t>
+              </a:r>
+              <a:endParaRPr lang="en-US" dirty="0"/>
+            </a:p>
+          </p:txBody>
+        </p:sp>
+        <p:sp>
+          <p:nvSpPr>
+            <p:cNvPr id="19" name="TextBox 18"/>
+            <p:cNvSpPr txBox="1"/>
+            <p:nvPr/>
+          </p:nvSpPr>
+          <p:spPr>
+            <a:xfrm>
+              <a:off x="6474725" y="5181600"/>
+              <a:ext cx="609600" cy="369332"/>
+            </a:xfrm>
+            <a:prstGeom prst="rect">
+              <a:avLst/>
+            </a:prstGeom>
+            <a:noFill/>
+          </p:spPr>
+          <p:txBody>
+            <a:bodyPr wrap="square" rtlCol="0">
+              <a:spAutoFit/>
+            </a:bodyPr>
+            <a:lstStyle/>
+            <a:p>
+              <a:r>
+                <a:rPr lang="en-US" dirty="0" smtClean="0"/>
+                <a:t>100</a:t>
+              </a:r>
+              <a:endParaRPr lang="en-US" dirty="0"/>
+            </a:p>
+          </p:txBody>
+        </p:sp>
+        <p:sp>
+          <p:nvSpPr>
+            <p:cNvPr id="21" name="TextBox 20"/>
+            <p:cNvSpPr txBox="1"/>
+            <p:nvPr/>
+          </p:nvSpPr>
+          <p:spPr>
+            <a:xfrm>
+              <a:off x="7531523" y="5194954"/>
+              <a:ext cx="620059" cy="369332"/>
+            </a:xfrm>
+            <a:prstGeom prst="rect">
+              <a:avLst/>
+            </a:prstGeom>
+            <a:noFill/>
+          </p:spPr>
+          <p:txBody>
+            <a:bodyPr wrap="square" rtlCol="0">
+              <a:spAutoFit/>
+            </a:bodyPr>
+            <a:lstStyle/>
+            <a:p>
+              <a:r>
+                <a:rPr lang="en-US" dirty="0" smtClean="0"/>
+                <a:t>200</a:t>
+              </a:r>
+              <a:endParaRPr lang="en-US" dirty="0"/>
+            </a:p>
+          </p:txBody>
+        </p:sp>
+        <p:cxnSp>
+          <p:nvCxnSpPr>
+            <p:cNvPr id="23" name="Straight Arrow Connector 22"/>
+            <p:cNvCxnSpPr/>
+            <p:nvPr/>
+          </p:nvCxnSpPr>
+          <p:spPr>
+            <a:xfrm>
+              <a:off x="4495800" y="5029200"/>
+              <a:ext cx="4343400" cy="0"/>
+            </a:xfrm>
+            <a:prstGeom prst="straightConnector1">
+              <a:avLst/>
+            </a:prstGeom>
+            <a:ln w="28575">
+              <a:solidFill>
+                <a:srgbClr val="00B0F0"/>
+              </a:solidFill>
+              <a:tailEnd type="arrow"/>
+            </a:ln>
+          </p:spPr>
+          <p:style>
+            <a:lnRef idx="1">
+              <a:schemeClr val="accent1"/>
+            </a:lnRef>
+            <a:fillRef idx="0">
+              <a:schemeClr val="accent1"/>
+            </a:fillRef>
+            <a:effectRef idx="0">
+              <a:schemeClr val="accent1"/>
+            </a:effectRef>
+            <a:fontRef idx="minor">
+              <a:schemeClr val="tx1"/>
+            </a:fontRef>
+          </p:style>
+        </p:cxnSp>
+      </p:grpSp>
       <p:cxnSp>
         <p:nvCxnSpPr>
-          <p:cNvPr id="10" name="Straight Connector 9"/>
+          <p:cNvPr id="9" name="Straight Arrow Connector 8"/>
           <p:cNvCxnSpPr/>
           <p:nvPr/>
         </p:nvCxnSpPr>
         <p:spPr>
-          <a:xfrm>
-            <a:off x="5562600" y="4876800"/>
-            <a:ext cx="0" cy="304800"/>
+          <a:xfrm flipV="1">
+            <a:off x="6213143" y="5791200"/>
+            <a:ext cx="0" cy="471436"/>
           </a:xfrm>
-          <a:prstGeom prst="line">
+          <a:prstGeom prst="straightConnector1">
             <a:avLst/>
           </a:prstGeom>
           <a:ln w="28575">
             <a:solidFill>
-              <a:srgbClr val="00B0F0"/>
+              <a:srgbClr val="FFFF00"/>
             </a:solidFill>
+            <a:tailEnd type="arrow"/>
           </a:ln>
         </p:spPr>
         <p:style>
@@ -4715,22 +5027,23 @@
       </p:cxnSp>
       <p:cxnSp>
         <p:nvCxnSpPr>
-          <p:cNvPr id="11" name="Straight Connector 10"/>
+          <p:cNvPr id="20" name="Straight Arrow Connector 19"/>
           <p:cNvCxnSpPr/>
           <p:nvPr/>
         </p:nvCxnSpPr>
         <p:spPr>
-          <a:xfrm>
-            <a:off x="6172200" y="4885899"/>
-            <a:ext cx="0" cy="304800"/>
+          <a:xfrm flipV="1">
+            <a:off x="6787486" y="5791200"/>
+            <a:ext cx="0" cy="471436"/>
           </a:xfrm>
-          <a:prstGeom prst="line">
+          <a:prstGeom prst="straightConnector1">
             <a:avLst/>
           </a:prstGeom>
           <a:ln w="28575">
             <a:solidFill>
-              <a:srgbClr val="00B0F0"/>
+              <a:srgbClr val="FFFF00"/>
             </a:solidFill>
+            <a:tailEnd type="arrow"/>
           </a:ln>
         </p:spPr>
         <p:style>
@@ -4750,22 +5063,23 @@
       </p:cxnSp>
       <p:cxnSp>
         <p:nvCxnSpPr>
-          <p:cNvPr id="12" name="Straight Connector 11"/>
+          <p:cNvPr id="22" name="Straight Arrow Connector 21"/>
           <p:cNvCxnSpPr/>
           <p:nvPr/>
         </p:nvCxnSpPr>
         <p:spPr>
-          <a:xfrm>
-            <a:off x="6781800" y="4885899"/>
-            <a:ext cx="0" cy="304800"/>
+          <a:xfrm flipV="1">
+            <a:off x="7841552" y="5791200"/>
+            <a:ext cx="0" cy="471436"/>
           </a:xfrm>
-          <a:prstGeom prst="line">
+          <a:prstGeom prst="straightConnector1">
             <a:avLst/>
           </a:prstGeom>
           <a:ln w="28575">
             <a:solidFill>
-              <a:srgbClr val="00B0F0"/>
+              <a:srgbClr val="FFFF00"/>
             </a:solidFill>
+            <a:tailEnd type="arrow"/>
           </a:ln>
         </p:spPr>
         <p:style>
@@ -4785,22 +5099,23 @@
       </p:cxnSp>
       <p:cxnSp>
         <p:nvCxnSpPr>
-          <p:cNvPr id="15" name="Straight Connector 14"/>
+          <p:cNvPr id="24" name="Straight Arrow Connector 23"/>
           <p:cNvCxnSpPr/>
           <p:nvPr/>
         </p:nvCxnSpPr>
         <p:spPr>
           <a:xfrm>
-            <a:off x="7843828" y="4876800"/>
-            <a:ext cx="0" cy="304800"/>
+            <a:off x="6096000" y="4876800"/>
+            <a:ext cx="0" cy="454631"/>
           </a:xfrm>
-          <a:prstGeom prst="line">
+          <a:prstGeom prst="straightConnector1">
             <a:avLst/>
           </a:prstGeom>
           <a:ln w="28575">
             <a:solidFill>
-              <a:srgbClr val="00B0F0"/>
+              <a:srgbClr val="FFFFFF"/>
             </a:solidFill>
+            <a:tailEnd type="arrow"/>
           </a:ln>
         </p:spPr>
         <p:style>
@@ -4818,136 +5133,52 @@
           </a:fontRef>
         </p:style>
       </p:cxnSp>
-      <p:sp>
-        <p:nvSpPr>
-          <p:cNvPr id="17" name="TextBox 16"/>
-          <p:cNvSpPr txBox="1"/>
-          <p:nvPr/>
-        </p:nvSpPr>
-        <p:spPr>
-          <a:xfrm>
-            <a:off x="5410200" y="5179031"/>
-            <a:ext cx="348018" cy="371901"/>
-          </a:xfrm>
-          <a:prstGeom prst="rect">
-            <a:avLst/>
-          </a:prstGeom>
-          <a:noFill/>
-        </p:spPr>
-        <p:txBody>
-          <a:bodyPr wrap="square" rtlCol="0">
-            <a:spAutoFit/>
-          </a:bodyPr>
-          <a:lstStyle/>
-          <a:p>
-            <a:r>
-              <a:rPr lang="en-US" dirty="0" smtClean="0"/>
-              <a:t>0</a:t>
-            </a:r>
-            <a:endParaRPr lang="en-US" dirty="0"/>
-          </a:p>
-        </p:txBody>
-      </p:sp>
-      <p:sp>
-        <p:nvSpPr>
-          <p:cNvPr id="18" name="TextBox 17"/>
-          <p:cNvSpPr txBox="1"/>
-          <p:nvPr/>
-        </p:nvSpPr>
-        <p:spPr>
-          <a:xfrm>
-            <a:off x="6019800" y="5181600"/>
-            <a:ext cx="478809" cy="369332"/>
-          </a:xfrm>
-          <a:prstGeom prst="rect">
-            <a:avLst/>
-          </a:prstGeom>
-          <a:noFill/>
-        </p:spPr>
-        <p:txBody>
-          <a:bodyPr wrap="square" rtlCol="0">
-            <a:spAutoFit/>
-          </a:bodyPr>
-          <a:lstStyle/>
-          <a:p>
-            <a:r>
-              <a:rPr lang="en-US" dirty="0" smtClean="0"/>
-              <a:t>50</a:t>
-            </a:r>
-            <a:endParaRPr lang="en-US" dirty="0"/>
-          </a:p>
-        </p:txBody>
-      </p:sp>
-      <p:sp>
-        <p:nvSpPr>
-          <p:cNvPr id="19" name="TextBox 18"/>
-          <p:cNvSpPr txBox="1"/>
-          <p:nvPr/>
-        </p:nvSpPr>
-        <p:spPr>
-          <a:xfrm>
-            <a:off x="6474725" y="5181600"/>
-            <a:ext cx="609600" cy="369332"/>
-          </a:xfrm>
-          <a:prstGeom prst="rect">
-            <a:avLst/>
-          </a:prstGeom>
-          <a:noFill/>
-        </p:spPr>
-        <p:txBody>
-          <a:bodyPr wrap="square" rtlCol="0">
-            <a:spAutoFit/>
-          </a:bodyPr>
-          <a:lstStyle/>
-          <a:p>
-            <a:r>
-              <a:rPr lang="en-US" dirty="0" smtClean="0"/>
-              <a:t>100</a:t>
-            </a:r>
-            <a:endParaRPr lang="en-US" dirty="0"/>
-          </a:p>
-        </p:txBody>
-      </p:sp>
-      <p:sp>
-        <p:nvSpPr>
-          <p:cNvPr id="21" name="TextBox 20"/>
-          <p:cNvSpPr txBox="1"/>
-          <p:nvPr/>
-        </p:nvSpPr>
-        <p:spPr>
-          <a:xfrm>
-            <a:off x="7531523" y="5194954"/>
-            <a:ext cx="620059" cy="369332"/>
-          </a:xfrm>
-          <a:prstGeom prst="rect">
-            <a:avLst/>
-          </a:prstGeom>
-          <a:noFill/>
-        </p:spPr>
-        <p:txBody>
-          <a:bodyPr wrap="square" rtlCol="0">
-            <a:spAutoFit/>
-          </a:bodyPr>
-          <a:lstStyle/>
-          <a:p>
-            <a:r>
-              <a:rPr lang="en-US" dirty="0" smtClean="0"/>
-              <a:t>200</a:t>
-            </a:r>
-            <a:endParaRPr lang="en-US" dirty="0"/>
-          </a:p>
-        </p:txBody>
-      </p:sp>
       <p:cxnSp>
         <p:nvCxnSpPr>
-          <p:cNvPr id="23" name="Straight Arrow Connector 22"/>
+          <p:cNvPr id="25" name="Straight Arrow Connector 24"/>
           <p:cNvCxnSpPr/>
           <p:nvPr/>
         </p:nvCxnSpPr>
         <p:spPr>
           <a:xfrm>
-            <a:off x="4495800" y="5029200"/>
-            <a:ext cx="4343400" cy="0"/>
+            <a:off x="6248400" y="4876800"/>
+            <a:ext cx="0" cy="459769"/>
+          </a:xfrm>
+          <a:prstGeom prst="straightConnector1">
+            <a:avLst/>
+          </a:prstGeom>
+          <a:ln w="28575">
+            <a:solidFill>
+              <a:srgbClr val="FFFFFF"/>
+            </a:solidFill>
+            <a:tailEnd type="arrow"/>
+          </a:ln>
+        </p:spPr>
+        <p:style>
+          <a:lnRef idx="1">
+            <a:schemeClr val="accent1"/>
+          </a:lnRef>
+          <a:fillRef idx="0">
+            <a:schemeClr val="accent1"/>
+          </a:fillRef>
+          <a:effectRef idx="0">
+            <a:schemeClr val="accent1"/>
+          </a:effectRef>
+          <a:fontRef idx="minor">
+            <a:schemeClr val="tx1"/>
+          </a:fontRef>
+        </p:style>
+      </p:cxnSp>
+      <p:cxnSp>
+        <p:nvCxnSpPr>
+          <p:cNvPr id="26" name="Straight Arrow Connector 25"/>
+          <p:cNvCxnSpPr/>
+          <p:nvPr/>
+        </p:nvCxnSpPr>
+        <p:spPr>
+          <a:xfrm>
+            <a:off x="7315200" y="4876800"/>
+            <a:ext cx="0" cy="463730"/>
           </a:xfrm>
           <a:prstGeom prst="straightConnector1">
             <a:avLst/>
@@ -4955,6 +5186,78 @@
           <a:ln w="28575">
             <a:solidFill>
               <a:srgbClr val="00B0F0"/>
+            </a:solidFill>
+            <a:tailEnd type="arrow"/>
+          </a:ln>
+        </p:spPr>
+        <p:style>
+          <a:lnRef idx="1">
+            <a:schemeClr val="accent1"/>
+          </a:lnRef>
+          <a:fillRef idx="0">
+            <a:schemeClr val="accent1"/>
+          </a:fillRef>
+          <a:effectRef idx="0">
+            <a:schemeClr val="accent1"/>
+          </a:effectRef>
+          <a:fontRef idx="minor">
+            <a:schemeClr val="tx1"/>
+          </a:fontRef>
+        </p:style>
+      </p:cxnSp>
+      <p:cxnSp>
+        <p:nvCxnSpPr>
+          <p:cNvPr id="27" name="Straight Arrow Connector 26"/>
+          <p:cNvCxnSpPr/>
+          <p:nvPr/>
+        </p:nvCxnSpPr>
+        <p:spPr>
+          <a:xfrm flipV="1">
+            <a:off x="5562600" y="5791200"/>
+            <a:ext cx="0" cy="471436"/>
+          </a:xfrm>
+          <a:prstGeom prst="straightConnector1">
+            <a:avLst/>
+          </a:prstGeom>
+          <a:ln w="28575">
+            <a:solidFill>
+              <a:srgbClr val="FF0000"/>
+            </a:solidFill>
+            <a:tailEnd type="arrow"/>
+          </a:ln>
+        </p:spPr>
+        <p:style>
+          <a:lnRef idx="1">
+            <a:schemeClr val="accent1"/>
+          </a:lnRef>
+          <a:fillRef idx="0">
+            <a:schemeClr val="accent1"/>
+          </a:fillRef>
+          <a:effectRef idx="0">
+            <a:schemeClr val="accent1"/>
+          </a:effectRef>
+          <a:fontRef idx="minor">
+            <a:schemeClr val="tx1"/>
+          </a:fontRef>
+        </p:style>
+      </p:cxnSp>
+      <p:cxnSp>
+        <p:nvCxnSpPr>
+          <p:cNvPr id="35" name="Straight Arrow Connector 34"/>
+          <p:cNvCxnSpPr/>
+          <p:nvPr/>
+        </p:nvCxnSpPr>
+        <p:spPr>
+          <a:xfrm flipV="1">
+            <a:off x="4876800" y="5362647"/>
+            <a:ext cx="0" cy="471436"/>
+          </a:xfrm>
+          <a:prstGeom prst="straightConnector1">
+            <a:avLst/>
+          </a:prstGeom>
+          <a:ln w="28575">
+            <a:solidFill>
+              <a:srgbClr val="FF0000"/>
             </a:solidFill>
             <a:tailEnd type="arrow"/>
           </a:ln>
@@ -4987,9 +5290,877 @@
   <p:timing>
     <p:tnLst>
       <p:par>
-        <p:cTn id="1" dur="indefinite" restart="never" nodeType="tmRoot"/>
+        <p:cTn id="1" dur="indefinite" restart="never" nodeType="tmRoot">
+          <p:childTnLst>
+            <p:seq concurrent="1" nextAc="seek">
+              <p:cTn id="2" dur="indefinite" nodeType="mainSeq">
+                <p:childTnLst>
+                  <p:par>
+                    <p:cTn id="3" fill="hold">
+                      <p:stCondLst>
+                        <p:cond delay="indefinite"/>
+                      </p:stCondLst>
+                      <p:childTnLst>
+                        <p:par>
+                          <p:cTn id="4" fill="hold">
+                            <p:stCondLst>
+                              <p:cond delay="0"/>
+                            </p:stCondLst>
+                            <p:childTnLst>
+                              <p:par>
+                                <p:cTn id="5" presetID="10" presetClass="entr" presetSubtype="0" fill="hold" grpId="0" nodeType="clickEffect">
+                                  <p:stCondLst>
+                                    <p:cond delay="0"/>
+                                  </p:stCondLst>
+                                  <p:childTnLst>
+                                    <p:set>
+                                      <p:cBhvr>
+                                        <p:cTn id="6" dur="1" fill="hold">
+                                          <p:stCondLst>
+                                            <p:cond delay="0"/>
+                                          </p:stCondLst>
+                                        </p:cTn>
+                                        <p:tgtEl>
+                                          <p:spTgt spid="2">
+                                            <p:txEl>
+                                              <p:pRg st="0" end="0"/>
+                                            </p:txEl>
+                                          </p:spTgt>
+                                        </p:tgtEl>
+                                        <p:attrNameLst>
+                                          <p:attrName>style.visibility</p:attrName>
+                                        </p:attrNameLst>
+                                      </p:cBhvr>
+                                      <p:to>
+                                        <p:strVal val="visible"/>
+                                      </p:to>
+                                    </p:set>
+                                    <p:animEffect transition="in" filter="fade">
+                                      <p:cBhvr>
+                                        <p:cTn id="7" dur="500"/>
+                                        <p:tgtEl>
+                                          <p:spTgt spid="2">
+                                            <p:txEl>
+                                              <p:pRg st="0" end="0"/>
+                                            </p:txEl>
+                                          </p:spTgt>
+                                        </p:tgtEl>
+                                      </p:cBhvr>
+                                    </p:animEffect>
+                                  </p:childTnLst>
+                                </p:cTn>
+                              </p:par>
+                              <p:par>
+                                <p:cTn id="8" presetID="10" presetClass="entr" presetSubtype="0" fill="hold" grpId="0" nodeType="withEffect">
+                                  <p:stCondLst>
+                                    <p:cond delay="0"/>
+                                  </p:stCondLst>
+                                  <p:childTnLst>
+                                    <p:set>
+                                      <p:cBhvr>
+                                        <p:cTn id="9" dur="1" fill="hold">
+                                          <p:stCondLst>
+                                            <p:cond delay="0"/>
+                                          </p:stCondLst>
+                                        </p:cTn>
+                                        <p:tgtEl>
+                                          <p:spTgt spid="2">
+                                            <p:txEl>
+                                              <p:pRg st="1" end="1"/>
+                                            </p:txEl>
+                                          </p:spTgt>
+                                        </p:tgtEl>
+                                        <p:attrNameLst>
+                                          <p:attrName>style.visibility</p:attrName>
+                                        </p:attrNameLst>
+                                      </p:cBhvr>
+                                      <p:to>
+                                        <p:strVal val="visible"/>
+                                      </p:to>
+                                    </p:set>
+                                    <p:animEffect transition="in" filter="fade">
+                                      <p:cBhvr>
+                                        <p:cTn id="10" dur="500"/>
+                                        <p:tgtEl>
+                                          <p:spTgt spid="2">
+                                            <p:txEl>
+                                              <p:pRg st="1" end="1"/>
+                                            </p:txEl>
+                                          </p:spTgt>
+                                        </p:tgtEl>
+                                      </p:cBhvr>
+                                    </p:animEffect>
+                                  </p:childTnLst>
+                                </p:cTn>
+                              </p:par>
+                              <p:par>
+                                <p:cTn id="11" presetID="10" presetClass="entr" presetSubtype="0" fill="hold" grpId="0" nodeType="withEffect">
+                                  <p:stCondLst>
+                                    <p:cond delay="0"/>
+                                  </p:stCondLst>
+                                  <p:childTnLst>
+                                    <p:set>
+                                      <p:cBhvr>
+                                        <p:cTn id="12" dur="1" fill="hold">
+                                          <p:stCondLst>
+                                            <p:cond delay="0"/>
+                                          </p:stCondLst>
+                                        </p:cTn>
+                                        <p:tgtEl>
+                                          <p:spTgt spid="2">
+                                            <p:txEl>
+                                              <p:pRg st="2" end="2"/>
+                                            </p:txEl>
+                                          </p:spTgt>
+                                        </p:tgtEl>
+                                        <p:attrNameLst>
+                                          <p:attrName>style.visibility</p:attrName>
+                                        </p:attrNameLst>
+                                      </p:cBhvr>
+                                      <p:to>
+                                        <p:strVal val="visible"/>
+                                      </p:to>
+                                    </p:set>
+                                    <p:animEffect transition="in" filter="fade">
+                                      <p:cBhvr>
+                                        <p:cTn id="13" dur="500"/>
+                                        <p:tgtEl>
+                                          <p:spTgt spid="2">
+                                            <p:txEl>
+                                              <p:pRg st="2" end="2"/>
+                                            </p:txEl>
+                                          </p:spTgt>
+                                        </p:tgtEl>
+                                      </p:cBhvr>
+                                    </p:animEffect>
+                                  </p:childTnLst>
+                                </p:cTn>
+                              </p:par>
+                              <p:par>
+                                <p:cTn id="14" presetID="10" presetClass="entr" presetSubtype="0" fill="hold" grpId="0" nodeType="withEffect">
+                                  <p:stCondLst>
+                                    <p:cond delay="0"/>
+                                  </p:stCondLst>
+                                  <p:childTnLst>
+                                    <p:set>
+                                      <p:cBhvr>
+                                        <p:cTn id="15" dur="1" fill="hold">
+                                          <p:stCondLst>
+                                            <p:cond delay="0"/>
+                                          </p:stCondLst>
+                                        </p:cTn>
+                                        <p:tgtEl>
+                                          <p:spTgt spid="2">
+                                            <p:txEl>
+                                              <p:pRg st="3" end="3"/>
+                                            </p:txEl>
+                                          </p:spTgt>
+                                        </p:tgtEl>
+                                        <p:attrNameLst>
+                                          <p:attrName>style.visibility</p:attrName>
+                                        </p:attrNameLst>
+                                      </p:cBhvr>
+                                      <p:to>
+                                        <p:strVal val="visible"/>
+                                      </p:to>
+                                    </p:set>
+                                    <p:animEffect transition="in" filter="fade">
+                                      <p:cBhvr>
+                                        <p:cTn id="16" dur="500"/>
+                                        <p:tgtEl>
+                                          <p:spTgt spid="2">
+                                            <p:txEl>
+                                              <p:pRg st="3" end="3"/>
+                                            </p:txEl>
+                                          </p:spTgt>
+                                        </p:tgtEl>
+                                      </p:cBhvr>
+                                    </p:animEffect>
+                                  </p:childTnLst>
+                                </p:cTn>
+                              </p:par>
+                              <p:par>
+                                <p:cTn id="17" presetID="10" presetClass="entr" presetSubtype="0" fill="hold" grpId="0" nodeType="withEffect">
+                                  <p:stCondLst>
+                                    <p:cond delay="0"/>
+                                  </p:stCondLst>
+                                  <p:childTnLst>
+                                    <p:set>
+                                      <p:cBhvr>
+                                        <p:cTn id="18" dur="1" fill="hold">
+                                          <p:stCondLst>
+                                            <p:cond delay="0"/>
+                                          </p:stCondLst>
+                                        </p:cTn>
+                                        <p:tgtEl>
+                                          <p:spTgt spid="2">
+                                            <p:txEl>
+                                              <p:pRg st="4" end="4"/>
+                                            </p:txEl>
+                                          </p:spTgt>
+                                        </p:tgtEl>
+                                        <p:attrNameLst>
+                                          <p:attrName>style.visibility</p:attrName>
+                                        </p:attrNameLst>
+                                      </p:cBhvr>
+                                      <p:to>
+                                        <p:strVal val="visible"/>
+                                      </p:to>
+                                    </p:set>
+                                    <p:animEffect transition="in" filter="fade">
+                                      <p:cBhvr>
+                                        <p:cTn id="19" dur="500"/>
+                                        <p:tgtEl>
+                                          <p:spTgt spid="2">
+                                            <p:txEl>
+                                              <p:pRg st="4" end="4"/>
+                                            </p:txEl>
+                                          </p:spTgt>
+                                        </p:tgtEl>
+                                      </p:cBhvr>
+                                    </p:animEffect>
+                                  </p:childTnLst>
+                                </p:cTn>
+                              </p:par>
+                            </p:childTnLst>
+                          </p:cTn>
+                        </p:par>
+                      </p:childTnLst>
+                    </p:cTn>
+                  </p:par>
+                  <p:par>
+                    <p:cTn id="20" fill="hold">
+                      <p:stCondLst>
+                        <p:cond delay="indefinite"/>
+                      </p:stCondLst>
+                      <p:childTnLst>
+                        <p:par>
+                          <p:cTn id="21" fill="hold">
+                            <p:stCondLst>
+                              <p:cond delay="0"/>
+                            </p:stCondLst>
+                            <p:childTnLst>
+                              <p:par>
+                                <p:cTn id="22" presetID="10" presetClass="entr" presetSubtype="0" fill="hold" grpId="0" nodeType="clickEffect">
+                                  <p:stCondLst>
+                                    <p:cond delay="0"/>
+                                  </p:stCondLst>
+                                  <p:childTnLst>
+                                    <p:set>
+                                      <p:cBhvr>
+                                        <p:cTn id="23" dur="1" fill="hold">
+                                          <p:stCondLst>
+                                            <p:cond delay="0"/>
+                                          </p:stCondLst>
+                                        </p:cTn>
+                                        <p:tgtEl>
+                                          <p:spTgt spid="3">
+                                            <p:txEl>
+                                              <p:pRg st="0" end="0"/>
+                                            </p:txEl>
+                                          </p:spTgt>
+                                        </p:tgtEl>
+                                        <p:attrNameLst>
+                                          <p:attrName>style.visibility</p:attrName>
+                                        </p:attrNameLst>
+                                      </p:cBhvr>
+                                      <p:to>
+                                        <p:strVal val="visible"/>
+                                      </p:to>
+                                    </p:set>
+                                    <p:animEffect transition="in" filter="fade">
+                                      <p:cBhvr>
+                                        <p:cTn id="24" dur="500"/>
+                                        <p:tgtEl>
+                                          <p:spTgt spid="3">
+                                            <p:txEl>
+                                              <p:pRg st="0" end="0"/>
+                                            </p:txEl>
+                                          </p:spTgt>
+                                        </p:tgtEl>
+                                      </p:cBhvr>
+                                    </p:animEffect>
+                                  </p:childTnLst>
+                                </p:cTn>
+                              </p:par>
+                              <p:par>
+                                <p:cTn id="25" presetID="10" presetClass="entr" presetSubtype="0" fill="hold" grpId="0" nodeType="withEffect">
+                                  <p:stCondLst>
+                                    <p:cond delay="0"/>
+                                  </p:stCondLst>
+                                  <p:childTnLst>
+                                    <p:set>
+                                      <p:cBhvr>
+                                        <p:cTn id="26" dur="1" fill="hold">
+                                          <p:stCondLst>
+                                            <p:cond delay="0"/>
+                                          </p:stCondLst>
+                                        </p:cTn>
+                                        <p:tgtEl>
+                                          <p:spTgt spid="3">
+                                            <p:txEl>
+                                              <p:pRg st="1" end="1"/>
+                                            </p:txEl>
+                                          </p:spTgt>
+                                        </p:tgtEl>
+                                        <p:attrNameLst>
+                                          <p:attrName>style.visibility</p:attrName>
+                                        </p:attrNameLst>
+                                      </p:cBhvr>
+                                      <p:to>
+                                        <p:strVal val="visible"/>
+                                      </p:to>
+                                    </p:set>
+                                    <p:animEffect transition="in" filter="fade">
+                                      <p:cBhvr>
+                                        <p:cTn id="27" dur="500"/>
+                                        <p:tgtEl>
+                                          <p:spTgt spid="3">
+                                            <p:txEl>
+                                              <p:pRg st="1" end="1"/>
+                                            </p:txEl>
+                                          </p:spTgt>
+                                        </p:tgtEl>
+                                      </p:cBhvr>
+                                    </p:animEffect>
+                                  </p:childTnLst>
+                                </p:cTn>
+                              </p:par>
+                            </p:childTnLst>
+                          </p:cTn>
+                        </p:par>
+                      </p:childTnLst>
+                    </p:cTn>
+                  </p:par>
+                  <p:par>
+                    <p:cTn id="28" fill="hold">
+                      <p:stCondLst>
+                        <p:cond delay="indefinite"/>
+                      </p:stCondLst>
+                      <p:childTnLst>
+                        <p:par>
+                          <p:cTn id="29" fill="hold">
+                            <p:stCondLst>
+                              <p:cond delay="0"/>
+                            </p:stCondLst>
+                            <p:childTnLst>
+                              <p:par>
+                                <p:cTn id="30" presetID="42" presetClass="entr" presetSubtype="0" fill="hold" nodeType="clickEffect">
+                                  <p:stCondLst>
+                                    <p:cond delay="0"/>
+                                  </p:stCondLst>
+                                  <p:childTnLst>
+                                    <p:set>
+                                      <p:cBhvr>
+                                        <p:cTn id="31" dur="1" fill="hold">
+                                          <p:stCondLst>
+                                            <p:cond delay="0"/>
+                                          </p:stCondLst>
+                                        </p:cTn>
+                                        <p:tgtEl>
+                                          <p:spTgt spid="6"/>
+                                        </p:tgtEl>
+                                        <p:attrNameLst>
+                                          <p:attrName>style.visibility</p:attrName>
+                                        </p:attrNameLst>
+                                      </p:cBhvr>
+                                      <p:to>
+                                        <p:strVal val="visible"/>
+                                      </p:to>
+                                    </p:set>
+                                    <p:animEffect transition="in" filter="fade">
+                                      <p:cBhvr>
+                                        <p:cTn id="32" dur="1000"/>
+                                        <p:tgtEl>
+                                          <p:spTgt spid="6"/>
+                                        </p:tgtEl>
+                                      </p:cBhvr>
+                                    </p:animEffect>
+                                    <p:anim calcmode="lin" valueType="num">
+                                      <p:cBhvr>
+                                        <p:cTn id="33" dur="1000" fill="hold"/>
+                                        <p:tgtEl>
+                                          <p:spTgt spid="6"/>
+                                        </p:tgtEl>
+                                        <p:attrNameLst>
+                                          <p:attrName>ppt_x</p:attrName>
+                                        </p:attrNameLst>
+                                      </p:cBhvr>
+                                      <p:tavLst>
+                                        <p:tav tm="0">
+                                          <p:val>
+                                            <p:strVal val="#ppt_x"/>
+                                          </p:val>
+                                        </p:tav>
+                                        <p:tav tm="100000">
+                                          <p:val>
+                                            <p:strVal val="#ppt_x"/>
+                                          </p:val>
+                                        </p:tav>
+                                      </p:tavLst>
+                                    </p:anim>
+                                    <p:anim calcmode="lin" valueType="num">
+                                      <p:cBhvr>
+                                        <p:cTn id="34" dur="1000" fill="hold"/>
+                                        <p:tgtEl>
+                                          <p:spTgt spid="6"/>
+                                        </p:tgtEl>
+                                        <p:attrNameLst>
+                                          <p:attrName>ppt_y</p:attrName>
+                                        </p:attrNameLst>
+                                      </p:cBhvr>
+                                      <p:tavLst>
+                                        <p:tav tm="0">
+                                          <p:val>
+                                            <p:strVal val="#ppt_y+.1"/>
+                                          </p:val>
+                                        </p:tav>
+                                        <p:tav tm="100000">
+                                          <p:val>
+                                            <p:strVal val="#ppt_y"/>
+                                          </p:val>
+                                        </p:tav>
+                                      </p:tavLst>
+                                    </p:anim>
+                                  </p:childTnLst>
+                                </p:cTn>
+                              </p:par>
+                            </p:childTnLst>
+                          </p:cTn>
+                        </p:par>
+                      </p:childTnLst>
+                    </p:cTn>
+                  </p:par>
+                  <p:par>
+                    <p:cTn id="35" fill="hold">
+                      <p:stCondLst>
+                        <p:cond delay="indefinite"/>
+                      </p:stCondLst>
+                      <p:childTnLst>
+                        <p:par>
+                          <p:cTn id="36" fill="hold">
+                            <p:stCondLst>
+                              <p:cond delay="0"/>
+                            </p:stCondLst>
+                            <p:childTnLst>
+                              <p:par>
+                                <p:cTn id="37" presetID="10" presetClass="entr" presetSubtype="0" fill="hold" nodeType="clickEffect">
+                                  <p:stCondLst>
+                                    <p:cond delay="0"/>
+                                  </p:stCondLst>
+                                  <p:childTnLst>
+                                    <p:set>
+                                      <p:cBhvr>
+                                        <p:cTn id="38" dur="1" fill="hold">
+                                          <p:stCondLst>
+                                            <p:cond delay="0"/>
+                                          </p:stCondLst>
+                                        </p:cTn>
+                                        <p:tgtEl>
+                                          <p:spTgt spid="7"/>
+                                        </p:tgtEl>
+                                        <p:attrNameLst>
+                                          <p:attrName>style.visibility</p:attrName>
+                                        </p:attrNameLst>
+                                      </p:cBhvr>
+                                      <p:to>
+                                        <p:strVal val="visible"/>
+                                      </p:to>
+                                    </p:set>
+                                    <p:animEffect transition="in" filter="fade">
+                                      <p:cBhvr>
+                                        <p:cTn id="39" dur="500"/>
+                                        <p:tgtEl>
+                                          <p:spTgt spid="7"/>
+                                        </p:tgtEl>
+                                      </p:cBhvr>
+                                    </p:animEffect>
+                                  </p:childTnLst>
+                                </p:cTn>
+                              </p:par>
+                            </p:childTnLst>
+                          </p:cTn>
+                        </p:par>
+                      </p:childTnLst>
+                    </p:cTn>
+                  </p:par>
+                  <p:par>
+                    <p:cTn id="40" fill="hold">
+                      <p:stCondLst>
+                        <p:cond delay="indefinite"/>
+                      </p:stCondLst>
+                      <p:childTnLst>
+                        <p:par>
+                          <p:cTn id="41" fill="hold">
+                            <p:stCondLst>
+                              <p:cond delay="0"/>
+                            </p:stCondLst>
+                            <p:childTnLst>
+                              <p:par>
+                                <p:cTn id="42" presetID="10" presetClass="entr" presetSubtype="0" fill="hold" nodeType="clickEffect">
+                                  <p:stCondLst>
+                                    <p:cond delay="0"/>
+                                  </p:stCondLst>
+                                  <p:childTnLst>
+                                    <p:set>
+                                      <p:cBhvr>
+                                        <p:cTn id="43" dur="1" fill="hold">
+                                          <p:stCondLst>
+                                            <p:cond delay="0"/>
+                                          </p:stCondLst>
+                                        </p:cTn>
+                                        <p:tgtEl>
+                                          <p:spTgt spid="9"/>
+                                        </p:tgtEl>
+                                        <p:attrNameLst>
+                                          <p:attrName>style.visibility</p:attrName>
+                                        </p:attrNameLst>
+                                      </p:cBhvr>
+                                      <p:to>
+                                        <p:strVal val="visible"/>
+                                      </p:to>
+                                    </p:set>
+                                    <p:animEffect transition="in" filter="fade">
+                                      <p:cBhvr>
+                                        <p:cTn id="44" dur="500"/>
+                                        <p:tgtEl>
+                                          <p:spTgt spid="9"/>
+                                        </p:tgtEl>
+                                      </p:cBhvr>
+                                    </p:animEffect>
+                                  </p:childTnLst>
+                                </p:cTn>
+                              </p:par>
+                              <p:par>
+                                <p:cTn id="45" presetID="10" presetClass="entr" presetSubtype="0" fill="hold" nodeType="withEffect">
+                                  <p:stCondLst>
+                                    <p:cond delay="0"/>
+                                  </p:stCondLst>
+                                  <p:childTnLst>
+                                    <p:set>
+                                      <p:cBhvr>
+                                        <p:cTn id="46" dur="1" fill="hold">
+                                          <p:stCondLst>
+                                            <p:cond delay="0"/>
+                                          </p:stCondLst>
+                                        </p:cTn>
+                                        <p:tgtEl>
+                                          <p:spTgt spid="20"/>
+                                        </p:tgtEl>
+                                        <p:attrNameLst>
+                                          <p:attrName>style.visibility</p:attrName>
+                                        </p:attrNameLst>
+                                      </p:cBhvr>
+                                      <p:to>
+                                        <p:strVal val="visible"/>
+                                      </p:to>
+                                    </p:set>
+                                    <p:animEffect transition="in" filter="fade">
+                                      <p:cBhvr>
+                                        <p:cTn id="47" dur="500"/>
+                                        <p:tgtEl>
+                                          <p:spTgt spid="20"/>
+                                        </p:tgtEl>
+                                      </p:cBhvr>
+                                    </p:animEffect>
+                                  </p:childTnLst>
+                                </p:cTn>
+                              </p:par>
+                              <p:par>
+                                <p:cTn id="48" presetID="10" presetClass="entr" presetSubtype="0" fill="hold" nodeType="withEffect">
+                                  <p:stCondLst>
+                                    <p:cond delay="0"/>
+                                  </p:stCondLst>
+                                  <p:childTnLst>
+                                    <p:set>
+                                      <p:cBhvr>
+                                        <p:cTn id="49" dur="1" fill="hold">
+                                          <p:stCondLst>
+                                            <p:cond delay="0"/>
+                                          </p:stCondLst>
+                                        </p:cTn>
+                                        <p:tgtEl>
+                                          <p:spTgt spid="22"/>
+                                        </p:tgtEl>
+                                        <p:attrNameLst>
+                                          <p:attrName>style.visibility</p:attrName>
+                                        </p:attrNameLst>
+                                      </p:cBhvr>
+                                      <p:to>
+                                        <p:strVal val="visible"/>
+                                      </p:to>
+                                    </p:set>
+                                    <p:animEffect transition="in" filter="fade">
+                                      <p:cBhvr>
+                                        <p:cTn id="50" dur="500"/>
+                                        <p:tgtEl>
+                                          <p:spTgt spid="22"/>
+                                        </p:tgtEl>
+                                      </p:cBhvr>
+                                    </p:animEffect>
+                                  </p:childTnLst>
+                                </p:cTn>
+                              </p:par>
+                            </p:childTnLst>
+                          </p:cTn>
+                        </p:par>
+                      </p:childTnLst>
+                    </p:cTn>
+                  </p:par>
+                  <p:par>
+                    <p:cTn id="51" fill="hold">
+                      <p:stCondLst>
+                        <p:cond delay="indefinite"/>
+                      </p:stCondLst>
+                      <p:childTnLst>
+                        <p:par>
+                          <p:cTn id="52" fill="hold">
+                            <p:stCondLst>
+                              <p:cond delay="0"/>
+                            </p:stCondLst>
+                            <p:childTnLst>
+                              <p:par>
+                                <p:cTn id="53" presetID="10" presetClass="entr" presetSubtype="0" fill="hold" nodeType="clickEffect">
+                                  <p:stCondLst>
+                                    <p:cond delay="0"/>
+                                  </p:stCondLst>
+                                  <p:childTnLst>
+                                    <p:set>
+                                      <p:cBhvr>
+                                        <p:cTn id="54" dur="1" fill="hold">
+                                          <p:stCondLst>
+                                            <p:cond delay="0"/>
+                                          </p:stCondLst>
+                                        </p:cTn>
+                                        <p:tgtEl>
+                                          <p:spTgt spid="24"/>
+                                        </p:tgtEl>
+                                        <p:attrNameLst>
+                                          <p:attrName>style.visibility</p:attrName>
+                                        </p:attrNameLst>
+                                      </p:cBhvr>
+                                      <p:to>
+                                        <p:strVal val="visible"/>
+                                      </p:to>
+                                    </p:set>
+                                    <p:animEffect transition="in" filter="fade">
+                                      <p:cBhvr>
+                                        <p:cTn id="55" dur="500"/>
+                                        <p:tgtEl>
+                                          <p:spTgt spid="24"/>
+                                        </p:tgtEl>
+                                      </p:cBhvr>
+                                    </p:animEffect>
+                                  </p:childTnLst>
+                                </p:cTn>
+                              </p:par>
+                              <p:par>
+                                <p:cTn id="56" presetID="10" presetClass="entr" presetSubtype="0" fill="hold" nodeType="withEffect">
+                                  <p:stCondLst>
+                                    <p:cond delay="0"/>
+                                  </p:stCondLst>
+                                  <p:childTnLst>
+                                    <p:set>
+                                      <p:cBhvr>
+                                        <p:cTn id="57" dur="1" fill="hold">
+                                          <p:stCondLst>
+                                            <p:cond delay="0"/>
+                                          </p:stCondLst>
+                                        </p:cTn>
+                                        <p:tgtEl>
+                                          <p:spTgt spid="25"/>
+                                        </p:tgtEl>
+                                        <p:attrNameLst>
+                                          <p:attrName>style.visibility</p:attrName>
+                                        </p:attrNameLst>
+                                      </p:cBhvr>
+                                      <p:to>
+                                        <p:strVal val="visible"/>
+                                      </p:to>
+                                    </p:set>
+                                    <p:animEffect transition="in" filter="fade">
+                                      <p:cBhvr>
+                                        <p:cTn id="58" dur="500"/>
+                                        <p:tgtEl>
+                                          <p:spTgt spid="25"/>
+                                        </p:tgtEl>
+                                      </p:cBhvr>
+                                    </p:animEffect>
+                                  </p:childTnLst>
+                                </p:cTn>
+                              </p:par>
+                            </p:childTnLst>
+                          </p:cTn>
+                        </p:par>
+                      </p:childTnLst>
+                    </p:cTn>
+                  </p:par>
+                  <p:par>
+                    <p:cTn id="59" fill="hold">
+                      <p:stCondLst>
+                        <p:cond delay="indefinite"/>
+                      </p:stCondLst>
+                      <p:childTnLst>
+                        <p:par>
+                          <p:cTn id="60" fill="hold">
+                            <p:stCondLst>
+                              <p:cond delay="0"/>
+                            </p:stCondLst>
+                            <p:childTnLst>
+                              <p:par>
+                                <p:cTn id="61" presetID="10" presetClass="entr" presetSubtype="0" fill="hold" nodeType="clickEffect">
+                                  <p:stCondLst>
+                                    <p:cond delay="0"/>
+                                  </p:stCondLst>
+                                  <p:childTnLst>
+                                    <p:set>
+                                      <p:cBhvr>
+                                        <p:cTn id="62" dur="1" fill="hold">
+                                          <p:stCondLst>
+                                            <p:cond delay="0"/>
+                                          </p:stCondLst>
+                                        </p:cTn>
+                                        <p:tgtEl>
+                                          <p:spTgt spid="26"/>
+                                        </p:tgtEl>
+                                        <p:attrNameLst>
+                                          <p:attrName>style.visibility</p:attrName>
+                                        </p:attrNameLst>
+                                      </p:cBhvr>
+                                      <p:to>
+                                        <p:strVal val="visible"/>
+                                      </p:to>
+                                    </p:set>
+                                    <p:animEffect transition="in" filter="fade">
+                                      <p:cBhvr>
+                                        <p:cTn id="63" dur="500"/>
+                                        <p:tgtEl>
+                                          <p:spTgt spid="26"/>
+                                        </p:tgtEl>
+                                      </p:cBhvr>
+                                    </p:animEffect>
+                                  </p:childTnLst>
+                                </p:cTn>
+                              </p:par>
+                            </p:childTnLst>
+                          </p:cTn>
+                        </p:par>
+                      </p:childTnLst>
+                    </p:cTn>
+                  </p:par>
+                  <p:par>
+                    <p:cTn id="64" fill="hold">
+                      <p:stCondLst>
+                        <p:cond delay="indefinite"/>
+                      </p:stCondLst>
+                      <p:childTnLst>
+                        <p:par>
+                          <p:cTn id="65" fill="hold">
+                            <p:stCondLst>
+                              <p:cond delay="0"/>
+                            </p:stCondLst>
+                            <p:childTnLst>
+                              <p:par>
+                                <p:cTn id="66" presetID="10" presetClass="entr" presetSubtype="0" fill="hold" nodeType="clickEffect">
+                                  <p:stCondLst>
+                                    <p:cond delay="0"/>
+                                  </p:stCondLst>
+                                  <p:childTnLst>
+                                    <p:set>
+                                      <p:cBhvr>
+                                        <p:cTn id="67" dur="1" fill="hold">
+                                          <p:stCondLst>
+                                            <p:cond delay="0"/>
+                                          </p:stCondLst>
+                                        </p:cTn>
+                                        <p:tgtEl>
+                                          <p:spTgt spid="27"/>
+                                        </p:tgtEl>
+                                        <p:attrNameLst>
+                                          <p:attrName>style.visibility</p:attrName>
+                                        </p:attrNameLst>
+                                      </p:cBhvr>
+                                      <p:to>
+                                        <p:strVal val="visible"/>
+                                      </p:to>
+                                    </p:set>
+                                    <p:animEffect transition="in" filter="fade">
+                                      <p:cBhvr>
+                                        <p:cTn id="68" dur="500"/>
+                                        <p:tgtEl>
+                                          <p:spTgt spid="27"/>
+                                        </p:tgtEl>
+                                      </p:cBhvr>
+                                    </p:animEffect>
+                                  </p:childTnLst>
+                                </p:cTn>
+                              </p:par>
+                              <p:par>
+                                <p:cTn id="69" presetID="10" presetClass="entr" presetSubtype="0" fill="hold" nodeType="withEffect">
+                                  <p:stCondLst>
+                                    <p:cond delay="0"/>
+                                  </p:stCondLst>
+                                  <p:childTnLst>
+                                    <p:set>
+                                      <p:cBhvr>
+                                        <p:cTn id="70" dur="1" fill="hold">
+                                          <p:stCondLst>
+                                            <p:cond delay="0"/>
+                                          </p:stCondLst>
+                                        </p:cTn>
+                                        <p:tgtEl>
+                                          <p:spTgt spid="35"/>
+                                        </p:tgtEl>
+                                        <p:attrNameLst>
+                                          <p:attrName>style.visibility</p:attrName>
+                                        </p:attrNameLst>
+                                      </p:cBhvr>
+                                      <p:to>
+                                        <p:strVal val="visible"/>
+                                      </p:to>
+                                    </p:set>
+                                    <p:animEffect transition="in" filter="fade">
+                                      <p:cBhvr>
+                                        <p:cTn id="71" dur="500"/>
+                                        <p:tgtEl>
+                                          <p:spTgt spid="35"/>
+                                        </p:tgtEl>
+                                      </p:cBhvr>
+                                    </p:animEffect>
+                                  </p:childTnLst>
+                                </p:cTn>
+                              </p:par>
+                            </p:childTnLst>
+                          </p:cTn>
+                        </p:par>
+                      </p:childTnLst>
+                    </p:cTn>
+                  </p:par>
+                </p:childTnLst>
+              </p:cTn>
+              <p:prevCondLst>
+                <p:cond evt="onPrev" delay="0">
+                  <p:tgtEl>
+                    <p:sldTgt/>
+                  </p:tgtEl>
+                </p:cond>
+              </p:prevCondLst>
+              <p:nextCondLst>
+                <p:cond evt="onNext" delay="0">
+                  <p:tgtEl>
+                    <p:sldTgt/>
+                  </p:tgtEl>
+                </p:cond>
+              </p:nextCondLst>
+            </p:seq>
+          </p:childTnLst>
+        </p:cTn>
       </p:par>
     </p:tnLst>
+    <p:bldLst>
+      <p:bldP spid="2" grpId="0" uiExpand="1" build="p"/>
+      <p:bldP spid="3" grpId="0" uiExpand="1" build="p"/>
+    </p:bldLst>
   </p:timing>
 </p:sld>
 </file>
@@ -5021,7 +6192,12 @@
             <p:ph sz="quarter" idx="13"/>
           </p:nvPr>
         </p:nvSpPr>
-        <p:spPr/>
+        <p:spPr>
+          <a:xfrm>
+            <a:off x="609600" y="1600200"/>
+            <a:ext cx="3733800" cy="533400"/>
+          </a:xfrm>
+        </p:spPr>
         <p:txBody>
           <a:bodyPr>
             <a:normAutofit/>
@@ -5057,6 +6233,924 @@
                 </a:solidFill>
               </a:rPr>
               <a:t>BOUNDARY TEST</a:t>
+            </a:r>
+            <a:endParaRPr lang="en-US" dirty="0"/>
+          </a:p>
+        </p:txBody>
+      </p:sp>
+      <p:cxnSp>
+        <p:nvCxnSpPr>
+          <p:cNvPr id="7" name="Straight Arrow Connector 6"/>
+          <p:cNvCxnSpPr/>
+          <p:nvPr/>
+        </p:nvCxnSpPr>
+        <p:spPr>
+          <a:xfrm>
+            <a:off x="762000" y="3733800"/>
+            <a:ext cx="7543800" cy="0"/>
+          </a:xfrm>
+          <a:prstGeom prst="straightConnector1">
+            <a:avLst/>
+          </a:prstGeom>
+          <a:ln w="28575">
+            <a:tailEnd type="arrow"/>
+          </a:ln>
+        </p:spPr>
+        <p:style>
+          <a:lnRef idx="1">
+            <a:schemeClr val="accent1"/>
+          </a:lnRef>
+          <a:fillRef idx="0">
+            <a:schemeClr val="accent1"/>
+          </a:fillRef>
+          <a:effectRef idx="0">
+            <a:schemeClr val="accent1"/>
+          </a:effectRef>
+          <a:fontRef idx="minor">
+            <a:schemeClr val="tx1"/>
+          </a:fontRef>
+        </p:style>
+      </p:cxnSp>
+      <p:cxnSp>
+        <p:nvCxnSpPr>
+          <p:cNvPr id="10" name="Straight Connector 9"/>
+          <p:cNvCxnSpPr/>
+          <p:nvPr/>
+        </p:nvCxnSpPr>
+        <p:spPr>
+          <a:xfrm>
+            <a:off x="1905000" y="3581400"/>
+            <a:ext cx="0" cy="381000"/>
+          </a:xfrm>
+          <a:prstGeom prst="line">
+            <a:avLst/>
+          </a:prstGeom>
+        </p:spPr>
+        <p:style>
+          <a:lnRef idx="1">
+            <a:schemeClr val="accent1"/>
+          </a:lnRef>
+          <a:fillRef idx="0">
+            <a:schemeClr val="accent1"/>
+          </a:fillRef>
+          <a:effectRef idx="0">
+            <a:schemeClr val="accent1"/>
+          </a:effectRef>
+          <a:fontRef idx="minor">
+            <a:schemeClr val="tx1"/>
+          </a:fontRef>
+        </p:style>
+      </p:cxnSp>
+      <p:cxnSp>
+        <p:nvCxnSpPr>
+          <p:cNvPr id="14" name="Straight Connector 13"/>
+          <p:cNvCxnSpPr/>
+          <p:nvPr/>
+        </p:nvCxnSpPr>
+        <p:spPr>
+          <a:xfrm>
+            <a:off x="2971800" y="3581400"/>
+            <a:ext cx="0" cy="381000"/>
+          </a:xfrm>
+          <a:prstGeom prst="line">
+            <a:avLst/>
+          </a:prstGeom>
+        </p:spPr>
+        <p:style>
+          <a:lnRef idx="1">
+            <a:schemeClr val="accent1"/>
+          </a:lnRef>
+          <a:fillRef idx="0">
+            <a:schemeClr val="accent1"/>
+          </a:fillRef>
+          <a:effectRef idx="0">
+            <a:schemeClr val="accent1"/>
+          </a:effectRef>
+          <a:fontRef idx="minor">
+            <a:schemeClr val="tx1"/>
+          </a:fontRef>
+        </p:style>
+      </p:cxnSp>
+      <p:cxnSp>
+        <p:nvCxnSpPr>
+          <p:cNvPr id="15" name="Straight Connector 14"/>
+          <p:cNvCxnSpPr/>
+          <p:nvPr/>
+        </p:nvCxnSpPr>
+        <p:spPr>
+          <a:xfrm>
+            <a:off x="4191000" y="3561497"/>
+            <a:ext cx="0" cy="381000"/>
+          </a:xfrm>
+          <a:prstGeom prst="line">
+            <a:avLst/>
+          </a:prstGeom>
+        </p:spPr>
+        <p:style>
+          <a:lnRef idx="1">
+            <a:schemeClr val="accent1"/>
+          </a:lnRef>
+          <a:fillRef idx="0">
+            <a:schemeClr val="accent1"/>
+          </a:fillRef>
+          <a:effectRef idx="0">
+            <a:schemeClr val="accent1"/>
+          </a:effectRef>
+          <a:fontRef idx="minor">
+            <a:schemeClr val="tx1"/>
+          </a:fontRef>
+        </p:style>
+      </p:cxnSp>
+      <p:cxnSp>
+        <p:nvCxnSpPr>
+          <p:cNvPr id="16" name="Straight Connector 15"/>
+          <p:cNvCxnSpPr/>
+          <p:nvPr/>
+        </p:nvCxnSpPr>
+        <p:spPr>
+          <a:xfrm>
+            <a:off x="6172200" y="3561497"/>
+            <a:ext cx="0" cy="381000"/>
+          </a:xfrm>
+          <a:prstGeom prst="line">
+            <a:avLst/>
+          </a:prstGeom>
+        </p:spPr>
+        <p:style>
+          <a:lnRef idx="1">
+            <a:schemeClr val="accent1"/>
+          </a:lnRef>
+          <a:fillRef idx="0">
+            <a:schemeClr val="accent1"/>
+          </a:fillRef>
+          <a:effectRef idx="0">
+            <a:schemeClr val="accent1"/>
+          </a:effectRef>
+          <a:fontRef idx="minor">
+            <a:schemeClr val="tx1"/>
+          </a:fontRef>
+        </p:style>
+      </p:cxnSp>
+      <p:sp>
+        <p:nvSpPr>
+          <p:cNvPr id="18" name="Oval 17"/>
+          <p:cNvSpPr/>
+          <p:nvPr/>
+        </p:nvSpPr>
+        <p:spPr>
+          <a:xfrm>
+            <a:off x="2895600" y="3657600"/>
+            <a:ext cx="152400" cy="152400"/>
+          </a:xfrm>
+          <a:prstGeom prst="ellipse">
+            <a:avLst/>
+          </a:prstGeom>
+          <a:solidFill>
+            <a:srgbClr val="FFFF00"/>
+          </a:solidFill>
+        </p:spPr>
+        <p:style>
+          <a:lnRef idx="2">
+            <a:schemeClr val="accent1">
+              <a:shade val="50000"/>
+            </a:schemeClr>
+          </a:lnRef>
+          <a:fillRef idx="1">
+            <a:schemeClr val="accent1"/>
+          </a:fillRef>
+          <a:effectRef idx="0">
+            <a:schemeClr val="accent1"/>
+          </a:effectRef>
+          <a:fontRef idx="minor">
+            <a:schemeClr val="lt1"/>
+          </a:fontRef>
+        </p:style>
+        <p:txBody>
+          <a:bodyPr rtlCol="0" anchor="ctr"/>
+          <a:lstStyle/>
+          <a:p>
+            <a:pPr algn="ctr"/>
+            <a:endParaRPr lang="en-US"/>
+          </a:p>
+        </p:txBody>
+      </p:sp>
+      <p:sp>
+        <p:nvSpPr>
+          <p:cNvPr id="19" name="Oval 18"/>
+          <p:cNvSpPr/>
+          <p:nvPr/>
+        </p:nvSpPr>
+        <p:spPr>
+          <a:xfrm>
+            <a:off x="4114800" y="3654188"/>
+            <a:ext cx="152400" cy="152400"/>
+          </a:xfrm>
+          <a:prstGeom prst="ellipse">
+            <a:avLst/>
+          </a:prstGeom>
+          <a:solidFill>
+            <a:srgbClr val="FFFF00"/>
+          </a:solidFill>
+        </p:spPr>
+        <p:style>
+          <a:lnRef idx="2">
+            <a:schemeClr val="accent1">
+              <a:shade val="50000"/>
+            </a:schemeClr>
+          </a:lnRef>
+          <a:fillRef idx="1">
+            <a:schemeClr val="accent1"/>
+          </a:fillRef>
+          <a:effectRef idx="0">
+            <a:schemeClr val="accent1"/>
+          </a:effectRef>
+          <a:fontRef idx="minor">
+            <a:schemeClr val="lt1"/>
+          </a:fontRef>
+        </p:style>
+        <p:txBody>
+          <a:bodyPr rtlCol="0" anchor="ctr"/>
+          <a:lstStyle/>
+          <a:p>
+            <a:pPr algn="ctr"/>
+            <a:endParaRPr lang="en-US"/>
+          </a:p>
+        </p:txBody>
+      </p:sp>
+      <p:sp>
+        <p:nvSpPr>
+          <p:cNvPr id="20" name="Oval 19"/>
+          <p:cNvSpPr/>
+          <p:nvPr/>
+        </p:nvSpPr>
+        <p:spPr>
+          <a:xfrm>
+            <a:off x="6096000" y="3657600"/>
+            <a:ext cx="152400" cy="152400"/>
+          </a:xfrm>
+          <a:prstGeom prst="ellipse">
+            <a:avLst/>
+          </a:prstGeom>
+          <a:solidFill>
+            <a:srgbClr val="FFFF00"/>
+          </a:solidFill>
+        </p:spPr>
+        <p:style>
+          <a:lnRef idx="2">
+            <a:schemeClr val="accent1">
+              <a:shade val="50000"/>
+            </a:schemeClr>
+          </a:lnRef>
+          <a:fillRef idx="1">
+            <a:schemeClr val="accent1"/>
+          </a:fillRef>
+          <a:effectRef idx="0">
+            <a:schemeClr val="accent1"/>
+          </a:effectRef>
+          <a:fontRef idx="minor">
+            <a:schemeClr val="lt1"/>
+          </a:fontRef>
+        </p:style>
+        <p:txBody>
+          <a:bodyPr rtlCol="0" anchor="ctr"/>
+          <a:lstStyle/>
+          <a:p>
+            <a:pPr algn="ctr"/>
+            <a:endParaRPr lang="en-US"/>
+          </a:p>
+        </p:txBody>
+      </p:sp>
+      <p:sp>
+        <p:nvSpPr>
+          <p:cNvPr id="21" name="Oval 20"/>
+          <p:cNvSpPr/>
+          <p:nvPr/>
+        </p:nvSpPr>
+        <p:spPr>
+          <a:xfrm>
+            <a:off x="2743200" y="3657600"/>
+            <a:ext cx="152400" cy="152400"/>
+          </a:xfrm>
+          <a:prstGeom prst="ellipse">
+            <a:avLst/>
+          </a:prstGeom>
+          <a:solidFill>
+            <a:srgbClr val="FFFF00"/>
+          </a:solidFill>
+        </p:spPr>
+        <p:style>
+          <a:lnRef idx="2">
+            <a:schemeClr val="accent1">
+              <a:shade val="50000"/>
+            </a:schemeClr>
+          </a:lnRef>
+          <a:fillRef idx="1">
+            <a:schemeClr val="accent1"/>
+          </a:fillRef>
+          <a:effectRef idx="0">
+            <a:schemeClr val="accent1"/>
+          </a:effectRef>
+          <a:fontRef idx="minor">
+            <a:schemeClr val="lt1"/>
+          </a:fontRef>
+        </p:style>
+        <p:txBody>
+          <a:bodyPr rtlCol="0" anchor="ctr"/>
+          <a:lstStyle/>
+          <a:p>
+            <a:pPr algn="ctr"/>
+            <a:endParaRPr lang="en-US"/>
+          </a:p>
+        </p:txBody>
+      </p:sp>
+      <p:sp>
+        <p:nvSpPr>
+          <p:cNvPr id="22" name="Oval 21"/>
+          <p:cNvSpPr/>
+          <p:nvPr/>
+        </p:nvSpPr>
+        <p:spPr>
+          <a:xfrm>
+            <a:off x="3048000" y="3654188"/>
+            <a:ext cx="152400" cy="152400"/>
+          </a:xfrm>
+          <a:prstGeom prst="ellipse">
+            <a:avLst/>
+          </a:prstGeom>
+          <a:solidFill>
+            <a:srgbClr val="FFFF00"/>
+          </a:solidFill>
+        </p:spPr>
+        <p:style>
+          <a:lnRef idx="2">
+            <a:schemeClr val="accent1">
+              <a:shade val="50000"/>
+            </a:schemeClr>
+          </a:lnRef>
+          <a:fillRef idx="1">
+            <a:schemeClr val="accent1"/>
+          </a:fillRef>
+          <a:effectRef idx="0">
+            <a:schemeClr val="accent1"/>
+          </a:effectRef>
+          <a:fontRef idx="minor">
+            <a:schemeClr val="lt1"/>
+          </a:fontRef>
+        </p:style>
+        <p:txBody>
+          <a:bodyPr rtlCol="0" anchor="ctr"/>
+          <a:lstStyle/>
+          <a:p>
+            <a:pPr algn="ctr"/>
+            <a:endParaRPr lang="en-US"/>
+          </a:p>
+        </p:txBody>
+      </p:sp>
+      <p:sp>
+        <p:nvSpPr>
+          <p:cNvPr id="23" name="Oval 22"/>
+          <p:cNvSpPr/>
+          <p:nvPr/>
+        </p:nvSpPr>
+        <p:spPr>
+          <a:xfrm>
+            <a:off x="4267200" y="3657600"/>
+            <a:ext cx="152400" cy="152400"/>
+          </a:xfrm>
+          <a:prstGeom prst="ellipse">
+            <a:avLst/>
+          </a:prstGeom>
+          <a:solidFill>
+            <a:srgbClr val="FFFF00"/>
+          </a:solidFill>
+        </p:spPr>
+        <p:style>
+          <a:lnRef idx="2">
+            <a:schemeClr val="accent1">
+              <a:shade val="50000"/>
+            </a:schemeClr>
+          </a:lnRef>
+          <a:fillRef idx="1">
+            <a:schemeClr val="accent1"/>
+          </a:fillRef>
+          <a:effectRef idx="0">
+            <a:schemeClr val="accent1"/>
+          </a:effectRef>
+          <a:fontRef idx="minor">
+            <a:schemeClr val="lt1"/>
+          </a:fontRef>
+        </p:style>
+        <p:txBody>
+          <a:bodyPr rtlCol="0" anchor="ctr"/>
+          <a:lstStyle/>
+          <a:p>
+            <a:pPr algn="ctr"/>
+            <a:endParaRPr lang="en-US"/>
+          </a:p>
+        </p:txBody>
+      </p:sp>
+      <p:sp>
+        <p:nvSpPr>
+          <p:cNvPr id="24" name="Oval 23"/>
+          <p:cNvSpPr/>
+          <p:nvPr/>
+        </p:nvSpPr>
+        <p:spPr>
+          <a:xfrm>
+            <a:off x="3962400" y="3657600"/>
+            <a:ext cx="152400" cy="152400"/>
+          </a:xfrm>
+          <a:prstGeom prst="ellipse">
+            <a:avLst/>
+          </a:prstGeom>
+          <a:solidFill>
+            <a:srgbClr val="FFFF00"/>
+          </a:solidFill>
+        </p:spPr>
+        <p:style>
+          <a:lnRef idx="2">
+            <a:schemeClr val="accent1">
+              <a:shade val="50000"/>
+            </a:schemeClr>
+          </a:lnRef>
+          <a:fillRef idx="1">
+            <a:schemeClr val="accent1"/>
+          </a:fillRef>
+          <a:effectRef idx="0">
+            <a:schemeClr val="accent1"/>
+          </a:effectRef>
+          <a:fontRef idx="minor">
+            <a:schemeClr val="lt1"/>
+          </a:fontRef>
+        </p:style>
+        <p:txBody>
+          <a:bodyPr rtlCol="0" anchor="ctr"/>
+          <a:lstStyle/>
+          <a:p>
+            <a:pPr algn="ctr"/>
+            <a:endParaRPr lang="en-US"/>
+          </a:p>
+        </p:txBody>
+      </p:sp>
+      <p:sp>
+        <p:nvSpPr>
+          <p:cNvPr id="25" name="Oval 24"/>
+          <p:cNvSpPr/>
+          <p:nvPr/>
+        </p:nvSpPr>
+        <p:spPr>
+          <a:xfrm>
+            <a:off x="5943600" y="3657600"/>
+            <a:ext cx="152400" cy="152400"/>
+          </a:xfrm>
+          <a:prstGeom prst="ellipse">
+            <a:avLst/>
+          </a:prstGeom>
+          <a:solidFill>
+            <a:srgbClr val="FFFF00"/>
+          </a:solidFill>
+        </p:spPr>
+        <p:style>
+          <a:lnRef idx="2">
+            <a:schemeClr val="accent1">
+              <a:shade val="50000"/>
+            </a:schemeClr>
+          </a:lnRef>
+          <a:fillRef idx="1">
+            <a:schemeClr val="accent1"/>
+          </a:fillRef>
+          <a:effectRef idx="0">
+            <a:schemeClr val="accent1"/>
+          </a:effectRef>
+          <a:fontRef idx="minor">
+            <a:schemeClr val="lt1"/>
+          </a:fontRef>
+        </p:style>
+        <p:txBody>
+          <a:bodyPr rtlCol="0" anchor="ctr"/>
+          <a:lstStyle/>
+          <a:p>
+            <a:pPr algn="ctr"/>
+            <a:endParaRPr lang="en-US"/>
+          </a:p>
+        </p:txBody>
+      </p:sp>
+      <p:sp>
+        <p:nvSpPr>
+          <p:cNvPr id="26" name="Oval 25"/>
+          <p:cNvSpPr/>
+          <p:nvPr/>
+        </p:nvSpPr>
+        <p:spPr>
+          <a:xfrm>
+            <a:off x="6248400" y="3657600"/>
+            <a:ext cx="152400" cy="152400"/>
+          </a:xfrm>
+          <a:prstGeom prst="ellipse">
+            <a:avLst/>
+          </a:prstGeom>
+          <a:solidFill>
+            <a:srgbClr val="FFFF00"/>
+          </a:solidFill>
+        </p:spPr>
+        <p:style>
+          <a:lnRef idx="2">
+            <a:schemeClr val="accent1">
+              <a:shade val="50000"/>
+            </a:schemeClr>
+          </a:lnRef>
+          <a:fillRef idx="1">
+            <a:schemeClr val="accent1"/>
+          </a:fillRef>
+          <a:effectRef idx="0">
+            <a:schemeClr val="accent1"/>
+          </a:effectRef>
+          <a:fontRef idx="minor">
+            <a:schemeClr val="lt1"/>
+          </a:fontRef>
+        </p:style>
+        <p:txBody>
+          <a:bodyPr rtlCol="0" anchor="ctr"/>
+          <a:lstStyle/>
+          <a:p>
+            <a:pPr algn="ctr"/>
+            <a:endParaRPr lang="en-US"/>
+          </a:p>
+        </p:txBody>
+      </p:sp>
+      <p:sp>
+        <p:nvSpPr>
+          <p:cNvPr id="27" name="Oval 26"/>
+          <p:cNvSpPr/>
+          <p:nvPr/>
+        </p:nvSpPr>
+        <p:spPr>
+          <a:xfrm>
+            <a:off x="2286000" y="3657600"/>
+            <a:ext cx="152400" cy="152400"/>
+          </a:xfrm>
+          <a:prstGeom prst="ellipse">
+            <a:avLst/>
+          </a:prstGeom>
+          <a:solidFill>
+            <a:srgbClr val="FFFF00"/>
+          </a:solidFill>
+        </p:spPr>
+        <p:style>
+          <a:lnRef idx="2">
+            <a:schemeClr val="accent1">
+              <a:shade val="50000"/>
+            </a:schemeClr>
+          </a:lnRef>
+          <a:fillRef idx="1">
+            <a:schemeClr val="accent1"/>
+          </a:fillRef>
+          <a:effectRef idx="0">
+            <a:schemeClr val="accent1"/>
+          </a:effectRef>
+          <a:fontRef idx="minor">
+            <a:schemeClr val="lt1"/>
+          </a:fontRef>
+        </p:style>
+        <p:txBody>
+          <a:bodyPr rtlCol="0" anchor="ctr"/>
+          <a:lstStyle/>
+          <a:p>
+            <a:pPr algn="ctr"/>
+            <a:endParaRPr lang="en-US"/>
+          </a:p>
+        </p:txBody>
+      </p:sp>
+      <p:sp>
+        <p:nvSpPr>
+          <p:cNvPr id="28" name="Oval 27"/>
+          <p:cNvSpPr/>
+          <p:nvPr/>
+        </p:nvSpPr>
+        <p:spPr>
+          <a:xfrm>
+            <a:off x="3505200" y="3657600"/>
+            <a:ext cx="152400" cy="152400"/>
+          </a:xfrm>
+          <a:prstGeom prst="ellipse">
+            <a:avLst/>
+          </a:prstGeom>
+          <a:solidFill>
+            <a:srgbClr val="FFFF00"/>
+          </a:solidFill>
+        </p:spPr>
+        <p:style>
+          <a:lnRef idx="2">
+            <a:schemeClr val="accent1">
+              <a:shade val="50000"/>
+            </a:schemeClr>
+          </a:lnRef>
+          <a:fillRef idx="1">
+            <a:schemeClr val="accent1"/>
+          </a:fillRef>
+          <a:effectRef idx="0">
+            <a:schemeClr val="accent1"/>
+          </a:effectRef>
+          <a:fontRef idx="minor">
+            <a:schemeClr val="lt1"/>
+          </a:fontRef>
+        </p:style>
+        <p:txBody>
+          <a:bodyPr rtlCol="0" anchor="ctr"/>
+          <a:lstStyle/>
+          <a:p>
+            <a:pPr algn="ctr"/>
+            <a:endParaRPr lang="en-US"/>
+          </a:p>
+        </p:txBody>
+      </p:sp>
+      <p:sp>
+        <p:nvSpPr>
+          <p:cNvPr id="29" name="Oval 28"/>
+          <p:cNvSpPr/>
+          <p:nvPr/>
+        </p:nvSpPr>
+        <p:spPr>
+          <a:xfrm>
+            <a:off x="5105400" y="3654188"/>
+            <a:ext cx="152400" cy="152400"/>
+          </a:xfrm>
+          <a:prstGeom prst="ellipse">
+            <a:avLst/>
+          </a:prstGeom>
+          <a:solidFill>
+            <a:srgbClr val="FFFF00"/>
+          </a:solidFill>
+        </p:spPr>
+        <p:style>
+          <a:lnRef idx="2">
+            <a:schemeClr val="accent1">
+              <a:shade val="50000"/>
+            </a:schemeClr>
+          </a:lnRef>
+          <a:fillRef idx="1">
+            <a:schemeClr val="accent1"/>
+          </a:fillRef>
+          <a:effectRef idx="0">
+            <a:schemeClr val="accent1"/>
+          </a:effectRef>
+          <a:fontRef idx="minor">
+            <a:schemeClr val="lt1"/>
+          </a:fontRef>
+        </p:style>
+        <p:txBody>
+          <a:bodyPr rtlCol="0" anchor="ctr"/>
+          <a:lstStyle/>
+          <a:p>
+            <a:pPr algn="ctr"/>
+            <a:endParaRPr lang="en-US"/>
+          </a:p>
+        </p:txBody>
+      </p:sp>
+      <p:sp>
+        <p:nvSpPr>
+          <p:cNvPr id="30" name="Oval 29"/>
+          <p:cNvSpPr/>
+          <p:nvPr/>
+        </p:nvSpPr>
+        <p:spPr>
+          <a:xfrm>
+            <a:off x="7162800" y="3657600"/>
+            <a:ext cx="152400" cy="152400"/>
+          </a:xfrm>
+          <a:prstGeom prst="ellipse">
+            <a:avLst/>
+          </a:prstGeom>
+          <a:solidFill>
+            <a:srgbClr val="FFFF00"/>
+          </a:solidFill>
+        </p:spPr>
+        <p:style>
+          <a:lnRef idx="2">
+            <a:schemeClr val="accent1">
+              <a:shade val="50000"/>
+            </a:schemeClr>
+          </a:lnRef>
+          <a:fillRef idx="1">
+            <a:schemeClr val="accent1"/>
+          </a:fillRef>
+          <a:effectRef idx="0">
+            <a:schemeClr val="accent1"/>
+          </a:effectRef>
+          <a:fontRef idx="minor">
+            <a:schemeClr val="lt1"/>
+          </a:fontRef>
+        </p:style>
+        <p:txBody>
+          <a:bodyPr rtlCol="0" anchor="ctr"/>
+          <a:lstStyle/>
+          <a:p>
+            <a:pPr algn="ctr"/>
+            <a:endParaRPr lang="en-US"/>
+          </a:p>
+        </p:txBody>
+      </p:sp>
+      <p:sp>
+        <p:nvSpPr>
+          <p:cNvPr id="31" name="Oval 30"/>
+          <p:cNvSpPr/>
+          <p:nvPr/>
+        </p:nvSpPr>
+        <p:spPr>
+          <a:xfrm>
+            <a:off x="1828800" y="3657600"/>
+            <a:ext cx="152400" cy="152400"/>
+          </a:xfrm>
+          <a:prstGeom prst="ellipse">
+            <a:avLst/>
+          </a:prstGeom>
+          <a:solidFill>
+            <a:srgbClr val="FFFF00"/>
+          </a:solidFill>
+        </p:spPr>
+        <p:style>
+          <a:lnRef idx="2">
+            <a:schemeClr val="accent1">
+              <a:shade val="50000"/>
+            </a:schemeClr>
+          </a:lnRef>
+          <a:fillRef idx="1">
+            <a:schemeClr val="accent1"/>
+          </a:fillRef>
+          <a:effectRef idx="0">
+            <a:schemeClr val="accent1"/>
+          </a:effectRef>
+          <a:fontRef idx="minor">
+            <a:schemeClr val="lt1"/>
+          </a:fontRef>
+        </p:style>
+        <p:txBody>
+          <a:bodyPr rtlCol="0" anchor="ctr"/>
+          <a:lstStyle/>
+          <a:p>
+            <a:pPr algn="ctr"/>
+            <a:endParaRPr lang="en-US"/>
+          </a:p>
+        </p:txBody>
+      </p:sp>
+      <p:sp>
+        <p:nvSpPr>
+          <p:cNvPr id="32" name="Oval 31"/>
+          <p:cNvSpPr/>
+          <p:nvPr/>
+        </p:nvSpPr>
+        <p:spPr>
+          <a:xfrm>
+            <a:off x="1219200" y="3657600"/>
+            <a:ext cx="152400" cy="152400"/>
+          </a:xfrm>
+          <a:prstGeom prst="ellipse">
+            <a:avLst/>
+          </a:prstGeom>
+          <a:solidFill>
+            <a:srgbClr val="FFFF00"/>
+          </a:solidFill>
+        </p:spPr>
+        <p:style>
+          <a:lnRef idx="2">
+            <a:schemeClr val="accent1">
+              <a:shade val="50000"/>
+            </a:schemeClr>
+          </a:lnRef>
+          <a:fillRef idx="1">
+            <a:schemeClr val="accent1"/>
+          </a:fillRef>
+          <a:effectRef idx="0">
+            <a:schemeClr val="accent1"/>
+          </a:effectRef>
+          <a:fontRef idx="minor">
+            <a:schemeClr val="lt1"/>
+          </a:fontRef>
+        </p:style>
+        <p:txBody>
+          <a:bodyPr rtlCol="0" anchor="ctr"/>
+          <a:lstStyle/>
+          <a:p>
+            <a:pPr algn="ctr"/>
+            <a:endParaRPr lang="en-US"/>
+          </a:p>
+        </p:txBody>
+      </p:sp>
+      <p:sp>
+        <p:nvSpPr>
+          <p:cNvPr id="33" name="TextBox 32"/>
+          <p:cNvSpPr txBox="1"/>
+          <p:nvPr/>
+        </p:nvSpPr>
+        <p:spPr>
+          <a:xfrm>
+            <a:off x="1752600" y="3962400"/>
+            <a:ext cx="304800" cy="369332"/>
+          </a:xfrm>
+          <a:prstGeom prst="rect">
+            <a:avLst/>
+          </a:prstGeom>
+          <a:noFill/>
+        </p:spPr>
+        <p:txBody>
+          <a:bodyPr wrap="square" rtlCol="0">
+            <a:spAutoFit/>
+          </a:bodyPr>
+          <a:lstStyle/>
+          <a:p>
+            <a:r>
+              <a:rPr lang="en-US" dirty="0" smtClean="0"/>
+              <a:t>0</a:t>
+            </a:r>
+            <a:endParaRPr lang="en-US" dirty="0"/>
+          </a:p>
+        </p:txBody>
+      </p:sp>
+      <p:sp>
+        <p:nvSpPr>
+          <p:cNvPr id="34" name="TextBox 33"/>
+          <p:cNvSpPr txBox="1"/>
+          <p:nvPr/>
+        </p:nvSpPr>
+        <p:spPr>
+          <a:xfrm>
+            <a:off x="2743200" y="3962400"/>
+            <a:ext cx="457200" cy="369332"/>
+          </a:xfrm>
+          <a:prstGeom prst="rect">
+            <a:avLst/>
+          </a:prstGeom>
+          <a:noFill/>
+        </p:spPr>
+        <p:txBody>
+          <a:bodyPr wrap="square" rtlCol="0">
+            <a:spAutoFit/>
+          </a:bodyPr>
+          <a:lstStyle/>
+          <a:p>
+            <a:r>
+              <a:rPr lang="en-US" dirty="0" smtClean="0"/>
+              <a:t>50</a:t>
+            </a:r>
+            <a:endParaRPr lang="en-US" dirty="0"/>
+          </a:p>
+        </p:txBody>
+      </p:sp>
+      <p:sp>
+        <p:nvSpPr>
+          <p:cNvPr id="36" name="TextBox 35"/>
+          <p:cNvSpPr txBox="1"/>
+          <p:nvPr/>
+        </p:nvSpPr>
+        <p:spPr>
+          <a:xfrm>
+            <a:off x="3886200" y="3962400"/>
+            <a:ext cx="571500" cy="369332"/>
+          </a:xfrm>
+          <a:prstGeom prst="rect">
+            <a:avLst/>
+          </a:prstGeom>
+          <a:noFill/>
+        </p:spPr>
+        <p:txBody>
+          <a:bodyPr wrap="square" rtlCol="0">
+            <a:spAutoFit/>
+          </a:bodyPr>
+          <a:lstStyle/>
+          <a:p>
+            <a:r>
+              <a:rPr lang="en-US" dirty="0" smtClean="0"/>
+              <a:t>100</a:t>
+            </a:r>
+            <a:endParaRPr lang="en-US" dirty="0"/>
+          </a:p>
+        </p:txBody>
+      </p:sp>
+      <p:sp>
+        <p:nvSpPr>
+          <p:cNvPr id="37" name="TextBox 36"/>
+          <p:cNvSpPr txBox="1"/>
+          <p:nvPr/>
+        </p:nvSpPr>
+        <p:spPr>
+          <a:xfrm>
+            <a:off x="5943600" y="3942497"/>
+            <a:ext cx="533400" cy="369332"/>
+          </a:xfrm>
+          <a:prstGeom prst="rect">
+            <a:avLst/>
+          </a:prstGeom>
+          <a:noFill/>
+        </p:spPr>
+        <p:txBody>
+          <a:bodyPr wrap="square" rtlCol="0">
+            <a:spAutoFit/>
+          </a:bodyPr>
+          <a:lstStyle/>
+          <a:p>
+            <a:r>
+              <a:rPr lang="en-US" dirty="0" smtClean="0"/>
+              <a:t>200</a:t>
             </a:r>
             <a:endParaRPr lang="en-US" dirty="0"/>
           </a:p>
@@ -5086,8 +7180,8 @@
         </p:blipFill>
         <p:spPr>
           <a:xfrm>
-            <a:off x="2095500" y="2121590"/>
-            <a:ext cx="4953000" cy="4584010"/>
+            <a:off x="762000" y="2139263"/>
+            <a:ext cx="7772400" cy="4490137"/>
           </a:xfrm>
         </p:spPr>
       </p:pic>
@@ -5104,9 +7198,1378 @@
   <p:timing>
     <p:tnLst>
       <p:par>
-        <p:cTn id="1" dur="indefinite" restart="never" nodeType="tmRoot"/>
+        <p:cTn id="1" dur="indefinite" restart="never" nodeType="tmRoot">
+          <p:childTnLst>
+            <p:seq concurrent="1" nextAc="seek">
+              <p:cTn id="2" dur="indefinite" nodeType="mainSeq">
+                <p:childTnLst>
+                  <p:par>
+                    <p:cTn id="3" fill="hold">
+                      <p:stCondLst>
+                        <p:cond delay="indefinite"/>
+                      </p:stCondLst>
+                      <p:childTnLst>
+                        <p:par>
+                          <p:cTn id="4" fill="hold">
+                            <p:stCondLst>
+                              <p:cond delay="0"/>
+                            </p:stCondLst>
+                            <p:childTnLst>
+                              <p:par>
+                                <p:cTn id="5" presetID="2" presetClass="entr" presetSubtype="4" fill="hold" nodeType="clickEffect">
+                                  <p:stCondLst>
+                                    <p:cond delay="0"/>
+                                  </p:stCondLst>
+                                  <p:childTnLst>
+                                    <p:set>
+                                      <p:cBhvr>
+                                        <p:cTn id="6" dur="1" fill="hold">
+                                          <p:stCondLst>
+                                            <p:cond delay="0"/>
+                                          </p:stCondLst>
+                                        </p:cTn>
+                                        <p:tgtEl>
+                                          <p:spTgt spid="7"/>
+                                        </p:tgtEl>
+                                        <p:attrNameLst>
+                                          <p:attrName>style.visibility</p:attrName>
+                                        </p:attrNameLst>
+                                      </p:cBhvr>
+                                      <p:to>
+                                        <p:strVal val="visible"/>
+                                      </p:to>
+                                    </p:set>
+                                    <p:anim calcmode="lin" valueType="num">
+                                      <p:cBhvr additive="base">
+                                        <p:cTn id="7" dur="500" fill="hold"/>
+                                        <p:tgtEl>
+                                          <p:spTgt spid="7"/>
+                                        </p:tgtEl>
+                                        <p:attrNameLst>
+                                          <p:attrName>ppt_x</p:attrName>
+                                        </p:attrNameLst>
+                                      </p:cBhvr>
+                                      <p:tavLst>
+                                        <p:tav tm="0">
+                                          <p:val>
+                                            <p:strVal val="#ppt_x"/>
+                                          </p:val>
+                                        </p:tav>
+                                        <p:tav tm="100000">
+                                          <p:val>
+                                            <p:strVal val="#ppt_x"/>
+                                          </p:val>
+                                        </p:tav>
+                                      </p:tavLst>
+                                    </p:anim>
+                                    <p:anim calcmode="lin" valueType="num">
+                                      <p:cBhvr additive="base">
+                                        <p:cTn id="8" dur="500" fill="hold"/>
+                                        <p:tgtEl>
+                                          <p:spTgt spid="7"/>
+                                        </p:tgtEl>
+                                        <p:attrNameLst>
+                                          <p:attrName>ppt_y</p:attrName>
+                                        </p:attrNameLst>
+                                      </p:cBhvr>
+                                      <p:tavLst>
+                                        <p:tav tm="0">
+                                          <p:val>
+                                            <p:strVal val="1+#ppt_h/2"/>
+                                          </p:val>
+                                        </p:tav>
+                                        <p:tav tm="100000">
+                                          <p:val>
+                                            <p:strVal val="#ppt_y"/>
+                                          </p:val>
+                                        </p:tav>
+                                      </p:tavLst>
+                                    </p:anim>
+                                  </p:childTnLst>
+                                </p:cTn>
+                              </p:par>
+                              <p:par>
+                                <p:cTn id="9" presetID="2" presetClass="entr" presetSubtype="4" fill="hold" nodeType="withEffect">
+                                  <p:stCondLst>
+                                    <p:cond delay="0"/>
+                                  </p:stCondLst>
+                                  <p:childTnLst>
+                                    <p:set>
+                                      <p:cBhvr>
+                                        <p:cTn id="10" dur="1" fill="hold">
+                                          <p:stCondLst>
+                                            <p:cond delay="0"/>
+                                          </p:stCondLst>
+                                        </p:cTn>
+                                        <p:tgtEl>
+                                          <p:spTgt spid="10"/>
+                                        </p:tgtEl>
+                                        <p:attrNameLst>
+                                          <p:attrName>style.visibility</p:attrName>
+                                        </p:attrNameLst>
+                                      </p:cBhvr>
+                                      <p:to>
+                                        <p:strVal val="visible"/>
+                                      </p:to>
+                                    </p:set>
+                                    <p:anim calcmode="lin" valueType="num">
+                                      <p:cBhvr additive="base">
+                                        <p:cTn id="11" dur="500" fill="hold"/>
+                                        <p:tgtEl>
+                                          <p:spTgt spid="10"/>
+                                        </p:tgtEl>
+                                        <p:attrNameLst>
+                                          <p:attrName>ppt_x</p:attrName>
+                                        </p:attrNameLst>
+                                      </p:cBhvr>
+                                      <p:tavLst>
+                                        <p:tav tm="0">
+                                          <p:val>
+                                            <p:strVal val="#ppt_x"/>
+                                          </p:val>
+                                        </p:tav>
+                                        <p:tav tm="100000">
+                                          <p:val>
+                                            <p:strVal val="#ppt_x"/>
+                                          </p:val>
+                                        </p:tav>
+                                      </p:tavLst>
+                                    </p:anim>
+                                    <p:anim calcmode="lin" valueType="num">
+                                      <p:cBhvr additive="base">
+                                        <p:cTn id="12" dur="500" fill="hold"/>
+                                        <p:tgtEl>
+                                          <p:spTgt spid="10"/>
+                                        </p:tgtEl>
+                                        <p:attrNameLst>
+                                          <p:attrName>ppt_y</p:attrName>
+                                        </p:attrNameLst>
+                                      </p:cBhvr>
+                                      <p:tavLst>
+                                        <p:tav tm="0">
+                                          <p:val>
+                                            <p:strVal val="1+#ppt_h/2"/>
+                                          </p:val>
+                                        </p:tav>
+                                        <p:tav tm="100000">
+                                          <p:val>
+                                            <p:strVal val="#ppt_y"/>
+                                          </p:val>
+                                        </p:tav>
+                                      </p:tavLst>
+                                    </p:anim>
+                                  </p:childTnLst>
+                                </p:cTn>
+                              </p:par>
+                              <p:par>
+                                <p:cTn id="13" presetID="2" presetClass="entr" presetSubtype="4" fill="hold" nodeType="withEffect">
+                                  <p:stCondLst>
+                                    <p:cond delay="0"/>
+                                  </p:stCondLst>
+                                  <p:childTnLst>
+                                    <p:set>
+                                      <p:cBhvr>
+                                        <p:cTn id="14" dur="1" fill="hold">
+                                          <p:stCondLst>
+                                            <p:cond delay="0"/>
+                                          </p:stCondLst>
+                                        </p:cTn>
+                                        <p:tgtEl>
+                                          <p:spTgt spid="14"/>
+                                        </p:tgtEl>
+                                        <p:attrNameLst>
+                                          <p:attrName>style.visibility</p:attrName>
+                                        </p:attrNameLst>
+                                      </p:cBhvr>
+                                      <p:to>
+                                        <p:strVal val="visible"/>
+                                      </p:to>
+                                    </p:set>
+                                    <p:anim calcmode="lin" valueType="num">
+                                      <p:cBhvr additive="base">
+                                        <p:cTn id="15" dur="500" fill="hold"/>
+                                        <p:tgtEl>
+                                          <p:spTgt spid="14"/>
+                                        </p:tgtEl>
+                                        <p:attrNameLst>
+                                          <p:attrName>ppt_x</p:attrName>
+                                        </p:attrNameLst>
+                                      </p:cBhvr>
+                                      <p:tavLst>
+                                        <p:tav tm="0">
+                                          <p:val>
+                                            <p:strVal val="#ppt_x"/>
+                                          </p:val>
+                                        </p:tav>
+                                        <p:tav tm="100000">
+                                          <p:val>
+                                            <p:strVal val="#ppt_x"/>
+                                          </p:val>
+                                        </p:tav>
+                                      </p:tavLst>
+                                    </p:anim>
+                                    <p:anim calcmode="lin" valueType="num">
+                                      <p:cBhvr additive="base">
+                                        <p:cTn id="16" dur="500" fill="hold"/>
+                                        <p:tgtEl>
+                                          <p:spTgt spid="14"/>
+                                        </p:tgtEl>
+                                        <p:attrNameLst>
+                                          <p:attrName>ppt_y</p:attrName>
+                                        </p:attrNameLst>
+                                      </p:cBhvr>
+                                      <p:tavLst>
+                                        <p:tav tm="0">
+                                          <p:val>
+                                            <p:strVal val="1+#ppt_h/2"/>
+                                          </p:val>
+                                        </p:tav>
+                                        <p:tav tm="100000">
+                                          <p:val>
+                                            <p:strVal val="#ppt_y"/>
+                                          </p:val>
+                                        </p:tav>
+                                      </p:tavLst>
+                                    </p:anim>
+                                  </p:childTnLst>
+                                </p:cTn>
+                              </p:par>
+                              <p:par>
+                                <p:cTn id="17" presetID="2" presetClass="entr" presetSubtype="4" fill="hold" nodeType="withEffect">
+                                  <p:stCondLst>
+                                    <p:cond delay="0"/>
+                                  </p:stCondLst>
+                                  <p:childTnLst>
+                                    <p:set>
+                                      <p:cBhvr>
+                                        <p:cTn id="18" dur="1" fill="hold">
+                                          <p:stCondLst>
+                                            <p:cond delay="0"/>
+                                          </p:stCondLst>
+                                        </p:cTn>
+                                        <p:tgtEl>
+                                          <p:spTgt spid="15"/>
+                                        </p:tgtEl>
+                                        <p:attrNameLst>
+                                          <p:attrName>style.visibility</p:attrName>
+                                        </p:attrNameLst>
+                                      </p:cBhvr>
+                                      <p:to>
+                                        <p:strVal val="visible"/>
+                                      </p:to>
+                                    </p:set>
+                                    <p:anim calcmode="lin" valueType="num">
+                                      <p:cBhvr additive="base">
+                                        <p:cTn id="19" dur="500" fill="hold"/>
+                                        <p:tgtEl>
+                                          <p:spTgt spid="15"/>
+                                        </p:tgtEl>
+                                        <p:attrNameLst>
+                                          <p:attrName>ppt_x</p:attrName>
+                                        </p:attrNameLst>
+                                      </p:cBhvr>
+                                      <p:tavLst>
+                                        <p:tav tm="0">
+                                          <p:val>
+                                            <p:strVal val="#ppt_x"/>
+                                          </p:val>
+                                        </p:tav>
+                                        <p:tav tm="100000">
+                                          <p:val>
+                                            <p:strVal val="#ppt_x"/>
+                                          </p:val>
+                                        </p:tav>
+                                      </p:tavLst>
+                                    </p:anim>
+                                    <p:anim calcmode="lin" valueType="num">
+                                      <p:cBhvr additive="base">
+                                        <p:cTn id="20" dur="500" fill="hold"/>
+                                        <p:tgtEl>
+                                          <p:spTgt spid="15"/>
+                                        </p:tgtEl>
+                                        <p:attrNameLst>
+                                          <p:attrName>ppt_y</p:attrName>
+                                        </p:attrNameLst>
+                                      </p:cBhvr>
+                                      <p:tavLst>
+                                        <p:tav tm="0">
+                                          <p:val>
+                                            <p:strVal val="1+#ppt_h/2"/>
+                                          </p:val>
+                                        </p:tav>
+                                        <p:tav tm="100000">
+                                          <p:val>
+                                            <p:strVal val="#ppt_y"/>
+                                          </p:val>
+                                        </p:tav>
+                                      </p:tavLst>
+                                    </p:anim>
+                                  </p:childTnLst>
+                                </p:cTn>
+                              </p:par>
+                              <p:par>
+                                <p:cTn id="21" presetID="2" presetClass="entr" presetSubtype="4" fill="hold" nodeType="withEffect">
+                                  <p:stCondLst>
+                                    <p:cond delay="0"/>
+                                  </p:stCondLst>
+                                  <p:childTnLst>
+                                    <p:set>
+                                      <p:cBhvr>
+                                        <p:cTn id="22" dur="1" fill="hold">
+                                          <p:stCondLst>
+                                            <p:cond delay="0"/>
+                                          </p:stCondLst>
+                                        </p:cTn>
+                                        <p:tgtEl>
+                                          <p:spTgt spid="16"/>
+                                        </p:tgtEl>
+                                        <p:attrNameLst>
+                                          <p:attrName>style.visibility</p:attrName>
+                                        </p:attrNameLst>
+                                      </p:cBhvr>
+                                      <p:to>
+                                        <p:strVal val="visible"/>
+                                      </p:to>
+                                    </p:set>
+                                    <p:anim calcmode="lin" valueType="num">
+                                      <p:cBhvr additive="base">
+                                        <p:cTn id="23" dur="500" fill="hold"/>
+                                        <p:tgtEl>
+                                          <p:spTgt spid="16"/>
+                                        </p:tgtEl>
+                                        <p:attrNameLst>
+                                          <p:attrName>ppt_x</p:attrName>
+                                        </p:attrNameLst>
+                                      </p:cBhvr>
+                                      <p:tavLst>
+                                        <p:tav tm="0">
+                                          <p:val>
+                                            <p:strVal val="#ppt_x"/>
+                                          </p:val>
+                                        </p:tav>
+                                        <p:tav tm="100000">
+                                          <p:val>
+                                            <p:strVal val="#ppt_x"/>
+                                          </p:val>
+                                        </p:tav>
+                                      </p:tavLst>
+                                    </p:anim>
+                                    <p:anim calcmode="lin" valueType="num">
+                                      <p:cBhvr additive="base">
+                                        <p:cTn id="24" dur="500" fill="hold"/>
+                                        <p:tgtEl>
+                                          <p:spTgt spid="16"/>
+                                        </p:tgtEl>
+                                        <p:attrNameLst>
+                                          <p:attrName>ppt_y</p:attrName>
+                                        </p:attrNameLst>
+                                      </p:cBhvr>
+                                      <p:tavLst>
+                                        <p:tav tm="0">
+                                          <p:val>
+                                            <p:strVal val="1+#ppt_h/2"/>
+                                          </p:val>
+                                        </p:tav>
+                                        <p:tav tm="100000">
+                                          <p:val>
+                                            <p:strVal val="#ppt_y"/>
+                                          </p:val>
+                                        </p:tav>
+                                      </p:tavLst>
+                                    </p:anim>
+                                  </p:childTnLst>
+                                </p:cTn>
+                              </p:par>
+                              <p:par>
+                                <p:cTn id="25" presetID="2" presetClass="entr" presetSubtype="4" fill="hold" grpId="0" nodeType="withEffect">
+                                  <p:stCondLst>
+                                    <p:cond delay="0"/>
+                                  </p:stCondLst>
+                                  <p:childTnLst>
+                                    <p:set>
+                                      <p:cBhvr>
+                                        <p:cTn id="26" dur="1" fill="hold">
+                                          <p:stCondLst>
+                                            <p:cond delay="0"/>
+                                          </p:stCondLst>
+                                        </p:cTn>
+                                        <p:tgtEl>
+                                          <p:spTgt spid="37"/>
+                                        </p:tgtEl>
+                                        <p:attrNameLst>
+                                          <p:attrName>style.visibility</p:attrName>
+                                        </p:attrNameLst>
+                                      </p:cBhvr>
+                                      <p:to>
+                                        <p:strVal val="visible"/>
+                                      </p:to>
+                                    </p:set>
+                                    <p:anim calcmode="lin" valueType="num">
+                                      <p:cBhvr additive="base">
+                                        <p:cTn id="27" dur="500" fill="hold"/>
+                                        <p:tgtEl>
+                                          <p:spTgt spid="37"/>
+                                        </p:tgtEl>
+                                        <p:attrNameLst>
+                                          <p:attrName>ppt_x</p:attrName>
+                                        </p:attrNameLst>
+                                      </p:cBhvr>
+                                      <p:tavLst>
+                                        <p:tav tm="0">
+                                          <p:val>
+                                            <p:strVal val="#ppt_x"/>
+                                          </p:val>
+                                        </p:tav>
+                                        <p:tav tm="100000">
+                                          <p:val>
+                                            <p:strVal val="#ppt_x"/>
+                                          </p:val>
+                                        </p:tav>
+                                      </p:tavLst>
+                                    </p:anim>
+                                    <p:anim calcmode="lin" valueType="num">
+                                      <p:cBhvr additive="base">
+                                        <p:cTn id="28" dur="500" fill="hold"/>
+                                        <p:tgtEl>
+                                          <p:spTgt spid="37"/>
+                                        </p:tgtEl>
+                                        <p:attrNameLst>
+                                          <p:attrName>ppt_y</p:attrName>
+                                        </p:attrNameLst>
+                                      </p:cBhvr>
+                                      <p:tavLst>
+                                        <p:tav tm="0">
+                                          <p:val>
+                                            <p:strVal val="1+#ppt_h/2"/>
+                                          </p:val>
+                                        </p:tav>
+                                        <p:tav tm="100000">
+                                          <p:val>
+                                            <p:strVal val="#ppt_y"/>
+                                          </p:val>
+                                        </p:tav>
+                                      </p:tavLst>
+                                    </p:anim>
+                                  </p:childTnLst>
+                                </p:cTn>
+                              </p:par>
+                              <p:par>
+                                <p:cTn id="29" presetID="2" presetClass="entr" presetSubtype="4" fill="hold" grpId="0" nodeType="withEffect">
+                                  <p:stCondLst>
+                                    <p:cond delay="0"/>
+                                  </p:stCondLst>
+                                  <p:childTnLst>
+                                    <p:set>
+                                      <p:cBhvr>
+                                        <p:cTn id="30" dur="1" fill="hold">
+                                          <p:stCondLst>
+                                            <p:cond delay="0"/>
+                                          </p:stCondLst>
+                                        </p:cTn>
+                                        <p:tgtEl>
+                                          <p:spTgt spid="36"/>
+                                        </p:tgtEl>
+                                        <p:attrNameLst>
+                                          <p:attrName>style.visibility</p:attrName>
+                                        </p:attrNameLst>
+                                      </p:cBhvr>
+                                      <p:to>
+                                        <p:strVal val="visible"/>
+                                      </p:to>
+                                    </p:set>
+                                    <p:anim calcmode="lin" valueType="num">
+                                      <p:cBhvr additive="base">
+                                        <p:cTn id="31" dur="500" fill="hold"/>
+                                        <p:tgtEl>
+                                          <p:spTgt spid="36"/>
+                                        </p:tgtEl>
+                                        <p:attrNameLst>
+                                          <p:attrName>ppt_x</p:attrName>
+                                        </p:attrNameLst>
+                                      </p:cBhvr>
+                                      <p:tavLst>
+                                        <p:tav tm="0">
+                                          <p:val>
+                                            <p:strVal val="#ppt_x"/>
+                                          </p:val>
+                                        </p:tav>
+                                        <p:tav tm="100000">
+                                          <p:val>
+                                            <p:strVal val="#ppt_x"/>
+                                          </p:val>
+                                        </p:tav>
+                                      </p:tavLst>
+                                    </p:anim>
+                                    <p:anim calcmode="lin" valueType="num">
+                                      <p:cBhvr additive="base">
+                                        <p:cTn id="32" dur="500" fill="hold"/>
+                                        <p:tgtEl>
+                                          <p:spTgt spid="36"/>
+                                        </p:tgtEl>
+                                        <p:attrNameLst>
+                                          <p:attrName>ppt_y</p:attrName>
+                                        </p:attrNameLst>
+                                      </p:cBhvr>
+                                      <p:tavLst>
+                                        <p:tav tm="0">
+                                          <p:val>
+                                            <p:strVal val="1+#ppt_h/2"/>
+                                          </p:val>
+                                        </p:tav>
+                                        <p:tav tm="100000">
+                                          <p:val>
+                                            <p:strVal val="#ppt_y"/>
+                                          </p:val>
+                                        </p:tav>
+                                      </p:tavLst>
+                                    </p:anim>
+                                  </p:childTnLst>
+                                </p:cTn>
+                              </p:par>
+                              <p:par>
+                                <p:cTn id="33" presetID="2" presetClass="entr" presetSubtype="4" fill="hold" grpId="0" nodeType="withEffect">
+                                  <p:stCondLst>
+                                    <p:cond delay="0"/>
+                                  </p:stCondLst>
+                                  <p:childTnLst>
+                                    <p:set>
+                                      <p:cBhvr>
+                                        <p:cTn id="34" dur="1" fill="hold">
+                                          <p:stCondLst>
+                                            <p:cond delay="0"/>
+                                          </p:stCondLst>
+                                        </p:cTn>
+                                        <p:tgtEl>
+                                          <p:spTgt spid="34"/>
+                                        </p:tgtEl>
+                                        <p:attrNameLst>
+                                          <p:attrName>style.visibility</p:attrName>
+                                        </p:attrNameLst>
+                                      </p:cBhvr>
+                                      <p:to>
+                                        <p:strVal val="visible"/>
+                                      </p:to>
+                                    </p:set>
+                                    <p:anim calcmode="lin" valueType="num">
+                                      <p:cBhvr additive="base">
+                                        <p:cTn id="35" dur="500" fill="hold"/>
+                                        <p:tgtEl>
+                                          <p:spTgt spid="34"/>
+                                        </p:tgtEl>
+                                        <p:attrNameLst>
+                                          <p:attrName>ppt_x</p:attrName>
+                                        </p:attrNameLst>
+                                      </p:cBhvr>
+                                      <p:tavLst>
+                                        <p:tav tm="0">
+                                          <p:val>
+                                            <p:strVal val="#ppt_x"/>
+                                          </p:val>
+                                        </p:tav>
+                                        <p:tav tm="100000">
+                                          <p:val>
+                                            <p:strVal val="#ppt_x"/>
+                                          </p:val>
+                                        </p:tav>
+                                      </p:tavLst>
+                                    </p:anim>
+                                    <p:anim calcmode="lin" valueType="num">
+                                      <p:cBhvr additive="base">
+                                        <p:cTn id="36" dur="500" fill="hold"/>
+                                        <p:tgtEl>
+                                          <p:spTgt spid="34"/>
+                                        </p:tgtEl>
+                                        <p:attrNameLst>
+                                          <p:attrName>ppt_y</p:attrName>
+                                        </p:attrNameLst>
+                                      </p:cBhvr>
+                                      <p:tavLst>
+                                        <p:tav tm="0">
+                                          <p:val>
+                                            <p:strVal val="1+#ppt_h/2"/>
+                                          </p:val>
+                                        </p:tav>
+                                        <p:tav tm="100000">
+                                          <p:val>
+                                            <p:strVal val="#ppt_y"/>
+                                          </p:val>
+                                        </p:tav>
+                                      </p:tavLst>
+                                    </p:anim>
+                                  </p:childTnLst>
+                                </p:cTn>
+                              </p:par>
+                              <p:par>
+                                <p:cTn id="37" presetID="2" presetClass="entr" presetSubtype="4" fill="hold" grpId="0" nodeType="withEffect">
+                                  <p:stCondLst>
+                                    <p:cond delay="0"/>
+                                  </p:stCondLst>
+                                  <p:childTnLst>
+                                    <p:set>
+                                      <p:cBhvr>
+                                        <p:cTn id="38" dur="1" fill="hold">
+                                          <p:stCondLst>
+                                            <p:cond delay="0"/>
+                                          </p:stCondLst>
+                                        </p:cTn>
+                                        <p:tgtEl>
+                                          <p:spTgt spid="33"/>
+                                        </p:tgtEl>
+                                        <p:attrNameLst>
+                                          <p:attrName>style.visibility</p:attrName>
+                                        </p:attrNameLst>
+                                      </p:cBhvr>
+                                      <p:to>
+                                        <p:strVal val="visible"/>
+                                      </p:to>
+                                    </p:set>
+                                    <p:anim calcmode="lin" valueType="num">
+                                      <p:cBhvr additive="base">
+                                        <p:cTn id="39" dur="500" fill="hold"/>
+                                        <p:tgtEl>
+                                          <p:spTgt spid="33"/>
+                                        </p:tgtEl>
+                                        <p:attrNameLst>
+                                          <p:attrName>ppt_x</p:attrName>
+                                        </p:attrNameLst>
+                                      </p:cBhvr>
+                                      <p:tavLst>
+                                        <p:tav tm="0">
+                                          <p:val>
+                                            <p:strVal val="#ppt_x"/>
+                                          </p:val>
+                                        </p:tav>
+                                        <p:tav tm="100000">
+                                          <p:val>
+                                            <p:strVal val="#ppt_x"/>
+                                          </p:val>
+                                        </p:tav>
+                                      </p:tavLst>
+                                    </p:anim>
+                                    <p:anim calcmode="lin" valueType="num">
+                                      <p:cBhvr additive="base">
+                                        <p:cTn id="40" dur="500" fill="hold"/>
+                                        <p:tgtEl>
+                                          <p:spTgt spid="33"/>
+                                        </p:tgtEl>
+                                        <p:attrNameLst>
+                                          <p:attrName>ppt_y</p:attrName>
+                                        </p:attrNameLst>
+                                      </p:cBhvr>
+                                      <p:tavLst>
+                                        <p:tav tm="0">
+                                          <p:val>
+                                            <p:strVal val="1+#ppt_h/2"/>
+                                          </p:val>
+                                        </p:tav>
+                                        <p:tav tm="100000">
+                                          <p:val>
+                                            <p:strVal val="#ppt_y"/>
+                                          </p:val>
+                                        </p:tav>
+                                      </p:tavLst>
+                                    </p:anim>
+                                  </p:childTnLst>
+                                </p:cTn>
+                              </p:par>
+                            </p:childTnLst>
+                          </p:cTn>
+                        </p:par>
+                      </p:childTnLst>
+                    </p:cTn>
+                  </p:par>
+                  <p:par>
+                    <p:cTn id="41" fill="hold">
+                      <p:stCondLst>
+                        <p:cond delay="indefinite"/>
+                      </p:stCondLst>
+                      <p:childTnLst>
+                        <p:par>
+                          <p:cTn id="42" fill="hold">
+                            <p:stCondLst>
+                              <p:cond delay="0"/>
+                            </p:stCondLst>
+                            <p:childTnLst>
+                              <p:par>
+                                <p:cTn id="43" presetID="10" presetClass="entr" presetSubtype="0" fill="hold" grpId="0" nodeType="clickEffect">
+                                  <p:stCondLst>
+                                    <p:cond delay="0"/>
+                                  </p:stCondLst>
+                                  <p:childTnLst>
+                                    <p:set>
+                                      <p:cBhvr>
+                                        <p:cTn id="44" dur="1" fill="hold">
+                                          <p:stCondLst>
+                                            <p:cond delay="0"/>
+                                          </p:stCondLst>
+                                        </p:cTn>
+                                        <p:tgtEl>
+                                          <p:spTgt spid="18"/>
+                                        </p:tgtEl>
+                                        <p:attrNameLst>
+                                          <p:attrName>style.visibility</p:attrName>
+                                        </p:attrNameLst>
+                                      </p:cBhvr>
+                                      <p:to>
+                                        <p:strVal val="visible"/>
+                                      </p:to>
+                                    </p:set>
+                                    <p:animEffect transition="in" filter="fade">
+                                      <p:cBhvr>
+                                        <p:cTn id="45" dur="500"/>
+                                        <p:tgtEl>
+                                          <p:spTgt spid="18"/>
+                                        </p:tgtEl>
+                                      </p:cBhvr>
+                                    </p:animEffect>
+                                  </p:childTnLst>
+                                </p:cTn>
+                              </p:par>
+                              <p:par>
+                                <p:cTn id="46" presetID="10" presetClass="entr" presetSubtype="0" fill="hold" grpId="0" nodeType="withEffect">
+                                  <p:stCondLst>
+                                    <p:cond delay="0"/>
+                                  </p:stCondLst>
+                                  <p:childTnLst>
+                                    <p:set>
+                                      <p:cBhvr>
+                                        <p:cTn id="47" dur="1" fill="hold">
+                                          <p:stCondLst>
+                                            <p:cond delay="0"/>
+                                          </p:stCondLst>
+                                        </p:cTn>
+                                        <p:tgtEl>
+                                          <p:spTgt spid="19"/>
+                                        </p:tgtEl>
+                                        <p:attrNameLst>
+                                          <p:attrName>style.visibility</p:attrName>
+                                        </p:attrNameLst>
+                                      </p:cBhvr>
+                                      <p:to>
+                                        <p:strVal val="visible"/>
+                                      </p:to>
+                                    </p:set>
+                                    <p:animEffect transition="in" filter="fade">
+                                      <p:cBhvr>
+                                        <p:cTn id="48" dur="500"/>
+                                        <p:tgtEl>
+                                          <p:spTgt spid="19"/>
+                                        </p:tgtEl>
+                                      </p:cBhvr>
+                                    </p:animEffect>
+                                  </p:childTnLst>
+                                </p:cTn>
+                              </p:par>
+                              <p:par>
+                                <p:cTn id="49" presetID="10" presetClass="entr" presetSubtype="0" fill="hold" grpId="0" nodeType="withEffect">
+                                  <p:stCondLst>
+                                    <p:cond delay="0"/>
+                                  </p:stCondLst>
+                                  <p:childTnLst>
+                                    <p:set>
+                                      <p:cBhvr>
+                                        <p:cTn id="50" dur="1" fill="hold">
+                                          <p:stCondLst>
+                                            <p:cond delay="0"/>
+                                          </p:stCondLst>
+                                        </p:cTn>
+                                        <p:tgtEl>
+                                          <p:spTgt spid="20"/>
+                                        </p:tgtEl>
+                                        <p:attrNameLst>
+                                          <p:attrName>style.visibility</p:attrName>
+                                        </p:attrNameLst>
+                                      </p:cBhvr>
+                                      <p:to>
+                                        <p:strVal val="visible"/>
+                                      </p:to>
+                                    </p:set>
+                                    <p:animEffect transition="in" filter="fade">
+                                      <p:cBhvr>
+                                        <p:cTn id="51" dur="500"/>
+                                        <p:tgtEl>
+                                          <p:spTgt spid="20"/>
+                                        </p:tgtEl>
+                                      </p:cBhvr>
+                                    </p:animEffect>
+                                  </p:childTnLst>
+                                </p:cTn>
+                              </p:par>
+                            </p:childTnLst>
+                          </p:cTn>
+                        </p:par>
+                      </p:childTnLst>
+                    </p:cTn>
+                  </p:par>
+                  <p:par>
+                    <p:cTn id="52" fill="hold">
+                      <p:stCondLst>
+                        <p:cond delay="indefinite"/>
+                      </p:stCondLst>
+                      <p:childTnLst>
+                        <p:par>
+                          <p:cTn id="53" fill="hold">
+                            <p:stCondLst>
+                              <p:cond delay="0"/>
+                            </p:stCondLst>
+                            <p:childTnLst>
+                              <p:par>
+                                <p:cTn id="54" presetID="10" presetClass="entr" presetSubtype="0" fill="hold" grpId="0" nodeType="clickEffect">
+                                  <p:stCondLst>
+                                    <p:cond delay="0"/>
+                                  </p:stCondLst>
+                                  <p:childTnLst>
+                                    <p:set>
+                                      <p:cBhvr>
+                                        <p:cTn id="55" dur="1" fill="hold">
+                                          <p:stCondLst>
+                                            <p:cond delay="0"/>
+                                          </p:stCondLst>
+                                        </p:cTn>
+                                        <p:tgtEl>
+                                          <p:spTgt spid="21"/>
+                                        </p:tgtEl>
+                                        <p:attrNameLst>
+                                          <p:attrName>style.visibility</p:attrName>
+                                        </p:attrNameLst>
+                                      </p:cBhvr>
+                                      <p:to>
+                                        <p:strVal val="visible"/>
+                                      </p:to>
+                                    </p:set>
+                                    <p:animEffect transition="in" filter="fade">
+                                      <p:cBhvr>
+                                        <p:cTn id="56" dur="500"/>
+                                        <p:tgtEl>
+                                          <p:spTgt spid="21"/>
+                                        </p:tgtEl>
+                                      </p:cBhvr>
+                                    </p:animEffect>
+                                  </p:childTnLst>
+                                </p:cTn>
+                              </p:par>
+                              <p:par>
+                                <p:cTn id="57" presetID="10" presetClass="entr" presetSubtype="0" fill="hold" grpId="0" nodeType="withEffect">
+                                  <p:stCondLst>
+                                    <p:cond delay="0"/>
+                                  </p:stCondLst>
+                                  <p:childTnLst>
+                                    <p:set>
+                                      <p:cBhvr>
+                                        <p:cTn id="58" dur="1" fill="hold">
+                                          <p:stCondLst>
+                                            <p:cond delay="0"/>
+                                          </p:stCondLst>
+                                        </p:cTn>
+                                        <p:tgtEl>
+                                          <p:spTgt spid="22"/>
+                                        </p:tgtEl>
+                                        <p:attrNameLst>
+                                          <p:attrName>style.visibility</p:attrName>
+                                        </p:attrNameLst>
+                                      </p:cBhvr>
+                                      <p:to>
+                                        <p:strVal val="visible"/>
+                                      </p:to>
+                                    </p:set>
+                                    <p:animEffect transition="in" filter="fade">
+                                      <p:cBhvr>
+                                        <p:cTn id="59" dur="500"/>
+                                        <p:tgtEl>
+                                          <p:spTgt spid="22"/>
+                                        </p:tgtEl>
+                                      </p:cBhvr>
+                                    </p:animEffect>
+                                  </p:childTnLst>
+                                </p:cTn>
+                              </p:par>
+                              <p:par>
+                                <p:cTn id="60" presetID="10" presetClass="entr" presetSubtype="0" fill="hold" grpId="0" nodeType="withEffect">
+                                  <p:stCondLst>
+                                    <p:cond delay="0"/>
+                                  </p:stCondLst>
+                                  <p:childTnLst>
+                                    <p:set>
+                                      <p:cBhvr>
+                                        <p:cTn id="61" dur="1" fill="hold">
+                                          <p:stCondLst>
+                                            <p:cond delay="0"/>
+                                          </p:stCondLst>
+                                        </p:cTn>
+                                        <p:tgtEl>
+                                          <p:spTgt spid="24"/>
+                                        </p:tgtEl>
+                                        <p:attrNameLst>
+                                          <p:attrName>style.visibility</p:attrName>
+                                        </p:attrNameLst>
+                                      </p:cBhvr>
+                                      <p:to>
+                                        <p:strVal val="visible"/>
+                                      </p:to>
+                                    </p:set>
+                                    <p:animEffect transition="in" filter="fade">
+                                      <p:cBhvr>
+                                        <p:cTn id="62" dur="500"/>
+                                        <p:tgtEl>
+                                          <p:spTgt spid="24"/>
+                                        </p:tgtEl>
+                                      </p:cBhvr>
+                                    </p:animEffect>
+                                  </p:childTnLst>
+                                </p:cTn>
+                              </p:par>
+                              <p:par>
+                                <p:cTn id="63" presetID="10" presetClass="entr" presetSubtype="0" fill="hold" grpId="0" nodeType="withEffect">
+                                  <p:stCondLst>
+                                    <p:cond delay="0"/>
+                                  </p:stCondLst>
+                                  <p:childTnLst>
+                                    <p:set>
+                                      <p:cBhvr>
+                                        <p:cTn id="64" dur="1" fill="hold">
+                                          <p:stCondLst>
+                                            <p:cond delay="0"/>
+                                          </p:stCondLst>
+                                        </p:cTn>
+                                        <p:tgtEl>
+                                          <p:spTgt spid="23"/>
+                                        </p:tgtEl>
+                                        <p:attrNameLst>
+                                          <p:attrName>style.visibility</p:attrName>
+                                        </p:attrNameLst>
+                                      </p:cBhvr>
+                                      <p:to>
+                                        <p:strVal val="visible"/>
+                                      </p:to>
+                                    </p:set>
+                                    <p:animEffect transition="in" filter="fade">
+                                      <p:cBhvr>
+                                        <p:cTn id="65" dur="500"/>
+                                        <p:tgtEl>
+                                          <p:spTgt spid="23"/>
+                                        </p:tgtEl>
+                                      </p:cBhvr>
+                                    </p:animEffect>
+                                  </p:childTnLst>
+                                </p:cTn>
+                              </p:par>
+                              <p:par>
+                                <p:cTn id="66" presetID="10" presetClass="entr" presetSubtype="0" fill="hold" grpId="0" nodeType="withEffect">
+                                  <p:stCondLst>
+                                    <p:cond delay="0"/>
+                                  </p:stCondLst>
+                                  <p:childTnLst>
+                                    <p:set>
+                                      <p:cBhvr>
+                                        <p:cTn id="67" dur="1" fill="hold">
+                                          <p:stCondLst>
+                                            <p:cond delay="0"/>
+                                          </p:stCondLst>
+                                        </p:cTn>
+                                        <p:tgtEl>
+                                          <p:spTgt spid="25"/>
+                                        </p:tgtEl>
+                                        <p:attrNameLst>
+                                          <p:attrName>style.visibility</p:attrName>
+                                        </p:attrNameLst>
+                                      </p:cBhvr>
+                                      <p:to>
+                                        <p:strVal val="visible"/>
+                                      </p:to>
+                                    </p:set>
+                                    <p:animEffect transition="in" filter="fade">
+                                      <p:cBhvr>
+                                        <p:cTn id="68" dur="500"/>
+                                        <p:tgtEl>
+                                          <p:spTgt spid="25"/>
+                                        </p:tgtEl>
+                                      </p:cBhvr>
+                                    </p:animEffect>
+                                  </p:childTnLst>
+                                </p:cTn>
+                              </p:par>
+                              <p:par>
+                                <p:cTn id="69" presetID="10" presetClass="entr" presetSubtype="0" fill="hold" grpId="0" nodeType="withEffect">
+                                  <p:stCondLst>
+                                    <p:cond delay="0"/>
+                                  </p:stCondLst>
+                                  <p:childTnLst>
+                                    <p:set>
+                                      <p:cBhvr>
+                                        <p:cTn id="70" dur="1" fill="hold">
+                                          <p:stCondLst>
+                                            <p:cond delay="0"/>
+                                          </p:stCondLst>
+                                        </p:cTn>
+                                        <p:tgtEl>
+                                          <p:spTgt spid="26"/>
+                                        </p:tgtEl>
+                                        <p:attrNameLst>
+                                          <p:attrName>style.visibility</p:attrName>
+                                        </p:attrNameLst>
+                                      </p:cBhvr>
+                                      <p:to>
+                                        <p:strVal val="visible"/>
+                                      </p:to>
+                                    </p:set>
+                                    <p:animEffect transition="in" filter="fade">
+                                      <p:cBhvr>
+                                        <p:cTn id="71" dur="500"/>
+                                        <p:tgtEl>
+                                          <p:spTgt spid="26"/>
+                                        </p:tgtEl>
+                                      </p:cBhvr>
+                                    </p:animEffect>
+                                  </p:childTnLst>
+                                </p:cTn>
+                              </p:par>
+                            </p:childTnLst>
+                          </p:cTn>
+                        </p:par>
+                      </p:childTnLst>
+                    </p:cTn>
+                  </p:par>
+                  <p:par>
+                    <p:cTn id="72" fill="hold">
+                      <p:stCondLst>
+                        <p:cond delay="indefinite"/>
+                      </p:stCondLst>
+                      <p:childTnLst>
+                        <p:par>
+                          <p:cTn id="73" fill="hold">
+                            <p:stCondLst>
+                              <p:cond delay="0"/>
+                            </p:stCondLst>
+                            <p:childTnLst>
+                              <p:par>
+                                <p:cTn id="74" presetID="10" presetClass="entr" presetSubtype="0" fill="hold" grpId="0" nodeType="clickEffect">
+                                  <p:stCondLst>
+                                    <p:cond delay="0"/>
+                                  </p:stCondLst>
+                                  <p:childTnLst>
+                                    <p:set>
+                                      <p:cBhvr>
+                                        <p:cTn id="75" dur="1" fill="hold">
+                                          <p:stCondLst>
+                                            <p:cond delay="0"/>
+                                          </p:stCondLst>
+                                        </p:cTn>
+                                        <p:tgtEl>
+                                          <p:spTgt spid="27"/>
+                                        </p:tgtEl>
+                                        <p:attrNameLst>
+                                          <p:attrName>style.visibility</p:attrName>
+                                        </p:attrNameLst>
+                                      </p:cBhvr>
+                                      <p:to>
+                                        <p:strVal val="visible"/>
+                                      </p:to>
+                                    </p:set>
+                                    <p:animEffect transition="in" filter="fade">
+                                      <p:cBhvr>
+                                        <p:cTn id="76" dur="500"/>
+                                        <p:tgtEl>
+                                          <p:spTgt spid="27"/>
+                                        </p:tgtEl>
+                                      </p:cBhvr>
+                                    </p:animEffect>
+                                  </p:childTnLst>
+                                </p:cTn>
+                              </p:par>
+                              <p:par>
+                                <p:cTn id="77" presetID="10" presetClass="entr" presetSubtype="0" fill="hold" grpId="0" nodeType="withEffect">
+                                  <p:stCondLst>
+                                    <p:cond delay="0"/>
+                                  </p:stCondLst>
+                                  <p:childTnLst>
+                                    <p:set>
+                                      <p:cBhvr>
+                                        <p:cTn id="78" dur="1" fill="hold">
+                                          <p:stCondLst>
+                                            <p:cond delay="0"/>
+                                          </p:stCondLst>
+                                        </p:cTn>
+                                        <p:tgtEl>
+                                          <p:spTgt spid="28"/>
+                                        </p:tgtEl>
+                                        <p:attrNameLst>
+                                          <p:attrName>style.visibility</p:attrName>
+                                        </p:attrNameLst>
+                                      </p:cBhvr>
+                                      <p:to>
+                                        <p:strVal val="visible"/>
+                                      </p:to>
+                                    </p:set>
+                                    <p:animEffect transition="in" filter="fade">
+                                      <p:cBhvr>
+                                        <p:cTn id="79" dur="500"/>
+                                        <p:tgtEl>
+                                          <p:spTgt spid="28"/>
+                                        </p:tgtEl>
+                                      </p:cBhvr>
+                                    </p:animEffect>
+                                  </p:childTnLst>
+                                </p:cTn>
+                              </p:par>
+                              <p:par>
+                                <p:cTn id="80" presetID="10" presetClass="entr" presetSubtype="0" fill="hold" grpId="0" nodeType="withEffect">
+                                  <p:stCondLst>
+                                    <p:cond delay="0"/>
+                                  </p:stCondLst>
+                                  <p:childTnLst>
+                                    <p:set>
+                                      <p:cBhvr>
+                                        <p:cTn id="81" dur="1" fill="hold">
+                                          <p:stCondLst>
+                                            <p:cond delay="0"/>
+                                          </p:stCondLst>
+                                        </p:cTn>
+                                        <p:tgtEl>
+                                          <p:spTgt spid="29"/>
+                                        </p:tgtEl>
+                                        <p:attrNameLst>
+                                          <p:attrName>style.visibility</p:attrName>
+                                        </p:attrNameLst>
+                                      </p:cBhvr>
+                                      <p:to>
+                                        <p:strVal val="visible"/>
+                                      </p:to>
+                                    </p:set>
+                                    <p:animEffect transition="in" filter="fade">
+                                      <p:cBhvr>
+                                        <p:cTn id="82" dur="500"/>
+                                        <p:tgtEl>
+                                          <p:spTgt spid="29"/>
+                                        </p:tgtEl>
+                                      </p:cBhvr>
+                                    </p:animEffect>
+                                  </p:childTnLst>
+                                </p:cTn>
+                              </p:par>
+                              <p:par>
+                                <p:cTn id="83" presetID="10" presetClass="entr" presetSubtype="0" fill="hold" grpId="0" nodeType="withEffect">
+                                  <p:stCondLst>
+                                    <p:cond delay="0"/>
+                                  </p:stCondLst>
+                                  <p:childTnLst>
+                                    <p:set>
+                                      <p:cBhvr>
+                                        <p:cTn id="84" dur="1" fill="hold">
+                                          <p:stCondLst>
+                                            <p:cond delay="0"/>
+                                          </p:stCondLst>
+                                        </p:cTn>
+                                        <p:tgtEl>
+                                          <p:spTgt spid="30"/>
+                                        </p:tgtEl>
+                                        <p:attrNameLst>
+                                          <p:attrName>style.visibility</p:attrName>
+                                        </p:attrNameLst>
+                                      </p:cBhvr>
+                                      <p:to>
+                                        <p:strVal val="visible"/>
+                                      </p:to>
+                                    </p:set>
+                                    <p:animEffect transition="in" filter="fade">
+                                      <p:cBhvr>
+                                        <p:cTn id="85" dur="500"/>
+                                        <p:tgtEl>
+                                          <p:spTgt spid="30"/>
+                                        </p:tgtEl>
+                                      </p:cBhvr>
+                                    </p:animEffect>
+                                  </p:childTnLst>
+                                </p:cTn>
+                              </p:par>
+                            </p:childTnLst>
+                          </p:cTn>
+                        </p:par>
+                      </p:childTnLst>
+                    </p:cTn>
+                  </p:par>
+                  <p:par>
+                    <p:cTn id="86" fill="hold">
+                      <p:stCondLst>
+                        <p:cond delay="indefinite"/>
+                      </p:stCondLst>
+                      <p:childTnLst>
+                        <p:par>
+                          <p:cTn id="87" fill="hold">
+                            <p:stCondLst>
+                              <p:cond delay="0"/>
+                            </p:stCondLst>
+                            <p:childTnLst>
+                              <p:par>
+                                <p:cTn id="88" presetID="10" presetClass="entr" presetSubtype="0" fill="hold" grpId="0" nodeType="clickEffect">
+                                  <p:stCondLst>
+                                    <p:cond delay="0"/>
+                                  </p:stCondLst>
+                                  <p:childTnLst>
+                                    <p:set>
+                                      <p:cBhvr>
+                                        <p:cTn id="89" dur="1" fill="hold">
+                                          <p:stCondLst>
+                                            <p:cond delay="0"/>
+                                          </p:stCondLst>
+                                        </p:cTn>
+                                        <p:tgtEl>
+                                          <p:spTgt spid="31"/>
+                                        </p:tgtEl>
+                                        <p:attrNameLst>
+                                          <p:attrName>style.visibility</p:attrName>
+                                        </p:attrNameLst>
+                                      </p:cBhvr>
+                                      <p:to>
+                                        <p:strVal val="visible"/>
+                                      </p:to>
+                                    </p:set>
+                                    <p:animEffect transition="in" filter="fade">
+                                      <p:cBhvr>
+                                        <p:cTn id="90" dur="500"/>
+                                        <p:tgtEl>
+                                          <p:spTgt spid="31"/>
+                                        </p:tgtEl>
+                                      </p:cBhvr>
+                                    </p:animEffect>
+                                  </p:childTnLst>
+                                </p:cTn>
+                              </p:par>
+                              <p:par>
+                                <p:cTn id="91" presetID="10" presetClass="entr" presetSubtype="0" fill="hold" grpId="0" nodeType="withEffect">
+                                  <p:stCondLst>
+                                    <p:cond delay="0"/>
+                                  </p:stCondLst>
+                                  <p:childTnLst>
+                                    <p:set>
+                                      <p:cBhvr>
+                                        <p:cTn id="92" dur="1" fill="hold">
+                                          <p:stCondLst>
+                                            <p:cond delay="0"/>
+                                          </p:stCondLst>
+                                        </p:cTn>
+                                        <p:tgtEl>
+                                          <p:spTgt spid="32"/>
+                                        </p:tgtEl>
+                                        <p:attrNameLst>
+                                          <p:attrName>style.visibility</p:attrName>
+                                        </p:attrNameLst>
+                                      </p:cBhvr>
+                                      <p:to>
+                                        <p:strVal val="visible"/>
+                                      </p:to>
+                                    </p:set>
+                                    <p:animEffect transition="in" filter="fade">
+                                      <p:cBhvr>
+                                        <p:cTn id="93" dur="500"/>
+                                        <p:tgtEl>
+                                          <p:spTgt spid="32"/>
+                                        </p:tgtEl>
+                                      </p:cBhvr>
+                                    </p:animEffect>
+                                  </p:childTnLst>
+                                </p:cTn>
+                              </p:par>
+                            </p:childTnLst>
+                          </p:cTn>
+                        </p:par>
+                      </p:childTnLst>
+                    </p:cTn>
+                  </p:par>
+                  <p:par>
+                    <p:cTn id="94" fill="hold">
+                      <p:stCondLst>
+                        <p:cond delay="indefinite"/>
+                      </p:stCondLst>
+                      <p:childTnLst>
+                        <p:par>
+                          <p:cTn id="95" fill="hold">
+                            <p:stCondLst>
+                              <p:cond delay="0"/>
+                            </p:stCondLst>
+                            <p:childTnLst>
+                              <p:par>
+                                <p:cTn id="96" presetID="10" presetClass="entr" presetSubtype="0" fill="hold" nodeType="clickEffect">
+                                  <p:stCondLst>
+                                    <p:cond delay="0"/>
+                                  </p:stCondLst>
+                                  <p:childTnLst>
+                                    <p:set>
+                                      <p:cBhvr>
+                                        <p:cTn id="97" dur="1" fill="hold">
+                                          <p:stCondLst>
+                                            <p:cond delay="0"/>
+                                          </p:stCondLst>
+                                        </p:cTn>
+                                        <p:tgtEl>
+                                          <p:spTgt spid="8"/>
+                                        </p:tgtEl>
+                                        <p:attrNameLst>
+                                          <p:attrName>style.visibility</p:attrName>
+                                        </p:attrNameLst>
+                                      </p:cBhvr>
+                                      <p:to>
+                                        <p:strVal val="visible"/>
+                                      </p:to>
+                                    </p:set>
+                                    <p:animEffect transition="in" filter="fade">
+                                      <p:cBhvr>
+                                        <p:cTn id="98" dur="500"/>
+                                        <p:tgtEl>
+                                          <p:spTgt spid="8"/>
+                                        </p:tgtEl>
+                                      </p:cBhvr>
+                                    </p:animEffect>
+                                  </p:childTnLst>
+                                </p:cTn>
+                              </p:par>
+                            </p:childTnLst>
+                          </p:cTn>
+                        </p:par>
+                      </p:childTnLst>
+                    </p:cTn>
+                  </p:par>
+                </p:childTnLst>
+              </p:cTn>
+              <p:prevCondLst>
+                <p:cond evt="onPrev" delay="0">
+                  <p:tgtEl>
+                    <p:sldTgt/>
+                  </p:tgtEl>
+                </p:cond>
+              </p:prevCondLst>
+              <p:nextCondLst>
+                <p:cond evt="onNext" delay="0">
+                  <p:tgtEl>
+                    <p:sldTgt/>
+                  </p:tgtEl>
+                </p:cond>
+              </p:nextCondLst>
+            </p:seq>
+          </p:childTnLst>
+        </p:cTn>
       </p:par>
     </p:tnLst>
+    <p:bldLst>
+      <p:bldP spid="18" grpId="0" animBg="1"/>
+      <p:bldP spid="19" grpId="0" animBg="1"/>
+      <p:bldP spid="20" grpId="0" animBg="1"/>
+      <p:bldP spid="21" grpId="0" animBg="1"/>
+      <p:bldP spid="22" grpId="0" animBg="1"/>
+      <p:bldP spid="23" grpId="0" animBg="1"/>
+      <p:bldP spid="24" grpId="0" animBg="1"/>
+      <p:bldP spid="25" grpId="0" animBg="1"/>
+      <p:bldP spid="26" grpId="0" animBg="1"/>
+      <p:bldP spid="27" grpId="0" animBg="1"/>
+      <p:bldP spid="28" grpId="0" animBg="1"/>
+      <p:bldP spid="29" grpId="0" animBg="1"/>
+      <p:bldP spid="30" grpId="0" animBg="1"/>
+      <p:bldP spid="31" grpId="0" animBg="1"/>
+      <p:bldP spid="32" grpId="0" animBg="1"/>
+      <p:bldP spid="33" grpId="0"/>
+      <p:bldP spid="34" grpId="0"/>
+      <p:bldP spid="36" grpId="0"/>
+      <p:bldP spid="37" grpId="0"/>
+    </p:bldLst>
   </p:timing>
 </p:sld>
 </file>
@@ -5229,7 +8692,6 @@
               <a:rPr lang="en-US" sz="2400" dirty="0" smtClean="0"/>
               <a:t>Physical measure </a:t>
             </a:r>
-            <a:endParaRPr lang="en-US" sz="2400" dirty="0" smtClean="0"/>
           </a:p>
           <a:p>
             <a:pPr marL="457200" lvl="1" indent="0">
@@ -5254,11 +8716,7 @@
             </a:pPr>
             <a:r>
               <a:rPr lang="en-US" sz="2400" dirty="0" smtClean="0"/>
-              <a:t>Bounds are not always </a:t>
-            </a:r>
-            <a:r>
-              <a:rPr lang="en-US" sz="2400" dirty="0" smtClean="0"/>
-              <a:t>appropriate</a:t>
+              <a:t>Bounds are not always appropriate</a:t>
             </a:r>
           </a:p>
           <a:p>
@@ -5270,7 +8728,6 @@
               <a:rPr lang="en-US" sz="2400" dirty="0" smtClean="0"/>
               <a:t>Inadequate when there are dependencies between variables</a:t>
             </a:r>
-            <a:endParaRPr lang="en-US" sz="2400" dirty="0" smtClean="0"/>
           </a:p>
           <a:p>
             <a:pPr marL="0" indent="0">
@@ -5296,6 +8753,480 @@
   <p:clrMapOvr>
     <a:masterClrMapping/>
   </p:clrMapOvr>
+  <p:timing>
+    <p:tnLst>
+      <p:par>
+        <p:cTn id="1" dur="indefinite" restart="never" nodeType="tmRoot">
+          <p:childTnLst>
+            <p:seq concurrent="1" nextAc="seek">
+              <p:cTn id="2" dur="indefinite" nodeType="mainSeq">
+                <p:childTnLst>
+                  <p:par>
+                    <p:cTn id="3" fill="hold">
+                      <p:stCondLst>
+                        <p:cond delay="indefinite"/>
+                      </p:stCondLst>
+                      <p:childTnLst>
+                        <p:par>
+                          <p:cTn id="4" fill="hold">
+                            <p:stCondLst>
+                              <p:cond delay="0"/>
+                            </p:stCondLst>
+                            <p:childTnLst>
+                              <p:par>
+                                <p:cTn id="5" presetID="10" presetClass="entr" presetSubtype="0" fill="hold" grpId="0" nodeType="clickEffect">
+                                  <p:stCondLst>
+                                    <p:cond delay="0"/>
+                                  </p:stCondLst>
+                                  <p:childTnLst>
+                                    <p:set>
+                                      <p:cBhvr>
+                                        <p:cTn id="6" dur="1" fill="hold">
+                                          <p:stCondLst>
+                                            <p:cond delay="0"/>
+                                          </p:stCondLst>
+                                        </p:cTn>
+                                        <p:tgtEl>
+                                          <p:spTgt spid="6">
+                                            <p:txEl>
+                                              <p:pRg st="0" end="0"/>
+                                            </p:txEl>
+                                          </p:spTgt>
+                                        </p:tgtEl>
+                                        <p:attrNameLst>
+                                          <p:attrName>style.visibility</p:attrName>
+                                        </p:attrNameLst>
+                                      </p:cBhvr>
+                                      <p:to>
+                                        <p:strVal val="visible"/>
+                                      </p:to>
+                                    </p:set>
+                                    <p:animEffect transition="in" filter="fade">
+                                      <p:cBhvr>
+                                        <p:cTn id="7" dur="500"/>
+                                        <p:tgtEl>
+                                          <p:spTgt spid="6">
+                                            <p:txEl>
+                                              <p:pRg st="0" end="0"/>
+                                            </p:txEl>
+                                          </p:spTgt>
+                                        </p:tgtEl>
+                                      </p:cBhvr>
+                                    </p:animEffect>
+                                  </p:childTnLst>
+                                </p:cTn>
+                              </p:par>
+                            </p:childTnLst>
+                          </p:cTn>
+                        </p:par>
+                      </p:childTnLst>
+                    </p:cTn>
+                  </p:par>
+                  <p:par>
+                    <p:cTn id="8" fill="hold">
+                      <p:stCondLst>
+                        <p:cond delay="indefinite"/>
+                      </p:stCondLst>
+                      <p:childTnLst>
+                        <p:par>
+                          <p:cTn id="9" fill="hold">
+                            <p:stCondLst>
+                              <p:cond delay="0"/>
+                            </p:stCondLst>
+                            <p:childTnLst>
+                              <p:par>
+                                <p:cTn id="10" presetID="10" presetClass="entr" presetSubtype="0" fill="hold" grpId="0" nodeType="clickEffect">
+                                  <p:stCondLst>
+                                    <p:cond delay="0"/>
+                                  </p:stCondLst>
+                                  <p:childTnLst>
+                                    <p:set>
+                                      <p:cBhvr>
+                                        <p:cTn id="11" dur="1" fill="hold">
+                                          <p:stCondLst>
+                                            <p:cond delay="0"/>
+                                          </p:stCondLst>
+                                        </p:cTn>
+                                        <p:tgtEl>
+                                          <p:spTgt spid="6">
+                                            <p:txEl>
+                                              <p:pRg st="1" end="1"/>
+                                            </p:txEl>
+                                          </p:spTgt>
+                                        </p:tgtEl>
+                                        <p:attrNameLst>
+                                          <p:attrName>style.visibility</p:attrName>
+                                        </p:attrNameLst>
+                                      </p:cBhvr>
+                                      <p:to>
+                                        <p:strVal val="visible"/>
+                                      </p:to>
+                                    </p:set>
+                                    <p:animEffect transition="in" filter="fade">
+                                      <p:cBhvr>
+                                        <p:cTn id="12" dur="500"/>
+                                        <p:tgtEl>
+                                          <p:spTgt spid="6">
+                                            <p:txEl>
+                                              <p:pRg st="1" end="1"/>
+                                            </p:txEl>
+                                          </p:spTgt>
+                                        </p:tgtEl>
+                                      </p:cBhvr>
+                                    </p:animEffect>
+                                  </p:childTnLst>
+                                </p:cTn>
+                              </p:par>
+                              <p:par>
+                                <p:cTn id="13" presetID="10" presetClass="entr" presetSubtype="0" fill="hold" grpId="0" nodeType="withEffect">
+                                  <p:stCondLst>
+                                    <p:cond delay="0"/>
+                                  </p:stCondLst>
+                                  <p:childTnLst>
+                                    <p:set>
+                                      <p:cBhvr>
+                                        <p:cTn id="14" dur="1" fill="hold">
+                                          <p:stCondLst>
+                                            <p:cond delay="0"/>
+                                          </p:stCondLst>
+                                        </p:cTn>
+                                        <p:tgtEl>
+                                          <p:spTgt spid="6">
+                                            <p:txEl>
+                                              <p:pRg st="2" end="2"/>
+                                            </p:txEl>
+                                          </p:spTgt>
+                                        </p:tgtEl>
+                                        <p:attrNameLst>
+                                          <p:attrName>style.visibility</p:attrName>
+                                        </p:attrNameLst>
+                                      </p:cBhvr>
+                                      <p:to>
+                                        <p:strVal val="visible"/>
+                                      </p:to>
+                                    </p:set>
+                                    <p:animEffect transition="in" filter="fade">
+                                      <p:cBhvr>
+                                        <p:cTn id="15" dur="500"/>
+                                        <p:tgtEl>
+                                          <p:spTgt spid="6">
+                                            <p:txEl>
+                                              <p:pRg st="2" end="2"/>
+                                            </p:txEl>
+                                          </p:spTgt>
+                                        </p:tgtEl>
+                                      </p:cBhvr>
+                                    </p:animEffect>
+                                  </p:childTnLst>
+                                </p:cTn>
+                              </p:par>
+                              <p:par>
+                                <p:cTn id="16" presetID="10" presetClass="entr" presetSubtype="0" fill="hold" grpId="0" nodeType="withEffect">
+                                  <p:stCondLst>
+                                    <p:cond delay="0"/>
+                                  </p:stCondLst>
+                                  <p:childTnLst>
+                                    <p:set>
+                                      <p:cBhvr>
+                                        <p:cTn id="17" dur="1" fill="hold">
+                                          <p:stCondLst>
+                                            <p:cond delay="0"/>
+                                          </p:stCondLst>
+                                        </p:cTn>
+                                        <p:tgtEl>
+                                          <p:spTgt spid="6">
+                                            <p:txEl>
+                                              <p:pRg st="3" end="3"/>
+                                            </p:txEl>
+                                          </p:spTgt>
+                                        </p:tgtEl>
+                                        <p:attrNameLst>
+                                          <p:attrName>style.visibility</p:attrName>
+                                        </p:attrNameLst>
+                                      </p:cBhvr>
+                                      <p:to>
+                                        <p:strVal val="visible"/>
+                                      </p:to>
+                                    </p:set>
+                                    <p:animEffect transition="in" filter="fade">
+                                      <p:cBhvr>
+                                        <p:cTn id="18" dur="500"/>
+                                        <p:tgtEl>
+                                          <p:spTgt spid="6">
+                                            <p:txEl>
+                                              <p:pRg st="3" end="3"/>
+                                            </p:txEl>
+                                          </p:spTgt>
+                                        </p:tgtEl>
+                                      </p:cBhvr>
+                                    </p:animEffect>
+                                  </p:childTnLst>
+                                </p:cTn>
+                              </p:par>
+                              <p:par>
+                                <p:cTn id="19" presetID="10" presetClass="entr" presetSubtype="0" fill="hold" grpId="0" nodeType="withEffect">
+                                  <p:stCondLst>
+                                    <p:cond delay="0"/>
+                                  </p:stCondLst>
+                                  <p:childTnLst>
+                                    <p:set>
+                                      <p:cBhvr>
+                                        <p:cTn id="20" dur="1" fill="hold">
+                                          <p:stCondLst>
+                                            <p:cond delay="0"/>
+                                          </p:stCondLst>
+                                        </p:cTn>
+                                        <p:tgtEl>
+                                          <p:spTgt spid="6">
+                                            <p:txEl>
+                                              <p:pRg st="4" end="4"/>
+                                            </p:txEl>
+                                          </p:spTgt>
+                                        </p:tgtEl>
+                                        <p:attrNameLst>
+                                          <p:attrName>style.visibility</p:attrName>
+                                        </p:attrNameLst>
+                                      </p:cBhvr>
+                                      <p:to>
+                                        <p:strVal val="visible"/>
+                                      </p:to>
+                                    </p:set>
+                                    <p:animEffect transition="in" filter="fade">
+                                      <p:cBhvr>
+                                        <p:cTn id="21" dur="500"/>
+                                        <p:tgtEl>
+                                          <p:spTgt spid="6">
+                                            <p:txEl>
+                                              <p:pRg st="4" end="4"/>
+                                            </p:txEl>
+                                          </p:spTgt>
+                                        </p:tgtEl>
+                                      </p:cBhvr>
+                                    </p:animEffect>
+                                  </p:childTnLst>
+                                </p:cTn>
+                              </p:par>
+                              <p:par>
+                                <p:cTn id="22" presetID="10" presetClass="entr" presetSubtype="0" fill="hold" grpId="0" nodeType="withEffect">
+                                  <p:stCondLst>
+                                    <p:cond delay="0"/>
+                                  </p:stCondLst>
+                                  <p:childTnLst>
+                                    <p:set>
+                                      <p:cBhvr>
+                                        <p:cTn id="23" dur="1" fill="hold">
+                                          <p:stCondLst>
+                                            <p:cond delay="0"/>
+                                          </p:stCondLst>
+                                        </p:cTn>
+                                        <p:tgtEl>
+                                          <p:spTgt spid="6">
+                                            <p:txEl>
+                                              <p:pRg st="5" end="5"/>
+                                            </p:txEl>
+                                          </p:spTgt>
+                                        </p:tgtEl>
+                                        <p:attrNameLst>
+                                          <p:attrName>style.visibility</p:attrName>
+                                        </p:attrNameLst>
+                                      </p:cBhvr>
+                                      <p:to>
+                                        <p:strVal val="visible"/>
+                                      </p:to>
+                                    </p:set>
+                                    <p:animEffect transition="in" filter="fade">
+                                      <p:cBhvr>
+                                        <p:cTn id="24" dur="500"/>
+                                        <p:tgtEl>
+                                          <p:spTgt spid="6">
+                                            <p:txEl>
+                                              <p:pRg st="5" end="5"/>
+                                            </p:txEl>
+                                          </p:spTgt>
+                                        </p:tgtEl>
+                                      </p:cBhvr>
+                                    </p:animEffect>
+                                  </p:childTnLst>
+                                </p:cTn>
+                              </p:par>
+                            </p:childTnLst>
+                          </p:cTn>
+                        </p:par>
+                      </p:childTnLst>
+                    </p:cTn>
+                  </p:par>
+                  <p:par>
+                    <p:cTn id="25" fill="hold">
+                      <p:stCondLst>
+                        <p:cond delay="indefinite"/>
+                      </p:stCondLst>
+                      <p:childTnLst>
+                        <p:par>
+                          <p:cTn id="26" fill="hold">
+                            <p:stCondLst>
+                              <p:cond delay="0"/>
+                            </p:stCondLst>
+                            <p:childTnLst>
+                              <p:par>
+                                <p:cTn id="27" presetID="10" presetClass="entr" presetSubtype="0" fill="hold" grpId="0" nodeType="clickEffect">
+                                  <p:stCondLst>
+                                    <p:cond delay="0"/>
+                                  </p:stCondLst>
+                                  <p:childTnLst>
+                                    <p:set>
+                                      <p:cBhvr>
+                                        <p:cTn id="28" dur="1" fill="hold">
+                                          <p:stCondLst>
+                                            <p:cond delay="0"/>
+                                          </p:stCondLst>
+                                        </p:cTn>
+                                        <p:tgtEl>
+                                          <p:spTgt spid="6">
+                                            <p:txEl>
+                                              <p:pRg st="7" end="7"/>
+                                            </p:txEl>
+                                          </p:spTgt>
+                                        </p:tgtEl>
+                                        <p:attrNameLst>
+                                          <p:attrName>style.visibility</p:attrName>
+                                        </p:attrNameLst>
+                                      </p:cBhvr>
+                                      <p:to>
+                                        <p:strVal val="visible"/>
+                                      </p:to>
+                                    </p:set>
+                                    <p:animEffect transition="in" filter="fade">
+                                      <p:cBhvr>
+                                        <p:cTn id="29" dur="500"/>
+                                        <p:tgtEl>
+                                          <p:spTgt spid="6">
+                                            <p:txEl>
+                                              <p:pRg st="7" end="7"/>
+                                            </p:txEl>
+                                          </p:spTgt>
+                                        </p:tgtEl>
+                                      </p:cBhvr>
+                                    </p:animEffect>
+                                  </p:childTnLst>
+                                </p:cTn>
+                              </p:par>
+                              <p:par>
+                                <p:cTn id="30" presetID="10" presetClass="entr" presetSubtype="0" fill="hold" grpId="0" nodeType="withEffect">
+                                  <p:stCondLst>
+                                    <p:cond delay="0"/>
+                                  </p:stCondLst>
+                                  <p:childTnLst>
+                                    <p:set>
+                                      <p:cBhvr>
+                                        <p:cTn id="31" dur="1" fill="hold">
+                                          <p:stCondLst>
+                                            <p:cond delay="0"/>
+                                          </p:stCondLst>
+                                        </p:cTn>
+                                        <p:tgtEl>
+                                          <p:spTgt spid="6">
+                                            <p:txEl>
+                                              <p:pRg st="8" end="8"/>
+                                            </p:txEl>
+                                          </p:spTgt>
+                                        </p:tgtEl>
+                                        <p:attrNameLst>
+                                          <p:attrName>style.visibility</p:attrName>
+                                        </p:attrNameLst>
+                                      </p:cBhvr>
+                                      <p:to>
+                                        <p:strVal val="visible"/>
+                                      </p:to>
+                                    </p:set>
+                                    <p:animEffect transition="in" filter="fade">
+                                      <p:cBhvr>
+                                        <p:cTn id="32" dur="500"/>
+                                        <p:tgtEl>
+                                          <p:spTgt spid="6">
+                                            <p:txEl>
+                                              <p:pRg st="8" end="8"/>
+                                            </p:txEl>
+                                          </p:spTgt>
+                                        </p:tgtEl>
+                                      </p:cBhvr>
+                                    </p:animEffect>
+                                  </p:childTnLst>
+                                </p:cTn>
+                              </p:par>
+                              <p:par>
+                                <p:cTn id="33" presetID="10" presetClass="entr" presetSubtype="0" fill="hold" grpId="0" nodeType="withEffect">
+                                  <p:stCondLst>
+                                    <p:cond delay="0"/>
+                                  </p:stCondLst>
+                                  <p:childTnLst>
+                                    <p:set>
+                                      <p:cBhvr>
+                                        <p:cTn id="34" dur="1" fill="hold">
+                                          <p:stCondLst>
+                                            <p:cond delay="0"/>
+                                          </p:stCondLst>
+                                        </p:cTn>
+                                        <p:tgtEl>
+                                          <p:spTgt spid="6">
+                                            <p:txEl>
+                                              <p:pRg st="9" end="9"/>
+                                            </p:txEl>
+                                          </p:spTgt>
+                                        </p:tgtEl>
+                                        <p:attrNameLst>
+                                          <p:attrName>style.visibility</p:attrName>
+                                        </p:attrNameLst>
+                                      </p:cBhvr>
+                                      <p:to>
+                                        <p:strVal val="visible"/>
+                                      </p:to>
+                                    </p:set>
+                                    <p:animEffect transition="in" filter="fade">
+                                      <p:cBhvr>
+                                        <p:cTn id="35" dur="500"/>
+                                        <p:tgtEl>
+                                          <p:spTgt spid="6">
+                                            <p:txEl>
+                                              <p:pRg st="9" end="9"/>
+                                            </p:txEl>
+                                          </p:spTgt>
+                                        </p:tgtEl>
+                                      </p:cBhvr>
+                                    </p:animEffect>
+                                  </p:childTnLst>
+                                </p:cTn>
+                              </p:par>
+                            </p:childTnLst>
+                          </p:cTn>
+                        </p:par>
+                      </p:childTnLst>
+                    </p:cTn>
+                  </p:par>
+                </p:childTnLst>
+              </p:cTn>
+              <p:prevCondLst>
+                <p:cond evt="onPrev" delay="0">
+                  <p:tgtEl>
+                    <p:sldTgt/>
+                  </p:tgtEl>
+                </p:cond>
+              </p:prevCondLst>
+              <p:nextCondLst>
+                <p:cond evt="onNext" delay="0">
+                  <p:tgtEl>
+                    <p:sldTgt/>
+                  </p:tgtEl>
+                </p:cond>
+              </p:nextCondLst>
+            </p:seq>
+          </p:childTnLst>
+        </p:cTn>
+      </p:par>
+    </p:tnLst>
+    <p:bldLst>
+      <p:bldP spid="6" grpId="0" uiExpand="1" build="p"/>
+    </p:bldLst>
+  </p:timing>
 </p:sld>
 </file>
 

--- a/UnitTest.pptx
+++ b/UnitTest.pptx
@@ -4583,8 +4583,8 @@
         </p:nvSpPr>
         <p:spPr>
           <a:xfrm>
-            <a:off x="4814705" y="1600200"/>
-            <a:ext cx="3733800" cy="4114800"/>
+            <a:off x="4814705" y="1600201"/>
+            <a:ext cx="3733800" cy="1447800"/>
           </a:xfrm>
         </p:spPr>
         <p:txBody>
@@ -4678,24 +4678,336 @@
           </a:prstGeom>
         </p:spPr>
       </p:pic>
+      <p:grpSp>
+        <p:nvGrpSpPr>
+          <p:cNvPr id="7" name="Group 6"/>
+          <p:cNvGrpSpPr/>
+          <p:nvPr/>
+        </p:nvGrpSpPr>
+        <p:grpSpPr>
+          <a:xfrm>
+            <a:off x="4495800" y="5179031"/>
+            <a:ext cx="4343400" cy="687486"/>
+            <a:chOff x="4495800" y="4876800"/>
+            <a:chExt cx="4343400" cy="687486"/>
+          </a:xfrm>
+        </p:grpSpPr>
+        <p:cxnSp>
+          <p:nvCxnSpPr>
+            <p:cNvPr id="10" name="Straight Connector 9"/>
+            <p:cNvCxnSpPr/>
+            <p:nvPr/>
+          </p:nvCxnSpPr>
+          <p:spPr>
+            <a:xfrm>
+              <a:off x="5562600" y="4876800"/>
+              <a:ext cx="0" cy="304800"/>
+            </a:xfrm>
+            <a:prstGeom prst="line">
+              <a:avLst/>
+            </a:prstGeom>
+            <a:ln w="28575">
+              <a:solidFill>
+                <a:srgbClr val="00B0F0"/>
+              </a:solidFill>
+            </a:ln>
+          </p:spPr>
+          <p:style>
+            <a:lnRef idx="1">
+              <a:schemeClr val="accent1"/>
+            </a:lnRef>
+            <a:fillRef idx="0">
+              <a:schemeClr val="accent1"/>
+            </a:fillRef>
+            <a:effectRef idx="0">
+              <a:schemeClr val="accent1"/>
+            </a:effectRef>
+            <a:fontRef idx="minor">
+              <a:schemeClr val="tx1"/>
+            </a:fontRef>
+          </p:style>
+        </p:cxnSp>
+        <p:cxnSp>
+          <p:nvCxnSpPr>
+            <p:cNvPr id="11" name="Straight Connector 10"/>
+            <p:cNvCxnSpPr/>
+            <p:nvPr/>
+          </p:nvCxnSpPr>
+          <p:spPr>
+            <a:xfrm>
+              <a:off x="6172200" y="4885899"/>
+              <a:ext cx="0" cy="304800"/>
+            </a:xfrm>
+            <a:prstGeom prst="line">
+              <a:avLst/>
+            </a:prstGeom>
+            <a:ln w="28575">
+              <a:solidFill>
+                <a:srgbClr val="00B0F0"/>
+              </a:solidFill>
+            </a:ln>
+          </p:spPr>
+          <p:style>
+            <a:lnRef idx="1">
+              <a:schemeClr val="accent1"/>
+            </a:lnRef>
+            <a:fillRef idx="0">
+              <a:schemeClr val="accent1"/>
+            </a:fillRef>
+            <a:effectRef idx="0">
+              <a:schemeClr val="accent1"/>
+            </a:effectRef>
+            <a:fontRef idx="minor">
+              <a:schemeClr val="tx1"/>
+            </a:fontRef>
+          </p:style>
+        </p:cxnSp>
+        <p:cxnSp>
+          <p:nvCxnSpPr>
+            <p:cNvPr id="12" name="Straight Connector 11"/>
+            <p:cNvCxnSpPr/>
+            <p:nvPr/>
+          </p:nvCxnSpPr>
+          <p:spPr>
+            <a:xfrm>
+              <a:off x="6781800" y="4885899"/>
+              <a:ext cx="0" cy="304800"/>
+            </a:xfrm>
+            <a:prstGeom prst="line">
+              <a:avLst/>
+            </a:prstGeom>
+            <a:ln w="28575">
+              <a:solidFill>
+                <a:srgbClr val="00B0F0"/>
+              </a:solidFill>
+            </a:ln>
+          </p:spPr>
+          <p:style>
+            <a:lnRef idx="1">
+              <a:schemeClr val="accent1"/>
+            </a:lnRef>
+            <a:fillRef idx="0">
+              <a:schemeClr val="accent1"/>
+            </a:fillRef>
+            <a:effectRef idx="0">
+              <a:schemeClr val="accent1"/>
+            </a:effectRef>
+            <a:fontRef idx="minor">
+              <a:schemeClr val="tx1"/>
+            </a:fontRef>
+          </p:style>
+        </p:cxnSp>
+        <p:cxnSp>
+          <p:nvCxnSpPr>
+            <p:cNvPr id="15" name="Straight Connector 14"/>
+            <p:cNvCxnSpPr/>
+            <p:nvPr/>
+          </p:nvCxnSpPr>
+          <p:spPr>
+            <a:xfrm>
+              <a:off x="7843828" y="4876800"/>
+              <a:ext cx="0" cy="304800"/>
+            </a:xfrm>
+            <a:prstGeom prst="line">
+              <a:avLst/>
+            </a:prstGeom>
+            <a:ln w="28575">
+              <a:solidFill>
+                <a:srgbClr val="00B0F0"/>
+              </a:solidFill>
+            </a:ln>
+          </p:spPr>
+          <p:style>
+            <a:lnRef idx="1">
+              <a:schemeClr val="accent1"/>
+            </a:lnRef>
+            <a:fillRef idx="0">
+              <a:schemeClr val="accent1"/>
+            </a:fillRef>
+            <a:effectRef idx="0">
+              <a:schemeClr val="accent1"/>
+            </a:effectRef>
+            <a:fontRef idx="minor">
+              <a:schemeClr val="tx1"/>
+            </a:fontRef>
+          </p:style>
+        </p:cxnSp>
+        <p:sp>
+          <p:nvSpPr>
+            <p:cNvPr id="17" name="TextBox 16"/>
+            <p:cNvSpPr txBox="1"/>
+            <p:nvPr/>
+          </p:nvSpPr>
+          <p:spPr>
+            <a:xfrm>
+              <a:off x="5410200" y="5179031"/>
+              <a:ext cx="348018" cy="371901"/>
+            </a:xfrm>
+            <a:prstGeom prst="rect">
+              <a:avLst/>
+            </a:prstGeom>
+            <a:noFill/>
+          </p:spPr>
+          <p:txBody>
+            <a:bodyPr wrap="square" rtlCol="0">
+              <a:spAutoFit/>
+            </a:bodyPr>
+            <a:lstStyle/>
+            <a:p>
+              <a:r>
+                <a:rPr lang="en-US" dirty="0" smtClean="0"/>
+                <a:t>0</a:t>
+              </a:r>
+              <a:endParaRPr lang="en-US" dirty="0"/>
+            </a:p>
+          </p:txBody>
+        </p:sp>
+        <p:sp>
+          <p:nvSpPr>
+            <p:cNvPr id="18" name="TextBox 17"/>
+            <p:cNvSpPr txBox="1"/>
+            <p:nvPr/>
+          </p:nvSpPr>
+          <p:spPr>
+            <a:xfrm>
+              <a:off x="6019800" y="5181600"/>
+              <a:ext cx="478809" cy="369332"/>
+            </a:xfrm>
+            <a:prstGeom prst="rect">
+              <a:avLst/>
+            </a:prstGeom>
+            <a:noFill/>
+          </p:spPr>
+          <p:txBody>
+            <a:bodyPr wrap="square" rtlCol="0">
+              <a:spAutoFit/>
+            </a:bodyPr>
+            <a:lstStyle/>
+            <a:p>
+              <a:r>
+                <a:rPr lang="en-US" dirty="0" smtClean="0"/>
+                <a:t>50</a:t>
+              </a:r>
+              <a:endParaRPr lang="en-US" dirty="0"/>
+            </a:p>
+          </p:txBody>
+        </p:sp>
+        <p:sp>
+          <p:nvSpPr>
+            <p:cNvPr id="19" name="TextBox 18"/>
+            <p:cNvSpPr txBox="1"/>
+            <p:nvPr/>
+          </p:nvSpPr>
+          <p:spPr>
+            <a:xfrm>
+              <a:off x="6474725" y="5181600"/>
+              <a:ext cx="609600" cy="369332"/>
+            </a:xfrm>
+            <a:prstGeom prst="rect">
+              <a:avLst/>
+            </a:prstGeom>
+            <a:noFill/>
+          </p:spPr>
+          <p:txBody>
+            <a:bodyPr wrap="square" rtlCol="0">
+              <a:spAutoFit/>
+            </a:bodyPr>
+            <a:lstStyle/>
+            <a:p>
+              <a:r>
+                <a:rPr lang="en-US" dirty="0" smtClean="0"/>
+                <a:t>100</a:t>
+              </a:r>
+              <a:endParaRPr lang="en-US" dirty="0"/>
+            </a:p>
+          </p:txBody>
+        </p:sp>
+        <p:sp>
+          <p:nvSpPr>
+            <p:cNvPr id="21" name="TextBox 20"/>
+            <p:cNvSpPr txBox="1"/>
+            <p:nvPr/>
+          </p:nvSpPr>
+          <p:spPr>
+            <a:xfrm>
+              <a:off x="7531523" y="5194954"/>
+              <a:ext cx="620059" cy="369332"/>
+            </a:xfrm>
+            <a:prstGeom prst="rect">
+              <a:avLst/>
+            </a:prstGeom>
+            <a:noFill/>
+          </p:spPr>
+          <p:txBody>
+            <a:bodyPr wrap="square" rtlCol="0">
+              <a:spAutoFit/>
+            </a:bodyPr>
+            <a:lstStyle/>
+            <a:p>
+              <a:r>
+                <a:rPr lang="en-US" dirty="0" smtClean="0"/>
+                <a:t>200</a:t>
+              </a:r>
+              <a:endParaRPr lang="en-US" dirty="0"/>
+            </a:p>
+          </p:txBody>
+        </p:sp>
+        <p:cxnSp>
+          <p:nvCxnSpPr>
+            <p:cNvPr id="23" name="Straight Arrow Connector 22"/>
+            <p:cNvCxnSpPr/>
+            <p:nvPr/>
+          </p:nvCxnSpPr>
+          <p:spPr>
+            <a:xfrm>
+              <a:off x="4495800" y="5029200"/>
+              <a:ext cx="4343400" cy="0"/>
+            </a:xfrm>
+            <a:prstGeom prst="straightConnector1">
+              <a:avLst/>
+            </a:prstGeom>
+            <a:ln w="28575">
+              <a:solidFill>
+                <a:srgbClr val="00B0F0"/>
+              </a:solidFill>
+              <a:tailEnd type="arrow"/>
+            </a:ln>
+          </p:spPr>
+          <p:style>
+            <a:lnRef idx="1">
+              <a:schemeClr val="accent1"/>
+            </a:lnRef>
+            <a:fillRef idx="0">
+              <a:schemeClr val="accent1"/>
+            </a:fillRef>
+            <a:effectRef idx="0">
+              <a:schemeClr val="accent1"/>
+            </a:effectRef>
+            <a:fontRef idx="minor">
+              <a:schemeClr val="tx1"/>
+            </a:fontRef>
+          </p:style>
+        </p:cxnSp>
+      </p:grpSp>
       <p:cxnSp>
         <p:nvCxnSpPr>
-          <p:cNvPr id="10" name="Straight Connector 9"/>
+          <p:cNvPr id="9" name="Straight Arrow Connector 8"/>
           <p:cNvCxnSpPr/>
           <p:nvPr/>
         </p:nvCxnSpPr>
         <p:spPr>
-          <a:xfrm>
-            <a:off x="5562600" y="4876800"/>
-            <a:ext cx="0" cy="304800"/>
+          <a:xfrm flipV="1">
+            <a:off x="6213143" y="5791200"/>
+            <a:ext cx="0" cy="471436"/>
           </a:xfrm>
-          <a:prstGeom prst="line">
+          <a:prstGeom prst="straightConnector1">
             <a:avLst/>
           </a:prstGeom>
           <a:ln w="28575">
             <a:solidFill>
-              <a:srgbClr val="00B0F0"/>
+              <a:srgbClr val="FFFF00"/>
             </a:solidFill>
+            <a:tailEnd type="arrow"/>
           </a:ln>
         </p:spPr>
         <p:style>
@@ -4715,22 +5027,23 @@
       </p:cxnSp>
       <p:cxnSp>
         <p:nvCxnSpPr>
-          <p:cNvPr id="11" name="Straight Connector 10"/>
+          <p:cNvPr id="20" name="Straight Arrow Connector 19"/>
           <p:cNvCxnSpPr/>
           <p:nvPr/>
         </p:nvCxnSpPr>
         <p:spPr>
-          <a:xfrm>
-            <a:off x="6172200" y="4885899"/>
-            <a:ext cx="0" cy="304800"/>
+          <a:xfrm flipV="1">
+            <a:off x="6787486" y="5791200"/>
+            <a:ext cx="0" cy="471436"/>
           </a:xfrm>
-          <a:prstGeom prst="line">
+          <a:prstGeom prst="straightConnector1">
             <a:avLst/>
           </a:prstGeom>
           <a:ln w="28575">
             <a:solidFill>
-              <a:srgbClr val="00B0F0"/>
+              <a:srgbClr val="FFFF00"/>
             </a:solidFill>
+            <a:tailEnd type="arrow"/>
           </a:ln>
         </p:spPr>
         <p:style>
@@ -4750,22 +5063,23 @@
       </p:cxnSp>
       <p:cxnSp>
         <p:nvCxnSpPr>
-          <p:cNvPr id="12" name="Straight Connector 11"/>
+          <p:cNvPr id="22" name="Straight Arrow Connector 21"/>
           <p:cNvCxnSpPr/>
           <p:nvPr/>
         </p:nvCxnSpPr>
         <p:spPr>
-          <a:xfrm>
-            <a:off x="6781800" y="4885899"/>
-            <a:ext cx="0" cy="304800"/>
+          <a:xfrm flipV="1">
+            <a:off x="7841552" y="5791200"/>
+            <a:ext cx="0" cy="471436"/>
           </a:xfrm>
-          <a:prstGeom prst="line">
+          <a:prstGeom prst="straightConnector1">
             <a:avLst/>
           </a:prstGeom>
           <a:ln w="28575">
             <a:solidFill>
-              <a:srgbClr val="00B0F0"/>
+              <a:srgbClr val="FFFF00"/>
             </a:solidFill>
+            <a:tailEnd type="arrow"/>
           </a:ln>
         </p:spPr>
         <p:style>
@@ -4785,22 +5099,23 @@
       </p:cxnSp>
       <p:cxnSp>
         <p:nvCxnSpPr>
-          <p:cNvPr id="15" name="Straight Connector 14"/>
+          <p:cNvPr id="24" name="Straight Arrow Connector 23"/>
           <p:cNvCxnSpPr/>
           <p:nvPr/>
         </p:nvCxnSpPr>
         <p:spPr>
           <a:xfrm>
-            <a:off x="7843828" y="4876800"/>
-            <a:ext cx="0" cy="304800"/>
+            <a:off x="6096000" y="4876800"/>
+            <a:ext cx="0" cy="454631"/>
           </a:xfrm>
-          <a:prstGeom prst="line">
+          <a:prstGeom prst="straightConnector1">
             <a:avLst/>
           </a:prstGeom>
           <a:ln w="28575">
             <a:solidFill>
-              <a:srgbClr val="00B0F0"/>
+              <a:srgbClr val="FFFFFF"/>
             </a:solidFill>
+            <a:tailEnd type="arrow"/>
           </a:ln>
         </p:spPr>
         <p:style>
@@ -4818,136 +5133,52 @@
           </a:fontRef>
         </p:style>
       </p:cxnSp>
-      <p:sp>
-        <p:nvSpPr>
-          <p:cNvPr id="17" name="TextBox 16"/>
-          <p:cNvSpPr txBox="1"/>
-          <p:nvPr/>
-        </p:nvSpPr>
-        <p:spPr>
-          <a:xfrm>
-            <a:off x="5410200" y="5179031"/>
-            <a:ext cx="348018" cy="371901"/>
-          </a:xfrm>
-          <a:prstGeom prst="rect">
-            <a:avLst/>
-          </a:prstGeom>
-          <a:noFill/>
-        </p:spPr>
-        <p:txBody>
-          <a:bodyPr wrap="square" rtlCol="0">
-            <a:spAutoFit/>
-          </a:bodyPr>
-          <a:lstStyle/>
-          <a:p>
-            <a:r>
-              <a:rPr lang="en-US" dirty="0" smtClean="0"/>
-              <a:t>0</a:t>
-            </a:r>
-            <a:endParaRPr lang="en-US" dirty="0"/>
-          </a:p>
-        </p:txBody>
-      </p:sp>
-      <p:sp>
-        <p:nvSpPr>
-          <p:cNvPr id="18" name="TextBox 17"/>
-          <p:cNvSpPr txBox="1"/>
-          <p:nvPr/>
-        </p:nvSpPr>
-        <p:spPr>
-          <a:xfrm>
-            <a:off x="6019800" y="5181600"/>
-            <a:ext cx="478809" cy="369332"/>
-          </a:xfrm>
-          <a:prstGeom prst="rect">
-            <a:avLst/>
-          </a:prstGeom>
-          <a:noFill/>
-        </p:spPr>
-        <p:txBody>
-          <a:bodyPr wrap="square" rtlCol="0">
-            <a:spAutoFit/>
-          </a:bodyPr>
-          <a:lstStyle/>
-          <a:p>
-            <a:r>
-              <a:rPr lang="en-US" dirty="0" smtClean="0"/>
-              <a:t>50</a:t>
-            </a:r>
-            <a:endParaRPr lang="en-US" dirty="0"/>
-          </a:p>
-        </p:txBody>
-      </p:sp>
-      <p:sp>
-        <p:nvSpPr>
-          <p:cNvPr id="19" name="TextBox 18"/>
-          <p:cNvSpPr txBox="1"/>
-          <p:nvPr/>
-        </p:nvSpPr>
-        <p:spPr>
-          <a:xfrm>
-            <a:off x="6474725" y="5181600"/>
-            <a:ext cx="609600" cy="369332"/>
-          </a:xfrm>
-          <a:prstGeom prst="rect">
-            <a:avLst/>
-          </a:prstGeom>
-          <a:noFill/>
-        </p:spPr>
-        <p:txBody>
-          <a:bodyPr wrap="square" rtlCol="0">
-            <a:spAutoFit/>
-          </a:bodyPr>
-          <a:lstStyle/>
-          <a:p>
-            <a:r>
-              <a:rPr lang="en-US" dirty="0" smtClean="0"/>
-              <a:t>100</a:t>
-            </a:r>
-            <a:endParaRPr lang="en-US" dirty="0"/>
-          </a:p>
-        </p:txBody>
-      </p:sp>
-      <p:sp>
-        <p:nvSpPr>
-          <p:cNvPr id="21" name="TextBox 20"/>
-          <p:cNvSpPr txBox="1"/>
-          <p:nvPr/>
-        </p:nvSpPr>
-        <p:spPr>
-          <a:xfrm>
-            <a:off x="7531523" y="5194954"/>
-            <a:ext cx="620059" cy="369332"/>
-          </a:xfrm>
-          <a:prstGeom prst="rect">
-            <a:avLst/>
-          </a:prstGeom>
-          <a:noFill/>
-        </p:spPr>
-        <p:txBody>
-          <a:bodyPr wrap="square" rtlCol="0">
-            <a:spAutoFit/>
-          </a:bodyPr>
-          <a:lstStyle/>
-          <a:p>
-            <a:r>
-              <a:rPr lang="en-US" dirty="0" smtClean="0"/>
-              <a:t>200</a:t>
-            </a:r>
-            <a:endParaRPr lang="en-US" dirty="0"/>
-          </a:p>
-        </p:txBody>
-      </p:sp>
       <p:cxnSp>
         <p:nvCxnSpPr>
-          <p:cNvPr id="23" name="Straight Arrow Connector 22"/>
+          <p:cNvPr id="25" name="Straight Arrow Connector 24"/>
           <p:cNvCxnSpPr/>
           <p:nvPr/>
         </p:nvCxnSpPr>
         <p:spPr>
           <a:xfrm>
-            <a:off x="4495800" y="5029200"/>
-            <a:ext cx="4343400" cy="0"/>
+            <a:off x="6248400" y="4876800"/>
+            <a:ext cx="0" cy="459769"/>
+          </a:xfrm>
+          <a:prstGeom prst="straightConnector1">
+            <a:avLst/>
+          </a:prstGeom>
+          <a:ln w="28575">
+            <a:solidFill>
+              <a:srgbClr val="FFFFFF"/>
+            </a:solidFill>
+            <a:tailEnd type="arrow"/>
+          </a:ln>
+        </p:spPr>
+        <p:style>
+          <a:lnRef idx="1">
+            <a:schemeClr val="accent1"/>
+          </a:lnRef>
+          <a:fillRef idx="0">
+            <a:schemeClr val="accent1"/>
+          </a:fillRef>
+          <a:effectRef idx="0">
+            <a:schemeClr val="accent1"/>
+          </a:effectRef>
+          <a:fontRef idx="minor">
+            <a:schemeClr val="tx1"/>
+          </a:fontRef>
+        </p:style>
+      </p:cxnSp>
+      <p:cxnSp>
+        <p:nvCxnSpPr>
+          <p:cNvPr id="26" name="Straight Arrow Connector 25"/>
+          <p:cNvCxnSpPr/>
+          <p:nvPr/>
+        </p:nvCxnSpPr>
+        <p:spPr>
+          <a:xfrm>
+            <a:off x="7315200" y="4876800"/>
+            <a:ext cx="0" cy="463730"/>
           </a:xfrm>
           <a:prstGeom prst="straightConnector1">
             <a:avLst/>
@@ -4955,6 +5186,78 @@
           <a:ln w="28575">
             <a:solidFill>
               <a:srgbClr val="00B0F0"/>
+            </a:solidFill>
+            <a:tailEnd type="arrow"/>
+          </a:ln>
+        </p:spPr>
+        <p:style>
+          <a:lnRef idx="1">
+            <a:schemeClr val="accent1"/>
+          </a:lnRef>
+          <a:fillRef idx="0">
+            <a:schemeClr val="accent1"/>
+          </a:fillRef>
+          <a:effectRef idx="0">
+            <a:schemeClr val="accent1"/>
+          </a:effectRef>
+          <a:fontRef idx="minor">
+            <a:schemeClr val="tx1"/>
+          </a:fontRef>
+        </p:style>
+      </p:cxnSp>
+      <p:cxnSp>
+        <p:nvCxnSpPr>
+          <p:cNvPr id="27" name="Straight Arrow Connector 26"/>
+          <p:cNvCxnSpPr/>
+          <p:nvPr/>
+        </p:nvCxnSpPr>
+        <p:spPr>
+          <a:xfrm flipV="1">
+            <a:off x="5562600" y="5791200"/>
+            <a:ext cx="0" cy="471436"/>
+          </a:xfrm>
+          <a:prstGeom prst="straightConnector1">
+            <a:avLst/>
+          </a:prstGeom>
+          <a:ln w="28575">
+            <a:solidFill>
+              <a:srgbClr val="FF0000"/>
+            </a:solidFill>
+            <a:tailEnd type="arrow"/>
+          </a:ln>
+        </p:spPr>
+        <p:style>
+          <a:lnRef idx="1">
+            <a:schemeClr val="accent1"/>
+          </a:lnRef>
+          <a:fillRef idx="0">
+            <a:schemeClr val="accent1"/>
+          </a:fillRef>
+          <a:effectRef idx="0">
+            <a:schemeClr val="accent1"/>
+          </a:effectRef>
+          <a:fontRef idx="minor">
+            <a:schemeClr val="tx1"/>
+          </a:fontRef>
+        </p:style>
+      </p:cxnSp>
+      <p:cxnSp>
+        <p:nvCxnSpPr>
+          <p:cNvPr id="35" name="Straight Arrow Connector 34"/>
+          <p:cNvCxnSpPr/>
+          <p:nvPr/>
+        </p:nvCxnSpPr>
+        <p:spPr>
+          <a:xfrm flipV="1">
+            <a:off x="4876800" y="5362647"/>
+            <a:ext cx="0" cy="471436"/>
+          </a:xfrm>
+          <a:prstGeom prst="straightConnector1">
+            <a:avLst/>
+          </a:prstGeom>
+          <a:ln w="28575">
+            <a:solidFill>
+              <a:srgbClr val="FF0000"/>
             </a:solidFill>
             <a:tailEnd type="arrow"/>
           </a:ln>
@@ -4987,9 +5290,877 @@
   <p:timing>
     <p:tnLst>
       <p:par>
-        <p:cTn id="1" dur="indefinite" restart="never" nodeType="tmRoot"/>
+        <p:cTn id="1" dur="indefinite" restart="never" nodeType="tmRoot">
+          <p:childTnLst>
+            <p:seq concurrent="1" nextAc="seek">
+              <p:cTn id="2" dur="indefinite" nodeType="mainSeq">
+                <p:childTnLst>
+                  <p:par>
+                    <p:cTn id="3" fill="hold">
+                      <p:stCondLst>
+                        <p:cond delay="indefinite"/>
+                      </p:stCondLst>
+                      <p:childTnLst>
+                        <p:par>
+                          <p:cTn id="4" fill="hold">
+                            <p:stCondLst>
+                              <p:cond delay="0"/>
+                            </p:stCondLst>
+                            <p:childTnLst>
+                              <p:par>
+                                <p:cTn id="5" presetID="10" presetClass="entr" presetSubtype="0" fill="hold" grpId="0" nodeType="clickEffect">
+                                  <p:stCondLst>
+                                    <p:cond delay="0"/>
+                                  </p:stCondLst>
+                                  <p:childTnLst>
+                                    <p:set>
+                                      <p:cBhvr>
+                                        <p:cTn id="6" dur="1" fill="hold">
+                                          <p:stCondLst>
+                                            <p:cond delay="0"/>
+                                          </p:stCondLst>
+                                        </p:cTn>
+                                        <p:tgtEl>
+                                          <p:spTgt spid="2">
+                                            <p:txEl>
+                                              <p:pRg st="0" end="0"/>
+                                            </p:txEl>
+                                          </p:spTgt>
+                                        </p:tgtEl>
+                                        <p:attrNameLst>
+                                          <p:attrName>style.visibility</p:attrName>
+                                        </p:attrNameLst>
+                                      </p:cBhvr>
+                                      <p:to>
+                                        <p:strVal val="visible"/>
+                                      </p:to>
+                                    </p:set>
+                                    <p:animEffect transition="in" filter="fade">
+                                      <p:cBhvr>
+                                        <p:cTn id="7" dur="500"/>
+                                        <p:tgtEl>
+                                          <p:spTgt spid="2">
+                                            <p:txEl>
+                                              <p:pRg st="0" end="0"/>
+                                            </p:txEl>
+                                          </p:spTgt>
+                                        </p:tgtEl>
+                                      </p:cBhvr>
+                                    </p:animEffect>
+                                  </p:childTnLst>
+                                </p:cTn>
+                              </p:par>
+                              <p:par>
+                                <p:cTn id="8" presetID="10" presetClass="entr" presetSubtype="0" fill="hold" grpId="0" nodeType="withEffect">
+                                  <p:stCondLst>
+                                    <p:cond delay="0"/>
+                                  </p:stCondLst>
+                                  <p:childTnLst>
+                                    <p:set>
+                                      <p:cBhvr>
+                                        <p:cTn id="9" dur="1" fill="hold">
+                                          <p:stCondLst>
+                                            <p:cond delay="0"/>
+                                          </p:stCondLst>
+                                        </p:cTn>
+                                        <p:tgtEl>
+                                          <p:spTgt spid="2">
+                                            <p:txEl>
+                                              <p:pRg st="1" end="1"/>
+                                            </p:txEl>
+                                          </p:spTgt>
+                                        </p:tgtEl>
+                                        <p:attrNameLst>
+                                          <p:attrName>style.visibility</p:attrName>
+                                        </p:attrNameLst>
+                                      </p:cBhvr>
+                                      <p:to>
+                                        <p:strVal val="visible"/>
+                                      </p:to>
+                                    </p:set>
+                                    <p:animEffect transition="in" filter="fade">
+                                      <p:cBhvr>
+                                        <p:cTn id="10" dur="500"/>
+                                        <p:tgtEl>
+                                          <p:spTgt spid="2">
+                                            <p:txEl>
+                                              <p:pRg st="1" end="1"/>
+                                            </p:txEl>
+                                          </p:spTgt>
+                                        </p:tgtEl>
+                                      </p:cBhvr>
+                                    </p:animEffect>
+                                  </p:childTnLst>
+                                </p:cTn>
+                              </p:par>
+                              <p:par>
+                                <p:cTn id="11" presetID="10" presetClass="entr" presetSubtype="0" fill="hold" grpId="0" nodeType="withEffect">
+                                  <p:stCondLst>
+                                    <p:cond delay="0"/>
+                                  </p:stCondLst>
+                                  <p:childTnLst>
+                                    <p:set>
+                                      <p:cBhvr>
+                                        <p:cTn id="12" dur="1" fill="hold">
+                                          <p:stCondLst>
+                                            <p:cond delay="0"/>
+                                          </p:stCondLst>
+                                        </p:cTn>
+                                        <p:tgtEl>
+                                          <p:spTgt spid="2">
+                                            <p:txEl>
+                                              <p:pRg st="2" end="2"/>
+                                            </p:txEl>
+                                          </p:spTgt>
+                                        </p:tgtEl>
+                                        <p:attrNameLst>
+                                          <p:attrName>style.visibility</p:attrName>
+                                        </p:attrNameLst>
+                                      </p:cBhvr>
+                                      <p:to>
+                                        <p:strVal val="visible"/>
+                                      </p:to>
+                                    </p:set>
+                                    <p:animEffect transition="in" filter="fade">
+                                      <p:cBhvr>
+                                        <p:cTn id="13" dur="500"/>
+                                        <p:tgtEl>
+                                          <p:spTgt spid="2">
+                                            <p:txEl>
+                                              <p:pRg st="2" end="2"/>
+                                            </p:txEl>
+                                          </p:spTgt>
+                                        </p:tgtEl>
+                                      </p:cBhvr>
+                                    </p:animEffect>
+                                  </p:childTnLst>
+                                </p:cTn>
+                              </p:par>
+                              <p:par>
+                                <p:cTn id="14" presetID="10" presetClass="entr" presetSubtype="0" fill="hold" grpId="0" nodeType="withEffect">
+                                  <p:stCondLst>
+                                    <p:cond delay="0"/>
+                                  </p:stCondLst>
+                                  <p:childTnLst>
+                                    <p:set>
+                                      <p:cBhvr>
+                                        <p:cTn id="15" dur="1" fill="hold">
+                                          <p:stCondLst>
+                                            <p:cond delay="0"/>
+                                          </p:stCondLst>
+                                        </p:cTn>
+                                        <p:tgtEl>
+                                          <p:spTgt spid="2">
+                                            <p:txEl>
+                                              <p:pRg st="3" end="3"/>
+                                            </p:txEl>
+                                          </p:spTgt>
+                                        </p:tgtEl>
+                                        <p:attrNameLst>
+                                          <p:attrName>style.visibility</p:attrName>
+                                        </p:attrNameLst>
+                                      </p:cBhvr>
+                                      <p:to>
+                                        <p:strVal val="visible"/>
+                                      </p:to>
+                                    </p:set>
+                                    <p:animEffect transition="in" filter="fade">
+                                      <p:cBhvr>
+                                        <p:cTn id="16" dur="500"/>
+                                        <p:tgtEl>
+                                          <p:spTgt spid="2">
+                                            <p:txEl>
+                                              <p:pRg st="3" end="3"/>
+                                            </p:txEl>
+                                          </p:spTgt>
+                                        </p:tgtEl>
+                                      </p:cBhvr>
+                                    </p:animEffect>
+                                  </p:childTnLst>
+                                </p:cTn>
+                              </p:par>
+                              <p:par>
+                                <p:cTn id="17" presetID="10" presetClass="entr" presetSubtype="0" fill="hold" grpId="0" nodeType="withEffect">
+                                  <p:stCondLst>
+                                    <p:cond delay="0"/>
+                                  </p:stCondLst>
+                                  <p:childTnLst>
+                                    <p:set>
+                                      <p:cBhvr>
+                                        <p:cTn id="18" dur="1" fill="hold">
+                                          <p:stCondLst>
+                                            <p:cond delay="0"/>
+                                          </p:stCondLst>
+                                        </p:cTn>
+                                        <p:tgtEl>
+                                          <p:spTgt spid="2">
+                                            <p:txEl>
+                                              <p:pRg st="4" end="4"/>
+                                            </p:txEl>
+                                          </p:spTgt>
+                                        </p:tgtEl>
+                                        <p:attrNameLst>
+                                          <p:attrName>style.visibility</p:attrName>
+                                        </p:attrNameLst>
+                                      </p:cBhvr>
+                                      <p:to>
+                                        <p:strVal val="visible"/>
+                                      </p:to>
+                                    </p:set>
+                                    <p:animEffect transition="in" filter="fade">
+                                      <p:cBhvr>
+                                        <p:cTn id="19" dur="500"/>
+                                        <p:tgtEl>
+                                          <p:spTgt spid="2">
+                                            <p:txEl>
+                                              <p:pRg st="4" end="4"/>
+                                            </p:txEl>
+                                          </p:spTgt>
+                                        </p:tgtEl>
+                                      </p:cBhvr>
+                                    </p:animEffect>
+                                  </p:childTnLst>
+                                </p:cTn>
+                              </p:par>
+                            </p:childTnLst>
+                          </p:cTn>
+                        </p:par>
+                      </p:childTnLst>
+                    </p:cTn>
+                  </p:par>
+                  <p:par>
+                    <p:cTn id="20" fill="hold">
+                      <p:stCondLst>
+                        <p:cond delay="indefinite"/>
+                      </p:stCondLst>
+                      <p:childTnLst>
+                        <p:par>
+                          <p:cTn id="21" fill="hold">
+                            <p:stCondLst>
+                              <p:cond delay="0"/>
+                            </p:stCondLst>
+                            <p:childTnLst>
+                              <p:par>
+                                <p:cTn id="22" presetID="10" presetClass="entr" presetSubtype="0" fill="hold" grpId="0" nodeType="clickEffect">
+                                  <p:stCondLst>
+                                    <p:cond delay="0"/>
+                                  </p:stCondLst>
+                                  <p:childTnLst>
+                                    <p:set>
+                                      <p:cBhvr>
+                                        <p:cTn id="23" dur="1" fill="hold">
+                                          <p:stCondLst>
+                                            <p:cond delay="0"/>
+                                          </p:stCondLst>
+                                        </p:cTn>
+                                        <p:tgtEl>
+                                          <p:spTgt spid="3">
+                                            <p:txEl>
+                                              <p:pRg st="0" end="0"/>
+                                            </p:txEl>
+                                          </p:spTgt>
+                                        </p:tgtEl>
+                                        <p:attrNameLst>
+                                          <p:attrName>style.visibility</p:attrName>
+                                        </p:attrNameLst>
+                                      </p:cBhvr>
+                                      <p:to>
+                                        <p:strVal val="visible"/>
+                                      </p:to>
+                                    </p:set>
+                                    <p:animEffect transition="in" filter="fade">
+                                      <p:cBhvr>
+                                        <p:cTn id="24" dur="500"/>
+                                        <p:tgtEl>
+                                          <p:spTgt spid="3">
+                                            <p:txEl>
+                                              <p:pRg st="0" end="0"/>
+                                            </p:txEl>
+                                          </p:spTgt>
+                                        </p:tgtEl>
+                                      </p:cBhvr>
+                                    </p:animEffect>
+                                  </p:childTnLst>
+                                </p:cTn>
+                              </p:par>
+                              <p:par>
+                                <p:cTn id="25" presetID="10" presetClass="entr" presetSubtype="0" fill="hold" grpId="0" nodeType="withEffect">
+                                  <p:stCondLst>
+                                    <p:cond delay="0"/>
+                                  </p:stCondLst>
+                                  <p:childTnLst>
+                                    <p:set>
+                                      <p:cBhvr>
+                                        <p:cTn id="26" dur="1" fill="hold">
+                                          <p:stCondLst>
+                                            <p:cond delay="0"/>
+                                          </p:stCondLst>
+                                        </p:cTn>
+                                        <p:tgtEl>
+                                          <p:spTgt spid="3">
+                                            <p:txEl>
+                                              <p:pRg st="1" end="1"/>
+                                            </p:txEl>
+                                          </p:spTgt>
+                                        </p:tgtEl>
+                                        <p:attrNameLst>
+                                          <p:attrName>style.visibility</p:attrName>
+                                        </p:attrNameLst>
+                                      </p:cBhvr>
+                                      <p:to>
+                                        <p:strVal val="visible"/>
+                                      </p:to>
+                                    </p:set>
+                                    <p:animEffect transition="in" filter="fade">
+                                      <p:cBhvr>
+                                        <p:cTn id="27" dur="500"/>
+                                        <p:tgtEl>
+                                          <p:spTgt spid="3">
+                                            <p:txEl>
+                                              <p:pRg st="1" end="1"/>
+                                            </p:txEl>
+                                          </p:spTgt>
+                                        </p:tgtEl>
+                                      </p:cBhvr>
+                                    </p:animEffect>
+                                  </p:childTnLst>
+                                </p:cTn>
+                              </p:par>
+                            </p:childTnLst>
+                          </p:cTn>
+                        </p:par>
+                      </p:childTnLst>
+                    </p:cTn>
+                  </p:par>
+                  <p:par>
+                    <p:cTn id="28" fill="hold">
+                      <p:stCondLst>
+                        <p:cond delay="indefinite"/>
+                      </p:stCondLst>
+                      <p:childTnLst>
+                        <p:par>
+                          <p:cTn id="29" fill="hold">
+                            <p:stCondLst>
+                              <p:cond delay="0"/>
+                            </p:stCondLst>
+                            <p:childTnLst>
+                              <p:par>
+                                <p:cTn id="30" presetID="42" presetClass="entr" presetSubtype="0" fill="hold" nodeType="clickEffect">
+                                  <p:stCondLst>
+                                    <p:cond delay="0"/>
+                                  </p:stCondLst>
+                                  <p:childTnLst>
+                                    <p:set>
+                                      <p:cBhvr>
+                                        <p:cTn id="31" dur="1" fill="hold">
+                                          <p:stCondLst>
+                                            <p:cond delay="0"/>
+                                          </p:stCondLst>
+                                        </p:cTn>
+                                        <p:tgtEl>
+                                          <p:spTgt spid="6"/>
+                                        </p:tgtEl>
+                                        <p:attrNameLst>
+                                          <p:attrName>style.visibility</p:attrName>
+                                        </p:attrNameLst>
+                                      </p:cBhvr>
+                                      <p:to>
+                                        <p:strVal val="visible"/>
+                                      </p:to>
+                                    </p:set>
+                                    <p:animEffect transition="in" filter="fade">
+                                      <p:cBhvr>
+                                        <p:cTn id="32" dur="1000"/>
+                                        <p:tgtEl>
+                                          <p:spTgt spid="6"/>
+                                        </p:tgtEl>
+                                      </p:cBhvr>
+                                    </p:animEffect>
+                                    <p:anim calcmode="lin" valueType="num">
+                                      <p:cBhvr>
+                                        <p:cTn id="33" dur="1000" fill="hold"/>
+                                        <p:tgtEl>
+                                          <p:spTgt spid="6"/>
+                                        </p:tgtEl>
+                                        <p:attrNameLst>
+                                          <p:attrName>ppt_x</p:attrName>
+                                        </p:attrNameLst>
+                                      </p:cBhvr>
+                                      <p:tavLst>
+                                        <p:tav tm="0">
+                                          <p:val>
+                                            <p:strVal val="#ppt_x"/>
+                                          </p:val>
+                                        </p:tav>
+                                        <p:tav tm="100000">
+                                          <p:val>
+                                            <p:strVal val="#ppt_x"/>
+                                          </p:val>
+                                        </p:tav>
+                                      </p:tavLst>
+                                    </p:anim>
+                                    <p:anim calcmode="lin" valueType="num">
+                                      <p:cBhvr>
+                                        <p:cTn id="34" dur="1000" fill="hold"/>
+                                        <p:tgtEl>
+                                          <p:spTgt spid="6"/>
+                                        </p:tgtEl>
+                                        <p:attrNameLst>
+                                          <p:attrName>ppt_y</p:attrName>
+                                        </p:attrNameLst>
+                                      </p:cBhvr>
+                                      <p:tavLst>
+                                        <p:tav tm="0">
+                                          <p:val>
+                                            <p:strVal val="#ppt_y+.1"/>
+                                          </p:val>
+                                        </p:tav>
+                                        <p:tav tm="100000">
+                                          <p:val>
+                                            <p:strVal val="#ppt_y"/>
+                                          </p:val>
+                                        </p:tav>
+                                      </p:tavLst>
+                                    </p:anim>
+                                  </p:childTnLst>
+                                </p:cTn>
+                              </p:par>
+                            </p:childTnLst>
+                          </p:cTn>
+                        </p:par>
+                      </p:childTnLst>
+                    </p:cTn>
+                  </p:par>
+                  <p:par>
+                    <p:cTn id="35" fill="hold">
+                      <p:stCondLst>
+                        <p:cond delay="indefinite"/>
+                      </p:stCondLst>
+                      <p:childTnLst>
+                        <p:par>
+                          <p:cTn id="36" fill="hold">
+                            <p:stCondLst>
+                              <p:cond delay="0"/>
+                            </p:stCondLst>
+                            <p:childTnLst>
+                              <p:par>
+                                <p:cTn id="37" presetID="10" presetClass="entr" presetSubtype="0" fill="hold" nodeType="clickEffect">
+                                  <p:stCondLst>
+                                    <p:cond delay="0"/>
+                                  </p:stCondLst>
+                                  <p:childTnLst>
+                                    <p:set>
+                                      <p:cBhvr>
+                                        <p:cTn id="38" dur="1" fill="hold">
+                                          <p:stCondLst>
+                                            <p:cond delay="0"/>
+                                          </p:stCondLst>
+                                        </p:cTn>
+                                        <p:tgtEl>
+                                          <p:spTgt spid="7"/>
+                                        </p:tgtEl>
+                                        <p:attrNameLst>
+                                          <p:attrName>style.visibility</p:attrName>
+                                        </p:attrNameLst>
+                                      </p:cBhvr>
+                                      <p:to>
+                                        <p:strVal val="visible"/>
+                                      </p:to>
+                                    </p:set>
+                                    <p:animEffect transition="in" filter="fade">
+                                      <p:cBhvr>
+                                        <p:cTn id="39" dur="500"/>
+                                        <p:tgtEl>
+                                          <p:spTgt spid="7"/>
+                                        </p:tgtEl>
+                                      </p:cBhvr>
+                                    </p:animEffect>
+                                  </p:childTnLst>
+                                </p:cTn>
+                              </p:par>
+                            </p:childTnLst>
+                          </p:cTn>
+                        </p:par>
+                      </p:childTnLst>
+                    </p:cTn>
+                  </p:par>
+                  <p:par>
+                    <p:cTn id="40" fill="hold">
+                      <p:stCondLst>
+                        <p:cond delay="indefinite"/>
+                      </p:stCondLst>
+                      <p:childTnLst>
+                        <p:par>
+                          <p:cTn id="41" fill="hold">
+                            <p:stCondLst>
+                              <p:cond delay="0"/>
+                            </p:stCondLst>
+                            <p:childTnLst>
+                              <p:par>
+                                <p:cTn id="42" presetID="10" presetClass="entr" presetSubtype="0" fill="hold" nodeType="clickEffect">
+                                  <p:stCondLst>
+                                    <p:cond delay="0"/>
+                                  </p:stCondLst>
+                                  <p:childTnLst>
+                                    <p:set>
+                                      <p:cBhvr>
+                                        <p:cTn id="43" dur="1" fill="hold">
+                                          <p:stCondLst>
+                                            <p:cond delay="0"/>
+                                          </p:stCondLst>
+                                        </p:cTn>
+                                        <p:tgtEl>
+                                          <p:spTgt spid="9"/>
+                                        </p:tgtEl>
+                                        <p:attrNameLst>
+                                          <p:attrName>style.visibility</p:attrName>
+                                        </p:attrNameLst>
+                                      </p:cBhvr>
+                                      <p:to>
+                                        <p:strVal val="visible"/>
+                                      </p:to>
+                                    </p:set>
+                                    <p:animEffect transition="in" filter="fade">
+                                      <p:cBhvr>
+                                        <p:cTn id="44" dur="500"/>
+                                        <p:tgtEl>
+                                          <p:spTgt spid="9"/>
+                                        </p:tgtEl>
+                                      </p:cBhvr>
+                                    </p:animEffect>
+                                  </p:childTnLst>
+                                </p:cTn>
+                              </p:par>
+                              <p:par>
+                                <p:cTn id="45" presetID="10" presetClass="entr" presetSubtype="0" fill="hold" nodeType="withEffect">
+                                  <p:stCondLst>
+                                    <p:cond delay="0"/>
+                                  </p:stCondLst>
+                                  <p:childTnLst>
+                                    <p:set>
+                                      <p:cBhvr>
+                                        <p:cTn id="46" dur="1" fill="hold">
+                                          <p:stCondLst>
+                                            <p:cond delay="0"/>
+                                          </p:stCondLst>
+                                        </p:cTn>
+                                        <p:tgtEl>
+                                          <p:spTgt spid="20"/>
+                                        </p:tgtEl>
+                                        <p:attrNameLst>
+                                          <p:attrName>style.visibility</p:attrName>
+                                        </p:attrNameLst>
+                                      </p:cBhvr>
+                                      <p:to>
+                                        <p:strVal val="visible"/>
+                                      </p:to>
+                                    </p:set>
+                                    <p:animEffect transition="in" filter="fade">
+                                      <p:cBhvr>
+                                        <p:cTn id="47" dur="500"/>
+                                        <p:tgtEl>
+                                          <p:spTgt spid="20"/>
+                                        </p:tgtEl>
+                                      </p:cBhvr>
+                                    </p:animEffect>
+                                  </p:childTnLst>
+                                </p:cTn>
+                              </p:par>
+                              <p:par>
+                                <p:cTn id="48" presetID="10" presetClass="entr" presetSubtype="0" fill="hold" nodeType="withEffect">
+                                  <p:stCondLst>
+                                    <p:cond delay="0"/>
+                                  </p:stCondLst>
+                                  <p:childTnLst>
+                                    <p:set>
+                                      <p:cBhvr>
+                                        <p:cTn id="49" dur="1" fill="hold">
+                                          <p:stCondLst>
+                                            <p:cond delay="0"/>
+                                          </p:stCondLst>
+                                        </p:cTn>
+                                        <p:tgtEl>
+                                          <p:spTgt spid="22"/>
+                                        </p:tgtEl>
+                                        <p:attrNameLst>
+                                          <p:attrName>style.visibility</p:attrName>
+                                        </p:attrNameLst>
+                                      </p:cBhvr>
+                                      <p:to>
+                                        <p:strVal val="visible"/>
+                                      </p:to>
+                                    </p:set>
+                                    <p:animEffect transition="in" filter="fade">
+                                      <p:cBhvr>
+                                        <p:cTn id="50" dur="500"/>
+                                        <p:tgtEl>
+                                          <p:spTgt spid="22"/>
+                                        </p:tgtEl>
+                                      </p:cBhvr>
+                                    </p:animEffect>
+                                  </p:childTnLst>
+                                </p:cTn>
+                              </p:par>
+                            </p:childTnLst>
+                          </p:cTn>
+                        </p:par>
+                      </p:childTnLst>
+                    </p:cTn>
+                  </p:par>
+                  <p:par>
+                    <p:cTn id="51" fill="hold">
+                      <p:stCondLst>
+                        <p:cond delay="indefinite"/>
+                      </p:stCondLst>
+                      <p:childTnLst>
+                        <p:par>
+                          <p:cTn id="52" fill="hold">
+                            <p:stCondLst>
+                              <p:cond delay="0"/>
+                            </p:stCondLst>
+                            <p:childTnLst>
+                              <p:par>
+                                <p:cTn id="53" presetID="10" presetClass="entr" presetSubtype="0" fill="hold" nodeType="clickEffect">
+                                  <p:stCondLst>
+                                    <p:cond delay="0"/>
+                                  </p:stCondLst>
+                                  <p:childTnLst>
+                                    <p:set>
+                                      <p:cBhvr>
+                                        <p:cTn id="54" dur="1" fill="hold">
+                                          <p:stCondLst>
+                                            <p:cond delay="0"/>
+                                          </p:stCondLst>
+                                        </p:cTn>
+                                        <p:tgtEl>
+                                          <p:spTgt spid="24"/>
+                                        </p:tgtEl>
+                                        <p:attrNameLst>
+                                          <p:attrName>style.visibility</p:attrName>
+                                        </p:attrNameLst>
+                                      </p:cBhvr>
+                                      <p:to>
+                                        <p:strVal val="visible"/>
+                                      </p:to>
+                                    </p:set>
+                                    <p:animEffect transition="in" filter="fade">
+                                      <p:cBhvr>
+                                        <p:cTn id="55" dur="500"/>
+                                        <p:tgtEl>
+                                          <p:spTgt spid="24"/>
+                                        </p:tgtEl>
+                                      </p:cBhvr>
+                                    </p:animEffect>
+                                  </p:childTnLst>
+                                </p:cTn>
+                              </p:par>
+                              <p:par>
+                                <p:cTn id="56" presetID="10" presetClass="entr" presetSubtype="0" fill="hold" nodeType="withEffect">
+                                  <p:stCondLst>
+                                    <p:cond delay="0"/>
+                                  </p:stCondLst>
+                                  <p:childTnLst>
+                                    <p:set>
+                                      <p:cBhvr>
+                                        <p:cTn id="57" dur="1" fill="hold">
+                                          <p:stCondLst>
+                                            <p:cond delay="0"/>
+                                          </p:stCondLst>
+                                        </p:cTn>
+                                        <p:tgtEl>
+                                          <p:spTgt spid="25"/>
+                                        </p:tgtEl>
+                                        <p:attrNameLst>
+                                          <p:attrName>style.visibility</p:attrName>
+                                        </p:attrNameLst>
+                                      </p:cBhvr>
+                                      <p:to>
+                                        <p:strVal val="visible"/>
+                                      </p:to>
+                                    </p:set>
+                                    <p:animEffect transition="in" filter="fade">
+                                      <p:cBhvr>
+                                        <p:cTn id="58" dur="500"/>
+                                        <p:tgtEl>
+                                          <p:spTgt spid="25"/>
+                                        </p:tgtEl>
+                                      </p:cBhvr>
+                                    </p:animEffect>
+                                  </p:childTnLst>
+                                </p:cTn>
+                              </p:par>
+                            </p:childTnLst>
+                          </p:cTn>
+                        </p:par>
+                      </p:childTnLst>
+                    </p:cTn>
+                  </p:par>
+                  <p:par>
+                    <p:cTn id="59" fill="hold">
+                      <p:stCondLst>
+                        <p:cond delay="indefinite"/>
+                      </p:stCondLst>
+                      <p:childTnLst>
+                        <p:par>
+                          <p:cTn id="60" fill="hold">
+                            <p:stCondLst>
+                              <p:cond delay="0"/>
+                            </p:stCondLst>
+                            <p:childTnLst>
+                              <p:par>
+                                <p:cTn id="61" presetID="10" presetClass="entr" presetSubtype="0" fill="hold" nodeType="clickEffect">
+                                  <p:stCondLst>
+                                    <p:cond delay="0"/>
+                                  </p:stCondLst>
+                                  <p:childTnLst>
+                                    <p:set>
+                                      <p:cBhvr>
+                                        <p:cTn id="62" dur="1" fill="hold">
+                                          <p:stCondLst>
+                                            <p:cond delay="0"/>
+                                          </p:stCondLst>
+                                        </p:cTn>
+                                        <p:tgtEl>
+                                          <p:spTgt spid="26"/>
+                                        </p:tgtEl>
+                                        <p:attrNameLst>
+                                          <p:attrName>style.visibility</p:attrName>
+                                        </p:attrNameLst>
+                                      </p:cBhvr>
+                                      <p:to>
+                                        <p:strVal val="visible"/>
+                                      </p:to>
+                                    </p:set>
+                                    <p:animEffect transition="in" filter="fade">
+                                      <p:cBhvr>
+                                        <p:cTn id="63" dur="500"/>
+                                        <p:tgtEl>
+                                          <p:spTgt spid="26"/>
+                                        </p:tgtEl>
+                                      </p:cBhvr>
+                                    </p:animEffect>
+                                  </p:childTnLst>
+                                </p:cTn>
+                              </p:par>
+                            </p:childTnLst>
+                          </p:cTn>
+                        </p:par>
+                      </p:childTnLst>
+                    </p:cTn>
+                  </p:par>
+                  <p:par>
+                    <p:cTn id="64" fill="hold">
+                      <p:stCondLst>
+                        <p:cond delay="indefinite"/>
+                      </p:stCondLst>
+                      <p:childTnLst>
+                        <p:par>
+                          <p:cTn id="65" fill="hold">
+                            <p:stCondLst>
+                              <p:cond delay="0"/>
+                            </p:stCondLst>
+                            <p:childTnLst>
+                              <p:par>
+                                <p:cTn id="66" presetID="10" presetClass="entr" presetSubtype="0" fill="hold" nodeType="clickEffect">
+                                  <p:stCondLst>
+                                    <p:cond delay="0"/>
+                                  </p:stCondLst>
+                                  <p:childTnLst>
+                                    <p:set>
+                                      <p:cBhvr>
+                                        <p:cTn id="67" dur="1" fill="hold">
+                                          <p:stCondLst>
+                                            <p:cond delay="0"/>
+                                          </p:stCondLst>
+                                        </p:cTn>
+                                        <p:tgtEl>
+                                          <p:spTgt spid="27"/>
+                                        </p:tgtEl>
+                                        <p:attrNameLst>
+                                          <p:attrName>style.visibility</p:attrName>
+                                        </p:attrNameLst>
+                                      </p:cBhvr>
+                                      <p:to>
+                                        <p:strVal val="visible"/>
+                                      </p:to>
+                                    </p:set>
+                                    <p:animEffect transition="in" filter="fade">
+                                      <p:cBhvr>
+                                        <p:cTn id="68" dur="500"/>
+                                        <p:tgtEl>
+                                          <p:spTgt spid="27"/>
+                                        </p:tgtEl>
+                                      </p:cBhvr>
+                                    </p:animEffect>
+                                  </p:childTnLst>
+                                </p:cTn>
+                              </p:par>
+                              <p:par>
+                                <p:cTn id="69" presetID="10" presetClass="entr" presetSubtype="0" fill="hold" nodeType="withEffect">
+                                  <p:stCondLst>
+                                    <p:cond delay="0"/>
+                                  </p:stCondLst>
+                                  <p:childTnLst>
+                                    <p:set>
+                                      <p:cBhvr>
+                                        <p:cTn id="70" dur="1" fill="hold">
+                                          <p:stCondLst>
+                                            <p:cond delay="0"/>
+                                          </p:stCondLst>
+                                        </p:cTn>
+                                        <p:tgtEl>
+                                          <p:spTgt spid="35"/>
+                                        </p:tgtEl>
+                                        <p:attrNameLst>
+                                          <p:attrName>style.visibility</p:attrName>
+                                        </p:attrNameLst>
+                                      </p:cBhvr>
+                                      <p:to>
+                                        <p:strVal val="visible"/>
+                                      </p:to>
+                                    </p:set>
+                                    <p:animEffect transition="in" filter="fade">
+                                      <p:cBhvr>
+                                        <p:cTn id="71" dur="500"/>
+                                        <p:tgtEl>
+                                          <p:spTgt spid="35"/>
+                                        </p:tgtEl>
+                                      </p:cBhvr>
+                                    </p:animEffect>
+                                  </p:childTnLst>
+                                </p:cTn>
+                              </p:par>
+                            </p:childTnLst>
+                          </p:cTn>
+                        </p:par>
+                      </p:childTnLst>
+                    </p:cTn>
+                  </p:par>
+                </p:childTnLst>
+              </p:cTn>
+              <p:prevCondLst>
+                <p:cond evt="onPrev" delay="0">
+                  <p:tgtEl>
+                    <p:sldTgt/>
+                  </p:tgtEl>
+                </p:cond>
+              </p:prevCondLst>
+              <p:nextCondLst>
+                <p:cond evt="onNext" delay="0">
+                  <p:tgtEl>
+                    <p:sldTgt/>
+                  </p:tgtEl>
+                </p:cond>
+              </p:nextCondLst>
+            </p:seq>
+          </p:childTnLst>
+        </p:cTn>
       </p:par>
     </p:tnLst>
+    <p:bldLst>
+      <p:bldP spid="2" grpId="0" uiExpand="1" build="p"/>
+      <p:bldP spid="3" grpId="0" uiExpand="1" build="p"/>
+    </p:bldLst>
   </p:timing>
 </p:sld>
 </file>
@@ -5021,7 +6192,12 @@
             <p:ph sz="quarter" idx="13"/>
           </p:nvPr>
         </p:nvSpPr>
-        <p:spPr/>
+        <p:spPr>
+          <a:xfrm>
+            <a:off x="609600" y="1600200"/>
+            <a:ext cx="3733800" cy="533400"/>
+          </a:xfrm>
+        </p:spPr>
         <p:txBody>
           <a:bodyPr>
             <a:normAutofit/>
@@ -5032,7 +6208,6 @@
               <a:rPr lang="en-US" sz="2800" dirty="0" smtClean="0"/>
               <a:t>Test cases</a:t>
             </a:r>
-            <a:endParaRPr lang="en-US" sz="2800" dirty="0" smtClean="0"/>
           </a:p>
         </p:txBody>
       </p:sp>
@@ -5058,6 +6233,924 @@
                 </a:solidFill>
               </a:rPr>
               <a:t>BOUNDARY TEST</a:t>
+            </a:r>
+            <a:endParaRPr lang="en-US" dirty="0"/>
+          </a:p>
+        </p:txBody>
+      </p:sp>
+      <p:cxnSp>
+        <p:nvCxnSpPr>
+          <p:cNvPr id="7" name="Straight Arrow Connector 6"/>
+          <p:cNvCxnSpPr/>
+          <p:nvPr/>
+        </p:nvCxnSpPr>
+        <p:spPr>
+          <a:xfrm>
+            <a:off x="762000" y="3733800"/>
+            <a:ext cx="7543800" cy="0"/>
+          </a:xfrm>
+          <a:prstGeom prst="straightConnector1">
+            <a:avLst/>
+          </a:prstGeom>
+          <a:ln w="28575">
+            <a:tailEnd type="arrow"/>
+          </a:ln>
+        </p:spPr>
+        <p:style>
+          <a:lnRef idx="1">
+            <a:schemeClr val="accent1"/>
+          </a:lnRef>
+          <a:fillRef idx="0">
+            <a:schemeClr val="accent1"/>
+          </a:fillRef>
+          <a:effectRef idx="0">
+            <a:schemeClr val="accent1"/>
+          </a:effectRef>
+          <a:fontRef idx="minor">
+            <a:schemeClr val="tx1"/>
+          </a:fontRef>
+        </p:style>
+      </p:cxnSp>
+      <p:cxnSp>
+        <p:nvCxnSpPr>
+          <p:cNvPr id="10" name="Straight Connector 9"/>
+          <p:cNvCxnSpPr/>
+          <p:nvPr/>
+        </p:nvCxnSpPr>
+        <p:spPr>
+          <a:xfrm>
+            <a:off x="1905000" y="3581400"/>
+            <a:ext cx="0" cy="381000"/>
+          </a:xfrm>
+          <a:prstGeom prst="line">
+            <a:avLst/>
+          </a:prstGeom>
+        </p:spPr>
+        <p:style>
+          <a:lnRef idx="1">
+            <a:schemeClr val="accent1"/>
+          </a:lnRef>
+          <a:fillRef idx="0">
+            <a:schemeClr val="accent1"/>
+          </a:fillRef>
+          <a:effectRef idx="0">
+            <a:schemeClr val="accent1"/>
+          </a:effectRef>
+          <a:fontRef idx="minor">
+            <a:schemeClr val="tx1"/>
+          </a:fontRef>
+        </p:style>
+      </p:cxnSp>
+      <p:cxnSp>
+        <p:nvCxnSpPr>
+          <p:cNvPr id="14" name="Straight Connector 13"/>
+          <p:cNvCxnSpPr/>
+          <p:nvPr/>
+        </p:nvCxnSpPr>
+        <p:spPr>
+          <a:xfrm>
+            <a:off x="2971800" y="3581400"/>
+            <a:ext cx="0" cy="381000"/>
+          </a:xfrm>
+          <a:prstGeom prst="line">
+            <a:avLst/>
+          </a:prstGeom>
+        </p:spPr>
+        <p:style>
+          <a:lnRef idx="1">
+            <a:schemeClr val="accent1"/>
+          </a:lnRef>
+          <a:fillRef idx="0">
+            <a:schemeClr val="accent1"/>
+          </a:fillRef>
+          <a:effectRef idx="0">
+            <a:schemeClr val="accent1"/>
+          </a:effectRef>
+          <a:fontRef idx="minor">
+            <a:schemeClr val="tx1"/>
+          </a:fontRef>
+        </p:style>
+      </p:cxnSp>
+      <p:cxnSp>
+        <p:nvCxnSpPr>
+          <p:cNvPr id="15" name="Straight Connector 14"/>
+          <p:cNvCxnSpPr/>
+          <p:nvPr/>
+        </p:nvCxnSpPr>
+        <p:spPr>
+          <a:xfrm>
+            <a:off x="4191000" y="3561497"/>
+            <a:ext cx="0" cy="381000"/>
+          </a:xfrm>
+          <a:prstGeom prst="line">
+            <a:avLst/>
+          </a:prstGeom>
+        </p:spPr>
+        <p:style>
+          <a:lnRef idx="1">
+            <a:schemeClr val="accent1"/>
+          </a:lnRef>
+          <a:fillRef idx="0">
+            <a:schemeClr val="accent1"/>
+          </a:fillRef>
+          <a:effectRef idx="0">
+            <a:schemeClr val="accent1"/>
+          </a:effectRef>
+          <a:fontRef idx="minor">
+            <a:schemeClr val="tx1"/>
+          </a:fontRef>
+        </p:style>
+      </p:cxnSp>
+      <p:cxnSp>
+        <p:nvCxnSpPr>
+          <p:cNvPr id="16" name="Straight Connector 15"/>
+          <p:cNvCxnSpPr/>
+          <p:nvPr/>
+        </p:nvCxnSpPr>
+        <p:spPr>
+          <a:xfrm>
+            <a:off x="6172200" y="3561497"/>
+            <a:ext cx="0" cy="381000"/>
+          </a:xfrm>
+          <a:prstGeom prst="line">
+            <a:avLst/>
+          </a:prstGeom>
+        </p:spPr>
+        <p:style>
+          <a:lnRef idx="1">
+            <a:schemeClr val="accent1"/>
+          </a:lnRef>
+          <a:fillRef idx="0">
+            <a:schemeClr val="accent1"/>
+          </a:fillRef>
+          <a:effectRef idx="0">
+            <a:schemeClr val="accent1"/>
+          </a:effectRef>
+          <a:fontRef idx="minor">
+            <a:schemeClr val="tx1"/>
+          </a:fontRef>
+        </p:style>
+      </p:cxnSp>
+      <p:sp>
+        <p:nvSpPr>
+          <p:cNvPr id="18" name="Oval 17"/>
+          <p:cNvSpPr/>
+          <p:nvPr/>
+        </p:nvSpPr>
+        <p:spPr>
+          <a:xfrm>
+            <a:off x="2895600" y="3657600"/>
+            <a:ext cx="152400" cy="152400"/>
+          </a:xfrm>
+          <a:prstGeom prst="ellipse">
+            <a:avLst/>
+          </a:prstGeom>
+          <a:solidFill>
+            <a:srgbClr val="FFFF00"/>
+          </a:solidFill>
+        </p:spPr>
+        <p:style>
+          <a:lnRef idx="2">
+            <a:schemeClr val="accent1">
+              <a:shade val="50000"/>
+            </a:schemeClr>
+          </a:lnRef>
+          <a:fillRef idx="1">
+            <a:schemeClr val="accent1"/>
+          </a:fillRef>
+          <a:effectRef idx="0">
+            <a:schemeClr val="accent1"/>
+          </a:effectRef>
+          <a:fontRef idx="minor">
+            <a:schemeClr val="lt1"/>
+          </a:fontRef>
+        </p:style>
+        <p:txBody>
+          <a:bodyPr rtlCol="0" anchor="ctr"/>
+          <a:lstStyle/>
+          <a:p>
+            <a:pPr algn="ctr"/>
+            <a:endParaRPr lang="en-US"/>
+          </a:p>
+        </p:txBody>
+      </p:sp>
+      <p:sp>
+        <p:nvSpPr>
+          <p:cNvPr id="19" name="Oval 18"/>
+          <p:cNvSpPr/>
+          <p:nvPr/>
+        </p:nvSpPr>
+        <p:spPr>
+          <a:xfrm>
+            <a:off x="4114800" y="3654188"/>
+            <a:ext cx="152400" cy="152400"/>
+          </a:xfrm>
+          <a:prstGeom prst="ellipse">
+            <a:avLst/>
+          </a:prstGeom>
+          <a:solidFill>
+            <a:srgbClr val="FFFF00"/>
+          </a:solidFill>
+        </p:spPr>
+        <p:style>
+          <a:lnRef idx="2">
+            <a:schemeClr val="accent1">
+              <a:shade val="50000"/>
+            </a:schemeClr>
+          </a:lnRef>
+          <a:fillRef idx="1">
+            <a:schemeClr val="accent1"/>
+          </a:fillRef>
+          <a:effectRef idx="0">
+            <a:schemeClr val="accent1"/>
+          </a:effectRef>
+          <a:fontRef idx="minor">
+            <a:schemeClr val="lt1"/>
+          </a:fontRef>
+        </p:style>
+        <p:txBody>
+          <a:bodyPr rtlCol="0" anchor="ctr"/>
+          <a:lstStyle/>
+          <a:p>
+            <a:pPr algn="ctr"/>
+            <a:endParaRPr lang="en-US"/>
+          </a:p>
+        </p:txBody>
+      </p:sp>
+      <p:sp>
+        <p:nvSpPr>
+          <p:cNvPr id="20" name="Oval 19"/>
+          <p:cNvSpPr/>
+          <p:nvPr/>
+        </p:nvSpPr>
+        <p:spPr>
+          <a:xfrm>
+            <a:off x="6096000" y="3657600"/>
+            <a:ext cx="152400" cy="152400"/>
+          </a:xfrm>
+          <a:prstGeom prst="ellipse">
+            <a:avLst/>
+          </a:prstGeom>
+          <a:solidFill>
+            <a:srgbClr val="FFFF00"/>
+          </a:solidFill>
+        </p:spPr>
+        <p:style>
+          <a:lnRef idx="2">
+            <a:schemeClr val="accent1">
+              <a:shade val="50000"/>
+            </a:schemeClr>
+          </a:lnRef>
+          <a:fillRef idx="1">
+            <a:schemeClr val="accent1"/>
+          </a:fillRef>
+          <a:effectRef idx="0">
+            <a:schemeClr val="accent1"/>
+          </a:effectRef>
+          <a:fontRef idx="minor">
+            <a:schemeClr val="lt1"/>
+          </a:fontRef>
+        </p:style>
+        <p:txBody>
+          <a:bodyPr rtlCol="0" anchor="ctr"/>
+          <a:lstStyle/>
+          <a:p>
+            <a:pPr algn="ctr"/>
+            <a:endParaRPr lang="en-US"/>
+          </a:p>
+        </p:txBody>
+      </p:sp>
+      <p:sp>
+        <p:nvSpPr>
+          <p:cNvPr id="21" name="Oval 20"/>
+          <p:cNvSpPr/>
+          <p:nvPr/>
+        </p:nvSpPr>
+        <p:spPr>
+          <a:xfrm>
+            <a:off x="2743200" y="3657600"/>
+            <a:ext cx="152400" cy="152400"/>
+          </a:xfrm>
+          <a:prstGeom prst="ellipse">
+            <a:avLst/>
+          </a:prstGeom>
+          <a:solidFill>
+            <a:srgbClr val="FFFF00"/>
+          </a:solidFill>
+        </p:spPr>
+        <p:style>
+          <a:lnRef idx="2">
+            <a:schemeClr val="accent1">
+              <a:shade val="50000"/>
+            </a:schemeClr>
+          </a:lnRef>
+          <a:fillRef idx="1">
+            <a:schemeClr val="accent1"/>
+          </a:fillRef>
+          <a:effectRef idx="0">
+            <a:schemeClr val="accent1"/>
+          </a:effectRef>
+          <a:fontRef idx="minor">
+            <a:schemeClr val="lt1"/>
+          </a:fontRef>
+        </p:style>
+        <p:txBody>
+          <a:bodyPr rtlCol="0" anchor="ctr"/>
+          <a:lstStyle/>
+          <a:p>
+            <a:pPr algn="ctr"/>
+            <a:endParaRPr lang="en-US"/>
+          </a:p>
+        </p:txBody>
+      </p:sp>
+      <p:sp>
+        <p:nvSpPr>
+          <p:cNvPr id="22" name="Oval 21"/>
+          <p:cNvSpPr/>
+          <p:nvPr/>
+        </p:nvSpPr>
+        <p:spPr>
+          <a:xfrm>
+            <a:off x="3048000" y="3654188"/>
+            <a:ext cx="152400" cy="152400"/>
+          </a:xfrm>
+          <a:prstGeom prst="ellipse">
+            <a:avLst/>
+          </a:prstGeom>
+          <a:solidFill>
+            <a:srgbClr val="FFFF00"/>
+          </a:solidFill>
+        </p:spPr>
+        <p:style>
+          <a:lnRef idx="2">
+            <a:schemeClr val="accent1">
+              <a:shade val="50000"/>
+            </a:schemeClr>
+          </a:lnRef>
+          <a:fillRef idx="1">
+            <a:schemeClr val="accent1"/>
+          </a:fillRef>
+          <a:effectRef idx="0">
+            <a:schemeClr val="accent1"/>
+          </a:effectRef>
+          <a:fontRef idx="minor">
+            <a:schemeClr val="lt1"/>
+          </a:fontRef>
+        </p:style>
+        <p:txBody>
+          <a:bodyPr rtlCol="0" anchor="ctr"/>
+          <a:lstStyle/>
+          <a:p>
+            <a:pPr algn="ctr"/>
+            <a:endParaRPr lang="en-US"/>
+          </a:p>
+        </p:txBody>
+      </p:sp>
+      <p:sp>
+        <p:nvSpPr>
+          <p:cNvPr id="23" name="Oval 22"/>
+          <p:cNvSpPr/>
+          <p:nvPr/>
+        </p:nvSpPr>
+        <p:spPr>
+          <a:xfrm>
+            <a:off x="4267200" y="3657600"/>
+            <a:ext cx="152400" cy="152400"/>
+          </a:xfrm>
+          <a:prstGeom prst="ellipse">
+            <a:avLst/>
+          </a:prstGeom>
+          <a:solidFill>
+            <a:srgbClr val="FFFF00"/>
+          </a:solidFill>
+        </p:spPr>
+        <p:style>
+          <a:lnRef idx="2">
+            <a:schemeClr val="accent1">
+              <a:shade val="50000"/>
+            </a:schemeClr>
+          </a:lnRef>
+          <a:fillRef idx="1">
+            <a:schemeClr val="accent1"/>
+          </a:fillRef>
+          <a:effectRef idx="0">
+            <a:schemeClr val="accent1"/>
+          </a:effectRef>
+          <a:fontRef idx="minor">
+            <a:schemeClr val="lt1"/>
+          </a:fontRef>
+        </p:style>
+        <p:txBody>
+          <a:bodyPr rtlCol="0" anchor="ctr"/>
+          <a:lstStyle/>
+          <a:p>
+            <a:pPr algn="ctr"/>
+            <a:endParaRPr lang="en-US"/>
+          </a:p>
+        </p:txBody>
+      </p:sp>
+      <p:sp>
+        <p:nvSpPr>
+          <p:cNvPr id="24" name="Oval 23"/>
+          <p:cNvSpPr/>
+          <p:nvPr/>
+        </p:nvSpPr>
+        <p:spPr>
+          <a:xfrm>
+            <a:off x="3962400" y="3657600"/>
+            <a:ext cx="152400" cy="152400"/>
+          </a:xfrm>
+          <a:prstGeom prst="ellipse">
+            <a:avLst/>
+          </a:prstGeom>
+          <a:solidFill>
+            <a:srgbClr val="FFFF00"/>
+          </a:solidFill>
+        </p:spPr>
+        <p:style>
+          <a:lnRef idx="2">
+            <a:schemeClr val="accent1">
+              <a:shade val="50000"/>
+            </a:schemeClr>
+          </a:lnRef>
+          <a:fillRef idx="1">
+            <a:schemeClr val="accent1"/>
+          </a:fillRef>
+          <a:effectRef idx="0">
+            <a:schemeClr val="accent1"/>
+          </a:effectRef>
+          <a:fontRef idx="minor">
+            <a:schemeClr val="lt1"/>
+          </a:fontRef>
+        </p:style>
+        <p:txBody>
+          <a:bodyPr rtlCol="0" anchor="ctr"/>
+          <a:lstStyle/>
+          <a:p>
+            <a:pPr algn="ctr"/>
+            <a:endParaRPr lang="en-US"/>
+          </a:p>
+        </p:txBody>
+      </p:sp>
+      <p:sp>
+        <p:nvSpPr>
+          <p:cNvPr id="25" name="Oval 24"/>
+          <p:cNvSpPr/>
+          <p:nvPr/>
+        </p:nvSpPr>
+        <p:spPr>
+          <a:xfrm>
+            <a:off x="5943600" y="3657600"/>
+            <a:ext cx="152400" cy="152400"/>
+          </a:xfrm>
+          <a:prstGeom prst="ellipse">
+            <a:avLst/>
+          </a:prstGeom>
+          <a:solidFill>
+            <a:srgbClr val="FFFF00"/>
+          </a:solidFill>
+        </p:spPr>
+        <p:style>
+          <a:lnRef idx="2">
+            <a:schemeClr val="accent1">
+              <a:shade val="50000"/>
+            </a:schemeClr>
+          </a:lnRef>
+          <a:fillRef idx="1">
+            <a:schemeClr val="accent1"/>
+          </a:fillRef>
+          <a:effectRef idx="0">
+            <a:schemeClr val="accent1"/>
+          </a:effectRef>
+          <a:fontRef idx="minor">
+            <a:schemeClr val="lt1"/>
+          </a:fontRef>
+        </p:style>
+        <p:txBody>
+          <a:bodyPr rtlCol="0" anchor="ctr"/>
+          <a:lstStyle/>
+          <a:p>
+            <a:pPr algn="ctr"/>
+            <a:endParaRPr lang="en-US"/>
+          </a:p>
+        </p:txBody>
+      </p:sp>
+      <p:sp>
+        <p:nvSpPr>
+          <p:cNvPr id="26" name="Oval 25"/>
+          <p:cNvSpPr/>
+          <p:nvPr/>
+        </p:nvSpPr>
+        <p:spPr>
+          <a:xfrm>
+            <a:off x="6248400" y="3657600"/>
+            <a:ext cx="152400" cy="152400"/>
+          </a:xfrm>
+          <a:prstGeom prst="ellipse">
+            <a:avLst/>
+          </a:prstGeom>
+          <a:solidFill>
+            <a:srgbClr val="FFFF00"/>
+          </a:solidFill>
+        </p:spPr>
+        <p:style>
+          <a:lnRef idx="2">
+            <a:schemeClr val="accent1">
+              <a:shade val="50000"/>
+            </a:schemeClr>
+          </a:lnRef>
+          <a:fillRef idx="1">
+            <a:schemeClr val="accent1"/>
+          </a:fillRef>
+          <a:effectRef idx="0">
+            <a:schemeClr val="accent1"/>
+          </a:effectRef>
+          <a:fontRef idx="minor">
+            <a:schemeClr val="lt1"/>
+          </a:fontRef>
+        </p:style>
+        <p:txBody>
+          <a:bodyPr rtlCol="0" anchor="ctr"/>
+          <a:lstStyle/>
+          <a:p>
+            <a:pPr algn="ctr"/>
+            <a:endParaRPr lang="en-US"/>
+          </a:p>
+        </p:txBody>
+      </p:sp>
+      <p:sp>
+        <p:nvSpPr>
+          <p:cNvPr id="27" name="Oval 26"/>
+          <p:cNvSpPr/>
+          <p:nvPr/>
+        </p:nvSpPr>
+        <p:spPr>
+          <a:xfrm>
+            <a:off x="2286000" y="3657600"/>
+            <a:ext cx="152400" cy="152400"/>
+          </a:xfrm>
+          <a:prstGeom prst="ellipse">
+            <a:avLst/>
+          </a:prstGeom>
+          <a:solidFill>
+            <a:srgbClr val="FFFF00"/>
+          </a:solidFill>
+        </p:spPr>
+        <p:style>
+          <a:lnRef idx="2">
+            <a:schemeClr val="accent1">
+              <a:shade val="50000"/>
+            </a:schemeClr>
+          </a:lnRef>
+          <a:fillRef idx="1">
+            <a:schemeClr val="accent1"/>
+          </a:fillRef>
+          <a:effectRef idx="0">
+            <a:schemeClr val="accent1"/>
+          </a:effectRef>
+          <a:fontRef idx="minor">
+            <a:schemeClr val="lt1"/>
+          </a:fontRef>
+        </p:style>
+        <p:txBody>
+          <a:bodyPr rtlCol="0" anchor="ctr"/>
+          <a:lstStyle/>
+          <a:p>
+            <a:pPr algn="ctr"/>
+            <a:endParaRPr lang="en-US"/>
+          </a:p>
+        </p:txBody>
+      </p:sp>
+      <p:sp>
+        <p:nvSpPr>
+          <p:cNvPr id="28" name="Oval 27"/>
+          <p:cNvSpPr/>
+          <p:nvPr/>
+        </p:nvSpPr>
+        <p:spPr>
+          <a:xfrm>
+            <a:off x="3505200" y="3657600"/>
+            <a:ext cx="152400" cy="152400"/>
+          </a:xfrm>
+          <a:prstGeom prst="ellipse">
+            <a:avLst/>
+          </a:prstGeom>
+          <a:solidFill>
+            <a:srgbClr val="FFFF00"/>
+          </a:solidFill>
+        </p:spPr>
+        <p:style>
+          <a:lnRef idx="2">
+            <a:schemeClr val="accent1">
+              <a:shade val="50000"/>
+            </a:schemeClr>
+          </a:lnRef>
+          <a:fillRef idx="1">
+            <a:schemeClr val="accent1"/>
+          </a:fillRef>
+          <a:effectRef idx="0">
+            <a:schemeClr val="accent1"/>
+          </a:effectRef>
+          <a:fontRef idx="minor">
+            <a:schemeClr val="lt1"/>
+          </a:fontRef>
+        </p:style>
+        <p:txBody>
+          <a:bodyPr rtlCol="0" anchor="ctr"/>
+          <a:lstStyle/>
+          <a:p>
+            <a:pPr algn="ctr"/>
+            <a:endParaRPr lang="en-US"/>
+          </a:p>
+        </p:txBody>
+      </p:sp>
+      <p:sp>
+        <p:nvSpPr>
+          <p:cNvPr id="29" name="Oval 28"/>
+          <p:cNvSpPr/>
+          <p:nvPr/>
+        </p:nvSpPr>
+        <p:spPr>
+          <a:xfrm>
+            <a:off x="5105400" y="3654188"/>
+            <a:ext cx="152400" cy="152400"/>
+          </a:xfrm>
+          <a:prstGeom prst="ellipse">
+            <a:avLst/>
+          </a:prstGeom>
+          <a:solidFill>
+            <a:srgbClr val="FFFF00"/>
+          </a:solidFill>
+        </p:spPr>
+        <p:style>
+          <a:lnRef idx="2">
+            <a:schemeClr val="accent1">
+              <a:shade val="50000"/>
+            </a:schemeClr>
+          </a:lnRef>
+          <a:fillRef idx="1">
+            <a:schemeClr val="accent1"/>
+          </a:fillRef>
+          <a:effectRef idx="0">
+            <a:schemeClr val="accent1"/>
+          </a:effectRef>
+          <a:fontRef idx="minor">
+            <a:schemeClr val="lt1"/>
+          </a:fontRef>
+        </p:style>
+        <p:txBody>
+          <a:bodyPr rtlCol="0" anchor="ctr"/>
+          <a:lstStyle/>
+          <a:p>
+            <a:pPr algn="ctr"/>
+            <a:endParaRPr lang="en-US"/>
+          </a:p>
+        </p:txBody>
+      </p:sp>
+      <p:sp>
+        <p:nvSpPr>
+          <p:cNvPr id="30" name="Oval 29"/>
+          <p:cNvSpPr/>
+          <p:nvPr/>
+        </p:nvSpPr>
+        <p:spPr>
+          <a:xfrm>
+            <a:off x="7162800" y="3657600"/>
+            <a:ext cx="152400" cy="152400"/>
+          </a:xfrm>
+          <a:prstGeom prst="ellipse">
+            <a:avLst/>
+          </a:prstGeom>
+          <a:solidFill>
+            <a:srgbClr val="FFFF00"/>
+          </a:solidFill>
+        </p:spPr>
+        <p:style>
+          <a:lnRef idx="2">
+            <a:schemeClr val="accent1">
+              <a:shade val="50000"/>
+            </a:schemeClr>
+          </a:lnRef>
+          <a:fillRef idx="1">
+            <a:schemeClr val="accent1"/>
+          </a:fillRef>
+          <a:effectRef idx="0">
+            <a:schemeClr val="accent1"/>
+          </a:effectRef>
+          <a:fontRef idx="minor">
+            <a:schemeClr val="lt1"/>
+          </a:fontRef>
+        </p:style>
+        <p:txBody>
+          <a:bodyPr rtlCol="0" anchor="ctr"/>
+          <a:lstStyle/>
+          <a:p>
+            <a:pPr algn="ctr"/>
+            <a:endParaRPr lang="en-US"/>
+          </a:p>
+        </p:txBody>
+      </p:sp>
+      <p:sp>
+        <p:nvSpPr>
+          <p:cNvPr id="31" name="Oval 30"/>
+          <p:cNvSpPr/>
+          <p:nvPr/>
+        </p:nvSpPr>
+        <p:spPr>
+          <a:xfrm>
+            <a:off x="1828800" y="3657600"/>
+            <a:ext cx="152400" cy="152400"/>
+          </a:xfrm>
+          <a:prstGeom prst="ellipse">
+            <a:avLst/>
+          </a:prstGeom>
+          <a:solidFill>
+            <a:srgbClr val="FFFF00"/>
+          </a:solidFill>
+        </p:spPr>
+        <p:style>
+          <a:lnRef idx="2">
+            <a:schemeClr val="accent1">
+              <a:shade val="50000"/>
+            </a:schemeClr>
+          </a:lnRef>
+          <a:fillRef idx="1">
+            <a:schemeClr val="accent1"/>
+          </a:fillRef>
+          <a:effectRef idx="0">
+            <a:schemeClr val="accent1"/>
+          </a:effectRef>
+          <a:fontRef idx="minor">
+            <a:schemeClr val="lt1"/>
+          </a:fontRef>
+        </p:style>
+        <p:txBody>
+          <a:bodyPr rtlCol="0" anchor="ctr"/>
+          <a:lstStyle/>
+          <a:p>
+            <a:pPr algn="ctr"/>
+            <a:endParaRPr lang="en-US"/>
+          </a:p>
+        </p:txBody>
+      </p:sp>
+      <p:sp>
+        <p:nvSpPr>
+          <p:cNvPr id="32" name="Oval 31"/>
+          <p:cNvSpPr/>
+          <p:nvPr/>
+        </p:nvSpPr>
+        <p:spPr>
+          <a:xfrm>
+            <a:off x="1219200" y="3657600"/>
+            <a:ext cx="152400" cy="152400"/>
+          </a:xfrm>
+          <a:prstGeom prst="ellipse">
+            <a:avLst/>
+          </a:prstGeom>
+          <a:solidFill>
+            <a:srgbClr val="FFFF00"/>
+          </a:solidFill>
+        </p:spPr>
+        <p:style>
+          <a:lnRef idx="2">
+            <a:schemeClr val="accent1">
+              <a:shade val="50000"/>
+            </a:schemeClr>
+          </a:lnRef>
+          <a:fillRef idx="1">
+            <a:schemeClr val="accent1"/>
+          </a:fillRef>
+          <a:effectRef idx="0">
+            <a:schemeClr val="accent1"/>
+          </a:effectRef>
+          <a:fontRef idx="minor">
+            <a:schemeClr val="lt1"/>
+          </a:fontRef>
+        </p:style>
+        <p:txBody>
+          <a:bodyPr rtlCol="0" anchor="ctr"/>
+          <a:lstStyle/>
+          <a:p>
+            <a:pPr algn="ctr"/>
+            <a:endParaRPr lang="en-US"/>
+          </a:p>
+        </p:txBody>
+      </p:sp>
+      <p:sp>
+        <p:nvSpPr>
+          <p:cNvPr id="33" name="TextBox 32"/>
+          <p:cNvSpPr txBox="1"/>
+          <p:nvPr/>
+        </p:nvSpPr>
+        <p:spPr>
+          <a:xfrm>
+            <a:off x="1752600" y="3962400"/>
+            <a:ext cx="304800" cy="369332"/>
+          </a:xfrm>
+          <a:prstGeom prst="rect">
+            <a:avLst/>
+          </a:prstGeom>
+          <a:noFill/>
+        </p:spPr>
+        <p:txBody>
+          <a:bodyPr wrap="square" rtlCol="0">
+            <a:spAutoFit/>
+          </a:bodyPr>
+          <a:lstStyle/>
+          <a:p>
+            <a:r>
+              <a:rPr lang="en-US" dirty="0" smtClean="0"/>
+              <a:t>0</a:t>
+            </a:r>
+            <a:endParaRPr lang="en-US" dirty="0"/>
+          </a:p>
+        </p:txBody>
+      </p:sp>
+      <p:sp>
+        <p:nvSpPr>
+          <p:cNvPr id="34" name="TextBox 33"/>
+          <p:cNvSpPr txBox="1"/>
+          <p:nvPr/>
+        </p:nvSpPr>
+        <p:spPr>
+          <a:xfrm>
+            <a:off x="2743200" y="3962400"/>
+            <a:ext cx="457200" cy="369332"/>
+          </a:xfrm>
+          <a:prstGeom prst="rect">
+            <a:avLst/>
+          </a:prstGeom>
+          <a:noFill/>
+        </p:spPr>
+        <p:txBody>
+          <a:bodyPr wrap="square" rtlCol="0">
+            <a:spAutoFit/>
+          </a:bodyPr>
+          <a:lstStyle/>
+          <a:p>
+            <a:r>
+              <a:rPr lang="en-US" dirty="0" smtClean="0"/>
+              <a:t>50</a:t>
+            </a:r>
+            <a:endParaRPr lang="en-US" dirty="0"/>
+          </a:p>
+        </p:txBody>
+      </p:sp>
+      <p:sp>
+        <p:nvSpPr>
+          <p:cNvPr id="36" name="TextBox 35"/>
+          <p:cNvSpPr txBox="1"/>
+          <p:nvPr/>
+        </p:nvSpPr>
+        <p:spPr>
+          <a:xfrm>
+            <a:off x="3886200" y="3962400"/>
+            <a:ext cx="571500" cy="369332"/>
+          </a:xfrm>
+          <a:prstGeom prst="rect">
+            <a:avLst/>
+          </a:prstGeom>
+          <a:noFill/>
+        </p:spPr>
+        <p:txBody>
+          <a:bodyPr wrap="square" rtlCol="0">
+            <a:spAutoFit/>
+          </a:bodyPr>
+          <a:lstStyle/>
+          <a:p>
+            <a:r>
+              <a:rPr lang="en-US" dirty="0" smtClean="0"/>
+              <a:t>100</a:t>
+            </a:r>
+            <a:endParaRPr lang="en-US" dirty="0"/>
+          </a:p>
+        </p:txBody>
+      </p:sp>
+      <p:sp>
+        <p:nvSpPr>
+          <p:cNvPr id="37" name="TextBox 36"/>
+          <p:cNvSpPr txBox="1"/>
+          <p:nvPr/>
+        </p:nvSpPr>
+        <p:spPr>
+          <a:xfrm>
+            <a:off x="5943600" y="3942497"/>
+            <a:ext cx="533400" cy="369332"/>
+          </a:xfrm>
+          <a:prstGeom prst="rect">
+            <a:avLst/>
+          </a:prstGeom>
+          <a:noFill/>
+        </p:spPr>
+        <p:txBody>
+          <a:bodyPr wrap="square" rtlCol="0">
+            <a:spAutoFit/>
+          </a:bodyPr>
+          <a:lstStyle/>
+          <a:p>
+            <a:r>
+              <a:rPr lang="en-US" dirty="0" smtClean="0"/>
+              <a:t>200</a:t>
             </a:r>
             <a:endParaRPr lang="en-US" dirty="0"/>
           </a:p>
@@ -5087,8 +7180,8 @@
         </p:blipFill>
         <p:spPr>
           <a:xfrm>
-            <a:off x="2095500" y="2121590"/>
-            <a:ext cx="4953000" cy="4584010"/>
+            <a:off x="762000" y="2139263"/>
+            <a:ext cx="7772400" cy="4490137"/>
           </a:xfrm>
         </p:spPr>
       </p:pic>
@@ -5105,9 +7198,1378 @@
   <p:timing>
     <p:tnLst>
       <p:par>
-        <p:cTn id="1" dur="indefinite" restart="never" nodeType="tmRoot"/>
+        <p:cTn id="1" dur="indefinite" restart="never" nodeType="tmRoot">
+          <p:childTnLst>
+            <p:seq concurrent="1" nextAc="seek">
+              <p:cTn id="2" dur="indefinite" nodeType="mainSeq">
+                <p:childTnLst>
+                  <p:par>
+                    <p:cTn id="3" fill="hold">
+                      <p:stCondLst>
+                        <p:cond delay="indefinite"/>
+                      </p:stCondLst>
+                      <p:childTnLst>
+                        <p:par>
+                          <p:cTn id="4" fill="hold">
+                            <p:stCondLst>
+                              <p:cond delay="0"/>
+                            </p:stCondLst>
+                            <p:childTnLst>
+                              <p:par>
+                                <p:cTn id="5" presetID="2" presetClass="entr" presetSubtype="4" fill="hold" nodeType="clickEffect">
+                                  <p:stCondLst>
+                                    <p:cond delay="0"/>
+                                  </p:stCondLst>
+                                  <p:childTnLst>
+                                    <p:set>
+                                      <p:cBhvr>
+                                        <p:cTn id="6" dur="1" fill="hold">
+                                          <p:stCondLst>
+                                            <p:cond delay="0"/>
+                                          </p:stCondLst>
+                                        </p:cTn>
+                                        <p:tgtEl>
+                                          <p:spTgt spid="7"/>
+                                        </p:tgtEl>
+                                        <p:attrNameLst>
+                                          <p:attrName>style.visibility</p:attrName>
+                                        </p:attrNameLst>
+                                      </p:cBhvr>
+                                      <p:to>
+                                        <p:strVal val="visible"/>
+                                      </p:to>
+                                    </p:set>
+                                    <p:anim calcmode="lin" valueType="num">
+                                      <p:cBhvr additive="base">
+                                        <p:cTn id="7" dur="500" fill="hold"/>
+                                        <p:tgtEl>
+                                          <p:spTgt spid="7"/>
+                                        </p:tgtEl>
+                                        <p:attrNameLst>
+                                          <p:attrName>ppt_x</p:attrName>
+                                        </p:attrNameLst>
+                                      </p:cBhvr>
+                                      <p:tavLst>
+                                        <p:tav tm="0">
+                                          <p:val>
+                                            <p:strVal val="#ppt_x"/>
+                                          </p:val>
+                                        </p:tav>
+                                        <p:tav tm="100000">
+                                          <p:val>
+                                            <p:strVal val="#ppt_x"/>
+                                          </p:val>
+                                        </p:tav>
+                                      </p:tavLst>
+                                    </p:anim>
+                                    <p:anim calcmode="lin" valueType="num">
+                                      <p:cBhvr additive="base">
+                                        <p:cTn id="8" dur="500" fill="hold"/>
+                                        <p:tgtEl>
+                                          <p:spTgt spid="7"/>
+                                        </p:tgtEl>
+                                        <p:attrNameLst>
+                                          <p:attrName>ppt_y</p:attrName>
+                                        </p:attrNameLst>
+                                      </p:cBhvr>
+                                      <p:tavLst>
+                                        <p:tav tm="0">
+                                          <p:val>
+                                            <p:strVal val="1+#ppt_h/2"/>
+                                          </p:val>
+                                        </p:tav>
+                                        <p:tav tm="100000">
+                                          <p:val>
+                                            <p:strVal val="#ppt_y"/>
+                                          </p:val>
+                                        </p:tav>
+                                      </p:tavLst>
+                                    </p:anim>
+                                  </p:childTnLst>
+                                </p:cTn>
+                              </p:par>
+                              <p:par>
+                                <p:cTn id="9" presetID="2" presetClass="entr" presetSubtype="4" fill="hold" nodeType="withEffect">
+                                  <p:stCondLst>
+                                    <p:cond delay="0"/>
+                                  </p:stCondLst>
+                                  <p:childTnLst>
+                                    <p:set>
+                                      <p:cBhvr>
+                                        <p:cTn id="10" dur="1" fill="hold">
+                                          <p:stCondLst>
+                                            <p:cond delay="0"/>
+                                          </p:stCondLst>
+                                        </p:cTn>
+                                        <p:tgtEl>
+                                          <p:spTgt spid="10"/>
+                                        </p:tgtEl>
+                                        <p:attrNameLst>
+                                          <p:attrName>style.visibility</p:attrName>
+                                        </p:attrNameLst>
+                                      </p:cBhvr>
+                                      <p:to>
+                                        <p:strVal val="visible"/>
+                                      </p:to>
+                                    </p:set>
+                                    <p:anim calcmode="lin" valueType="num">
+                                      <p:cBhvr additive="base">
+                                        <p:cTn id="11" dur="500" fill="hold"/>
+                                        <p:tgtEl>
+                                          <p:spTgt spid="10"/>
+                                        </p:tgtEl>
+                                        <p:attrNameLst>
+                                          <p:attrName>ppt_x</p:attrName>
+                                        </p:attrNameLst>
+                                      </p:cBhvr>
+                                      <p:tavLst>
+                                        <p:tav tm="0">
+                                          <p:val>
+                                            <p:strVal val="#ppt_x"/>
+                                          </p:val>
+                                        </p:tav>
+                                        <p:tav tm="100000">
+                                          <p:val>
+                                            <p:strVal val="#ppt_x"/>
+                                          </p:val>
+                                        </p:tav>
+                                      </p:tavLst>
+                                    </p:anim>
+                                    <p:anim calcmode="lin" valueType="num">
+                                      <p:cBhvr additive="base">
+                                        <p:cTn id="12" dur="500" fill="hold"/>
+                                        <p:tgtEl>
+                                          <p:spTgt spid="10"/>
+                                        </p:tgtEl>
+                                        <p:attrNameLst>
+                                          <p:attrName>ppt_y</p:attrName>
+                                        </p:attrNameLst>
+                                      </p:cBhvr>
+                                      <p:tavLst>
+                                        <p:tav tm="0">
+                                          <p:val>
+                                            <p:strVal val="1+#ppt_h/2"/>
+                                          </p:val>
+                                        </p:tav>
+                                        <p:tav tm="100000">
+                                          <p:val>
+                                            <p:strVal val="#ppt_y"/>
+                                          </p:val>
+                                        </p:tav>
+                                      </p:tavLst>
+                                    </p:anim>
+                                  </p:childTnLst>
+                                </p:cTn>
+                              </p:par>
+                              <p:par>
+                                <p:cTn id="13" presetID="2" presetClass="entr" presetSubtype="4" fill="hold" nodeType="withEffect">
+                                  <p:stCondLst>
+                                    <p:cond delay="0"/>
+                                  </p:stCondLst>
+                                  <p:childTnLst>
+                                    <p:set>
+                                      <p:cBhvr>
+                                        <p:cTn id="14" dur="1" fill="hold">
+                                          <p:stCondLst>
+                                            <p:cond delay="0"/>
+                                          </p:stCondLst>
+                                        </p:cTn>
+                                        <p:tgtEl>
+                                          <p:spTgt spid="14"/>
+                                        </p:tgtEl>
+                                        <p:attrNameLst>
+                                          <p:attrName>style.visibility</p:attrName>
+                                        </p:attrNameLst>
+                                      </p:cBhvr>
+                                      <p:to>
+                                        <p:strVal val="visible"/>
+                                      </p:to>
+                                    </p:set>
+                                    <p:anim calcmode="lin" valueType="num">
+                                      <p:cBhvr additive="base">
+                                        <p:cTn id="15" dur="500" fill="hold"/>
+                                        <p:tgtEl>
+                                          <p:spTgt spid="14"/>
+                                        </p:tgtEl>
+                                        <p:attrNameLst>
+                                          <p:attrName>ppt_x</p:attrName>
+                                        </p:attrNameLst>
+                                      </p:cBhvr>
+                                      <p:tavLst>
+                                        <p:tav tm="0">
+                                          <p:val>
+                                            <p:strVal val="#ppt_x"/>
+                                          </p:val>
+                                        </p:tav>
+                                        <p:tav tm="100000">
+                                          <p:val>
+                                            <p:strVal val="#ppt_x"/>
+                                          </p:val>
+                                        </p:tav>
+                                      </p:tavLst>
+                                    </p:anim>
+                                    <p:anim calcmode="lin" valueType="num">
+                                      <p:cBhvr additive="base">
+                                        <p:cTn id="16" dur="500" fill="hold"/>
+                                        <p:tgtEl>
+                                          <p:spTgt spid="14"/>
+                                        </p:tgtEl>
+                                        <p:attrNameLst>
+                                          <p:attrName>ppt_y</p:attrName>
+                                        </p:attrNameLst>
+                                      </p:cBhvr>
+                                      <p:tavLst>
+                                        <p:tav tm="0">
+                                          <p:val>
+                                            <p:strVal val="1+#ppt_h/2"/>
+                                          </p:val>
+                                        </p:tav>
+                                        <p:tav tm="100000">
+                                          <p:val>
+                                            <p:strVal val="#ppt_y"/>
+                                          </p:val>
+                                        </p:tav>
+                                      </p:tavLst>
+                                    </p:anim>
+                                  </p:childTnLst>
+                                </p:cTn>
+                              </p:par>
+                              <p:par>
+                                <p:cTn id="17" presetID="2" presetClass="entr" presetSubtype="4" fill="hold" nodeType="withEffect">
+                                  <p:stCondLst>
+                                    <p:cond delay="0"/>
+                                  </p:stCondLst>
+                                  <p:childTnLst>
+                                    <p:set>
+                                      <p:cBhvr>
+                                        <p:cTn id="18" dur="1" fill="hold">
+                                          <p:stCondLst>
+                                            <p:cond delay="0"/>
+                                          </p:stCondLst>
+                                        </p:cTn>
+                                        <p:tgtEl>
+                                          <p:spTgt spid="15"/>
+                                        </p:tgtEl>
+                                        <p:attrNameLst>
+                                          <p:attrName>style.visibility</p:attrName>
+                                        </p:attrNameLst>
+                                      </p:cBhvr>
+                                      <p:to>
+                                        <p:strVal val="visible"/>
+                                      </p:to>
+                                    </p:set>
+                                    <p:anim calcmode="lin" valueType="num">
+                                      <p:cBhvr additive="base">
+                                        <p:cTn id="19" dur="500" fill="hold"/>
+                                        <p:tgtEl>
+                                          <p:spTgt spid="15"/>
+                                        </p:tgtEl>
+                                        <p:attrNameLst>
+                                          <p:attrName>ppt_x</p:attrName>
+                                        </p:attrNameLst>
+                                      </p:cBhvr>
+                                      <p:tavLst>
+                                        <p:tav tm="0">
+                                          <p:val>
+                                            <p:strVal val="#ppt_x"/>
+                                          </p:val>
+                                        </p:tav>
+                                        <p:tav tm="100000">
+                                          <p:val>
+                                            <p:strVal val="#ppt_x"/>
+                                          </p:val>
+                                        </p:tav>
+                                      </p:tavLst>
+                                    </p:anim>
+                                    <p:anim calcmode="lin" valueType="num">
+                                      <p:cBhvr additive="base">
+                                        <p:cTn id="20" dur="500" fill="hold"/>
+                                        <p:tgtEl>
+                                          <p:spTgt spid="15"/>
+                                        </p:tgtEl>
+                                        <p:attrNameLst>
+                                          <p:attrName>ppt_y</p:attrName>
+                                        </p:attrNameLst>
+                                      </p:cBhvr>
+                                      <p:tavLst>
+                                        <p:tav tm="0">
+                                          <p:val>
+                                            <p:strVal val="1+#ppt_h/2"/>
+                                          </p:val>
+                                        </p:tav>
+                                        <p:tav tm="100000">
+                                          <p:val>
+                                            <p:strVal val="#ppt_y"/>
+                                          </p:val>
+                                        </p:tav>
+                                      </p:tavLst>
+                                    </p:anim>
+                                  </p:childTnLst>
+                                </p:cTn>
+                              </p:par>
+                              <p:par>
+                                <p:cTn id="21" presetID="2" presetClass="entr" presetSubtype="4" fill="hold" nodeType="withEffect">
+                                  <p:stCondLst>
+                                    <p:cond delay="0"/>
+                                  </p:stCondLst>
+                                  <p:childTnLst>
+                                    <p:set>
+                                      <p:cBhvr>
+                                        <p:cTn id="22" dur="1" fill="hold">
+                                          <p:stCondLst>
+                                            <p:cond delay="0"/>
+                                          </p:stCondLst>
+                                        </p:cTn>
+                                        <p:tgtEl>
+                                          <p:spTgt spid="16"/>
+                                        </p:tgtEl>
+                                        <p:attrNameLst>
+                                          <p:attrName>style.visibility</p:attrName>
+                                        </p:attrNameLst>
+                                      </p:cBhvr>
+                                      <p:to>
+                                        <p:strVal val="visible"/>
+                                      </p:to>
+                                    </p:set>
+                                    <p:anim calcmode="lin" valueType="num">
+                                      <p:cBhvr additive="base">
+                                        <p:cTn id="23" dur="500" fill="hold"/>
+                                        <p:tgtEl>
+                                          <p:spTgt spid="16"/>
+                                        </p:tgtEl>
+                                        <p:attrNameLst>
+                                          <p:attrName>ppt_x</p:attrName>
+                                        </p:attrNameLst>
+                                      </p:cBhvr>
+                                      <p:tavLst>
+                                        <p:tav tm="0">
+                                          <p:val>
+                                            <p:strVal val="#ppt_x"/>
+                                          </p:val>
+                                        </p:tav>
+                                        <p:tav tm="100000">
+                                          <p:val>
+                                            <p:strVal val="#ppt_x"/>
+                                          </p:val>
+                                        </p:tav>
+                                      </p:tavLst>
+                                    </p:anim>
+                                    <p:anim calcmode="lin" valueType="num">
+                                      <p:cBhvr additive="base">
+                                        <p:cTn id="24" dur="500" fill="hold"/>
+                                        <p:tgtEl>
+                                          <p:spTgt spid="16"/>
+                                        </p:tgtEl>
+                                        <p:attrNameLst>
+                                          <p:attrName>ppt_y</p:attrName>
+                                        </p:attrNameLst>
+                                      </p:cBhvr>
+                                      <p:tavLst>
+                                        <p:tav tm="0">
+                                          <p:val>
+                                            <p:strVal val="1+#ppt_h/2"/>
+                                          </p:val>
+                                        </p:tav>
+                                        <p:tav tm="100000">
+                                          <p:val>
+                                            <p:strVal val="#ppt_y"/>
+                                          </p:val>
+                                        </p:tav>
+                                      </p:tavLst>
+                                    </p:anim>
+                                  </p:childTnLst>
+                                </p:cTn>
+                              </p:par>
+                              <p:par>
+                                <p:cTn id="25" presetID="2" presetClass="entr" presetSubtype="4" fill="hold" grpId="0" nodeType="withEffect">
+                                  <p:stCondLst>
+                                    <p:cond delay="0"/>
+                                  </p:stCondLst>
+                                  <p:childTnLst>
+                                    <p:set>
+                                      <p:cBhvr>
+                                        <p:cTn id="26" dur="1" fill="hold">
+                                          <p:stCondLst>
+                                            <p:cond delay="0"/>
+                                          </p:stCondLst>
+                                        </p:cTn>
+                                        <p:tgtEl>
+                                          <p:spTgt spid="37"/>
+                                        </p:tgtEl>
+                                        <p:attrNameLst>
+                                          <p:attrName>style.visibility</p:attrName>
+                                        </p:attrNameLst>
+                                      </p:cBhvr>
+                                      <p:to>
+                                        <p:strVal val="visible"/>
+                                      </p:to>
+                                    </p:set>
+                                    <p:anim calcmode="lin" valueType="num">
+                                      <p:cBhvr additive="base">
+                                        <p:cTn id="27" dur="500" fill="hold"/>
+                                        <p:tgtEl>
+                                          <p:spTgt spid="37"/>
+                                        </p:tgtEl>
+                                        <p:attrNameLst>
+                                          <p:attrName>ppt_x</p:attrName>
+                                        </p:attrNameLst>
+                                      </p:cBhvr>
+                                      <p:tavLst>
+                                        <p:tav tm="0">
+                                          <p:val>
+                                            <p:strVal val="#ppt_x"/>
+                                          </p:val>
+                                        </p:tav>
+                                        <p:tav tm="100000">
+                                          <p:val>
+                                            <p:strVal val="#ppt_x"/>
+                                          </p:val>
+                                        </p:tav>
+                                      </p:tavLst>
+                                    </p:anim>
+                                    <p:anim calcmode="lin" valueType="num">
+                                      <p:cBhvr additive="base">
+                                        <p:cTn id="28" dur="500" fill="hold"/>
+                                        <p:tgtEl>
+                                          <p:spTgt spid="37"/>
+                                        </p:tgtEl>
+                                        <p:attrNameLst>
+                                          <p:attrName>ppt_y</p:attrName>
+                                        </p:attrNameLst>
+                                      </p:cBhvr>
+                                      <p:tavLst>
+                                        <p:tav tm="0">
+                                          <p:val>
+                                            <p:strVal val="1+#ppt_h/2"/>
+                                          </p:val>
+                                        </p:tav>
+                                        <p:tav tm="100000">
+                                          <p:val>
+                                            <p:strVal val="#ppt_y"/>
+                                          </p:val>
+                                        </p:tav>
+                                      </p:tavLst>
+                                    </p:anim>
+                                  </p:childTnLst>
+                                </p:cTn>
+                              </p:par>
+                              <p:par>
+                                <p:cTn id="29" presetID="2" presetClass="entr" presetSubtype="4" fill="hold" grpId="0" nodeType="withEffect">
+                                  <p:stCondLst>
+                                    <p:cond delay="0"/>
+                                  </p:stCondLst>
+                                  <p:childTnLst>
+                                    <p:set>
+                                      <p:cBhvr>
+                                        <p:cTn id="30" dur="1" fill="hold">
+                                          <p:stCondLst>
+                                            <p:cond delay="0"/>
+                                          </p:stCondLst>
+                                        </p:cTn>
+                                        <p:tgtEl>
+                                          <p:spTgt spid="36"/>
+                                        </p:tgtEl>
+                                        <p:attrNameLst>
+                                          <p:attrName>style.visibility</p:attrName>
+                                        </p:attrNameLst>
+                                      </p:cBhvr>
+                                      <p:to>
+                                        <p:strVal val="visible"/>
+                                      </p:to>
+                                    </p:set>
+                                    <p:anim calcmode="lin" valueType="num">
+                                      <p:cBhvr additive="base">
+                                        <p:cTn id="31" dur="500" fill="hold"/>
+                                        <p:tgtEl>
+                                          <p:spTgt spid="36"/>
+                                        </p:tgtEl>
+                                        <p:attrNameLst>
+                                          <p:attrName>ppt_x</p:attrName>
+                                        </p:attrNameLst>
+                                      </p:cBhvr>
+                                      <p:tavLst>
+                                        <p:tav tm="0">
+                                          <p:val>
+                                            <p:strVal val="#ppt_x"/>
+                                          </p:val>
+                                        </p:tav>
+                                        <p:tav tm="100000">
+                                          <p:val>
+                                            <p:strVal val="#ppt_x"/>
+                                          </p:val>
+                                        </p:tav>
+                                      </p:tavLst>
+                                    </p:anim>
+                                    <p:anim calcmode="lin" valueType="num">
+                                      <p:cBhvr additive="base">
+                                        <p:cTn id="32" dur="500" fill="hold"/>
+                                        <p:tgtEl>
+                                          <p:spTgt spid="36"/>
+                                        </p:tgtEl>
+                                        <p:attrNameLst>
+                                          <p:attrName>ppt_y</p:attrName>
+                                        </p:attrNameLst>
+                                      </p:cBhvr>
+                                      <p:tavLst>
+                                        <p:tav tm="0">
+                                          <p:val>
+                                            <p:strVal val="1+#ppt_h/2"/>
+                                          </p:val>
+                                        </p:tav>
+                                        <p:tav tm="100000">
+                                          <p:val>
+                                            <p:strVal val="#ppt_y"/>
+                                          </p:val>
+                                        </p:tav>
+                                      </p:tavLst>
+                                    </p:anim>
+                                  </p:childTnLst>
+                                </p:cTn>
+                              </p:par>
+                              <p:par>
+                                <p:cTn id="33" presetID="2" presetClass="entr" presetSubtype="4" fill="hold" grpId="0" nodeType="withEffect">
+                                  <p:stCondLst>
+                                    <p:cond delay="0"/>
+                                  </p:stCondLst>
+                                  <p:childTnLst>
+                                    <p:set>
+                                      <p:cBhvr>
+                                        <p:cTn id="34" dur="1" fill="hold">
+                                          <p:stCondLst>
+                                            <p:cond delay="0"/>
+                                          </p:stCondLst>
+                                        </p:cTn>
+                                        <p:tgtEl>
+                                          <p:spTgt spid="34"/>
+                                        </p:tgtEl>
+                                        <p:attrNameLst>
+                                          <p:attrName>style.visibility</p:attrName>
+                                        </p:attrNameLst>
+                                      </p:cBhvr>
+                                      <p:to>
+                                        <p:strVal val="visible"/>
+                                      </p:to>
+                                    </p:set>
+                                    <p:anim calcmode="lin" valueType="num">
+                                      <p:cBhvr additive="base">
+                                        <p:cTn id="35" dur="500" fill="hold"/>
+                                        <p:tgtEl>
+                                          <p:spTgt spid="34"/>
+                                        </p:tgtEl>
+                                        <p:attrNameLst>
+                                          <p:attrName>ppt_x</p:attrName>
+                                        </p:attrNameLst>
+                                      </p:cBhvr>
+                                      <p:tavLst>
+                                        <p:tav tm="0">
+                                          <p:val>
+                                            <p:strVal val="#ppt_x"/>
+                                          </p:val>
+                                        </p:tav>
+                                        <p:tav tm="100000">
+                                          <p:val>
+                                            <p:strVal val="#ppt_x"/>
+                                          </p:val>
+                                        </p:tav>
+                                      </p:tavLst>
+                                    </p:anim>
+                                    <p:anim calcmode="lin" valueType="num">
+                                      <p:cBhvr additive="base">
+                                        <p:cTn id="36" dur="500" fill="hold"/>
+                                        <p:tgtEl>
+                                          <p:spTgt spid="34"/>
+                                        </p:tgtEl>
+                                        <p:attrNameLst>
+                                          <p:attrName>ppt_y</p:attrName>
+                                        </p:attrNameLst>
+                                      </p:cBhvr>
+                                      <p:tavLst>
+                                        <p:tav tm="0">
+                                          <p:val>
+                                            <p:strVal val="1+#ppt_h/2"/>
+                                          </p:val>
+                                        </p:tav>
+                                        <p:tav tm="100000">
+                                          <p:val>
+                                            <p:strVal val="#ppt_y"/>
+                                          </p:val>
+                                        </p:tav>
+                                      </p:tavLst>
+                                    </p:anim>
+                                  </p:childTnLst>
+                                </p:cTn>
+                              </p:par>
+                              <p:par>
+                                <p:cTn id="37" presetID="2" presetClass="entr" presetSubtype="4" fill="hold" grpId="0" nodeType="withEffect">
+                                  <p:stCondLst>
+                                    <p:cond delay="0"/>
+                                  </p:stCondLst>
+                                  <p:childTnLst>
+                                    <p:set>
+                                      <p:cBhvr>
+                                        <p:cTn id="38" dur="1" fill="hold">
+                                          <p:stCondLst>
+                                            <p:cond delay="0"/>
+                                          </p:stCondLst>
+                                        </p:cTn>
+                                        <p:tgtEl>
+                                          <p:spTgt spid="33"/>
+                                        </p:tgtEl>
+                                        <p:attrNameLst>
+                                          <p:attrName>style.visibility</p:attrName>
+                                        </p:attrNameLst>
+                                      </p:cBhvr>
+                                      <p:to>
+                                        <p:strVal val="visible"/>
+                                      </p:to>
+                                    </p:set>
+                                    <p:anim calcmode="lin" valueType="num">
+                                      <p:cBhvr additive="base">
+                                        <p:cTn id="39" dur="500" fill="hold"/>
+                                        <p:tgtEl>
+                                          <p:spTgt spid="33"/>
+                                        </p:tgtEl>
+                                        <p:attrNameLst>
+                                          <p:attrName>ppt_x</p:attrName>
+                                        </p:attrNameLst>
+                                      </p:cBhvr>
+                                      <p:tavLst>
+                                        <p:tav tm="0">
+                                          <p:val>
+                                            <p:strVal val="#ppt_x"/>
+                                          </p:val>
+                                        </p:tav>
+                                        <p:tav tm="100000">
+                                          <p:val>
+                                            <p:strVal val="#ppt_x"/>
+                                          </p:val>
+                                        </p:tav>
+                                      </p:tavLst>
+                                    </p:anim>
+                                    <p:anim calcmode="lin" valueType="num">
+                                      <p:cBhvr additive="base">
+                                        <p:cTn id="40" dur="500" fill="hold"/>
+                                        <p:tgtEl>
+                                          <p:spTgt spid="33"/>
+                                        </p:tgtEl>
+                                        <p:attrNameLst>
+                                          <p:attrName>ppt_y</p:attrName>
+                                        </p:attrNameLst>
+                                      </p:cBhvr>
+                                      <p:tavLst>
+                                        <p:tav tm="0">
+                                          <p:val>
+                                            <p:strVal val="1+#ppt_h/2"/>
+                                          </p:val>
+                                        </p:tav>
+                                        <p:tav tm="100000">
+                                          <p:val>
+                                            <p:strVal val="#ppt_y"/>
+                                          </p:val>
+                                        </p:tav>
+                                      </p:tavLst>
+                                    </p:anim>
+                                  </p:childTnLst>
+                                </p:cTn>
+                              </p:par>
+                            </p:childTnLst>
+                          </p:cTn>
+                        </p:par>
+                      </p:childTnLst>
+                    </p:cTn>
+                  </p:par>
+                  <p:par>
+                    <p:cTn id="41" fill="hold">
+                      <p:stCondLst>
+                        <p:cond delay="indefinite"/>
+                      </p:stCondLst>
+                      <p:childTnLst>
+                        <p:par>
+                          <p:cTn id="42" fill="hold">
+                            <p:stCondLst>
+                              <p:cond delay="0"/>
+                            </p:stCondLst>
+                            <p:childTnLst>
+                              <p:par>
+                                <p:cTn id="43" presetID="10" presetClass="entr" presetSubtype="0" fill="hold" grpId="0" nodeType="clickEffect">
+                                  <p:stCondLst>
+                                    <p:cond delay="0"/>
+                                  </p:stCondLst>
+                                  <p:childTnLst>
+                                    <p:set>
+                                      <p:cBhvr>
+                                        <p:cTn id="44" dur="1" fill="hold">
+                                          <p:stCondLst>
+                                            <p:cond delay="0"/>
+                                          </p:stCondLst>
+                                        </p:cTn>
+                                        <p:tgtEl>
+                                          <p:spTgt spid="18"/>
+                                        </p:tgtEl>
+                                        <p:attrNameLst>
+                                          <p:attrName>style.visibility</p:attrName>
+                                        </p:attrNameLst>
+                                      </p:cBhvr>
+                                      <p:to>
+                                        <p:strVal val="visible"/>
+                                      </p:to>
+                                    </p:set>
+                                    <p:animEffect transition="in" filter="fade">
+                                      <p:cBhvr>
+                                        <p:cTn id="45" dur="500"/>
+                                        <p:tgtEl>
+                                          <p:spTgt spid="18"/>
+                                        </p:tgtEl>
+                                      </p:cBhvr>
+                                    </p:animEffect>
+                                  </p:childTnLst>
+                                </p:cTn>
+                              </p:par>
+                              <p:par>
+                                <p:cTn id="46" presetID="10" presetClass="entr" presetSubtype="0" fill="hold" grpId="0" nodeType="withEffect">
+                                  <p:stCondLst>
+                                    <p:cond delay="0"/>
+                                  </p:stCondLst>
+                                  <p:childTnLst>
+                                    <p:set>
+                                      <p:cBhvr>
+                                        <p:cTn id="47" dur="1" fill="hold">
+                                          <p:stCondLst>
+                                            <p:cond delay="0"/>
+                                          </p:stCondLst>
+                                        </p:cTn>
+                                        <p:tgtEl>
+                                          <p:spTgt spid="19"/>
+                                        </p:tgtEl>
+                                        <p:attrNameLst>
+                                          <p:attrName>style.visibility</p:attrName>
+                                        </p:attrNameLst>
+                                      </p:cBhvr>
+                                      <p:to>
+                                        <p:strVal val="visible"/>
+                                      </p:to>
+                                    </p:set>
+                                    <p:animEffect transition="in" filter="fade">
+                                      <p:cBhvr>
+                                        <p:cTn id="48" dur="500"/>
+                                        <p:tgtEl>
+                                          <p:spTgt spid="19"/>
+                                        </p:tgtEl>
+                                      </p:cBhvr>
+                                    </p:animEffect>
+                                  </p:childTnLst>
+                                </p:cTn>
+                              </p:par>
+                              <p:par>
+                                <p:cTn id="49" presetID="10" presetClass="entr" presetSubtype="0" fill="hold" grpId="0" nodeType="withEffect">
+                                  <p:stCondLst>
+                                    <p:cond delay="0"/>
+                                  </p:stCondLst>
+                                  <p:childTnLst>
+                                    <p:set>
+                                      <p:cBhvr>
+                                        <p:cTn id="50" dur="1" fill="hold">
+                                          <p:stCondLst>
+                                            <p:cond delay="0"/>
+                                          </p:stCondLst>
+                                        </p:cTn>
+                                        <p:tgtEl>
+                                          <p:spTgt spid="20"/>
+                                        </p:tgtEl>
+                                        <p:attrNameLst>
+                                          <p:attrName>style.visibility</p:attrName>
+                                        </p:attrNameLst>
+                                      </p:cBhvr>
+                                      <p:to>
+                                        <p:strVal val="visible"/>
+                                      </p:to>
+                                    </p:set>
+                                    <p:animEffect transition="in" filter="fade">
+                                      <p:cBhvr>
+                                        <p:cTn id="51" dur="500"/>
+                                        <p:tgtEl>
+                                          <p:spTgt spid="20"/>
+                                        </p:tgtEl>
+                                      </p:cBhvr>
+                                    </p:animEffect>
+                                  </p:childTnLst>
+                                </p:cTn>
+                              </p:par>
+                            </p:childTnLst>
+                          </p:cTn>
+                        </p:par>
+                      </p:childTnLst>
+                    </p:cTn>
+                  </p:par>
+                  <p:par>
+                    <p:cTn id="52" fill="hold">
+                      <p:stCondLst>
+                        <p:cond delay="indefinite"/>
+                      </p:stCondLst>
+                      <p:childTnLst>
+                        <p:par>
+                          <p:cTn id="53" fill="hold">
+                            <p:stCondLst>
+                              <p:cond delay="0"/>
+                            </p:stCondLst>
+                            <p:childTnLst>
+                              <p:par>
+                                <p:cTn id="54" presetID="10" presetClass="entr" presetSubtype="0" fill="hold" grpId="0" nodeType="clickEffect">
+                                  <p:stCondLst>
+                                    <p:cond delay="0"/>
+                                  </p:stCondLst>
+                                  <p:childTnLst>
+                                    <p:set>
+                                      <p:cBhvr>
+                                        <p:cTn id="55" dur="1" fill="hold">
+                                          <p:stCondLst>
+                                            <p:cond delay="0"/>
+                                          </p:stCondLst>
+                                        </p:cTn>
+                                        <p:tgtEl>
+                                          <p:spTgt spid="21"/>
+                                        </p:tgtEl>
+                                        <p:attrNameLst>
+                                          <p:attrName>style.visibility</p:attrName>
+                                        </p:attrNameLst>
+                                      </p:cBhvr>
+                                      <p:to>
+                                        <p:strVal val="visible"/>
+                                      </p:to>
+                                    </p:set>
+                                    <p:animEffect transition="in" filter="fade">
+                                      <p:cBhvr>
+                                        <p:cTn id="56" dur="500"/>
+                                        <p:tgtEl>
+                                          <p:spTgt spid="21"/>
+                                        </p:tgtEl>
+                                      </p:cBhvr>
+                                    </p:animEffect>
+                                  </p:childTnLst>
+                                </p:cTn>
+                              </p:par>
+                              <p:par>
+                                <p:cTn id="57" presetID="10" presetClass="entr" presetSubtype="0" fill="hold" grpId="0" nodeType="withEffect">
+                                  <p:stCondLst>
+                                    <p:cond delay="0"/>
+                                  </p:stCondLst>
+                                  <p:childTnLst>
+                                    <p:set>
+                                      <p:cBhvr>
+                                        <p:cTn id="58" dur="1" fill="hold">
+                                          <p:stCondLst>
+                                            <p:cond delay="0"/>
+                                          </p:stCondLst>
+                                        </p:cTn>
+                                        <p:tgtEl>
+                                          <p:spTgt spid="22"/>
+                                        </p:tgtEl>
+                                        <p:attrNameLst>
+                                          <p:attrName>style.visibility</p:attrName>
+                                        </p:attrNameLst>
+                                      </p:cBhvr>
+                                      <p:to>
+                                        <p:strVal val="visible"/>
+                                      </p:to>
+                                    </p:set>
+                                    <p:animEffect transition="in" filter="fade">
+                                      <p:cBhvr>
+                                        <p:cTn id="59" dur="500"/>
+                                        <p:tgtEl>
+                                          <p:spTgt spid="22"/>
+                                        </p:tgtEl>
+                                      </p:cBhvr>
+                                    </p:animEffect>
+                                  </p:childTnLst>
+                                </p:cTn>
+                              </p:par>
+                              <p:par>
+                                <p:cTn id="60" presetID="10" presetClass="entr" presetSubtype="0" fill="hold" grpId="0" nodeType="withEffect">
+                                  <p:stCondLst>
+                                    <p:cond delay="0"/>
+                                  </p:stCondLst>
+                                  <p:childTnLst>
+                                    <p:set>
+                                      <p:cBhvr>
+                                        <p:cTn id="61" dur="1" fill="hold">
+                                          <p:stCondLst>
+                                            <p:cond delay="0"/>
+                                          </p:stCondLst>
+                                        </p:cTn>
+                                        <p:tgtEl>
+                                          <p:spTgt spid="24"/>
+                                        </p:tgtEl>
+                                        <p:attrNameLst>
+                                          <p:attrName>style.visibility</p:attrName>
+                                        </p:attrNameLst>
+                                      </p:cBhvr>
+                                      <p:to>
+                                        <p:strVal val="visible"/>
+                                      </p:to>
+                                    </p:set>
+                                    <p:animEffect transition="in" filter="fade">
+                                      <p:cBhvr>
+                                        <p:cTn id="62" dur="500"/>
+                                        <p:tgtEl>
+                                          <p:spTgt spid="24"/>
+                                        </p:tgtEl>
+                                      </p:cBhvr>
+                                    </p:animEffect>
+                                  </p:childTnLst>
+                                </p:cTn>
+                              </p:par>
+                              <p:par>
+                                <p:cTn id="63" presetID="10" presetClass="entr" presetSubtype="0" fill="hold" grpId="0" nodeType="withEffect">
+                                  <p:stCondLst>
+                                    <p:cond delay="0"/>
+                                  </p:stCondLst>
+                                  <p:childTnLst>
+                                    <p:set>
+                                      <p:cBhvr>
+                                        <p:cTn id="64" dur="1" fill="hold">
+                                          <p:stCondLst>
+                                            <p:cond delay="0"/>
+                                          </p:stCondLst>
+                                        </p:cTn>
+                                        <p:tgtEl>
+                                          <p:spTgt spid="23"/>
+                                        </p:tgtEl>
+                                        <p:attrNameLst>
+                                          <p:attrName>style.visibility</p:attrName>
+                                        </p:attrNameLst>
+                                      </p:cBhvr>
+                                      <p:to>
+                                        <p:strVal val="visible"/>
+                                      </p:to>
+                                    </p:set>
+                                    <p:animEffect transition="in" filter="fade">
+                                      <p:cBhvr>
+                                        <p:cTn id="65" dur="500"/>
+                                        <p:tgtEl>
+                                          <p:spTgt spid="23"/>
+                                        </p:tgtEl>
+                                      </p:cBhvr>
+                                    </p:animEffect>
+                                  </p:childTnLst>
+                                </p:cTn>
+                              </p:par>
+                              <p:par>
+                                <p:cTn id="66" presetID="10" presetClass="entr" presetSubtype="0" fill="hold" grpId="0" nodeType="withEffect">
+                                  <p:stCondLst>
+                                    <p:cond delay="0"/>
+                                  </p:stCondLst>
+                                  <p:childTnLst>
+                                    <p:set>
+                                      <p:cBhvr>
+                                        <p:cTn id="67" dur="1" fill="hold">
+                                          <p:stCondLst>
+                                            <p:cond delay="0"/>
+                                          </p:stCondLst>
+                                        </p:cTn>
+                                        <p:tgtEl>
+                                          <p:spTgt spid="25"/>
+                                        </p:tgtEl>
+                                        <p:attrNameLst>
+                                          <p:attrName>style.visibility</p:attrName>
+                                        </p:attrNameLst>
+                                      </p:cBhvr>
+                                      <p:to>
+                                        <p:strVal val="visible"/>
+                                      </p:to>
+                                    </p:set>
+                                    <p:animEffect transition="in" filter="fade">
+                                      <p:cBhvr>
+                                        <p:cTn id="68" dur="500"/>
+                                        <p:tgtEl>
+                                          <p:spTgt spid="25"/>
+                                        </p:tgtEl>
+                                      </p:cBhvr>
+                                    </p:animEffect>
+                                  </p:childTnLst>
+                                </p:cTn>
+                              </p:par>
+                              <p:par>
+                                <p:cTn id="69" presetID="10" presetClass="entr" presetSubtype="0" fill="hold" grpId="0" nodeType="withEffect">
+                                  <p:stCondLst>
+                                    <p:cond delay="0"/>
+                                  </p:stCondLst>
+                                  <p:childTnLst>
+                                    <p:set>
+                                      <p:cBhvr>
+                                        <p:cTn id="70" dur="1" fill="hold">
+                                          <p:stCondLst>
+                                            <p:cond delay="0"/>
+                                          </p:stCondLst>
+                                        </p:cTn>
+                                        <p:tgtEl>
+                                          <p:spTgt spid="26"/>
+                                        </p:tgtEl>
+                                        <p:attrNameLst>
+                                          <p:attrName>style.visibility</p:attrName>
+                                        </p:attrNameLst>
+                                      </p:cBhvr>
+                                      <p:to>
+                                        <p:strVal val="visible"/>
+                                      </p:to>
+                                    </p:set>
+                                    <p:animEffect transition="in" filter="fade">
+                                      <p:cBhvr>
+                                        <p:cTn id="71" dur="500"/>
+                                        <p:tgtEl>
+                                          <p:spTgt spid="26"/>
+                                        </p:tgtEl>
+                                      </p:cBhvr>
+                                    </p:animEffect>
+                                  </p:childTnLst>
+                                </p:cTn>
+                              </p:par>
+                            </p:childTnLst>
+                          </p:cTn>
+                        </p:par>
+                      </p:childTnLst>
+                    </p:cTn>
+                  </p:par>
+                  <p:par>
+                    <p:cTn id="72" fill="hold">
+                      <p:stCondLst>
+                        <p:cond delay="indefinite"/>
+                      </p:stCondLst>
+                      <p:childTnLst>
+                        <p:par>
+                          <p:cTn id="73" fill="hold">
+                            <p:stCondLst>
+                              <p:cond delay="0"/>
+                            </p:stCondLst>
+                            <p:childTnLst>
+                              <p:par>
+                                <p:cTn id="74" presetID="10" presetClass="entr" presetSubtype="0" fill="hold" grpId="0" nodeType="clickEffect">
+                                  <p:stCondLst>
+                                    <p:cond delay="0"/>
+                                  </p:stCondLst>
+                                  <p:childTnLst>
+                                    <p:set>
+                                      <p:cBhvr>
+                                        <p:cTn id="75" dur="1" fill="hold">
+                                          <p:stCondLst>
+                                            <p:cond delay="0"/>
+                                          </p:stCondLst>
+                                        </p:cTn>
+                                        <p:tgtEl>
+                                          <p:spTgt spid="27"/>
+                                        </p:tgtEl>
+                                        <p:attrNameLst>
+                                          <p:attrName>style.visibility</p:attrName>
+                                        </p:attrNameLst>
+                                      </p:cBhvr>
+                                      <p:to>
+                                        <p:strVal val="visible"/>
+                                      </p:to>
+                                    </p:set>
+                                    <p:animEffect transition="in" filter="fade">
+                                      <p:cBhvr>
+                                        <p:cTn id="76" dur="500"/>
+                                        <p:tgtEl>
+                                          <p:spTgt spid="27"/>
+                                        </p:tgtEl>
+                                      </p:cBhvr>
+                                    </p:animEffect>
+                                  </p:childTnLst>
+                                </p:cTn>
+                              </p:par>
+                              <p:par>
+                                <p:cTn id="77" presetID="10" presetClass="entr" presetSubtype="0" fill="hold" grpId="0" nodeType="withEffect">
+                                  <p:stCondLst>
+                                    <p:cond delay="0"/>
+                                  </p:stCondLst>
+                                  <p:childTnLst>
+                                    <p:set>
+                                      <p:cBhvr>
+                                        <p:cTn id="78" dur="1" fill="hold">
+                                          <p:stCondLst>
+                                            <p:cond delay="0"/>
+                                          </p:stCondLst>
+                                        </p:cTn>
+                                        <p:tgtEl>
+                                          <p:spTgt spid="28"/>
+                                        </p:tgtEl>
+                                        <p:attrNameLst>
+                                          <p:attrName>style.visibility</p:attrName>
+                                        </p:attrNameLst>
+                                      </p:cBhvr>
+                                      <p:to>
+                                        <p:strVal val="visible"/>
+                                      </p:to>
+                                    </p:set>
+                                    <p:animEffect transition="in" filter="fade">
+                                      <p:cBhvr>
+                                        <p:cTn id="79" dur="500"/>
+                                        <p:tgtEl>
+                                          <p:spTgt spid="28"/>
+                                        </p:tgtEl>
+                                      </p:cBhvr>
+                                    </p:animEffect>
+                                  </p:childTnLst>
+                                </p:cTn>
+                              </p:par>
+                              <p:par>
+                                <p:cTn id="80" presetID="10" presetClass="entr" presetSubtype="0" fill="hold" grpId="0" nodeType="withEffect">
+                                  <p:stCondLst>
+                                    <p:cond delay="0"/>
+                                  </p:stCondLst>
+                                  <p:childTnLst>
+                                    <p:set>
+                                      <p:cBhvr>
+                                        <p:cTn id="81" dur="1" fill="hold">
+                                          <p:stCondLst>
+                                            <p:cond delay="0"/>
+                                          </p:stCondLst>
+                                        </p:cTn>
+                                        <p:tgtEl>
+                                          <p:spTgt spid="29"/>
+                                        </p:tgtEl>
+                                        <p:attrNameLst>
+                                          <p:attrName>style.visibility</p:attrName>
+                                        </p:attrNameLst>
+                                      </p:cBhvr>
+                                      <p:to>
+                                        <p:strVal val="visible"/>
+                                      </p:to>
+                                    </p:set>
+                                    <p:animEffect transition="in" filter="fade">
+                                      <p:cBhvr>
+                                        <p:cTn id="82" dur="500"/>
+                                        <p:tgtEl>
+                                          <p:spTgt spid="29"/>
+                                        </p:tgtEl>
+                                      </p:cBhvr>
+                                    </p:animEffect>
+                                  </p:childTnLst>
+                                </p:cTn>
+                              </p:par>
+                              <p:par>
+                                <p:cTn id="83" presetID="10" presetClass="entr" presetSubtype="0" fill="hold" grpId="0" nodeType="withEffect">
+                                  <p:stCondLst>
+                                    <p:cond delay="0"/>
+                                  </p:stCondLst>
+                                  <p:childTnLst>
+                                    <p:set>
+                                      <p:cBhvr>
+                                        <p:cTn id="84" dur="1" fill="hold">
+                                          <p:stCondLst>
+                                            <p:cond delay="0"/>
+                                          </p:stCondLst>
+                                        </p:cTn>
+                                        <p:tgtEl>
+                                          <p:spTgt spid="30"/>
+                                        </p:tgtEl>
+                                        <p:attrNameLst>
+                                          <p:attrName>style.visibility</p:attrName>
+                                        </p:attrNameLst>
+                                      </p:cBhvr>
+                                      <p:to>
+                                        <p:strVal val="visible"/>
+                                      </p:to>
+                                    </p:set>
+                                    <p:animEffect transition="in" filter="fade">
+                                      <p:cBhvr>
+                                        <p:cTn id="85" dur="500"/>
+                                        <p:tgtEl>
+                                          <p:spTgt spid="30"/>
+                                        </p:tgtEl>
+                                      </p:cBhvr>
+                                    </p:animEffect>
+                                  </p:childTnLst>
+                                </p:cTn>
+                              </p:par>
+                            </p:childTnLst>
+                          </p:cTn>
+                        </p:par>
+                      </p:childTnLst>
+                    </p:cTn>
+                  </p:par>
+                  <p:par>
+                    <p:cTn id="86" fill="hold">
+                      <p:stCondLst>
+                        <p:cond delay="indefinite"/>
+                      </p:stCondLst>
+                      <p:childTnLst>
+                        <p:par>
+                          <p:cTn id="87" fill="hold">
+                            <p:stCondLst>
+                              <p:cond delay="0"/>
+                            </p:stCondLst>
+                            <p:childTnLst>
+                              <p:par>
+                                <p:cTn id="88" presetID="10" presetClass="entr" presetSubtype="0" fill="hold" grpId="0" nodeType="clickEffect">
+                                  <p:stCondLst>
+                                    <p:cond delay="0"/>
+                                  </p:stCondLst>
+                                  <p:childTnLst>
+                                    <p:set>
+                                      <p:cBhvr>
+                                        <p:cTn id="89" dur="1" fill="hold">
+                                          <p:stCondLst>
+                                            <p:cond delay="0"/>
+                                          </p:stCondLst>
+                                        </p:cTn>
+                                        <p:tgtEl>
+                                          <p:spTgt spid="31"/>
+                                        </p:tgtEl>
+                                        <p:attrNameLst>
+                                          <p:attrName>style.visibility</p:attrName>
+                                        </p:attrNameLst>
+                                      </p:cBhvr>
+                                      <p:to>
+                                        <p:strVal val="visible"/>
+                                      </p:to>
+                                    </p:set>
+                                    <p:animEffect transition="in" filter="fade">
+                                      <p:cBhvr>
+                                        <p:cTn id="90" dur="500"/>
+                                        <p:tgtEl>
+                                          <p:spTgt spid="31"/>
+                                        </p:tgtEl>
+                                      </p:cBhvr>
+                                    </p:animEffect>
+                                  </p:childTnLst>
+                                </p:cTn>
+                              </p:par>
+                              <p:par>
+                                <p:cTn id="91" presetID="10" presetClass="entr" presetSubtype="0" fill="hold" grpId="0" nodeType="withEffect">
+                                  <p:stCondLst>
+                                    <p:cond delay="0"/>
+                                  </p:stCondLst>
+                                  <p:childTnLst>
+                                    <p:set>
+                                      <p:cBhvr>
+                                        <p:cTn id="92" dur="1" fill="hold">
+                                          <p:stCondLst>
+                                            <p:cond delay="0"/>
+                                          </p:stCondLst>
+                                        </p:cTn>
+                                        <p:tgtEl>
+                                          <p:spTgt spid="32"/>
+                                        </p:tgtEl>
+                                        <p:attrNameLst>
+                                          <p:attrName>style.visibility</p:attrName>
+                                        </p:attrNameLst>
+                                      </p:cBhvr>
+                                      <p:to>
+                                        <p:strVal val="visible"/>
+                                      </p:to>
+                                    </p:set>
+                                    <p:animEffect transition="in" filter="fade">
+                                      <p:cBhvr>
+                                        <p:cTn id="93" dur="500"/>
+                                        <p:tgtEl>
+                                          <p:spTgt spid="32"/>
+                                        </p:tgtEl>
+                                      </p:cBhvr>
+                                    </p:animEffect>
+                                  </p:childTnLst>
+                                </p:cTn>
+                              </p:par>
+                            </p:childTnLst>
+                          </p:cTn>
+                        </p:par>
+                      </p:childTnLst>
+                    </p:cTn>
+                  </p:par>
+                  <p:par>
+                    <p:cTn id="94" fill="hold">
+                      <p:stCondLst>
+                        <p:cond delay="indefinite"/>
+                      </p:stCondLst>
+                      <p:childTnLst>
+                        <p:par>
+                          <p:cTn id="95" fill="hold">
+                            <p:stCondLst>
+                              <p:cond delay="0"/>
+                            </p:stCondLst>
+                            <p:childTnLst>
+                              <p:par>
+                                <p:cTn id="96" presetID="10" presetClass="entr" presetSubtype="0" fill="hold" nodeType="clickEffect">
+                                  <p:stCondLst>
+                                    <p:cond delay="0"/>
+                                  </p:stCondLst>
+                                  <p:childTnLst>
+                                    <p:set>
+                                      <p:cBhvr>
+                                        <p:cTn id="97" dur="1" fill="hold">
+                                          <p:stCondLst>
+                                            <p:cond delay="0"/>
+                                          </p:stCondLst>
+                                        </p:cTn>
+                                        <p:tgtEl>
+                                          <p:spTgt spid="8"/>
+                                        </p:tgtEl>
+                                        <p:attrNameLst>
+                                          <p:attrName>style.visibility</p:attrName>
+                                        </p:attrNameLst>
+                                      </p:cBhvr>
+                                      <p:to>
+                                        <p:strVal val="visible"/>
+                                      </p:to>
+                                    </p:set>
+                                    <p:animEffect transition="in" filter="fade">
+                                      <p:cBhvr>
+                                        <p:cTn id="98" dur="500"/>
+                                        <p:tgtEl>
+                                          <p:spTgt spid="8"/>
+                                        </p:tgtEl>
+                                      </p:cBhvr>
+                                    </p:animEffect>
+                                  </p:childTnLst>
+                                </p:cTn>
+                              </p:par>
+                            </p:childTnLst>
+                          </p:cTn>
+                        </p:par>
+                      </p:childTnLst>
+                    </p:cTn>
+                  </p:par>
+                </p:childTnLst>
+              </p:cTn>
+              <p:prevCondLst>
+                <p:cond evt="onPrev" delay="0">
+                  <p:tgtEl>
+                    <p:sldTgt/>
+                  </p:tgtEl>
+                </p:cond>
+              </p:prevCondLst>
+              <p:nextCondLst>
+                <p:cond evt="onNext" delay="0">
+                  <p:tgtEl>
+                    <p:sldTgt/>
+                  </p:tgtEl>
+                </p:cond>
+              </p:nextCondLst>
+            </p:seq>
+          </p:childTnLst>
+        </p:cTn>
       </p:par>
     </p:tnLst>
+    <p:bldLst>
+      <p:bldP spid="18" grpId="0" animBg="1"/>
+      <p:bldP spid="19" grpId="0" animBg="1"/>
+      <p:bldP spid="20" grpId="0" animBg="1"/>
+      <p:bldP spid="21" grpId="0" animBg="1"/>
+      <p:bldP spid="22" grpId="0" animBg="1"/>
+      <p:bldP spid="23" grpId="0" animBg="1"/>
+      <p:bldP spid="24" grpId="0" animBg="1"/>
+      <p:bldP spid="25" grpId="0" animBg="1"/>
+      <p:bldP spid="26" grpId="0" animBg="1"/>
+      <p:bldP spid="27" grpId="0" animBg="1"/>
+      <p:bldP spid="28" grpId="0" animBg="1"/>
+      <p:bldP spid="29" grpId="0" animBg="1"/>
+      <p:bldP spid="30" grpId="0" animBg="1"/>
+      <p:bldP spid="31" grpId="0" animBg="1"/>
+      <p:bldP spid="32" grpId="0" animBg="1"/>
+      <p:bldP spid="33" grpId="0"/>
+      <p:bldP spid="34" grpId="0"/>
+      <p:bldP spid="36" grpId="0"/>
+      <p:bldP spid="37" grpId="0"/>
+    </p:bldLst>
   </p:timing>
 </p:sld>
 </file>
@@ -5131,44 +8593,6 @@
       </p:grpSpPr>
       <p:sp>
         <p:nvSpPr>
-          <p:cNvPr id="2" name="Content Placeholder 1"/>
-          <p:cNvSpPr>
-            <a:spLocks noGrp="1"/>
-          </p:cNvSpPr>
-          <p:nvPr>
-            <p:ph sz="quarter" idx="13"/>
-          </p:nvPr>
-        </p:nvSpPr>
-        <p:spPr/>
-        <p:txBody>
-          <a:bodyPr/>
-          <a:lstStyle/>
-          <a:p>
-            <a:endParaRPr lang="en-US" dirty="0"/>
-          </a:p>
-        </p:txBody>
-      </p:sp>
-      <p:sp>
-        <p:nvSpPr>
-          <p:cNvPr id="3" name="Content Placeholder 2"/>
-          <p:cNvSpPr>
-            <a:spLocks noGrp="1"/>
-          </p:cNvSpPr>
-          <p:nvPr>
-            <p:ph sz="quarter" idx="14"/>
-          </p:nvPr>
-        </p:nvSpPr>
-        <p:spPr/>
-        <p:txBody>
-          <a:bodyPr/>
-          <a:lstStyle/>
-          <a:p>
-            <a:endParaRPr lang="en-US" dirty="0"/>
-          </a:p>
-        </p:txBody>
-      </p:sp>
-      <p:sp>
-        <p:nvSpPr>
           <p:cNvPr id="4" name="Title 3"/>
           <p:cNvSpPr>
             <a:spLocks noGrp="1"/>
@@ -5194,6 +8618,131 @@
           </a:p>
         </p:txBody>
       </p:sp>
+      <p:sp>
+        <p:nvSpPr>
+          <p:cNvPr id="6" name="Content Placeholder 5"/>
+          <p:cNvSpPr>
+            <a:spLocks noGrp="1"/>
+          </p:cNvSpPr>
+          <p:nvPr>
+            <p:ph sz="quarter" idx="13"/>
+          </p:nvPr>
+        </p:nvSpPr>
+        <p:spPr>
+          <a:xfrm>
+            <a:off x="609600" y="1371600"/>
+            <a:ext cx="7924800" cy="4724400"/>
+          </a:xfrm>
+        </p:spPr>
+        <p:txBody>
+          <a:bodyPr>
+            <a:normAutofit fontScale="92500" lnSpcReduction="10000"/>
+          </a:bodyPr>
+          <a:lstStyle/>
+          <a:p>
+            <a:pPr>
+              <a:buFont typeface="Wingdings" pitchFamily="2" charset="2"/>
+              <a:buChar char="v"/>
+            </a:pPr>
+            <a:r>
+              <a:rPr lang="en-US" sz="2800" dirty="0" smtClean="0"/>
+              <a:t>Pros and cons</a:t>
+            </a:r>
+          </a:p>
+          <a:p>
+            <a:pPr>
+              <a:buFont typeface="Wingdings" pitchFamily="2" charset="2"/>
+              <a:buChar char="ü"/>
+            </a:pPr>
+            <a:r>
+              <a:rPr lang="en-US" sz="2400" dirty="0" smtClean="0"/>
+              <a:t>Relatively straightforward test-case generation</a:t>
+            </a:r>
+          </a:p>
+          <a:p>
+            <a:pPr>
+              <a:buFont typeface="Wingdings" pitchFamily="2" charset="2"/>
+              <a:buChar char="ü"/>
+            </a:pPr>
+            <a:r>
+              <a:rPr lang="en-US" sz="2400" dirty="0" smtClean="0"/>
+              <a:t>Pre-test</a:t>
+            </a:r>
+          </a:p>
+          <a:p>
+            <a:pPr>
+              <a:buFont typeface="Wingdings" pitchFamily="2" charset="2"/>
+              <a:buChar char="ü"/>
+            </a:pPr>
+            <a:r>
+              <a:rPr lang="en-US" sz="2400" dirty="0" smtClean="0"/>
+              <a:t>Suitable for input data that:</a:t>
+            </a:r>
+          </a:p>
+          <a:p>
+            <a:pPr lvl="1"/>
+            <a:r>
+              <a:rPr lang="en-US" sz="2400" dirty="0" smtClean="0"/>
+              <a:t>Independent</a:t>
+            </a:r>
+          </a:p>
+          <a:p>
+            <a:pPr lvl="1"/>
+            <a:r>
+              <a:rPr lang="en-US" sz="2400" dirty="0" smtClean="0"/>
+              <a:t>Physical measure </a:t>
+            </a:r>
+          </a:p>
+          <a:p>
+            <a:pPr marL="457200" lvl="1" indent="0">
+              <a:buNone/>
+            </a:pPr>
+            <a:endParaRPr lang="en-US" sz="2400" dirty="0"/>
+          </a:p>
+          <a:p>
+            <a:pPr>
+              <a:buFont typeface="Courier New" pitchFamily="49" charset="0"/>
+              <a:buChar char="o"/>
+            </a:pPr>
+            <a:r>
+              <a:rPr lang="en-US" sz="2400" dirty="0" smtClean="0"/>
+              <a:t>Bounds are not always obvious</a:t>
+            </a:r>
+          </a:p>
+          <a:p>
+            <a:pPr>
+              <a:buFont typeface="Courier New" pitchFamily="49" charset="0"/>
+              <a:buChar char="o"/>
+            </a:pPr>
+            <a:r>
+              <a:rPr lang="en-US" sz="2400" dirty="0" smtClean="0"/>
+              <a:t>Bounds are not always appropriate</a:t>
+            </a:r>
+          </a:p>
+          <a:p>
+            <a:pPr>
+              <a:buFont typeface="Courier New" pitchFamily="49" charset="0"/>
+              <a:buChar char="o"/>
+            </a:pPr>
+            <a:r>
+              <a:rPr lang="en-US" sz="2400" dirty="0" smtClean="0"/>
+              <a:t>Inadequate when there are dependencies between variables</a:t>
+            </a:r>
+          </a:p>
+          <a:p>
+            <a:pPr marL="0" indent="0">
+              <a:buNone/>
+            </a:pPr>
+            <a:endParaRPr lang="en-US" dirty="0"/>
+          </a:p>
+          <a:p>
+            <a:pPr marL="457200" lvl="1" indent="0">
+              <a:buNone/>
+            </a:pPr>
+            <a:endParaRPr lang="en-US" dirty="0" smtClean="0"/>
+          </a:p>
+        </p:txBody>
+      </p:sp>
     </p:spTree>
     <p:extLst>
       <p:ext uri="{BB962C8B-B14F-4D97-AF65-F5344CB8AC3E}">
@@ -5204,6 +8753,480 @@
   <p:clrMapOvr>
     <a:masterClrMapping/>
   </p:clrMapOvr>
+  <p:timing>
+    <p:tnLst>
+      <p:par>
+        <p:cTn id="1" dur="indefinite" restart="never" nodeType="tmRoot">
+          <p:childTnLst>
+            <p:seq concurrent="1" nextAc="seek">
+              <p:cTn id="2" dur="indefinite" nodeType="mainSeq">
+                <p:childTnLst>
+                  <p:par>
+                    <p:cTn id="3" fill="hold">
+                      <p:stCondLst>
+                        <p:cond delay="indefinite"/>
+                      </p:stCondLst>
+                      <p:childTnLst>
+                        <p:par>
+                          <p:cTn id="4" fill="hold">
+                            <p:stCondLst>
+                              <p:cond delay="0"/>
+                            </p:stCondLst>
+                            <p:childTnLst>
+                              <p:par>
+                                <p:cTn id="5" presetID="10" presetClass="entr" presetSubtype="0" fill="hold" grpId="0" nodeType="clickEffect">
+                                  <p:stCondLst>
+                                    <p:cond delay="0"/>
+                                  </p:stCondLst>
+                                  <p:childTnLst>
+                                    <p:set>
+                                      <p:cBhvr>
+                                        <p:cTn id="6" dur="1" fill="hold">
+                                          <p:stCondLst>
+                                            <p:cond delay="0"/>
+                                          </p:stCondLst>
+                                        </p:cTn>
+                                        <p:tgtEl>
+                                          <p:spTgt spid="6">
+                                            <p:txEl>
+                                              <p:pRg st="0" end="0"/>
+                                            </p:txEl>
+                                          </p:spTgt>
+                                        </p:tgtEl>
+                                        <p:attrNameLst>
+                                          <p:attrName>style.visibility</p:attrName>
+                                        </p:attrNameLst>
+                                      </p:cBhvr>
+                                      <p:to>
+                                        <p:strVal val="visible"/>
+                                      </p:to>
+                                    </p:set>
+                                    <p:animEffect transition="in" filter="fade">
+                                      <p:cBhvr>
+                                        <p:cTn id="7" dur="500"/>
+                                        <p:tgtEl>
+                                          <p:spTgt spid="6">
+                                            <p:txEl>
+                                              <p:pRg st="0" end="0"/>
+                                            </p:txEl>
+                                          </p:spTgt>
+                                        </p:tgtEl>
+                                      </p:cBhvr>
+                                    </p:animEffect>
+                                  </p:childTnLst>
+                                </p:cTn>
+                              </p:par>
+                            </p:childTnLst>
+                          </p:cTn>
+                        </p:par>
+                      </p:childTnLst>
+                    </p:cTn>
+                  </p:par>
+                  <p:par>
+                    <p:cTn id="8" fill="hold">
+                      <p:stCondLst>
+                        <p:cond delay="indefinite"/>
+                      </p:stCondLst>
+                      <p:childTnLst>
+                        <p:par>
+                          <p:cTn id="9" fill="hold">
+                            <p:stCondLst>
+                              <p:cond delay="0"/>
+                            </p:stCondLst>
+                            <p:childTnLst>
+                              <p:par>
+                                <p:cTn id="10" presetID="10" presetClass="entr" presetSubtype="0" fill="hold" grpId="0" nodeType="clickEffect">
+                                  <p:stCondLst>
+                                    <p:cond delay="0"/>
+                                  </p:stCondLst>
+                                  <p:childTnLst>
+                                    <p:set>
+                                      <p:cBhvr>
+                                        <p:cTn id="11" dur="1" fill="hold">
+                                          <p:stCondLst>
+                                            <p:cond delay="0"/>
+                                          </p:stCondLst>
+                                        </p:cTn>
+                                        <p:tgtEl>
+                                          <p:spTgt spid="6">
+                                            <p:txEl>
+                                              <p:pRg st="1" end="1"/>
+                                            </p:txEl>
+                                          </p:spTgt>
+                                        </p:tgtEl>
+                                        <p:attrNameLst>
+                                          <p:attrName>style.visibility</p:attrName>
+                                        </p:attrNameLst>
+                                      </p:cBhvr>
+                                      <p:to>
+                                        <p:strVal val="visible"/>
+                                      </p:to>
+                                    </p:set>
+                                    <p:animEffect transition="in" filter="fade">
+                                      <p:cBhvr>
+                                        <p:cTn id="12" dur="500"/>
+                                        <p:tgtEl>
+                                          <p:spTgt spid="6">
+                                            <p:txEl>
+                                              <p:pRg st="1" end="1"/>
+                                            </p:txEl>
+                                          </p:spTgt>
+                                        </p:tgtEl>
+                                      </p:cBhvr>
+                                    </p:animEffect>
+                                  </p:childTnLst>
+                                </p:cTn>
+                              </p:par>
+                              <p:par>
+                                <p:cTn id="13" presetID="10" presetClass="entr" presetSubtype="0" fill="hold" grpId="0" nodeType="withEffect">
+                                  <p:stCondLst>
+                                    <p:cond delay="0"/>
+                                  </p:stCondLst>
+                                  <p:childTnLst>
+                                    <p:set>
+                                      <p:cBhvr>
+                                        <p:cTn id="14" dur="1" fill="hold">
+                                          <p:stCondLst>
+                                            <p:cond delay="0"/>
+                                          </p:stCondLst>
+                                        </p:cTn>
+                                        <p:tgtEl>
+                                          <p:spTgt spid="6">
+                                            <p:txEl>
+                                              <p:pRg st="2" end="2"/>
+                                            </p:txEl>
+                                          </p:spTgt>
+                                        </p:tgtEl>
+                                        <p:attrNameLst>
+                                          <p:attrName>style.visibility</p:attrName>
+                                        </p:attrNameLst>
+                                      </p:cBhvr>
+                                      <p:to>
+                                        <p:strVal val="visible"/>
+                                      </p:to>
+                                    </p:set>
+                                    <p:animEffect transition="in" filter="fade">
+                                      <p:cBhvr>
+                                        <p:cTn id="15" dur="500"/>
+                                        <p:tgtEl>
+                                          <p:spTgt spid="6">
+                                            <p:txEl>
+                                              <p:pRg st="2" end="2"/>
+                                            </p:txEl>
+                                          </p:spTgt>
+                                        </p:tgtEl>
+                                      </p:cBhvr>
+                                    </p:animEffect>
+                                  </p:childTnLst>
+                                </p:cTn>
+                              </p:par>
+                              <p:par>
+                                <p:cTn id="16" presetID="10" presetClass="entr" presetSubtype="0" fill="hold" grpId="0" nodeType="withEffect">
+                                  <p:stCondLst>
+                                    <p:cond delay="0"/>
+                                  </p:stCondLst>
+                                  <p:childTnLst>
+                                    <p:set>
+                                      <p:cBhvr>
+                                        <p:cTn id="17" dur="1" fill="hold">
+                                          <p:stCondLst>
+                                            <p:cond delay="0"/>
+                                          </p:stCondLst>
+                                        </p:cTn>
+                                        <p:tgtEl>
+                                          <p:spTgt spid="6">
+                                            <p:txEl>
+                                              <p:pRg st="3" end="3"/>
+                                            </p:txEl>
+                                          </p:spTgt>
+                                        </p:tgtEl>
+                                        <p:attrNameLst>
+                                          <p:attrName>style.visibility</p:attrName>
+                                        </p:attrNameLst>
+                                      </p:cBhvr>
+                                      <p:to>
+                                        <p:strVal val="visible"/>
+                                      </p:to>
+                                    </p:set>
+                                    <p:animEffect transition="in" filter="fade">
+                                      <p:cBhvr>
+                                        <p:cTn id="18" dur="500"/>
+                                        <p:tgtEl>
+                                          <p:spTgt spid="6">
+                                            <p:txEl>
+                                              <p:pRg st="3" end="3"/>
+                                            </p:txEl>
+                                          </p:spTgt>
+                                        </p:tgtEl>
+                                      </p:cBhvr>
+                                    </p:animEffect>
+                                  </p:childTnLst>
+                                </p:cTn>
+                              </p:par>
+                              <p:par>
+                                <p:cTn id="19" presetID="10" presetClass="entr" presetSubtype="0" fill="hold" grpId="0" nodeType="withEffect">
+                                  <p:stCondLst>
+                                    <p:cond delay="0"/>
+                                  </p:stCondLst>
+                                  <p:childTnLst>
+                                    <p:set>
+                                      <p:cBhvr>
+                                        <p:cTn id="20" dur="1" fill="hold">
+                                          <p:stCondLst>
+                                            <p:cond delay="0"/>
+                                          </p:stCondLst>
+                                        </p:cTn>
+                                        <p:tgtEl>
+                                          <p:spTgt spid="6">
+                                            <p:txEl>
+                                              <p:pRg st="4" end="4"/>
+                                            </p:txEl>
+                                          </p:spTgt>
+                                        </p:tgtEl>
+                                        <p:attrNameLst>
+                                          <p:attrName>style.visibility</p:attrName>
+                                        </p:attrNameLst>
+                                      </p:cBhvr>
+                                      <p:to>
+                                        <p:strVal val="visible"/>
+                                      </p:to>
+                                    </p:set>
+                                    <p:animEffect transition="in" filter="fade">
+                                      <p:cBhvr>
+                                        <p:cTn id="21" dur="500"/>
+                                        <p:tgtEl>
+                                          <p:spTgt spid="6">
+                                            <p:txEl>
+                                              <p:pRg st="4" end="4"/>
+                                            </p:txEl>
+                                          </p:spTgt>
+                                        </p:tgtEl>
+                                      </p:cBhvr>
+                                    </p:animEffect>
+                                  </p:childTnLst>
+                                </p:cTn>
+                              </p:par>
+                              <p:par>
+                                <p:cTn id="22" presetID="10" presetClass="entr" presetSubtype="0" fill="hold" grpId="0" nodeType="withEffect">
+                                  <p:stCondLst>
+                                    <p:cond delay="0"/>
+                                  </p:stCondLst>
+                                  <p:childTnLst>
+                                    <p:set>
+                                      <p:cBhvr>
+                                        <p:cTn id="23" dur="1" fill="hold">
+                                          <p:stCondLst>
+                                            <p:cond delay="0"/>
+                                          </p:stCondLst>
+                                        </p:cTn>
+                                        <p:tgtEl>
+                                          <p:spTgt spid="6">
+                                            <p:txEl>
+                                              <p:pRg st="5" end="5"/>
+                                            </p:txEl>
+                                          </p:spTgt>
+                                        </p:tgtEl>
+                                        <p:attrNameLst>
+                                          <p:attrName>style.visibility</p:attrName>
+                                        </p:attrNameLst>
+                                      </p:cBhvr>
+                                      <p:to>
+                                        <p:strVal val="visible"/>
+                                      </p:to>
+                                    </p:set>
+                                    <p:animEffect transition="in" filter="fade">
+                                      <p:cBhvr>
+                                        <p:cTn id="24" dur="500"/>
+                                        <p:tgtEl>
+                                          <p:spTgt spid="6">
+                                            <p:txEl>
+                                              <p:pRg st="5" end="5"/>
+                                            </p:txEl>
+                                          </p:spTgt>
+                                        </p:tgtEl>
+                                      </p:cBhvr>
+                                    </p:animEffect>
+                                  </p:childTnLst>
+                                </p:cTn>
+                              </p:par>
+                            </p:childTnLst>
+                          </p:cTn>
+                        </p:par>
+                      </p:childTnLst>
+                    </p:cTn>
+                  </p:par>
+                  <p:par>
+                    <p:cTn id="25" fill="hold">
+                      <p:stCondLst>
+                        <p:cond delay="indefinite"/>
+                      </p:stCondLst>
+                      <p:childTnLst>
+                        <p:par>
+                          <p:cTn id="26" fill="hold">
+                            <p:stCondLst>
+                              <p:cond delay="0"/>
+                            </p:stCondLst>
+                            <p:childTnLst>
+                              <p:par>
+                                <p:cTn id="27" presetID="10" presetClass="entr" presetSubtype="0" fill="hold" grpId="0" nodeType="clickEffect">
+                                  <p:stCondLst>
+                                    <p:cond delay="0"/>
+                                  </p:stCondLst>
+                                  <p:childTnLst>
+                                    <p:set>
+                                      <p:cBhvr>
+                                        <p:cTn id="28" dur="1" fill="hold">
+                                          <p:stCondLst>
+                                            <p:cond delay="0"/>
+                                          </p:stCondLst>
+                                        </p:cTn>
+                                        <p:tgtEl>
+                                          <p:spTgt spid="6">
+                                            <p:txEl>
+                                              <p:pRg st="7" end="7"/>
+                                            </p:txEl>
+                                          </p:spTgt>
+                                        </p:tgtEl>
+                                        <p:attrNameLst>
+                                          <p:attrName>style.visibility</p:attrName>
+                                        </p:attrNameLst>
+                                      </p:cBhvr>
+                                      <p:to>
+                                        <p:strVal val="visible"/>
+                                      </p:to>
+                                    </p:set>
+                                    <p:animEffect transition="in" filter="fade">
+                                      <p:cBhvr>
+                                        <p:cTn id="29" dur="500"/>
+                                        <p:tgtEl>
+                                          <p:spTgt spid="6">
+                                            <p:txEl>
+                                              <p:pRg st="7" end="7"/>
+                                            </p:txEl>
+                                          </p:spTgt>
+                                        </p:tgtEl>
+                                      </p:cBhvr>
+                                    </p:animEffect>
+                                  </p:childTnLst>
+                                </p:cTn>
+                              </p:par>
+                              <p:par>
+                                <p:cTn id="30" presetID="10" presetClass="entr" presetSubtype="0" fill="hold" grpId="0" nodeType="withEffect">
+                                  <p:stCondLst>
+                                    <p:cond delay="0"/>
+                                  </p:stCondLst>
+                                  <p:childTnLst>
+                                    <p:set>
+                                      <p:cBhvr>
+                                        <p:cTn id="31" dur="1" fill="hold">
+                                          <p:stCondLst>
+                                            <p:cond delay="0"/>
+                                          </p:stCondLst>
+                                        </p:cTn>
+                                        <p:tgtEl>
+                                          <p:spTgt spid="6">
+                                            <p:txEl>
+                                              <p:pRg st="8" end="8"/>
+                                            </p:txEl>
+                                          </p:spTgt>
+                                        </p:tgtEl>
+                                        <p:attrNameLst>
+                                          <p:attrName>style.visibility</p:attrName>
+                                        </p:attrNameLst>
+                                      </p:cBhvr>
+                                      <p:to>
+                                        <p:strVal val="visible"/>
+                                      </p:to>
+                                    </p:set>
+                                    <p:animEffect transition="in" filter="fade">
+                                      <p:cBhvr>
+                                        <p:cTn id="32" dur="500"/>
+                                        <p:tgtEl>
+                                          <p:spTgt spid="6">
+                                            <p:txEl>
+                                              <p:pRg st="8" end="8"/>
+                                            </p:txEl>
+                                          </p:spTgt>
+                                        </p:tgtEl>
+                                      </p:cBhvr>
+                                    </p:animEffect>
+                                  </p:childTnLst>
+                                </p:cTn>
+                              </p:par>
+                              <p:par>
+                                <p:cTn id="33" presetID="10" presetClass="entr" presetSubtype="0" fill="hold" grpId="0" nodeType="withEffect">
+                                  <p:stCondLst>
+                                    <p:cond delay="0"/>
+                                  </p:stCondLst>
+                                  <p:childTnLst>
+                                    <p:set>
+                                      <p:cBhvr>
+                                        <p:cTn id="34" dur="1" fill="hold">
+                                          <p:stCondLst>
+                                            <p:cond delay="0"/>
+                                          </p:stCondLst>
+                                        </p:cTn>
+                                        <p:tgtEl>
+                                          <p:spTgt spid="6">
+                                            <p:txEl>
+                                              <p:pRg st="9" end="9"/>
+                                            </p:txEl>
+                                          </p:spTgt>
+                                        </p:tgtEl>
+                                        <p:attrNameLst>
+                                          <p:attrName>style.visibility</p:attrName>
+                                        </p:attrNameLst>
+                                      </p:cBhvr>
+                                      <p:to>
+                                        <p:strVal val="visible"/>
+                                      </p:to>
+                                    </p:set>
+                                    <p:animEffect transition="in" filter="fade">
+                                      <p:cBhvr>
+                                        <p:cTn id="35" dur="500"/>
+                                        <p:tgtEl>
+                                          <p:spTgt spid="6">
+                                            <p:txEl>
+                                              <p:pRg st="9" end="9"/>
+                                            </p:txEl>
+                                          </p:spTgt>
+                                        </p:tgtEl>
+                                      </p:cBhvr>
+                                    </p:animEffect>
+                                  </p:childTnLst>
+                                </p:cTn>
+                              </p:par>
+                            </p:childTnLst>
+                          </p:cTn>
+                        </p:par>
+                      </p:childTnLst>
+                    </p:cTn>
+                  </p:par>
+                </p:childTnLst>
+              </p:cTn>
+              <p:prevCondLst>
+                <p:cond evt="onPrev" delay="0">
+                  <p:tgtEl>
+                    <p:sldTgt/>
+                  </p:tgtEl>
+                </p:cond>
+              </p:prevCondLst>
+              <p:nextCondLst>
+                <p:cond evt="onNext" delay="0">
+                  <p:tgtEl>
+                    <p:sldTgt/>
+                  </p:tgtEl>
+                </p:cond>
+              </p:nextCondLst>
+            </p:seq>
+          </p:childTnLst>
+        </p:cTn>
+      </p:par>
+    </p:tnLst>
+    <p:bldLst>
+      <p:bldP spid="6" grpId="0" uiExpand="1" build="p"/>
+    </p:bldLst>
+  </p:timing>
 </p:sld>
 </file>
 

--- a/UnitTest.pptx
+++ b/UnitTest.pptx
@@ -5,13 +5,26 @@
     <p:sldMasterId id="2147483864" r:id="rId1"/>
   </p:sldMasterIdLst>
   <p:notesMasterIdLst>
-    <p:notesMasterId r:id="rId6"/>
+    <p:notesMasterId r:id="rId19"/>
   </p:notesMasterIdLst>
   <p:sldIdLst>
-    <p:sldId id="256" r:id="rId2"/>
-    <p:sldId id="257" r:id="rId3"/>
-    <p:sldId id="259" r:id="rId4"/>
-    <p:sldId id="258" r:id="rId5"/>
+    <p:sldId id="260" r:id="rId2"/>
+    <p:sldId id="261" r:id="rId3"/>
+    <p:sldId id="262" r:id="rId4"/>
+    <p:sldId id="263" r:id="rId5"/>
+    <p:sldId id="256" r:id="rId6"/>
+    <p:sldId id="257" r:id="rId7"/>
+    <p:sldId id="259" r:id="rId8"/>
+    <p:sldId id="264" r:id="rId9"/>
+    <p:sldId id="258" r:id="rId10"/>
+    <p:sldId id="266" r:id="rId11"/>
+    <p:sldId id="267" r:id="rId12"/>
+    <p:sldId id="268" r:id="rId13"/>
+    <p:sldId id="274" r:id="rId14"/>
+    <p:sldId id="270" r:id="rId15"/>
+    <p:sldId id="271" r:id="rId16"/>
+    <p:sldId id="272" r:id="rId17"/>
+    <p:sldId id="275" r:id="rId18"/>
   </p:sldIdLst>
   <p:sldSz cx="9144000" cy="6858000" type="screen4x3"/>
   <p:notesSz cx="6858000" cy="9144000"/>
@@ -195,6 +208,7 @@
           <a:p>
             <a:fld id="{0A2CF3C6-EE73-4E29-87F7-59AFD49DD7BE}" type="datetimeFigureOut">
               <a:rPr lang="en-US" smtClean="0"/>
+              <a:pPr/>
               <a:t>6/26/2013</a:t>
             </a:fld>
             <a:endParaRPr lang="en-US"/>
@@ -354,6 +368,7 @@
           <a:p>
             <a:fld id="{AAD34FF3-B403-480B-9A9C-369D30B88E7C}" type="slidenum">
               <a:rPr lang="en-US" smtClean="0"/>
+              <a:pPr/>
               <a:t>‹#›</a:t>
             </a:fld>
             <a:endParaRPr lang="en-US"/>
@@ -363,7 +378,7 @@
     </p:spTree>
     <p:extLst>
       <p:ext uri="{BB962C8B-B14F-4D97-AF65-F5344CB8AC3E}">
-        <p14:creationId xmlns:p14="http://schemas.microsoft.com/office/powerpoint/2010/main" val="1522488493"/>
+        <p14:creationId xmlns:p14="http://schemas.microsoft.com/office/powerpoint/2010/main" xmlns="" val="1522488493"/>
       </p:ext>
     </p:extLst>
   </p:cSld>
@@ -522,6 +537,7 @@
           <a:p>
             <a:fld id="{0EC04F12-F0A0-49AF-8AB5-6198677F2261}" type="datetimeFigureOut">
               <a:rPr lang="en-US" smtClean="0"/>
+              <a:pPr/>
               <a:t>6/26/2013</a:t>
             </a:fld>
             <a:endParaRPr lang="en-US"/>
@@ -564,6 +580,7 @@
           <a:p>
             <a:fld id="{91259D09-10D0-45F9-92CB-F86E928A3576}" type="slidenum">
               <a:rPr lang="en-US" smtClean="0"/>
+              <a:pPr/>
               <a:t>‹#›</a:t>
             </a:fld>
             <a:endParaRPr lang="en-US"/>
@@ -838,6 +855,7 @@
           <a:p>
             <a:fld id="{0EC04F12-F0A0-49AF-8AB5-6198677F2261}" type="datetimeFigureOut">
               <a:rPr lang="en-US" smtClean="0"/>
+              <a:pPr/>
               <a:t>6/26/2013</a:t>
             </a:fld>
             <a:endParaRPr lang="en-US"/>
@@ -880,6 +898,7 @@
           <a:p>
             <a:fld id="{91259D09-10D0-45F9-92CB-F86E928A3576}" type="slidenum">
               <a:rPr lang="en-US" smtClean="0"/>
+              <a:pPr/>
               <a:t>‹#›</a:t>
             </a:fld>
             <a:endParaRPr lang="en-US"/>
@@ -1013,6 +1032,7 @@
           <a:p>
             <a:fld id="{0EC04F12-F0A0-49AF-8AB5-6198677F2261}" type="datetimeFigureOut">
               <a:rPr lang="en-US" smtClean="0"/>
+              <a:pPr/>
               <a:t>6/26/2013</a:t>
             </a:fld>
             <a:endParaRPr lang="en-US"/>
@@ -1055,6 +1075,7 @@
           <a:p>
             <a:fld id="{91259D09-10D0-45F9-92CB-F86E928A3576}" type="slidenum">
               <a:rPr lang="en-US" smtClean="0"/>
+              <a:pPr/>
               <a:t>‹#›</a:t>
             </a:fld>
             <a:endParaRPr lang="en-US"/>
@@ -1131,6 +1152,7 @@
           <a:p>
             <a:fld id="{0EC04F12-F0A0-49AF-8AB5-6198677F2261}" type="datetimeFigureOut">
               <a:rPr lang="en-US" smtClean="0"/>
+              <a:pPr/>
               <a:t>6/26/2013</a:t>
             </a:fld>
             <a:endParaRPr lang="en-US"/>
@@ -1173,6 +1195,7 @@
           <a:p>
             <a:fld id="{91259D09-10D0-45F9-92CB-F86E928A3576}" type="slidenum">
               <a:rPr lang="en-US" smtClean="0"/>
+              <a:pPr/>
               <a:t>‹#›</a:t>
             </a:fld>
             <a:endParaRPr lang="en-US"/>
@@ -1429,6 +1452,7 @@
           <a:p>
             <a:fld id="{0EC04F12-F0A0-49AF-8AB5-6198677F2261}" type="datetimeFigureOut">
               <a:rPr lang="en-US" smtClean="0"/>
+              <a:pPr/>
               <a:t>6/26/2013</a:t>
             </a:fld>
             <a:endParaRPr lang="en-US"/>
@@ -1471,6 +1495,7 @@
           <a:p>
             <a:fld id="{91259D09-10D0-45F9-92CB-F86E928A3576}" type="slidenum">
               <a:rPr lang="en-US" smtClean="0"/>
+              <a:pPr/>
               <a:t>‹#›</a:t>
             </a:fld>
             <a:endParaRPr lang="en-US"/>
@@ -1722,6 +1747,7 @@
           <a:p>
             <a:fld id="{0EC04F12-F0A0-49AF-8AB5-6198677F2261}" type="datetimeFigureOut">
               <a:rPr lang="en-US" smtClean="0"/>
+              <a:pPr/>
               <a:t>6/26/2013</a:t>
             </a:fld>
             <a:endParaRPr lang="en-US"/>
@@ -1764,6 +1790,7 @@
           <a:p>
             <a:fld id="{91259D09-10D0-45F9-92CB-F86E928A3576}" type="slidenum">
               <a:rPr lang="en-US" smtClean="0"/>
+              <a:pPr/>
               <a:t>‹#›</a:t>
             </a:fld>
             <a:endParaRPr lang="en-US"/>
@@ -2150,6 +2177,7 @@
           <a:p>
             <a:fld id="{0EC04F12-F0A0-49AF-8AB5-6198677F2261}" type="datetimeFigureOut">
               <a:rPr lang="en-US" smtClean="0"/>
+              <a:pPr/>
               <a:t>6/26/2013</a:t>
             </a:fld>
             <a:endParaRPr lang="en-US"/>
@@ -2192,6 +2220,7 @@
           <a:p>
             <a:fld id="{91259D09-10D0-45F9-92CB-F86E928A3576}" type="slidenum">
               <a:rPr lang="en-US" smtClean="0"/>
+              <a:pPr/>
               <a:t>‹#›</a:t>
             </a:fld>
             <a:endParaRPr lang="en-US"/>
@@ -2268,6 +2297,7 @@
           <a:p>
             <a:fld id="{0EC04F12-F0A0-49AF-8AB5-6198677F2261}" type="datetimeFigureOut">
               <a:rPr lang="en-US" smtClean="0"/>
+              <a:pPr/>
               <a:t>6/26/2013</a:t>
             </a:fld>
             <a:endParaRPr lang="en-US"/>
@@ -2310,6 +2340,7 @@
           <a:p>
             <a:fld id="{91259D09-10D0-45F9-92CB-F86E928A3576}" type="slidenum">
               <a:rPr lang="en-US" smtClean="0"/>
+              <a:pPr/>
               <a:t>‹#›</a:t>
             </a:fld>
             <a:endParaRPr lang="en-US"/>
@@ -2358,6 +2389,7 @@
           <a:p>
             <a:fld id="{0EC04F12-F0A0-49AF-8AB5-6198677F2261}" type="datetimeFigureOut">
               <a:rPr lang="en-US" smtClean="0"/>
+              <a:pPr/>
               <a:t>6/26/2013</a:t>
             </a:fld>
             <a:endParaRPr lang="en-US"/>
@@ -2400,6 +2432,7 @@
           <a:p>
             <a:fld id="{91259D09-10D0-45F9-92CB-F86E928A3576}" type="slidenum">
               <a:rPr lang="en-US" smtClean="0"/>
+              <a:pPr/>
               <a:t>‹#›</a:t>
             </a:fld>
             <a:endParaRPr lang="en-US"/>
@@ -2608,6 +2641,7 @@
           <a:p>
             <a:fld id="{0EC04F12-F0A0-49AF-8AB5-6198677F2261}" type="datetimeFigureOut">
               <a:rPr lang="en-US" smtClean="0"/>
+              <a:pPr/>
               <a:t>6/26/2013</a:t>
             </a:fld>
             <a:endParaRPr lang="en-US"/>
@@ -2650,6 +2684,7 @@
           <a:p>
             <a:fld id="{91259D09-10D0-45F9-92CB-F86E928A3576}" type="slidenum">
               <a:rPr lang="en-US" smtClean="0"/>
+              <a:pPr/>
               <a:t>‹#›</a:t>
             </a:fld>
             <a:endParaRPr lang="en-US"/>
@@ -3124,6 +3159,7 @@
           <a:p>
             <a:fld id="{0EC04F12-F0A0-49AF-8AB5-6198677F2261}" type="datetimeFigureOut">
               <a:rPr lang="en-US" smtClean="0"/>
+              <a:pPr/>
               <a:t>6/26/2013</a:t>
             </a:fld>
             <a:endParaRPr lang="en-US"/>
@@ -3166,6 +3202,7 @@
           <a:p>
             <a:fld id="{91259D09-10D0-45F9-92CB-F86E928A3576}" type="slidenum">
               <a:rPr lang="en-US" smtClean="0"/>
+              <a:pPr/>
               <a:t>‹#›</a:t>
             </a:fld>
             <a:endParaRPr lang="en-US"/>
@@ -3354,6 +3391,7 @@
           <a:p>
             <a:fld id="{0EC04F12-F0A0-49AF-8AB5-6198677F2261}" type="datetimeFigureOut">
               <a:rPr lang="en-US" smtClean="0"/>
+              <a:pPr/>
               <a:t>6/26/2013</a:t>
             </a:fld>
             <a:endParaRPr lang="en-US"/>
@@ -3428,6 +3466,7 @@
           <a:p>
             <a:fld id="{91259D09-10D0-45F9-92CB-F86E928A3576}" type="slidenum">
               <a:rPr lang="en-US" smtClean="0"/>
+              <a:pPr/>
               <a:t>‹#›</a:t>
             </a:fld>
             <a:endParaRPr lang="en-US"/>
@@ -3859,6 +3898,1180 @@
       </p:grpSpPr>
       <p:sp>
         <p:nvSpPr>
+          <p:cNvPr id="6" name="Subtitle 5"/>
+          <p:cNvSpPr>
+            <a:spLocks noGrp="1"/>
+          </p:cNvSpPr>
+          <p:nvPr>
+            <p:ph type="subTitle" idx="1"/>
+          </p:nvPr>
+        </p:nvSpPr>
+        <p:spPr/>
+        <p:txBody>
+          <a:bodyPr>
+            <a:normAutofit/>
+          </a:bodyPr>
+          <a:lstStyle/>
+          <a:p>
+            <a:r>
+              <a:rPr lang="en-US" sz="2400" dirty="0" smtClean="0"/>
+              <a:t>Presenters : </a:t>
+            </a:r>
+            <a:r>
+              <a:rPr lang="en-US" sz="2400" dirty="0" err="1" smtClean="0"/>
+              <a:t>Quang</a:t>
+            </a:r>
+            <a:r>
+              <a:rPr lang="en-US" sz="2400" dirty="0" smtClean="0"/>
+              <a:t> Le, </a:t>
+            </a:r>
+            <a:r>
+              <a:rPr lang="en-US" sz="2400" dirty="0" err="1" smtClean="0"/>
+              <a:t>Tham</a:t>
+            </a:r>
+            <a:r>
+              <a:rPr lang="en-US" sz="2400" dirty="0" smtClean="0"/>
+              <a:t> Vo, </a:t>
+            </a:r>
+            <a:r>
+              <a:rPr lang="en-US" sz="2400" dirty="0" err="1" smtClean="0"/>
+              <a:t>Khoa</a:t>
+            </a:r>
+            <a:r>
+              <a:rPr lang="en-US" sz="2400" dirty="0" smtClean="0"/>
+              <a:t> Nguyen</a:t>
+            </a:r>
+            <a:endParaRPr lang="en-US" sz="2400" dirty="0"/>
+          </a:p>
+        </p:txBody>
+      </p:sp>
+      <p:sp>
+        <p:nvSpPr>
+          <p:cNvPr id="5" name="Title 4"/>
+          <p:cNvSpPr>
+            <a:spLocks noGrp="1"/>
+          </p:cNvSpPr>
+          <p:nvPr>
+            <p:ph type="ctrTitle"/>
+          </p:nvPr>
+        </p:nvSpPr>
+        <p:spPr/>
+        <p:txBody>
+          <a:bodyPr/>
+          <a:lstStyle/>
+          <a:p>
+            <a:r>
+              <a:rPr lang="en-US" dirty="0" smtClean="0"/>
+              <a:t>Unit testing</a:t>
+            </a:r>
+            <a:endParaRPr lang="en-US" dirty="0"/>
+          </a:p>
+        </p:txBody>
+      </p:sp>
+    </p:spTree>
+  </p:cSld>
+  <p:clrMapOvr>
+    <a:masterClrMapping/>
+  </p:clrMapOvr>
+</p:sld>
+</file>
+
+<file path=ppt/slides/slide10.xml><?xml version="1.0" encoding="utf-8"?>
+<p:sld xmlns:a="http://schemas.openxmlformats.org/drawingml/2006/main" xmlns:r="http://schemas.openxmlformats.org/officeDocument/2006/relationships" xmlns:p="http://schemas.openxmlformats.org/presentationml/2006/main">
+  <p:cSld>
+    <p:spTree>
+      <p:nvGrpSpPr>
+        <p:cNvPr id="1" name=""/>
+        <p:cNvGrpSpPr/>
+        <p:nvPr/>
+      </p:nvGrpSpPr>
+      <p:grpSpPr>
+        <a:xfrm>
+          <a:off x="0" y="0"/>
+          <a:ext cx="0" cy="0"/>
+          <a:chOff x="0" y="0"/>
+          <a:chExt cx="0" cy="0"/>
+        </a:xfrm>
+      </p:grpSpPr>
+      <p:sp>
+        <p:nvSpPr>
+          <p:cNvPr id="4" name="Title 3"/>
+          <p:cNvSpPr>
+            <a:spLocks noGrp="1"/>
+          </p:cNvSpPr>
+          <p:nvPr>
+            <p:ph type="title"/>
+          </p:nvPr>
+        </p:nvSpPr>
+        <p:spPr/>
+        <p:txBody>
+          <a:bodyPr/>
+          <a:lstStyle/>
+          <a:p>
+            <a:r>
+              <a:rPr lang="en-US" sz="5400" dirty="0" smtClean="0">
+                <a:solidFill>
+                  <a:srgbClr val="FFFFFF"/>
+                </a:solidFill>
+              </a:rPr>
+              <a:t>EQC – Shoot ‘EM UP</a:t>
+            </a:r>
+            <a:endParaRPr lang="en-US" dirty="0"/>
+          </a:p>
+        </p:txBody>
+      </p:sp>
+      <p:sp>
+        <p:nvSpPr>
+          <p:cNvPr id="5" name="Content Placeholder 4"/>
+          <p:cNvSpPr>
+            <a:spLocks noGrp="1"/>
+          </p:cNvSpPr>
+          <p:nvPr>
+            <p:ph sz="quarter" idx="13"/>
+          </p:nvPr>
+        </p:nvSpPr>
+        <p:spPr>
+          <a:xfrm>
+            <a:off x="609600" y="1600200"/>
+            <a:ext cx="7848600" cy="4114800"/>
+          </a:xfrm>
+        </p:spPr>
+        <p:txBody>
+          <a:bodyPr>
+            <a:normAutofit/>
+          </a:bodyPr>
+          <a:lstStyle/>
+          <a:p>
+            <a:r>
+              <a:rPr lang="en-US" sz="2400" dirty="0" smtClean="0"/>
+              <a:t>New account requirement:</a:t>
+            </a:r>
+          </a:p>
+          <a:p>
+            <a:pPr lvl="1"/>
+            <a:r>
+              <a:rPr lang="en-US" sz="2400" dirty="0" err="1" smtClean="0"/>
+              <a:t>UserName</a:t>
+            </a:r>
+            <a:r>
+              <a:rPr lang="en-US" sz="2400" dirty="0" smtClean="0"/>
+              <a:t> should contain lowercase and upper case alphabet, numeric characters</a:t>
+            </a:r>
+          </a:p>
+          <a:p>
+            <a:pPr lvl="1"/>
+            <a:r>
+              <a:rPr lang="en-US" sz="2400" dirty="0" err="1" smtClean="0"/>
+              <a:t>UserName</a:t>
+            </a:r>
+            <a:r>
+              <a:rPr lang="en-US" sz="2400" dirty="0" smtClean="0"/>
+              <a:t> should have minimum length of 8 and maximum length of 20</a:t>
+            </a:r>
+          </a:p>
+          <a:p>
+            <a:pPr lvl="1"/>
+            <a:r>
+              <a:rPr lang="en-US" sz="2400" dirty="0" smtClean="0"/>
+              <a:t>Password </a:t>
+            </a:r>
+            <a:r>
+              <a:rPr lang="en-US" sz="2400" dirty="0" smtClean="0"/>
+              <a:t>should have minimum length of 8 and maximum length of </a:t>
+            </a:r>
+            <a:r>
+              <a:rPr lang="en-US" sz="2400" dirty="0" smtClean="0"/>
+              <a:t>20</a:t>
+            </a:r>
+          </a:p>
+          <a:p>
+            <a:pPr lvl="1"/>
+            <a:r>
+              <a:rPr lang="en-US" sz="2400" dirty="0" smtClean="0"/>
+              <a:t>Password should not contain “SPACE”</a:t>
+            </a:r>
+          </a:p>
+        </p:txBody>
+      </p:sp>
+    </p:spTree>
+    <p:extLst>
+      <p:ext uri="{BB962C8B-B14F-4D97-AF65-F5344CB8AC3E}">
+        <p14:creationId xmlns:p14="http://schemas.microsoft.com/office/powerpoint/2010/main" xmlns="" val="2183450863"/>
+      </p:ext>
+    </p:extLst>
+  </p:cSld>
+  <p:clrMapOvr>
+    <a:masterClrMapping/>
+  </p:clrMapOvr>
+</p:sld>
+</file>
+
+<file path=ppt/slides/slide11.xml><?xml version="1.0" encoding="utf-8"?>
+<p:sld xmlns:a="http://schemas.openxmlformats.org/drawingml/2006/main" xmlns:r="http://schemas.openxmlformats.org/officeDocument/2006/relationships" xmlns:p="http://schemas.openxmlformats.org/presentationml/2006/main">
+  <p:cSld>
+    <p:spTree>
+      <p:nvGrpSpPr>
+        <p:cNvPr id="1" name=""/>
+        <p:cNvGrpSpPr/>
+        <p:nvPr/>
+      </p:nvGrpSpPr>
+      <p:grpSpPr>
+        <a:xfrm>
+          <a:off x="0" y="0"/>
+          <a:ext cx="0" cy="0"/>
+          <a:chOff x="0" y="0"/>
+          <a:chExt cx="0" cy="0"/>
+        </a:xfrm>
+      </p:grpSpPr>
+      <p:sp>
+        <p:nvSpPr>
+          <p:cNvPr id="4" name="Title 3"/>
+          <p:cNvSpPr>
+            <a:spLocks noGrp="1"/>
+          </p:cNvSpPr>
+          <p:nvPr>
+            <p:ph type="title"/>
+          </p:nvPr>
+        </p:nvSpPr>
+        <p:spPr/>
+        <p:txBody>
+          <a:bodyPr/>
+          <a:lstStyle/>
+          <a:p>
+            <a:r>
+              <a:rPr lang="en-US" sz="5400" dirty="0" smtClean="0">
+                <a:solidFill>
+                  <a:srgbClr val="FFFFFF"/>
+                </a:solidFill>
+              </a:rPr>
+              <a:t>EQC – Shoot ‘EM UP</a:t>
+            </a:r>
+            <a:endParaRPr lang="en-US" dirty="0"/>
+          </a:p>
+        </p:txBody>
+      </p:sp>
+      <p:sp>
+        <p:nvSpPr>
+          <p:cNvPr id="5" name="Content Placeholder 4"/>
+          <p:cNvSpPr>
+            <a:spLocks noGrp="1"/>
+          </p:cNvSpPr>
+          <p:nvPr>
+            <p:ph sz="quarter" idx="13"/>
+          </p:nvPr>
+        </p:nvSpPr>
+        <p:spPr>
+          <a:xfrm>
+            <a:off x="609600" y="1600200"/>
+            <a:ext cx="7848600" cy="4114800"/>
+          </a:xfrm>
+        </p:spPr>
+        <p:txBody>
+          <a:bodyPr>
+            <a:normAutofit/>
+          </a:bodyPr>
+          <a:lstStyle/>
+          <a:p>
+            <a:r>
+              <a:rPr lang="en-US" sz="2400" dirty="0" err="1" smtClean="0"/>
+              <a:t>UserName</a:t>
+            </a:r>
+            <a:r>
+              <a:rPr lang="en-US" sz="2400" dirty="0" smtClean="0"/>
+              <a:t> classes:</a:t>
+            </a:r>
+          </a:p>
+          <a:p>
+            <a:pPr lvl="1"/>
+            <a:r>
+              <a:rPr lang="en-US" sz="2400" dirty="0" smtClean="0"/>
+              <a:t>Valid</a:t>
+            </a:r>
+          </a:p>
+          <a:p>
+            <a:pPr lvl="1"/>
+            <a:r>
+              <a:rPr lang="en-US" sz="2400" dirty="0" smtClean="0"/>
+              <a:t>Less than 8 characters</a:t>
+            </a:r>
+          </a:p>
+          <a:p>
+            <a:pPr lvl="1"/>
+            <a:r>
+              <a:rPr lang="en-US" sz="2400" dirty="0" smtClean="0"/>
+              <a:t>More than 20 characters</a:t>
+            </a:r>
+          </a:p>
+          <a:p>
+            <a:pPr lvl="1"/>
+            <a:r>
+              <a:rPr lang="en-US" sz="2400" dirty="0" smtClean="0"/>
+              <a:t>Contains special characters</a:t>
+            </a:r>
+          </a:p>
+          <a:p>
+            <a:pPr lvl="1"/>
+            <a:r>
+              <a:rPr lang="en-US" sz="2400" dirty="0" smtClean="0"/>
+              <a:t>Empty</a:t>
+            </a:r>
+          </a:p>
+          <a:p>
+            <a:pPr lvl="1"/>
+            <a:r>
+              <a:rPr lang="en-US" sz="2400" dirty="0" smtClean="0"/>
+              <a:t>Null</a:t>
+            </a:r>
+          </a:p>
+          <a:p>
+            <a:pPr lvl="1"/>
+            <a:endParaRPr lang="en-US" sz="2400" dirty="0" smtClean="0"/>
+          </a:p>
+        </p:txBody>
+      </p:sp>
+    </p:spTree>
+    <p:extLst>
+      <p:ext uri="{BB962C8B-B14F-4D97-AF65-F5344CB8AC3E}">
+        <p14:creationId xmlns:p14="http://schemas.microsoft.com/office/powerpoint/2010/main" xmlns="" val="2183450863"/>
+      </p:ext>
+    </p:extLst>
+  </p:cSld>
+  <p:clrMapOvr>
+    <a:masterClrMapping/>
+  </p:clrMapOvr>
+</p:sld>
+</file>
+
+<file path=ppt/slides/slide12.xml><?xml version="1.0" encoding="utf-8"?>
+<p:sld xmlns:a="http://schemas.openxmlformats.org/drawingml/2006/main" xmlns:r="http://schemas.openxmlformats.org/officeDocument/2006/relationships" xmlns:p="http://schemas.openxmlformats.org/presentationml/2006/main">
+  <p:cSld>
+    <p:spTree>
+      <p:nvGrpSpPr>
+        <p:cNvPr id="1" name=""/>
+        <p:cNvGrpSpPr/>
+        <p:nvPr/>
+      </p:nvGrpSpPr>
+      <p:grpSpPr>
+        <a:xfrm>
+          <a:off x="0" y="0"/>
+          <a:ext cx="0" cy="0"/>
+          <a:chOff x="0" y="0"/>
+          <a:chExt cx="0" cy="0"/>
+        </a:xfrm>
+      </p:grpSpPr>
+      <p:sp>
+        <p:nvSpPr>
+          <p:cNvPr id="4" name="Title 3"/>
+          <p:cNvSpPr>
+            <a:spLocks noGrp="1"/>
+          </p:cNvSpPr>
+          <p:nvPr>
+            <p:ph type="title"/>
+          </p:nvPr>
+        </p:nvSpPr>
+        <p:spPr/>
+        <p:txBody>
+          <a:bodyPr/>
+          <a:lstStyle/>
+          <a:p>
+            <a:r>
+              <a:rPr lang="en-US" sz="5400" dirty="0" smtClean="0">
+                <a:solidFill>
+                  <a:srgbClr val="FFFFFF"/>
+                </a:solidFill>
+              </a:rPr>
+              <a:t>EQC – Shoot ‘EM UP</a:t>
+            </a:r>
+            <a:endParaRPr lang="en-US" dirty="0"/>
+          </a:p>
+        </p:txBody>
+      </p:sp>
+      <p:sp>
+        <p:nvSpPr>
+          <p:cNvPr id="5" name="Content Placeholder 4"/>
+          <p:cNvSpPr>
+            <a:spLocks noGrp="1"/>
+          </p:cNvSpPr>
+          <p:nvPr>
+            <p:ph sz="quarter" idx="13"/>
+          </p:nvPr>
+        </p:nvSpPr>
+        <p:spPr>
+          <a:xfrm>
+            <a:off x="609600" y="1600200"/>
+            <a:ext cx="7848600" cy="4114800"/>
+          </a:xfrm>
+        </p:spPr>
+        <p:txBody>
+          <a:bodyPr>
+            <a:normAutofit/>
+          </a:bodyPr>
+          <a:lstStyle/>
+          <a:p>
+            <a:r>
+              <a:rPr lang="en-US" sz="2400" dirty="0" smtClean="0"/>
+              <a:t>Password classes:</a:t>
+            </a:r>
+          </a:p>
+          <a:p>
+            <a:pPr lvl="1"/>
+            <a:r>
+              <a:rPr lang="en-US" sz="2400" dirty="0" smtClean="0"/>
+              <a:t>Valid</a:t>
+            </a:r>
+          </a:p>
+          <a:p>
+            <a:pPr lvl="1"/>
+            <a:r>
+              <a:rPr lang="en-US" sz="2400" dirty="0" smtClean="0"/>
+              <a:t>Less than 8 characters</a:t>
+            </a:r>
+          </a:p>
+          <a:p>
+            <a:pPr lvl="1"/>
+            <a:r>
+              <a:rPr lang="en-US" sz="2400" dirty="0" smtClean="0"/>
+              <a:t>More than 20 characters</a:t>
+            </a:r>
+          </a:p>
+          <a:p>
+            <a:pPr lvl="1"/>
+            <a:r>
+              <a:rPr lang="en-US" sz="2400" dirty="0" smtClean="0"/>
+              <a:t>Contains “SPACE”</a:t>
+            </a:r>
+          </a:p>
+          <a:p>
+            <a:pPr lvl="1"/>
+            <a:r>
+              <a:rPr lang="en-US" sz="2400" dirty="0" smtClean="0"/>
+              <a:t>Empty</a:t>
+            </a:r>
+          </a:p>
+          <a:p>
+            <a:pPr lvl="1"/>
+            <a:r>
+              <a:rPr lang="en-US" sz="2400" dirty="0" smtClean="0"/>
+              <a:t>Null</a:t>
+            </a:r>
+          </a:p>
+          <a:p>
+            <a:pPr lvl="1"/>
+            <a:endParaRPr lang="en-US" sz="2400" dirty="0" smtClean="0"/>
+          </a:p>
+        </p:txBody>
+      </p:sp>
+    </p:spTree>
+    <p:extLst>
+      <p:ext uri="{BB962C8B-B14F-4D97-AF65-F5344CB8AC3E}">
+        <p14:creationId xmlns:p14="http://schemas.microsoft.com/office/powerpoint/2010/main" xmlns="" val="2183450863"/>
+      </p:ext>
+    </p:extLst>
+  </p:cSld>
+  <p:clrMapOvr>
+    <a:masterClrMapping/>
+  </p:clrMapOvr>
+</p:sld>
+</file>
+
+<file path=ppt/slides/slide13.xml><?xml version="1.0" encoding="utf-8"?>
+<p:sld xmlns:a="http://schemas.openxmlformats.org/drawingml/2006/main" xmlns:r="http://schemas.openxmlformats.org/officeDocument/2006/relationships" xmlns:p="http://schemas.openxmlformats.org/presentationml/2006/main">
+  <p:cSld>
+    <p:spTree>
+      <p:nvGrpSpPr>
+        <p:cNvPr id="1" name=""/>
+        <p:cNvGrpSpPr/>
+        <p:nvPr/>
+      </p:nvGrpSpPr>
+      <p:grpSpPr>
+        <a:xfrm>
+          <a:off x="0" y="0"/>
+          <a:ext cx="0" cy="0"/>
+          <a:chOff x="0" y="0"/>
+          <a:chExt cx="0" cy="0"/>
+        </a:xfrm>
+      </p:grpSpPr>
+      <p:sp>
+        <p:nvSpPr>
+          <p:cNvPr id="4" name="Title 3"/>
+          <p:cNvSpPr>
+            <a:spLocks noGrp="1"/>
+          </p:cNvSpPr>
+          <p:nvPr>
+            <p:ph type="title"/>
+          </p:nvPr>
+        </p:nvSpPr>
+        <p:spPr/>
+        <p:txBody>
+          <a:bodyPr/>
+          <a:lstStyle/>
+          <a:p>
+            <a:r>
+              <a:rPr lang="en-US" sz="5400" dirty="0" smtClean="0">
+                <a:solidFill>
+                  <a:srgbClr val="FFFFFF"/>
+                </a:solidFill>
+              </a:rPr>
+              <a:t>EQC – Shoot ‘EM UP</a:t>
+            </a:r>
+            <a:endParaRPr lang="en-US" dirty="0"/>
+          </a:p>
+        </p:txBody>
+      </p:sp>
+      <p:sp>
+        <p:nvSpPr>
+          <p:cNvPr id="5" name="Content Placeholder 4"/>
+          <p:cNvSpPr>
+            <a:spLocks noGrp="1"/>
+          </p:cNvSpPr>
+          <p:nvPr>
+            <p:ph sz="quarter" idx="13"/>
+          </p:nvPr>
+        </p:nvSpPr>
+        <p:spPr>
+          <a:xfrm>
+            <a:off x="609600" y="1600200"/>
+            <a:ext cx="7848600" cy="4114800"/>
+          </a:xfrm>
+        </p:spPr>
+        <p:txBody>
+          <a:bodyPr>
+            <a:normAutofit/>
+          </a:bodyPr>
+          <a:lstStyle/>
+          <a:p>
+            <a:r>
+              <a:rPr lang="en-US" sz="2400" dirty="0" smtClean="0"/>
+              <a:t>And More ….</a:t>
+            </a:r>
+          </a:p>
+          <a:p>
+            <a:pPr lvl="1"/>
+            <a:endParaRPr lang="en-US" sz="2400" dirty="0" smtClean="0"/>
+          </a:p>
+        </p:txBody>
+      </p:sp>
+    </p:spTree>
+    <p:extLst>
+      <p:ext uri="{BB962C8B-B14F-4D97-AF65-F5344CB8AC3E}">
+        <p14:creationId xmlns:p14="http://schemas.microsoft.com/office/powerpoint/2010/main" xmlns="" val="2183450863"/>
+      </p:ext>
+    </p:extLst>
+  </p:cSld>
+  <p:clrMapOvr>
+    <a:masterClrMapping/>
+  </p:clrMapOvr>
+</p:sld>
+</file>
+
+<file path=ppt/slides/slide14.xml><?xml version="1.0" encoding="utf-8"?>
+<p:sld xmlns:a="http://schemas.openxmlformats.org/drawingml/2006/main" xmlns:r="http://schemas.openxmlformats.org/officeDocument/2006/relationships" xmlns:p="http://schemas.openxmlformats.org/presentationml/2006/main">
+  <p:cSld>
+    <p:spTree>
+      <p:nvGrpSpPr>
+        <p:cNvPr id="1" name=""/>
+        <p:cNvGrpSpPr/>
+        <p:nvPr/>
+      </p:nvGrpSpPr>
+      <p:grpSpPr>
+        <a:xfrm>
+          <a:off x="0" y="0"/>
+          <a:ext cx="0" cy="0"/>
+          <a:chOff x="0" y="0"/>
+          <a:chExt cx="0" cy="0"/>
+        </a:xfrm>
+      </p:grpSpPr>
+      <p:sp>
+        <p:nvSpPr>
+          <p:cNvPr id="5" name="Title 4"/>
+          <p:cNvSpPr>
+            <a:spLocks noGrp="1"/>
+          </p:cNvSpPr>
+          <p:nvPr>
+            <p:ph type="title"/>
+          </p:nvPr>
+        </p:nvSpPr>
+        <p:spPr>
+          <a:xfrm>
+            <a:off x="609600" y="3048000"/>
+            <a:ext cx="7924800" cy="503238"/>
+          </a:xfrm>
+        </p:spPr>
+        <p:txBody>
+          <a:bodyPr/>
+          <a:lstStyle/>
+          <a:p>
+            <a:pPr algn="ctr"/>
+            <a:r>
+              <a:rPr lang="en-US" dirty="0" smtClean="0"/>
+              <a:t>Tools and practices</a:t>
+            </a:r>
+            <a:endParaRPr lang="en-US" dirty="0"/>
+          </a:p>
+        </p:txBody>
+      </p:sp>
+    </p:spTree>
+  </p:cSld>
+  <p:clrMapOvr>
+    <a:masterClrMapping/>
+  </p:clrMapOvr>
+</p:sld>
+</file>
+
+<file path=ppt/slides/slide15.xml><?xml version="1.0" encoding="utf-8"?>
+<p:sld xmlns:a="http://schemas.openxmlformats.org/drawingml/2006/main" xmlns:r="http://schemas.openxmlformats.org/officeDocument/2006/relationships" xmlns:p="http://schemas.openxmlformats.org/presentationml/2006/main">
+  <p:cSld>
+    <p:spTree>
+      <p:nvGrpSpPr>
+        <p:cNvPr id="1" name=""/>
+        <p:cNvGrpSpPr/>
+        <p:nvPr/>
+      </p:nvGrpSpPr>
+      <p:grpSpPr>
+        <a:xfrm>
+          <a:off x="0" y="0"/>
+          <a:ext cx="0" cy="0"/>
+          <a:chOff x="0" y="0"/>
+          <a:chExt cx="0" cy="0"/>
+        </a:xfrm>
+      </p:grpSpPr>
+      <p:sp>
+        <p:nvSpPr>
+          <p:cNvPr id="4" name="Title 3"/>
+          <p:cNvSpPr>
+            <a:spLocks noGrp="1"/>
+          </p:cNvSpPr>
+          <p:nvPr>
+            <p:ph type="title"/>
+          </p:nvPr>
+        </p:nvSpPr>
+        <p:spPr/>
+        <p:txBody>
+          <a:bodyPr/>
+          <a:lstStyle/>
+          <a:p>
+            <a:r>
+              <a:rPr lang="en-US" sz="5400" dirty="0" smtClean="0">
+                <a:solidFill>
+                  <a:srgbClr val="FFFFFF"/>
+                </a:solidFill>
+              </a:rPr>
+              <a:t>Tools</a:t>
+            </a:r>
+            <a:endParaRPr lang="en-US" dirty="0"/>
+          </a:p>
+        </p:txBody>
+      </p:sp>
+      <p:sp>
+        <p:nvSpPr>
+          <p:cNvPr id="5" name="Content Placeholder 4"/>
+          <p:cNvSpPr>
+            <a:spLocks noGrp="1"/>
+          </p:cNvSpPr>
+          <p:nvPr>
+            <p:ph sz="quarter" idx="13"/>
+          </p:nvPr>
+        </p:nvSpPr>
+        <p:spPr>
+          <a:xfrm>
+            <a:off x="609600" y="1600200"/>
+            <a:ext cx="7848600" cy="4114800"/>
+          </a:xfrm>
+        </p:spPr>
+        <p:txBody>
+          <a:bodyPr>
+            <a:normAutofit/>
+          </a:bodyPr>
+          <a:lstStyle/>
+          <a:p>
+            <a:r>
+              <a:rPr lang="en-US" sz="2400" dirty="0" err="1" smtClean="0"/>
+              <a:t>Nunit</a:t>
+            </a:r>
+            <a:endParaRPr lang="en-US" sz="2400" dirty="0" smtClean="0"/>
+          </a:p>
+          <a:p>
+            <a:r>
+              <a:rPr lang="en-US" sz="2400" dirty="0" smtClean="0"/>
+              <a:t>MS </a:t>
+            </a:r>
+            <a:r>
+              <a:rPr lang="en-US" sz="2400" dirty="0" err="1" smtClean="0"/>
+              <a:t>UnitTest</a:t>
+            </a:r>
+            <a:r>
+              <a:rPr lang="en-US" sz="2400" dirty="0" smtClean="0"/>
+              <a:t> Framework</a:t>
+            </a:r>
+          </a:p>
+          <a:p>
+            <a:r>
+              <a:rPr lang="en-US" sz="2400" dirty="0" err="1" smtClean="0"/>
+              <a:t>Moq</a:t>
+            </a:r>
+            <a:r>
+              <a:rPr lang="en-US" sz="2400" dirty="0" smtClean="0"/>
+              <a:t>, Rhino Mock</a:t>
+            </a:r>
+          </a:p>
+          <a:p>
+            <a:r>
+              <a:rPr lang="en-US" sz="2400" dirty="0" smtClean="0"/>
+              <a:t>Profiler</a:t>
+            </a:r>
+          </a:p>
+        </p:txBody>
+      </p:sp>
+    </p:spTree>
+    <p:extLst>
+      <p:ext uri="{BB962C8B-B14F-4D97-AF65-F5344CB8AC3E}">
+        <p14:creationId xmlns:p14="http://schemas.microsoft.com/office/powerpoint/2010/main" xmlns="" val="2183450863"/>
+      </p:ext>
+    </p:extLst>
+  </p:cSld>
+  <p:clrMapOvr>
+    <a:masterClrMapping/>
+  </p:clrMapOvr>
+</p:sld>
+</file>
+
+<file path=ppt/slides/slide16.xml><?xml version="1.0" encoding="utf-8"?>
+<p:sld xmlns:a="http://schemas.openxmlformats.org/drawingml/2006/main" xmlns:r="http://schemas.openxmlformats.org/officeDocument/2006/relationships" xmlns:p="http://schemas.openxmlformats.org/presentationml/2006/main">
+  <p:cSld>
+    <p:spTree>
+      <p:nvGrpSpPr>
+        <p:cNvPr id="1" name=""/>
+        <p:cNvGrpSpPr/>
+        <p:nvPr/>
+      </p:nvGrpSpPr>
+      <p:grpSpPr>
+        <a:xfrm>
+          <a:off x="0" y="0"/>
+          <a:ext cx="0" cy="0"/>
+          <a:chOff x="0" y="0"/>
+          <a:chExt cx="0" cy="0"/>
+        </a:xfrm>
+      </p:grpSpPr>
+      <p:sp>
+        <p:nvSpPr>
+          <p:cNvPr id="4" name="Title 3"/>
+          <p:cNvSpPr>
+            <a:spLocks noGrp="1"/>
+          </p:cNvSpPr>
+          <p:nvPr>
+            <p:ph type="title"/>
+          </p:nvPr>
+        </p:nvSpPr>
+        <p:spPr/>
+        <p:txBody>
+          <a:bodyPr/>
+          <a:lstStyle/>
+          <a:p>
+            <a:r>
+              <a:rPr lang="en-US" sz="5400" dirty="0" smtClean="0">
+                <a:solidFill>
+                  <a:srgbClr val="FFFFFF"/>
+                </a:solidFill>
+              </a:rPr>
+              <a:t>Practices</a:t>
+            </a:r>
+            <a:endParaRPr lang="en-US" dirty="0"/>
+          </a:p>
+        </p:txBody>
+      </p:sp>
+      <p:sp>
+        <p:nvSpPr>
+          <p:cNvPr id="5" name="Content Placeholder 4"/>
+          <p:cNvSpPr>
+            <a:spLocks noGrp="1"/>
+          </p:cNvSpPr>
+          <p:nvPr>
+            <p:ph sz="quarter" idx="13"/>
+          </p:nvPr>
+        </p:nvSpPr>
+        <p:spPr>
+          <a:xfrm>
+            <a:off x="609600" y="1600200"/>
+            <a:ext cx="7848600" cy="4114800"/>
+          </a:xfrm>
+        </p:spPr>
+        <p:txBody>
+          <a:bodyPr>
+            <a:normAutofit lnSpcReduction="10000"/>
+          </a:bodyPr>
+          <a:lstStyle/>
+          <a:p>
+            <a:r>
+              <a:rPr lang="en-US" sz="2400" dirty="0" smtClean="0"/>
+              <a:t>Use Mock/Fake</a:t>
+            </a:r>
+          </a:p>
+          <a:p>
+            <a:r>
+              <a:rPr lang="en-US" sz="2400" dirty="0" smtClean="0"/>
+              <a:t>Data-Driven Testing (Data Pool Testing)</a:t>
+            </a:r>
+          </a:p>
+          <a:p>
+            <a:r>
+              <a:rPr lang="en-US" sz="2400" dirty="0" smtClean="0"/>
+              <a:t>Don’t ignore special cases</a:t>
+            </a:r>
+          </a:p>
+          <a:p>
+            <a:r>
+              <a:rPr lang="en-US" sz="2400" dirty="0" smtClean="0"/>
+              <a:t>A </a:t>
+            </a:r>
+            <a:r>
+              <a:rPr lang="en-US" sz="2400" dirty="0" err="1" smtClean="0"/>
+              <a:t>testcase</a:t>
+            </a:r>
+            <a:r>
+              <a:rPr lang="en-US" sz="2400" dirty="0" smtClean="0"/>
+              <a:t> can depend on other programs but should not depend on other </a:t>
+            </a:r>
+            <a:r>
+              <a:rPr lang="en-US" sz="2400" dirty="0" err="1" smtClean="0"/>
+              <a:t>testcases</a:t>
+            </a:r>
+            <a:endParaRPr lang="en-US" sz="2400" dirty="0" smtClean="0"/>
+          </a:p>
+          <a:p>
+            <a:r>
+              <a:rPr lang="en-US" sz="2400" dirty="0" smtClean="0"/>
+              <a:t>Large </a:t>
+            </a:r>
+            <a:r>
+              <a:rPr lang="en-US" sz="2400" dirty="0" err="1" smtClean="0"/>
+              <a:t>Testcase</a:t>
+            </a:r>
+            <a:r>
+              <a:rPr lang="en-US" sz="2400" dirty="0" smtClean="0"/>
+              <a:t> for Valid inputs and Small </a:t>
+            </a:r>
+            <a:r>
+              <a:rPr lang="en-US" sz="2400" dirty="0" err="1" smtClean="0"/>
+              <a:t>Testcases</a:t>
+            </a:r>
+            <a:r>
+              <a:rPr lang="en-US" sz="2400" dirty="0" smtClean="0"/>
+              <a:t> for invalid inputs</a:t>
+            </a:r>
+          </a:p>
+          <a:p>
+            <a:r>
+              <a:rPr lang="en-US" sz="2400" dirty="0" smtClean="0"/>
+              <a:t>Use White-Box methods to explore all the path</a:t>
+            </a:r>
+          </a:p>
+          <a:p>
+            <a:r>
+              <a:rPr lang="en-US" sz="2400" dirty="0" smtClean="0"/>
+              <a:t>Expect Exceptions instead of Assert Exception</a:t>
+            </a:r>
+          </a:p>
+          <a:p>
+            <a:endParaRPr lang="en-US" sz="2400" dirty="0" smtClean="0"/>
+          </a:p>
+        </p:txBody>
+      </p:sp>
+    </p:spTree>
+    <p:extLst>
+      <p:ext uri="{BB962C8B-B14F-4D97-AF65-F5344CB8AC3E}">
+        <p14:creationId xmlns:p14="http://schemas.microsoft.com/office/powerpoint/2010/main" xmlns="" val="2183450863"/>
+      </p:ext>
+    </p:extLst>
+  </p:cSld>
+  <p:clrMapOvr>
+    <a:masterClrMapping/>
+  </p:clrMapOvr>
+</p:sld>
+</file>
+
+<file path=ppt/slides/slide17.xml><?xml version="1.0" encoding="utf-8"?>
+<p:sld xmlns:a="http://schemas.openxmlformats.org/drawingml/2006/main" xmlns:r="http://schemas.openxmlformats.org/officeDocument/2006/relationships" xmlns:p="http://schemas.openxmlformats.org/presentationml/2006/main">
+  <p:cSld>
+    <p:spTree>
+      <p:nvGrpSpPr>
+        <p:cNvPr id="1" name=""/>
+        <p:cNvGrpSpPr/>
+        <p:nvPr/>
+      </p:nvGrpSpPr>
+      <p:grpSpPr>
+        <a:xfrm>
+          <a:off x="0" y="0"/>
+          <a:ext cx="0" cy="0"/>
+          <a:chOff x="0" y="0"/>
+          <a:chExt cx="0" cy="0"/>
+        </a:xfrm>
+      </p:grpSpPr>
+      <p:sp>
+        <p:nvSpPr>
+          <p:cNvPr id="5" name="Title 4"/>
+          <p:cNvSpPr>
+            <a:spLocks noGrp="1"/>
+          </p:cNvSpPr>
+          <p:nvPr>
+            <p:ph type="ctrTitle"/>
+          </p:nvPr>
+        </p:nvSpPr>
+        <p:spPr/>
+        <p:txBody>
+          <a:bodyPr/>
+          <a:lstStyle/>
+          <a:p>
+            <a:r>
+              <a:rPr lang="en-US" dirty="0" smtClean="0"/>
+              <a:t>Thank you</a:t>
+            </a:r>
+            <a:endParaRPr lang="en-US" dirty="0"/>
+          </a:p>
+        </p:txBody>
+      </p:sp>
+    </p:spTree>
+  </p:cSld>
+  <p:clrMapOvr>
+    <a:masterClrMapping/>
+  </p:clrMapOvr>
+</p:sld>
+</file>
+
+<file path=ppt/slides/slide2.xml><?xml version="1.0" encoding="utf-8"?>
+<p:sld xmlns:a="http://schemas.openxmlformats.org/drawingml/2006/main" xmlns:r="http://schemas.openxmlformats.org/officeDocument/2006/relationships" xmlns:p="http://schemas.openxmlformats.org/presentationml/2006/main">
+  <p:cSld>
+    <p:spTree>
+      <p:nvGrpSpPr>
+        <p:cNvPr id="1" name=""/>
+        <p:cNvGrpSpPr/>
+        <p:nvPr/>
+      </p:nvGrpSpPr>
+      <p:grpSpPr>
+        <a:xfrm>
+          <a:off x="0" y="0"/>
+          <a:ext cx="0" cy="0"/>
+          <a:chOff x="0" y="0"/>
+          <a:chExt cx="0" cy="0"/>
+        </a:xfrm>
+      </p:grpSpPr>
+      <p:sp>
+        <p:nvSpPr>
+          <p:cNvPr id="2" name="Title 1"/>
+          <p:cNvSpPr>
+            <a:spLocks noGrp="1"/>
+          </p:cNvSpPr>
+          <p:nvPr>
+            <p:ph type="title"/>
+          </p:nvPr>
+        </p:nvSpPr>
+        <p:spPr/>
+        <p:txBody>
+          <a:bodyPr/>
+          <a:lstStyle/>
+          <a:p>
+            <a:r>
+              <a:rPr lang="en-US" dirty="0" smtClean="0"/>
+              <a:t>Agenda</a:t>
+            </a:r>
+            <a:endParaRPr lang="en-US" dirty="0"/>
+          </a:p>
+        </p:txBody>
+      </p:sp>
+      <p:sp>
+        <p:nvSpPr>
+          <p:cNvPr id="3" name="Content Placeholder 2"/>
+          <p:cNvSpPr>
+            <a:spLocks noGrp="1"/>
+          </p:cNvSpPr>
+          <p:nvPr>
+            <p:ph sz="quarter" idx="13"/>
+          </p:nvPr>
+        </p:nvSpPr>
+        <p:spPr/>
+        <p:txBody>
+          <a:bodyPr>
+            <a:normAutofit/>
+          </a:bodyPr>
+          <a:lstStyle/>
+          <a:p>
+            <a:r>
+              <a:rPr lang="en-US" sz="2800" dirty="0" smtClean="0"/>
+              <a:t>Introduction</a:t>
+            </a:r>
+          </a:p>
+          <a:p>
+            <a:r>
+              <a:rPr lang="en-US" sz="2800" dirty="0" smtClean="0"/>
+              <a:t>“Shoot ‘</a:t>
+            </a:r>
+            <a:r>
+              <a:rPr lang="en-US" sz="2800" dirty="0" err="1" smtClean="0"/>
+              <a:t>em</a:t>
+            </a:r>
+            <a:r>
+              <a:rPr lang="en-US" sz="2800" dirty="0" smtClean="0"/>
+              <a:t> up” application</a:t>
+            </a:r>
+          </a:p>
+          <a:p>
+            <a:r>
+              <a:rPr lang="en-US" sz="2800" dirty="0" smtClean="0"/>
+              <a:t>Boundary Testing</a:t>
+            </a:r>
+          </a:p>
+          <a:p>
+            <a:r>
+              <a:rPr lang="en-US" sz="2800" dirty="0" err="1" smtClean="0"/>
+              <a:t>Equipvalent</a:t>
+            </a:r>
+            <a:r>
+              <a:rPr lang="en-US" sz="2800" dirty="0" smtClean="0"/>
+              <a:t> Class Partitioning</a:t>
+            </a:r>
+          </a:p>
+          <a:p>
+            <a:r>
+              <a:rPr lang="en-US" sz="2800" dirty="0" smtClean="0"/>
+              <a:t>Tools &amp; Practices</a:t>
+            </a:r>
+          </a:p>
+        </p:txBody>
+      </p:sp>
+    </p:spTree>
+  </p:cSld>
+  <p:clrMapOvr>
+    <a:masterClrMapping/>
+  </p:clrMapOvr>
+</p:sld>
+</file>
+
+<file path=ppt/slides/slide3.xml><?xml version="1.0" encoding="utf-8"?>
+<p:sld xmlns:a="http://schemas.openxmlformats.org/drawingml/2006/main" xmlns:r="http://schemas.openxmlformats.org/officeDocument/2006/relationships" xmlns:p="http://schemas.openxmlformats.org/presentationml/2006/main">
+  <p:cSld>
+    <p:spTree>
+      <p:nvGrpSpPr>
+        <p:cNvPr id="1" name=""/>
+        <p:cNvGrpSpPr/>
+        <p:nvPr/>
+      </p:nvGrpSpPr>
+      <p:grpSpPr>
+        <a:xfrm>
+          <a:off x="0" y="0"/>
+          <a:ext cx="0" cy="0"/>
+          <a:chOff x="0" y="0"/>
+          <a:chExt cx="0" cy="0"/>
+        </a:xfrm>
+      </p:grpSpPr>
+      <p:sp>
+        <p:nvSpPr>
+          <p:cNvPr id="5" name="Title 4"/>
+          <p:cNvSpPr>
+            <a:spLocks noGrp="1"/>
+          </p:cNvSpPr>
+          <p:nvPr>
+            <p:ph type="title"/>
+          </p:nvPr>
+        </p:nvSpPr>
+        <p:spPr>
+          <a:xfrm>
+            <a:off x="609600" y="3048000"/>
+            <a:ext cx="7924800" cy="503238"/>
+          </a:xfrm>
+        </p:spPr>
+        <p:txBody>
+          <a:bodyPr/>
+          <a:lstStyle/>
+          <a:p>
+            <a:pPr algn="ctr"/>
+            <a:r>
+              <a:rPr lang="en-US" dirty="0" smtClean="0"/>
+              <a:t>introduction</a:t>
+            </a:r>
+            <a:endParaRPr lang="en-US" dirty="0"/>
+          </a:p>
+        </p:txBody>
+      </p:sp>
+    </p:spTree>
+  </p:cSld>
+  <p:clrMapOvr>
+    <a:masterClrMapping/>
+  </p:clrMapOvr>
+</p:sld>
+</file>
+
+<file path=ppt/slides/slide4.xml><?xml version="1.0" encoding="utf-8"?>
+<p:sld xmlns:a="http://schemas.openxmlformats.org/drawingml/2006/main" xmlns:r="http://schemas.openxmlformats.org/officeDocument/2006/relationships" xmlns:p="http://schemas.openxmlformats.org/presentationml/2006/main">
+  <p:cSld>
+    <p:spTree>
+      <p:nvGrpSpPr>
+        <p:cNvPr id="1" name=""/>
+        <p:cNvGrpSpPr/>
+        <p:nvPr/>
+      </p:nvGrpSpPr>
+      <p:grpSpPr>
+        <a:xfrm>
+          <a:off x="0" y="0"/>
+          <a:ext cx="0" cy="0"/>
+          <a:chOff x="0" y="0"/>
+          <a:chExt cx="0" cy="0"/>
+        </a:xfrm>
+      </p:grpSpPr>
+      <p:sp>
+        <p:nvSpPr>
+          <p:cNvPr id="5" name="Title 4"/>
+          <p:cNvSpPr>
+            <a:spLocks noGrp="1"/>
+          </p:cNvSpPr>
+          <p:nvPr>
+            <p:ph type="title"/>
+          </p:nvPr>
+        </p:nvSpPr>
+        <p:spPr>
+          <a:xfrm>
+            <a:off x="609600" y="3048000"/>
+            <a:ext cx="7924800" cy="503238"/>
+          </a:xfrm>
+        </p:spPr>
+        <p:txBody>
+          <a:bodyPr/>
+          <a:lstStyle/>
+          <a:p>
+            <a:pPr algn="ctr"/>
+            <a:r>
+              <a:rPr lang="en-US" dirty="0" smtClean="0"/>
+              <a:t>Boundary Test</a:t>
+            </a:r>
+            <a:endParaRPr lang="en-US" dirty="0"/>
+          </a:p>
+        </p:txBody>
+      </p:sp>
+    </p:spTree>
+  </p:cSld>
+  <p:clrMapOvr>
+    <a:masterClrMapping/>
+  </p:clrMapOvr>
+</p:sld>
+</file>
+
+<file path=ppt/slides/slide5.xml><?xml version="1.0" encoding="utf-8"?>
+<p:sld xmlns:a="http://schemas.openxmlformats.org/drawingml/2006/main" xmlns:r="http://schemas.openxmlformats.org/officeDocument/2006/relationships" xmlns:p="http://schemas.openxmlformats.org/presentationml/2006/main">
+  <p:cSld>
+    <p:spTree>
+      <p:nvGrpSpPr>
+        <p:cNvPr id="1" name=""/>
+        <p:cNvGrpSpPr/>
+        <p:nvPr/>
+      </p:nvGrpSpPr>
+      <p:grpSpPr>
+        <a:xfrm>
+          <a:off x="0" y="0"/>
+          <a:ext cx="0" cy="0"/>
+          <a:chOff x="0" y="0"/>
+          <a:chExt cx="0" cy="0"/>
+        </a:xfrm>
+      </p:grpSpPr>
+      <p:sp>
+        <p:nvSpPr>
           <p:cNvPr id="20" name="Content Placeholder 19"/>
           <p:cNvSpPr>
             <a:spLocks noGrp="1"/>
@@ -3898,10 +5111,10 @@
           </p:nvPr>
         </p:nvPicPr>
         <p:blipFill>
-          <a:blip r:embed="rId2">
+          <a:blip r:embed="rId2" cstate="print">
             <a:extLst>
               <a:ext uri="{28A0092B-C50C-407E-A947-70E740481C1C}">
-                <a14:useLocalDpi xmlns:a14="http://schemas.microsoft.com/office/drawing/2010/main" val="0"/>
+                <a14:useLocalDpi xmlns:a14="http://schemas.microsoft.com/office/drawing/2010/main" xmlns="" val="0"/>
               </a:ext>
             </a:extLst>
           </a:blip>
@@ -4190,7 +5403,7 @@
     </p:spTree>
     <p:extLst>
       <p:ext uri="{BB962C8B-B14F-4D97-AF65-F5344CB8AC3E}">
-        <p14:creationId xmlns:p14="http://schemas.microsoft.com/office/powerpoint/2010/main" val="4144018315"/>
+        <p14:creationId xmlns:p14="http://schemas.microsoft.com/office/powerpoint/2010/main" xmlns="" val="4144018315"/>
       </p:ext>
     </p:extLst>
   </p:cSld>
@@ -4501,7 +5714,7 @@
 </p:sld>
 </file>
 
-<file path=ppt/slides/slide2.xml><?xml version="1.0" encoding="utf-8"?>
+<file path=ppt/slides/slide6.xml><?xml version="1.0" encoding="utf-8"?>
 <p:sld xmlns:a="http://schemas.openxmlformats.org/drawingml/2006/main" xmlns:r="http://schemas.openxmlformats.org/officeDocument/2006/relationships" xmlns:p="http://schemas.openxmlformats.org/presentationml/2006/main">
   <p:cSld>
     <p:spTree>
@@ -4583,8 +5796,8 @@
         </p:nvSpPr>
         <p:spPr>
           <a:xfrm>
-            <a:off x="4814705" y="1600201"/>
-            <a:ext cx="3733800" cy="1447800"/>
+            <a:off x="4814705" y="1600200"/>
+            <a:ext cx="3733800" cy="4114800"/>
           </a:xfrm>
         </p:spPr>
         <p:txBody>
@@ -4657,10 +5870,10 @@
           <p:nvPr/>
         </p:nvPicPr>
         <p:blipFill>
-          <a:blip r:embed="rId2">
+          <a:blip r:embed="rId2" cstate="print">
             <a:extLst>
               <a:ext uri="{28A0092B-C50C-407E-A947-70E740481C1C}">
-                <a14:useLocalDpi xmlns:a14="http://schemas.microsoft.com/office/drawing/2010/main" val="0"/>
+                <a14:useLocalDpi xmlns:a14="http://schemas.microsoft.com/office/drawing/2010/main" xmlns="" val="0"/>
               </a:ext>
             </a:extLst>
           </a:blip>
@@ -4678,336 +5891,24 @@
           </a:prstGeom>
         </p:spPr>
       </p:pic>
-      <p:grpSp>
-        <p:nvGrpSpPr>
-          <p:cNvPr id="7" name="Group 6"/>
-          <p:cNvGrpSpPr/>
-          <p:nvPr/>
-        </p:nvGrpSpPr>
-        <p:grpSpPr>
-          <a:xfrm>
-            <a:off x="4495800" y="5179031"/>
-            <a:ext cx="4343400" cy="687486"/>
-            <a:chOff x="4495800" y="4876800"/>
-            <a:chExt cx="4343400" cy="687486"/>
-          </a:xfrm>
-        </p:grpSpPr>
-        <p:cxnSp>
-          <p:nvCxnSpPr>
-            <p:cNvPr id="10" name="Straight Connector 9"/>
-            <p:cNvCxnSpPr/>
-            <p:nvPr/>
-          </p:nvCxnSpPr>
-          <p:spPr>
-            <a:xfrm>
-              <a:off x="5562600" y="4876800"/>
-              <a:ext cx="0" cy="304800"/>
-            </a:xfrm>
-            <a:prstGeom prst="line">
-              <a:avLst/>
-            </a:prstGeom>
-            <a:ln w="28575">
-              <a:solidFill>
-                <a:srgbClr val="00B0F0"/>
-              </a:solidFill>
-            </a:ln>
-          </p:spPr>
-          <p:style>
-            <a:lnRef idx="1">
-              <a:schemeClr val="accent1"/>
-            </a:lnRef>
-            <a:fillRef idx="0">
-              <a:schemeClr val="accent1"/>
-            </a:fillRef>
-            <a:effectRef idx="0">
-              <a:schemeClr val="accent1"/>
-            </a:effectRef>
-            <a:fontRef idx="minor">
-              <a:schemeClr val="tx1"/>
-            </a:fontRef>
-          </p:style>
-        </p:cxnSp>
-        <p:cxnSp>
-          <p:nvCxnSpPr>
-            <p:cNvPr id="11" name="Straight Connector 10"/>
-            <p:cNvCxnSpPr/>
-            <p:nvPr/>
-          </p:nvCxnSpPr>
-          <p:spPr>
-            <a:xfrm>
-              <a:off x="6172200" y="4885899"/>
-              <a:ext cx="0" cy="304800"/>
-            </a:xfrm>
-            <a:prstGeom prst="line">
-              <a:avLst/>
-            </a:prstGeom>
-            <a:ln w="28575">
-              <a:solidFill>
-                <a:srgbClr val="00B0F0"/>
-              </a:solidFill>
-            </a:ln>
-          </p:spPr>
-          <p:style>
-            <a:lnRef idx="1">
-              <a:schemeClr val="accent1"/>
-            </a:lnRef>
-            <a:fillRef idx="0">
-              <a:schemeClr val="accent1"/>
-            </a:fillRef>
-            <a:effectRef idx="0">
-              <a:schemeClr val="accent1"/>
-            </a:effectRef>
-            <a:fontRef idx="minor">
-              <a:schemeClr val="tx1"/>
-            </a:fontRef>
-          </p:style>
-        </p:cxnSp>
-        <p:cxnSp>
-          <p:nvCxnSpPr>
-            <p:cNvPr id="12" name="Straight Connector 11"/>
-            <p:cNvCxnSpPr/>
-            <p:nvPr/>
-          </p:nvCxnSpPr>
-          <p:spPr>
-            <a:xfrm>
-              <a:off x="6781800" y="4885899"/>
-              <a:ext cx="0" cy="304800"/>
-            </a:xfrm>
-            <a:prstGeom prst="line">
-              <a:avLst/>
-            </a:prstGeom>
-            <a:ln w="28575">
-              <a:solidFill>
-                <a:srgbClr val="00B0F0"/>
-              </a:solidFill>
-            </a:ln>
-          </p:spPr>
-          <p:style>
-            <a:lnRef idx="1">
-              <a:schemeClr val="accent1"/>
-            </a:lnRef>
-            <a:fillRef idx="0">
-              <a:schemeClr val="accent1"/>
-            </a:fillRef>
-            <a:effectRef idx="0">
-              <a:schemeClr val="accent1"/>
-            </a:effectRef>
-            <a:fontRef idx="minor">
-              <a:schemeClr val="tx1"/>
-            </a:fontRef>
-          </p:style>
-        </p:cxnSp>
-        <p:cxnSp>
-          <p:nvCxnSpPr>
-            <p:cNvPr id="15" name="Straight Connector 14"/>
-            <p:cNvCxnSpPr/>
-            <p:nvPr/>
-          </p:nvCxnSpPr>
-          <p:spPr>
-            <a:xfrm>
-              <a:off x="7843828" y="4876800"/>
-              <a:ext cx="0" cy="304800"/>
-            </a:xfrm>
-            <a:prstGeom prst="line">
-              <a:avLst/>
-            </a:prstGeom>
-            <a:ln w="28575">
-              <a:solidFill>
-                <a:srgbClr val="00B0F0"/>
-              </a:solidFill>
-            </a:ln>
-          </p:spPr>
-          <p:style>
-            <a:lnRef idx="1">
-              <a:schemeClr val="accent1"/>
-            </a:lnRef>
-            <a:fillRef idx="0">
-              <a:schemeClr val="accent1"/>
-            </a:fillRef>
-            <a:effectRef idx="0">
-              <a:schemeClr val="accent1"/>
-            </a:effectRef>
-            <a:fontRef idx="minor">
-              <a:schemeClr val="tx1"/>
-            </a:fontRef>
-          </p:style>
-        </p:cxnSp>
-        <p:sp>
-          <p:nvSpPr>
-            <p:cNvPr id="17" name="TextBox 16"/>
-            <p:cNvSpPr txBox="1"/>
-            <p:nvPr/>
-          </p:nvSpPr>
-          <p:spPr>
-            <a:xfrm>
-              <a:off x="5410200" y="5179031"/>
-              <a:ext cx="348018" cy="371901"/>
-            </a:xfrm>
-            <a:prstGeom prst="rect">
-              <a:avLst/>
-            </a:prstGeom>
-            <a:noFill/>
-          </p:spPr>
-          <p:txBody>
-            <a:bodyPr wrap="square" rtlCol="0">
-              <a:spAutoFit/>
-            </a:bodyPr>
-            <a:lstStyle/>
-            <a:p>
-              <a:r>
-                <a:rPr lang="en-US" dirty="0" smtClean="0"/>
-                <a:t>0</a:t>
-              </a:r>
-              <a:endParaRPr lang="en-US" dirty="0"/>
-            </a:p>
-          </p:txBody>
-        </p:sp>
-        <p:sp>
-          <p:nvSpPr>
-            <p:cNvPr id="18" name="TextBox 17"/>
-            <p:cNvSpPr txBox="1"/>
-            <p:nvPr/>
-          </p:nvSpPr>
-          <p:spPr>
-            <a:xfrm>
-              <a:off x="6019800" y="5181600"/>
-              <a:ext cx="478809" cy="369332"/>
-            </a:xfrm>
-            <a:prstGeom prst="rect">
-              <a:avLst/>
-            </a:prstGeom>
-            <a:noFill/>
-          </p:spPr>
-          <p:txBody>
-            <a:bodyPr wrap="square" rtlCol="0">
-              <a:spAutoFit/>
-            </a:bodyPr>
-            <a:lstStyle/>
-            <a:p>
-              <a:r>
-                <a:rPr lang="en-US" dirty="0" smtClean="0"/>
-                <a:t>50</a:t>
-              </a:r>
-              <a:endParaRPr lang="en-US" dirty="0"/>
-            </a:p>
-          </p:txBody>
-        </p:sp>
-        <p:sp>
-          <p:nvSpPr>
-            <p:cNvPr id="19" name="TextBox 18"/>
-            <p:cNvSpPr txBox="1"/>
-            <p:nvPr/>
-          </p:nvSpPr>
-          <p:spPr>
-            <a:xfrm>
-              <a:off x="6474725" y="5181600"/>
-              <a:ext cx="609600" cy="369332"/>
-            </a:xfrm>
-            <a:prstGeom prst="rect">
-              <a:avLst/>
-            </a:prstGeom>
-            <a:noFill/>
-          </p:spPr>
-          <p:txBody>
-            <a:bodyPr wrap="square" rtlCol="0">
-              <a:spAutoFit/>
-            </a:bodyPr>
-            <a:lstStyle/>
-            <a:p>
-              <a:r>
-                <a:rPr lang="en-US" dirty="0" smtClean="0"/>
-                <a:t>100</a:t>
-              </a:r>
-              <a:endParaRPr lang="en-US" dirty="0"/>
-            </a:p>
-          </p:txBody>
-        </p:sp>
-        <p:sp>
-          <p:nvSpPr>
-            <p:cNvPr id="21" name="TextBox 20"/>
-            <p:cNvSpPr txBox="1"/>
-            <p:nvPr/>
-          </p:nvSpPr>
-          <p:spPr>
-            <a:xfrm>
-              <a:off x="7531523" y="5194954"/>
-              <a:ext cx="620059" cy="369332"/>
-            </a:xfrm>
-            <a:prstGeom prst="rect">
-              <a:avLst/>
-            </a:prstGeom>
-            <a:noFill/>
-          </p:spPr>
-          <p:txBody>
-            <a:bodyPr wrap="square" rtlCol="0">
-              <a:spAutoFit/>
-            </a:bodyPr>
-            <a:lstStyle/>
-            <a:p>
-              <a:r>
-                <a:rPr lang="en-US" dirty="0" smtClean="0"/>
-                <a:t>200</a:t>
-              </a:r>
-              <a:endParaRPr lang="en-US" dirty="0"/>
-            </a:p>
-          </p:txBody>
-        </p:sp>
-        <p:cxnSp>
-          <p:nvCxnSpPr>
-            <p:cNvPr id="23" name="Straight Arrow Connector 22"/>
-            <p:cNvCxnSpPr/>
-            <p:nvPr/>
-          </p:nvCxnSpPr>
-          <p:spPr>
-            <a:xfrm>
-              <a:off x="4495800" y="5029200"/>
-              <a:ext cx="4343400" cy="0"/>
-            </a:xfrm>
-            <a:prstGeom prst="straightConnector1">
-              <a:avLst/>
-            </a:prstGeom>
-            <a:ln w="28575">
-              <a:solidFill>
-                <a:srgbClr val="00B0F0"/>
-              </a:solidFill>
-              <a:tailEnd type="arrow"/>
-            </a:ln>
-          </p:spPr>
-          <p:style>
-            <a:lnRef idx="1">
-              <a:schemeClr val="accent1"/>
-            </a:lnRef>
-            <a:fillRef idx="0">
-              <a:schemeClr val="accent1"/>
-            </a:fillRef>
-            <a:effectRef idx="0">
-              <a:schemeClr val="accent1"/>
-            </a:effectRef>
-            <a:fontRef idx="minor">
-              <a:schemeClr val="tx1"/>
-            </a:fontRef>
-          </p:style>
-        </p:cxnSp>
-      </p:grpSp>
       <p:cxnSp>
         <p:nvCxnSpPr>
-          <p:cNvPr id="9" name="Straight Arrow Connector 8"/>
+          <p:cNvPr id="10" name="Straight Connector 9"/>
           <p:cNvCxnSpPr/>
           <p:nvPr/>
         </p:nvCxnSpPr>
         <p:spPr>
-          <a:xfrm flipV="1">
-            <a:off x="6213143" y="5791200"/>
-            <a:ext cx="0" cy="471436"/>
+          <a:xfrm>
+            <a:off x="5562600" y="4876800"/>
+            <a:ext cx="0" cy="304800"/>
           </a:xfrm>
-          <a:prstGeom prst="straightConnector1">
+          <a:prstGeom prst="line">
             <a:avLst/>
           </a:prstGeom>
           <a:ln w="28575">
             <a:solidFill>
-              <a:srgbClr val="FFFF00"/>
+              <a:srgbClr val="00B0F0"/>
             </a:solidFill>
-            <a:tailEnd type="arrow"/>
           </a:ln>
         </p:spPr>
         <p:style>
@@ -5027,23 +5928,22 @@
       </p:cxnSp>
       <p:cxnSp>
         <p:nvCxnSpPr>
-          <p:cNvPr id="20" name="Straight Arrow Connector 19"/>
+          <p:cNvPr id="11" name="Straight Connector 10"/>
           <p:cNvCxnSpPr/>
           <p:nvPr/>
         </p:nvCxnSpPr>
         <p:spPr>
-          <a:xfrm flipV="1">
-            <a:off x="6787486" y="5791200"/>
-            <a:ext cx="0" cy="471436"/>
+          <a:xfrm>
+            <a:off x="6172200" y="4885899"/>
+            <a:ext cx="0" cy="304800"/>
           </a:xfrm>
-          <a:prstGeom prst="straightConnector1">
+          <a:prstGeom prst="line">
             <a:avLst/>
           </a:prstGeom>
           <a:ln w="28575">
             <a:solidFill>
-              <a:srgbClr val="FFFF00"/>
+              <a:srgbClr val="00B0F0"/>
             </a:solidFill>
-            <a:tailEnd type="arrow"/>
           </a:ln>
         </p:spPr>
         <p:style>
@@ -5063,23 +5963,22 @@
       </p:cxnSp>
       <p:cxnSp>
         <p:nvCxnSpPr>
-          <p:cNvPr id="22" name="Straight Arrow Connector 21"/>
+          <p:cNvPr id="12" name="Straight Connector 11"/>
           <p:cNvCxnSpPr/>
           <p:nvPr/>
         </p:nvCxnSpPr>
         <p:spPr>
-          <a:xfrm flipV="1">
-            <a:off x="7841552" y="5791200"/>
-            <a:ext cx="0" cy="471436"/>
+          <a:xfrm>
+            <a:off x="6781800" y="4885899"/>
+            <a:ext cx="0" cy="304800"/>
           </a:xfrm>
-          <a:prstGeom prst="straightConnector1">
+          <a:prstGeom prst="line">
             <a:avLst/>
           </a:prstGeom>
           <a:ln w="28575">
             <a:solidFill>
-              <a:srgbClr val="FFFF00"/>
+              <a:srgbClr val="00B0F0"/>
             </a:solidFill>
-            <a:tailEnd type="arrow"/>
           </a:ln>
         </p:spPr>
         <p:style>
@@ -5099,23 +5998,22 @@
       </p:cxnSp>
       <p:cxnSp>
         <p:nvCxnSpPr>
-          <p:cNvPr id="24" name="Straight Arrow Connector 23"/>
+          <p:cNvPr id="15" name="Straight Connector 14"/>
           <p:cNvCxnSpPr/>
           <p:nvPr/>
         </p:nvCxnSpPr>
         <p:spPr>
           <a:xfrm>
-            <a:off x="6096000" y="4876800"/>
-            <a:ext cx="0" cy="454631"/>
+            <a:off x="7843828" y="4876800"/>
+            <a:ext cx="0" cy="304800"/>
           </a:xfrm>
-          <a:prstGeom prst="straightConnector1">
+          <a:prstGeom prst="line">
             <a:avLst/>
           </a:prstGeom>
           <a:ln w="28575">
             <a:solidFill>
-              <a:srgbClr val="FFFFFF"/>
+              <a:srgbClr val="00B0F0"/>
             </a:solidFill>
-            <a:tailEnd type="arrow"/>
           </a:ln>
         </p:spPr>
         <p:style>
@@ -5133,52 +6031,136 @@
           </a:fontRef>
         </p:style>
       </p:cxnSp>
+      <p:sp>
+        <p:nvSpPr>
+          <p:cNvPr id="17" name="TextBox 16"/>
+          <p:cNvSpPr txBox="1"/>
+          <p:nvPr/>
+        </p:nvSpPr>
+        <p:spPr>
+          <a:xfrm>
+            <a:off x="5410200" y="5179031"/>
+            <a:ext cx="348018" cy="371901"/>
+          </a:xfrm>
+          <a:prstGeom prst="rect">
+            <a:avLst/>
+          </a:prstGeom>
+          <a:noFill/>
+        </p:spPr>
+        <p:txBody>
+          <a:bodyPr wrap="square" rtlCol="0">
+            <a:spAutoFit/>
+          </a:bodyPr>
+          <a:lstStyle/>
+          <a:p>
+            <a:r>
+              <a:rPr lang="en-US" dirty="0" smtClean="0"/>
+              <a:t>0</a:t>
+            </a:r>
+            <a:endParaRPr lang="en-US" dirty="0"/>
+          </a:p>
+        </p:txBody>
+      </p:sp>
+      <p:sp>
+        <p:nvSpPr>
+          <p:cNvPr id="18" name="TextBox 17"/>
+          <p:cNvSpPr txBox="1"/>
+          <p:nvPr/>
+        </p:nvSpPr>
+        <p:spPr>
+          <a:xfrm>
+            <a:off x="6019800" y="5181600"/>
+            <a:ext cx="478809" cy="369332"/>
+          </a:xfrm>
+          <a:prstGeom prst="rect">
+            <a:avLst/>
+          </a:prstGeom>
+          <a:noFill/>
+        </p:spPr>
+        <p:txBody>
+          <a:bodyPr wrap="square" rtlCol="0">
+            <a:spAutoFit/>
+          </a:bodyPr>
+          <a:lstStyle/>
+          <a:p>
+            <a:r>
+              <a:rPr lang="en-US" dirty="0" smtClean="0"/>
+              <a:t>50</a:t>
+            </a:r>
+            <a:endParaRPr lang="en-US" dirty="0"/>
+          </a:p>
+        </p:txBody>
+      </p:sp>
+      <p:sp>
+        <p:nvSpPr>
+          <p:cNvPr id="19" name="TextBox 18"/>
+          <p:cNvSpPr txBox="1"/>
+          <p:nvPr/>
+        </p:nvSpPr>
+        <p:spPr>
+          <a:xfrm>
+            <a:off x="6474725" y="5181600"/>
+            <a:ext cx="609600" cy="369332"/>
+          </a:xfrm>
+          <a:prstGeom prst="rect">
+            <a:avLst/>
+          </a:prstGeom>
+          <a:noFill/>
+        </p:spPr>
+        <p:txBody>
+          <a:bodyPr wrap="square" rtlCol="0">
+            <a:spAutoFit/>
+          </a:bodyPr>
+          <a:lstStyle/>
+          <a:p>
+            <a:r>
+              <a:rPr lang="en-US" dirty="0" smtClean="0"/>
+              <a:t>100</a:t>
+            </a:r>
+            <a:endParaRPr lang="en-US" dirty="0"/>
+          </a:p>
+        </p:txBody>
+      </p:sp>
+      <p:sp>
+        <p:nvSpPr>
+          <p:cNvPr id="21" name="TextBox 20"/>
+          <p:cNvSpPr txBox="1"/>
+          <p:nvPr/>
+        </p:nvSpPr>
+        <p:spPr>
+          <a:xfrm>
+            <a:off x="7531523" y="5194954"/>
+            <a:ext cx="620059" cy="369332"/>
+          </a:xfrm>
+          <a:prstGeom prst="rect">
+            <a:avLst/>
+          </a:prstGeom>
+          <a:noFill/>
+        </p:spPr>
+        <p:txBody>
+          <a:bodyPr wrap="square" rtlCol="0">
+            <a:spAutoFit/>
+          </a:bodyPr>
+          <a:lstStyle/>
+          <a:p>
+            <a:r>
+              <a:rPr lang="en-US" dirty="0" smtClean="0"/>
+              <a:t>200</a:t>
+            </a:r>
+            <a:endParaRPr lang="en-US" dirty="0"/>
+          </a:p>
+        </p:txBody>
+      </p:sp>
       <p:cxnSp>
         <p:nvCxnSpPr>
-          <p:cNvPr id="25" name="Straight Arrow Connector 24"/>
+          <p:cNvPr id="23" name="Straight Arrow Connector 22"/>
           <p:cNvCxnSpPr/>
           <p:nvPr/>
         </p:nvCxnSpPr>
         <p:spPr>
           <a:xfrm>
-            <a:off x="6248400" y="4876800"/>
-            <a:ext cx="0" cy="459769"/>
-          </a:xfrm>
-          <a:prstGeom prst="straightConnector1">
-            <a:avLst/>
-          </a:prstGeom>
-          <a:ln w="28575">
-            <a:solidFill>
-              <a:srgbClr val="FFFFFF"/>
-            </a:solidFill>
-            <a:tailEnd type="arrow"/>
-          </a:ln>
-        </p:spPr>
-        <p:style>
-          <a:lnRef idx="1">
-            <a:schemeClr val="accent1"/>
-          </a:lnRef>
-          <a:fillRef idx="0">
-            <a:schemeClr val="accent1"/>
-          </a:fillRef>
-          <a:effectRef idx="0">
-            <a:schemeClr val="accent1"/>
-          </a:effectRef>
-          <a:fontRef idx="minor">
-            <a:schemeClr val="tx1"/>
-          </a:fontRef>
-        </p:style>
-      </p:cxnSp>
-      <p:cxnSp>
-        <p:nvCxnSpPr>
-          <p:cNvPr id="26" name="Straight Arrow Connector 25"/>
-          <p:cNvCxnSpPr/>
-          <p:nvPr/>
-        </p:nvCxnSpPr>
-        <p:spPr>
-          <a:xfrm>
-            <a:off x="7315200" y="4876800"/>
-            <a:ext cx="0" cy="463730"/>
+            <a:off x="4495800" y="5029200"/>
+            <a:ext cx="4343400" cy="0"/>
           </a:xfrm>
           <a:prstGeom prst="straightConnector1">
             <a:avLst/>
@@ -5205,82 +6187,10 @@
           </a:fontRef>
         </p:style>
       </p:cxnSp>
-      <p:cxnSp>
-        <p:nvCxnSpPr>
-          <p:cNvPr id="27" name="Straight Arrow Connector 26"/>
-          <p:cNvCxnSpPr/>
-          <p:nvPr/>
-        </p:nvCxnSpPr>
-        <p:spPr>
-          <a:xfrm flipV="1">
-            <a:off x="5562600" y="5791200"/>
-            <a:ext cx="0" cy="471436"/>
-          </a:xfrm>
-          <a:prstGeom prst="straightConnector1">
-            <a:avLst/>
-          </a:prstGeom>
-          <a:ln w="28575">
-            <a:solidFill>
-              <a:srgbClr val="FF0000"/>
-            </a:solidFill>
-            <a:tailEnd type="arrow"/>
-          </a:ln>
-        </p:spPr>
-        <p:style>
-          <a:lnRef idx="1">
-            <a:schemeClr val="accent1"/>
-          </a:lnRef>
-          <a:fillRef idx="0">
-            <a:schemeClr val="accent1"/>
-          </a:fillRef>
-          <a:effectRef idx="0">
-            <a:schemeClr val="accent1"/>
-          </a:effectRef>
-          <a:fontRef idx="minor">
-            <a:schemeClr val="tx1"/>
-          </a:fontRef>
-        </p:style>
-      </p:cxnSp>
-      <p:cxnSp>
-        <p:nvCxnSpPr>
-          <p:cNvPr id="35" name="Straight Arrow Connector 34"/>
-          <p:cNvCxnSpPr/>
-          <p:nvPr/>
-        </p:nvCxnSpPr>
-        <p:spPr>
-          <a:xfrm flipV="1">
-            <a:off x="4876800" y="5362647"/>
-            <a:ext cx="0" cy="471436"/>
-          </a:xfrm>
-          <a:prstGeom prst="straightConnector1">
-            <a:avLst/>
-          </a:prstGeom>
-          <a:ln w="28575">
-            <a:solidFill>
-              <a:srgbClr val="FF0000"/>
-            </a:solidFill>
-            <a:tailEnd type="arrow"/>
-          </a:ln>
-        </p:spPr>
-        <p:style>
-          <a:lnRef idx="1">
-            <a:schemeClr val="accent1"/>
-          </a:lnRef>
-          <a:fillRef idx="0">
-            <a:schemeClr val="accent1"/>
-          </a:fillRef>
-          <a:effectRef idx="0">
-            <a:schemeClr val="accent1"/>
-          </a:effectRef>
-          <a:fontRef idx="minor">
-            <a:schemeClr val="tx1"/>
-          </a:fontRef>
-        </p:style>
-      </p:cxnSp>
     </p:spTree>
     <p:extLst>
       <p:ext uri="{BB962C8B-B14F-4D97-AF65-F5344CB8AC3E}">
-        <p14:creationId xmlns:p14="http://schemas.microsoft.com/office/powerpoint/2010/main" val="2737515577"/>
+        <p14:creationId xmlns:p14="http://schemas.microsoft.com/office/powerpoint/2010/main" xmlns="" val="2737515577"/>
       </p:ext>
     </p:extLst>
   </p:cSld>
@@ -5290,882 +6200,14 @@
   <p:timing>
     <p:tnLst>
       <p:par>
-        <p:cTn id="1" dur="indefinite" restart="never" nodeType="tmRoot">
-          <p:childTnLst>
-            <p:seq concurrent="1" nextAc="seek">
-              <p:cTn id="2" dur="indefinite" nodeType="mainSeq">
-                <p:childTnLst>
-                  <p:par>
-                    <p:cTn id="3" fill="hold">
-                      <p:stCondLst>
-                        <p:cond delay="indefinite"/>
-                      </p:stCondLst>
-                      <p:childTnLst>
-                        <p:par>
-                          <p:cTn id="4" fill="hold">
-                            <p:stCondLst>
-                              <p:cond delay="0"/>
-                            </p:stCondLst>
-                            <p:childTnLst>
-                              <p:par>
-                                <p:cTn id="5" presetID="10" presetClass="entr" presetSubtype="0" fill="hold" grpId="0" nodeType="clickEffect">
-                                  <p:stCondLst>
-                                    <p:cond delay="0"/>
-                                  </p:stCondLst>
-                                  <p:childTnLst>
-                                    <p:set>
-                                      <p:cBhvr>
-                                        <p:cTn id="6" dur="1" fill="hold">
-                                          <p:stCondLst>
-                                            <p:cond delay="0"/>
-                                          </p:stCondLst>
-                                        </p:cTn>
-                                        <p:tgtEl>
-                                          <p:spTgt spid="2">
-                                            <p:txEl>
-                                              <p:pRg st="0" end="0"/>
-                                            </p:txEl>
-                                          </p:spTgt>
-                                        </p:tgtEl>
-                                        <p:attrNameLst>
-                                          <p:attrName>style.visibility</p:attrName>
-                                        </p:attrNameLst>
-                                      </p:cBhvr>
-                                      <p:to>
-                                        <p:strVal val="visible"/>
-                                      </p:to>
-                                    </p:set>
-                                    <p:animEffect transition="in" filter="fade">
-                                      <p:cBhvr>
-                                        <p:cTn id="7" dur="500"/>
-                                        <p:tgtEl>
-                                          <p:spTgt spid="2">
-                                            <p:txEl>
-                                              <p:pRg st="0" end="0"/>
-                                            </p:txEl>
-                                          </p:spTgt>
-                                        </p:tgtEl>
-                                      </p:cBhvr>
-                                    </p:animEffect>
-                                  </p:childTnLst>
-                                </p:cTn>
-                              </p:par>
-                              <p:par>
-                                <p:cTn id="8" presetID="10" presetClass="entr" presetSubtype="0" fill="hold" grpId="0" nodeType="withEffect">
-                                  <p:stCondLst>
-                                    <p:cond delay="0"/>
-                                  </p:stCondLst>
-                                  <p:childTnLst>
-                                    <p:set>
-                                      <p:cBhvr>
-                                        <p:cTn id="9" dur="1" fill="hold">
-                                          <p:stCondLst>
-                                            <p:cond delay="0"/>
-                                          </p:stCondLst>
-                                        </p:cTn>
-                                        <p:tgtEl>
-                                          <p:spTgt spid="2">
-                                            <p:txEl>
-                                              <p:pRg st="1" end="1"/>
-                                            </p:txEl>
-                                          </p:spTgt>
-                                        </p:tgtEl>
-                                        <p:attrNameLst>
-                                          <p:attrName>style.visibility</p:attrName>
-                                        </p:attrNameLst>
-                                      </p:cBhvr>
-                                      <p:to>
-                                        <p:strVal val="visible"/>
-                                      </p:to>
-                                    </p:set>
-                                    <p:animEffect transition="in" filter="fade">
-                                      <p:cBhvr>
-                                        <p:cTn id="10" dur="500"/>
-                                        <p:tgtEl>
-                                          <p:spTgt spid="2">
-                                            <p:txEl>
-                                              <p:pRg st="1" end="1"/>
-                                            </p:txEl>
-                                          </p:spTgt>
-                                        </p:tgtEl>
-                                      </p:cBhvr>
-                                    </p:animEffect>
-                                  </p:childTnLst>
-                                </p:cTn>
-                              </p:par>
-                              <p:par>
-                                <p:cTn id="11" presetID="10" presetClass="entr" presetSubtype="0" fill="hold" grpId="0" nodeType="withEffect">
-                                  <p:stCondLst>
-                                    <p:cond delay="0"/>
-                                  </p:stCondLst>
-                                  <p:childTnLst>
-                                    <p:set>
-                                      <p:cBhvr>
-                                        <p:cTn id="12" dur="1" fill="hold">
-                                          <p:stCondLst>
-                                            <p:cond delay="0"/>
-                                          </p:stCondLst>
-                                        </p:cTn>
-                                        <p:tgtEl>
-                                          <p:spTgt spid="2">
-                                            <p:txEl>
-                                              <p:pRg st="2" end="2"/>
-                                            </p:txEl>
-                                          </p:spTgt>
-                                        </p:tgtEl>
-                                        <p:attrNameLst>
-                                          <p:attrName>style.visibility</p:attrName>
-                                        </p:attrNameLst>
-                                      </p:cBhvr>
-                                      <p:to>
-                                        <p:strVal val="visible"/>
-                                      </p:to>
-                                    </p:set>
-                                    <p:animEffect transition="in" filter="fade">
-                                      <p:cBhvr>
-                                        <p:cTn id="13" dur="500"/>
-                                        <p:tgtEl>
-                                          <p:spTgt spid="2">
-                                            <p:txEl>
-                                              <p:pRg st="2" end="2"/>
-                                            </p:txEl>
-                                          </p:spTgt>
-                                        </p:tgtEl>
-                                      </p:cBhvr>
-                                    </p:animEffect>
-                                  </p:childTnLst>
-                                </p:cTn>
-                              </p:par>
-                              <p:par>
-                                <p:cTn id="14" presetID="10" presetClass="entr" presetSubtype="0" fill="hold" grpId="0" nodeType="withEffect">
-                                  <p:stCondLst>
-                                    <p:cond delay="0"/>
-                                  </p:stCondLst>
-                                  <p:childTnLst>
-                                    <p:set>
-                                      <p:cBhvr>
-                                        <p:cTn id="15" dur="1" fill="hold">
-                                          <p:stCondLst>
-                                            <p:cond delay="0"/>
-                                          </p:stCondLst>
-                                        </p:cTn>
-                                        <p:tgtEl>
-                                          <p:spTgt spid="2">
-                                            <p:txEl>
-                                              <p:pRg st="3" end="3"/>
-                                            </p:txEl>
-                                          </p:spTgt>
-                                        </p:tgtEl>
-                                        <p:attrNameLst>
-                                          <p:attrName>style.visibility</p:attrName>
-                                        </p:attrNameLst>
-                                      </p:cBhvr>
-                                      <p:to>
-                                        <p:strVal val="visible"/>
-                                      </p:to>
-                                    </p:set>
-                                    <p:animEffect transition="in" filter="fade">
-                                      <p:cBhvr>
-                                        <p:cTn id="16" dur="500"/>
-                                        <p:tgtEl>
-                                          <p:spTgt spid="2">
-                                            <p:txEl>
-                                              <p:pRg st="3" end="3"/>
-                                            </p:txEl>
-                                          </p:spTgt>
-                                        </p:tgtEl>
-                                      </p:cBhvr>
-                                    </p:animEffect>
-                                  </p:childTnLst>
-                                </p:cTn>
-                              </p:par>
-                              <p:par>
-                                <p:cTn id="17" presetID="10" presetClass="entr" presetSubtype="0" fill="hold" grpId="0" nodeType="withEffect">
-                                  <p:stCondLst>
-                                    <p:cond delay="0"/>
-                                  </p:stCondLst>
-                                  <p:childTnLst>
-                                    <p:set>
-                                      <p:cBhvr>
-                                        <p:cTn id="18" dur="1" fill="hold">
-                                          <p:stCondLst>
-                                            <p:cond delay="0"/>
-                                          </p:stCondLst>
-                                        </p:cTn>
-                                        <p:tgtEl>
-                                          <p:spTgt spid="2">
-                                            <p:txEl>
-                                              <p:pRg st="4" end="4"/>
-                                            </p:txEl>
-                                          </p:spTgt>
-                                        </p:tgtEl>
-                                        <p:attrNameLst>
-                                          <p:attrName>style.visibility</p:attrName>
-                                        </p:attrNameLst>
-                                      </p:cBhvr>
-                                      <p:to>
-                                        <p:strVal val="visible"/>
-                                      </p:to>
-                                    </p:set>
-                                    <p:animEffect transition="in" filter="fade">
-                                      <p:cBhvr>
-                                        <p:cTn id="19" dur="500"/>
-                                        <p:tgtEl>
-                                          <p:spTgt spid="2">
-                                            <p:txEl>
-                                              <p:pRg st="4" end="4"/>
-                                            </p:txEl>
-                                          </p:spTgt>
-                                        </p:tgtEl>
-                                      </p:cBhvr>
-                                    </p:animEffect>
-                                  </p:childTnLst>
-                                </p:cTn>
-                              </p:par>
-                            </p:childTnLst>
-                          </p:cTn>
-                        </p:par>
-                      </p:childTnLst>
-                    </p:cTn>
-                  </p:par>
-                  <p:par>
-                    <p:cTn id="20" fill="hold">
-                      <p:stCondLst>
-                        <p:cond delay="indefinite"/>
-                      </p:stCondLst>
-                      <p:childTnLst>
-                        <p:par>
-                          <p:cTn id="21" fill="hold">
-                            <p:stCondLst>
-                              <p:cond delay="0"/>
-                            </p:stCondLst>
-                            <p:childTnLst>
-                              <p:par>
-                                <p:cTn id="22" presetID="10" presetClass="entr" presetSubtype="0" fill="hold" grpId="0" nodeType="clickEffect">
-                                  <p:stCondLst>
-                                    <p:cond delay="0"/>
-                                  </p:stCondLst>
-                                  <p:childTnLst>
-                                    <p:set>
-                                      <p:cBhvr>
-                                        <p:cTn id="23" dur="1" fill="hold">
-                                          <p:stCondLst>
-                                            <p:cond delay="0"/>
-                                          </p:stCondLst>
-                                        </p:cTn>
-                                        <p:tgtEl>
-                                          <p:spTgt spid="3">
-                                            <p:txEl>
-                                              <p:pRg st="0" end="0"/>
-                                            </p:txEl>
-                                          </p:spTgt>
-                                        </p:tgtEl>
-                                        <p:attrNameLst>
-                                          <p:attrName>style.visibility</p:attrName>
-                                        </p:attrNameLst>
-                                      </p:cBhvr>
-                                      <p:to>
-                                        <p:strVal val="visible"/>
-                                      </p:to>
-                                    </p:set>
-                                    <p:animEffect transition="in" filter="fade">
-                                      <p:cBhvr>
-                                        <p:cTn id="24" dur="500"/>
-                                        <p:tgtEl>
-                                          <p:spTgt spid="3">
-                                            <p:txEl>
-                                              <p:pRg st="0" end="0"/>
-                                            </p:txEl>
-                                          </p:spTgt>
-                                        </p:tgtEl>
-                                      </p:cBhvr>
-                                    </p:animEffect>
-                                  </p:childTnLst>
-                                </p:cTn>
-                              </p:par>
-                              <p:par>
-                                <p:cTn id="25" presetID="10" presetClass="entr" presetSubtype="0" fill="hold" grpId="0" nodeType="withEffect">
-                                  <p:stCondLst>
-                                    <p:cond delay="0"/>
-                                  </p:stCondLst>
-                                  <p:childTnLst>
-                                    <p:set>
-                                      <p:cBhvr>
-                                        <p:cTn id="26" dur="1" fill="hold">
-                                          <p:stCondLst>
-                                            <p:cond delay="0"/>
-                                          </p:stCondLst>
-                                        </p:cTn>
-                                        <p:tgtEl>
-                                          <p:spTgt spid="3">
-                                            <p:txEl>
-                                              <p:pRg st="1" end="1"/>
-                                            </p:txEl>
-                                          </p:spTgt>
-                                        </p:tgtEl>
-                                        <p:attrNameLst>
-                                          <p:attrName>style.visibility</p:attrName>
-                                        </p:attrNameLst>
-                                      </p:cBhvr>
-                                      <p:to>
-                                        <p:strVal val="visible"/>
-                                      </p:to>
-                                    </p:set>
-                                    <p:animEffect transition="in" filter="fade">
-                                      <p:cBhvr>
-                                        <p:cTn id="27" dur="500"/>
-                                        <p:tgtEl>
-                                          <p:spTgt spid="3">
-                                            <p:txEl>
-                                              <p:pRg st="1" end="1"/>
-                                            </p:txEl>
-                                          </p:spTgt>
-                                        </p:tgtEl>
-                                      </p:cBhvr>
-                                    </p:animEffect>
-                                  </p:childTnLst>
-                                </p:cTn>
-                              </p:par>
-                            </p:childTnLst>
-                          </p:cTn>
-                        </p:par>
-                      </p:childTnLst>
-                    </p:cTn>
-                  </p:par>
-                  <p:par>
-                    <p:cTn id="28" fill="hold">
-                      <p:stCondLst>
-                        <p:cond delay="indefinite"/>
-                      </p:stCondLst>
-                      <p:childTnLst>
-                        <p:par>
-                          <p:cTn id="29" fill="hold">
-                            <p:stCondLst>
-                              <p:cond delay="0"/>
-                            </p:stCondLst>
-                            <p:childTnLst>
-                              <p:par>
-                                <p:cTn id="30" presetID="42" presetClass="entr" presetSubtype="0" fill="hold" nodeType="clickEffect">
-                                  <p:stCondLst>
-                                    <p:cond delay="0"/>
-                                  </p:stCondLst>
-                                  <p:childTnLst>
-                                    <p:set>
-                                      <p:cBhvr>
-                                        <p:cTn id="31" dur="1" fill="hold">
-                                          <p:stCondLst>
-                                            <p:cond delay="0"/>
-                                          </p:stCondLst>
-                                        </p:cTn>
-                                        <p:tgtEl>
-                                          <p:spTgt spid="6"/>
-                                        </p:tgtEl>
-                                        <p:attrNameLst>
-                                          <p:attrName>style.visibility</p:attrName>
-                                        </p:attrNameLst>
-                                      </p:cBhvr>
-                                      <p:to>
-                                        <p:strVal val="visible"/>
-                                      </p:to>
-                                    </p:set>
-                                    <p:animEffect transition="in" filter="fade">
-                                      <p:cBhvr>
-                                        <p:cTn id="32" dur="1000"/>
-                                        <p:tgtEl>
-                                          <p:spTgt spid="6"/>
-                                        </p:tgtEl>
-                                      </p:cBhvr>
-                                    </p:animEffect>
-                                    <p:anim calcmode="lin" valueType="num">
-                                      <p:cBhvr>
-                                        <p:cTn id="33" dur="1000" fill="hold"/>
-                                        <p:tgtEl>
-                                          <p:spTgt spid="6"/>
-                                        </p:tgtEl>
-                                        <p:attrNameLst>
-                                          <p:attrName>ppt_x</p:attrName>
-                                        </p:attrNameLst>
-                                      </p:cBhvr>
-                                      <p:tavLst>
-                                        <p:tav tm="0">
-                                          <p:val>
-                                            <p:strVal val="#ppt_x"/>
-                                          </p:val>
-                                        </p:tav>
-                                        <p:tav tm="100000">
-                                          <p:val>
-                                            <p:strVal val="#ppt_x"/>
-                                          </p:val>
-                                        </p:tav>
-                                      </p:tavLst>
-                                    </p:anim>
-                                    <p:anim calcmode="lin" valueType="num">
-                                      <p:cBhvr>
-                                        <p:cTn id="34" dur="1000" fill="hold"/>
-                                        <p:tgtEl>
-                                          <p:spTgt spid="6"/>
-                                        </p:tgtEl>
-                                        <p:attrNameLst>
-                                          <p:attrName>ppt_y</p:attrName>
-                                        </p:attrNameLst>
-                                      </p:cBhvr>
-                                      <p:tavLst>
-                                        <p:tav tm="0">
-                                          <p:val>
-                                            <p:strVal val="#ppt_y+.1"/>
-                                          </p:val>
-                                        </p:tav>
-                                        <p:tav tm="100000">
-                                          <p:val>
-                                            <p:strVal val="#ppt_y"/>
-                                          </p:val>
-                                        </p:tav>
-                                      </p:tavLst>
-                                    </p:anim>
-                                  </p:childTnLst>
-                                </p:cTn>
-                              </p:par>
-                            </p:childTnLst>
-                          </p:cTn>
-                        </p:par>
-                      </p:childTnLst>
-                    </p:cTn>
-                  </p:par>
-                  <p:par>
-                    <p:cTn id="35" fill="hold">
-                      <p:stCondLst>
-                        <p:cond delay="indefinite"/>
-                      </p:stCondLst>
-                      <p:childTnLst>
-                        <p:par>
-                          <p:cTn id="36" fill="hold">
-                            <p:stCondLst>
-                              <p:cond delay="0"/>
-                            </p:stCondLst>
-                            <p:childTnLst>
-                              <p:par>
-                                <p:cTn id="37" presetID="10" presetClass="entr" presetSubtype="0" fill="hold" nodeType="clickEffect">
-                                  <p:stCondLst>
-                                    <p:cond delay="0"/>
-                                  </p:stCondLst>
-                                  <p:childTnLst>
-                                    <p:set>
-                                      <p:cBhvr>
-                                        <p:cTn id="38" dur="1" fill="hold">
-                                          <p:stCondLst>
-                                            <p:cond delay="0"/>
-                                          </p:stCondLst>
-                                        </p:cTn>
-                                        <p:tgtEl>
-                                          <p:spTgt spid="7"/>
-                                        </p:tgtEl>
-                                        <p:attrNameLst>
-                                          <p:attrName>style.visibility</p:attrName>
-                                        </p:attrNameLst>
-                                      </p:cBhvr>
-                                      <p:to>
-                                        <p:strVal val="visible"/>
-                                      </p:to>
-                                    </p:set>
-                                    <p:animEffect transition="in" filter="fade">
-                                      <p:cBhvr>
-                                        <p:cTn id="39" dur="500"/>
-                                        <p:tgtEl>
-                                          <p:spTgt spid="7"/>
-                                        </p:tgtEl>
-                                      </p:cBhvr>
-                                    </p:animEffect>
-                                  </p:childTnLst>
-                                </p:cTn>
-                              </p:par>
-                            </p:childTnLst>
-                          </p:cTn>
-                        </p:par>
-                      </p:childTnLst>
-                    </p:cTn>
-                  </p:par>
-                  <p:par>
-                    <p:cTn id="40" fill="hold">
-                      <p:stCondLst>
-                        <p:cond delay="indefinite"/>
-                      </p:stCondLst>
-                      <p:childTnLst>
-                        <p:par>
-                          <p:cTn id="41" fill="hold">
-                            <p:stCondLst>
-                              <p:cond delay="0"/>
-                            </p:stCondLst>
-                            <p:childTnLst>
-                              <p:par>
-                                <p:cTn id="42" presetID="10" presetClass="entr" presetSubtype="0" fill="hold" nodeType="clickEffect">
-                                  <p:stCondLst>
-                                    <p:cond delay="0"/>
-                                  </p:stCondLst>
-                                  <p:childTnLst>
-                                    <p:set>
-                                      <p:cBhvr>
-                                        <p:cTn id="43" dur="1" fill="hold">
-                                          <p:stCondLst>
-                                            <p:cond delay="0"/>
-                                          </p:stCondLst>
-                                        </p:cTn>
-                                        <p:tgtEl>
-                                          <p:spTgt spid="9"/>
-                                        </p:tgtEl>
-                                        <p:attrNameLst>
-                                          <p:attrName>style.visibility</p:attrName>
-                                        </p:attrNameLst>
-                                      </p:cBhvr>
-                                      <p:to>
-                                        <p:strVal val="visible"/>
-                                      </p:to>
-                                    </p:set>
-                                    <p:animEffect transition="in" filter="fade">
-                                      <p:cBhvr>
-                                        <p:cTn id="44" dur="500"/>
-                                        <p:tgtEl>
-                                          <p:spTgt spid="9"/>
-                                        </p:tgtEl>
-                                      </p:cBhvr>
-                                    </p:animEffect>
-                                  </p:childTnLst>
-                                </p:cTn>
-                              </p:par>
-                              <p:par>
-                                <p:cTn id="45" presetID="10" presetClass="entr" presetSubtype="0" fill="hold" nodeType="withEffect">
-                                  <p:stCondLst>
-                                    <p:cond delay="0"/>
-                                  </p:stCondLst>
-                                  <p:childTnLst>
-                                    <p:set>
-                                      <p:cBhvr>
-                                        <p:cTn id="46" dur="1" fill="hold">
-                                          <p:stCondLst>
-                                            <p:cond delay="0"/>
-                                          </p:stCondLst>
-                                        </p:cTn>
-                                        <p:tgtEl>
-                                          <p:spTgt spid="20"/>
-                                        </p:tgtEl>
-                                        <p:attrNameLst>
-                                          <p:attrName>style.visibility</p:attrName>
-                                        </p:attrNameLst>
-                                      </p:cBhvr>
-                                      <p:to>
-                                        <p:strVal val="visible"/>
-                                      </p:to>
-                                    </p:set>
-                                    <p:animEffect transition="in" filter="fade">
-                                      <p:cBhvr>
-                                        <p:cTn id="47" dur="500"/>
-                                        <p:tgtEl>
-                                          <p:spTgt spid="20"/>
-                                        </p:tgtEl>
-                                      </p:cBhvr>
-                                    </p:animEffect>
-                                  </p:childTnLst>
-                                </p:cTn>
-                              </p:par>
-                              <p:par>
-                                <p:cTn id="48" presetID="10" presetClass="entr" presetSubtype="0" fill="hold" nodeType="withEffect">
-                                  <p:stCondLst>
-                                    <p:cond delay="0"/>
-                                  </p:stCondLst>
-                                  <p:childTnLst>
-                                    <p:set>
-                                      <p:cBhvr>
-                                        <p:cTn id="49" dur="1" fill="hold">
-                                          <p:stCondLst>
-                                            <p:cond delay="0"/>
-                                          </p:stCondLst>
-                                        </p:cTn>
-                                        <p:tgtEl>
-                                          <p:spTgt spid="22"/>
-                                        </p:tgtEl>
-                                        <p:attrNameLst>
-                                          <p:attrName>style.visibility</p:attrName>
-                                        </p:attrNameLst>
-                                      </p:cBhvr>
-                                      <p:to>
-                                        <p:strVal val="visible"/>
-                                      </p:to>
-                                    </p:set>
-                                    <p:animEffect transition="in" filter="fade">
-                                      <p:cBhvr>
-                                        <p:cTn id="50" dur="500"/>
-                                        <p:tgtEl>
-                                          <p:spTgt spid="22"/>
-                                        </p:tgtEl>
-                                      </p:cBhvr>
-                                    </p:animEffect>
-                                  </p:childTnLst>
-                                </p:cTn>
-                              </p:par>
-                            </p:childTnLst>
-                          </p:cTn>
-                        </p:par>
-                      </p:childTnLst>
-                    </p:cTn>
-                  </p:par>
-                  <p:par>
-                    <p:cTn id="51" fill="hold">
-                      <p:stCondLst>
-                        <p:cond delay="indefinite"/>
-                      </p:stCondLst>
-                      <p:childTnLst>
-                        <p:par>
-                          <p:cTn id="52" fill="hold">
-                            <p:stCondLst>
-                              <p:cond delay="0"/>
-                            </p:stCondLst>
-                            <p:childTnLst>
-                              <p:par>
-                                <p:cTn id="53" presetID="10" presetClass="entr" presetSubtype="0" fill="hold" nodeType="clickEffect">
-                                  <p:stCondLst>
-                                    <p:cond delay="0"/>
-                                  </p:stCondLst>
-                                  <p:childTnLst>
-                                    <p:set>
-                                      <p:cBhvr>
-                                        <p:cTn id="54" dur="1" fill="hold">
-                                          <p:stCondLst>
-                                            <p:cond delay="0"/>
-                                          </p:stCondLst>
-                                        </p:cTn>
-                                        <p:tgtEl>
-                                          <p:spTgt spid="24"/>
-                                        </p:tgtEl>
-                                        <p:attrNameLst>
-                                          <p:attrName>style.visibility</p:attrName>
-                                        </p:attrNameLst>
-                                      </p:cBhvr>
-                                      <p:to>
-                                        <p:strVal val="visible"/>
-                                      </p:to>
-                                    </p:set>
-                                    <p:animEffect transition="in" filter="fade">
-                                      <p:cBhvr>
-                                        <p:cTn id="55" dur="500"/>
-                                        <p:tgtEl>
-                                          <p:spTgt spid="24"/>
-                                        </p:tgtEl>
-                                      </p:cBhvr>
-                                    </p:animEffect>
-                                  </p:childTnLst>
-                                </p:cTn>
-                              </p:par>
-                              <p:par>
-                                <p:cTn id="56" presetID="10" presetClass="entr" presetSubtype="0" fill="hold" nodeType="withEffect">
-                                  <p:stCondLst>
-                                    <p:cond delay="0"/>
-                                  </p:stCondLst>
-                                  <p:childTnLst>
-                                    <p:set>
-                                      <p:cBhvr>
-                                        <p:cTn id="57" dur="1" fill="hold">
-                                          <p:stCondLst>
-                                            <p:cond delay="0"/>
-                                          </p:stCondLst>
-                                        </p:cTn>
-                                        <p:tgtEl>
-                                          <p:spTgt spid="25"/>
-                                        </p:tgtEl>
-                                        <p:attrNameLst>
-                                          <p:attrName>style.visibility</p:attrName>
-                                        </p:attrNameLst>
-                                      </p:cBhvr>
-                                      <p:to>
-                                        <p:strVal val="visible"/>
-                                      </p:to>
-                                    </p:set>
-                                    <p:animEffect transition="in" filter="fade">
-                                      <p:cBhvr>
-                                        <p:cTn id="58" dur="500"/>
-                                        <p:tgtEl>
-                                          <p:spTgt spid="25"/>
-                                        </p:tgtEl>
-                                      </p:cBhvr>
-                                    </p:animEffect>
-                                  </p:childTnLst>
-                                </p:cTn>
-                              </p:par>
-                            </p:childTnLst>
-                          </p:cTn>
-                        </p:par>
-                      </p:childTnLst>
-                    </p:cTn>
-                  </p:par>
-                  <p:par>
-                    <p:cTn id="59" fill="hold">
-                      <p:stCondLst>
-                        <p:cond delay="indefinite"/>
-                      </p:stCondLst>
-                      <p:childTnLst>
-                        <p:par>
-                          <p:cTn id="60" fill="hold">
-                            <p:stCondLst>
-                              <p:cond delay="0"/>
-                            </p:stCondLst>
-                            <p:childTnLst>
-                              <p:par>
-                                <p:cTn id="61" presetID="10" presetClass="entr" presetSubtype="0" fill="hold" nodeType="clickEffect">
-                                  <p:stCondLst>
-                                    <p:cond delay="0"/>
-                                  </p:stCondLst>
-                                  <p:childTnLst>
-                                    <p:set>
-                                      <p:cBhvr>
-                                        <p:cTn id="62" dur="1" fill="hold">
-                                          <p:stCondLst>
-                                            <p:cond delay="0"/>
-                                          </p:stCondLst>
-                                        </p:cTn>
-                                        <p:tgtEl>
-                                          <p:spTgt spid="26"/>
-                                        </p:tgtEl>
-                                        <p:attrNameLst>
-                                          <p:attrName>style.visibility</p:attrName>
-                                        </p:attrNameLst>
-                                      </p:cBhvr>
-                                      <p:to>
-                                        <p:strVal val="visible"/>
-                                      </p:to>
-                                    </p:set>
-                                    <p:animEffect transition="in" filter="fade">
-                                      <p:cBhvr>
-                                        <p:cTn id="63" dur="500"/>
-                                        <p:tgtEl>
-                                          <p:spTgt spid="26"/>
-                                        </p:tgtEl>
-                                      </p:cBhvr>
-                                    </p:animEffect>
-                                  </p:childTnLst>
-                                </p:cTn>
-                              </p:par>
-                            </p:childTnLst>
-                          </p:cTn>
-                        </p:par>
-                      </p:childTnLst>
-                    </p:cTn>
-                  </p:par>
-                  <p:par>
-                    <p:cTn id="64" fill="hold">
-                      <p:stCondLst>
-                        <p:cond delay="indefinite"/>
-                      </p:stCondLst>
-                      <p:childTnLst>
-                        <p:par>
-                          <p:cTn id="65" fill="hold">
-                            <p:stCondLst>
-                              <p:cond delay="0"/>
-                            </p:stCondLst>
-                            <p:childTnLst>
-                              <p:par>
-                                <p:cTn id="66" presetID="10" presetClass="entr" presetSubtype="0" fill="hold" nodeType="clickEffect">
-                                  <p:stCondLst>
-                                    <p:cond delay="0"/>
-                                  </p:stCondLst>
-                                  <p:childTnLst>
-                                    <p:set>
-                                      <p:cBhvr>
-                                        <p:cTn id="67" dur="1" fill="hold">
-                                          <p:stCondLst>
-                                            <p:cond delay="0"/>
-                                          </p:stCondLst>
-                                        </p:cTn>
-                                        <p:tgtEl>
-                                          <p:spTgt spid="27"/>
-                                        </p:tgtEl>
-                                        <p:attrNameLst>
-                                          <p:attrName>style.visibility</p:attrName>
-                                        </p:attrNameLst>
-                                      </p:cBhvr>
-                                      <p:to>
-                                        <p:strVal val="visible"/>
-                                      </p:to>
-                                    </p:set>
-                                    <p:animEffect transition="in" filter="fade">
-                                      <p:cBhvr>
-                                        <p:cTn id="68" dur="500"/>
-                                        <p:tgtEl>
-                                          <p:spTgt spid="27"/>
-                                        </p:tgtEl>
-                                      </p:cBhvr>
-                                    </p:animEffect>
-                                  </p:childTnLst>
-                                </p:cTn>
-                              </p:par>
-                              <p:par>
-                                <p:cTn id="69" presetID="10" presetClass="entr" presetSubtype="0" fill="hold" nodeType="withEffect">
-                                  <p:stCondLst>
-                                    <p:cond delay="0"/>
-                                  </p:stCondLst>
-                                  <p:childTnLst>
-                                    <p:set>
-                                      <p:cBhvr>
-                                        <p:cTn id="70" dur="1" fill="hold">
-                                          <p:stCondLst>
-                                            <p:cond delay="0"/>
-                                          </p:stCondLst>
-                                        </p:cTn>
-                                        <p:tgtEl>
-                                          <p:spTgt spid="35"/>
-                                        </p:tgtEl>
-                                        <p:attrNameLst>
-                                          <p:attrName>style.visibility</p:attrName>
-                                        </p:attrNameLst>
-                                      </p:cBhvr>
-                                      <p:to>
-                                        <p:strVal val="visible"/>
-                                      </p:to>
-                                    </p:set>
-                                    <p:animEffect transition="in" filter="fade">
-                                      <p:cBhvr>
-                                        <p:cTn id="71" dur="500"/>
-                                        <p:tgtEl>
-                                          <p:spTgt spid="35"/>
-                                        </p:tgtEl>
-                                      </p:cBhvr>
-                                    </p:animEffect>
-                                  </p:childTnLst>
-                                </p:cTn>
-                              </p:par>
-                            </p:childTnLst>
-                          </p:cTn>
-                        </p:par>
-                      </p:childTnLst>
-                    </p:cTn>
-                  </p:par>
-                </p:childTnLst>
-              </p:cTn>
-              <p:prevCondLst>
-                <p:cond evt="onPrev" delay="0">
-                  <p:tgtEl>
-                    <p:sldTgt/>
-                  </p:tgtEl>
-                </p:cond>
-              </p:prevCondLst>
-              <p:nextCondLst>
-                <p:cond evt="onNext" delay="0">
-                  <p:tgtEl>
-                    <p:sldTgt/>
-                  </p:tgtEl>
-                </p:cond>
-              </p:nextCondLst>
-            </p:seq>
-          </p:childTnLst>
-        </p:cTn>
+        <p:cTn id="1" dur="indefinite" restart="never" nodeType="tmRoot"/>
       </p:par>
     </p:tnLst>
-    <p:bldLst>
-      <p:bldP spid="2" grpId="0" uiExpand="1" build="p"/>
-      <p:bldP spid="3" grpId="0" uiExpand="1" build="p"/>
-    </p:bldLst>
   </p:timing>
 </p:sld>
 </file>
 
-<file path=ppt/slides/slide3.xml><?xml version="1.0" encoding="utf-8"?>
+<file path=ppt/slides/slide7.xml><?xml version="1.0" encoding="utf-8"?>
 <p:sld xmlns:a="http://schemas.openxmlformats.org/drawingml/2006/main" xmlns:r="http://schemas.openxmlformats.org/officeDocument/2006/relationships" xmlns:p="http://schemas.openxmlformats.org/presentationml/2006/main">
   <p:cSld>
     <p:spTree>
@@ -6192,12 +6234,7 @@
             <p:ph sz="quarter" idx="13"/>
           </p:nvPr>
         </p:nvSpPr>
-        <p:spPr>
-          <a:xfrm>
-            <a:off x="609600" y="1600200"/>
-            <a:ext cx="3733800" cy="533400"/>
-          </a:xfrm>
-        </p:spPr>
+        <p:spPr/>
         <p:txBody>
           <a:bodyPr>
             <a:normAutofit/>
@@ -6238,924 +6275,6 @@
           </a:p>
         </p:txBody>
       </p:sp>
-      <p:cxnSp>
-        <p:nvCxnSpPr>
-          <p:cNvPr id="7" name="Straight Arrow Connector 6"/>
-          <p:cNvCxnSpPr/>
-          <p:nvPr/>
-        </p:nvCxnSpPr>
-        <p:spPr>
-          <a:xfrm>
-            <a:off x="762000" y="3733800"/>
-            <a:ext cx="7543800" cy="0"/>
-          </a:xfrm>
-          <a:prstGeom prst="straightConnector1">
-            <a:avLst/>
-          </a:prstGeom>
-          <a:ln w="28575">
-            <a:tailEnd type="arrow"/>
-          </a:ln>
-        </p:spPr>
-        <p:style>
-          <a:lnRef idx="1">
-            <a:schemeClr val="accent1"/>
-          </a:lnRef>
-          <a:fillRef idx="0">
-            <a:schemeClr val="accent1"/>
-          </a:fillRef>
-          <a:effectRef idx="0">
-            <a:schemeClr val="accent1"/>
-          </a:effectRef>
-          <a:fontRef idx="minor">
-            <a:schemeClr val="tx1"/>
-          </a:fontRef>
-        </p:style>
-      </p:cxnSp>
-      <p:cxnSp>
-        <p:nvCxnSpPr>
-          <p:cNvPr id="10" name="Straight Connector 9"/>
-          <p:cNvCxnSpPr/>
-          <p:nvPr/>
-        </p:nvCxnSpPr>
-        <p:spPr>
-          <a:xfrm>
-            <a:off x="1905000" y="3581400"/>
-            <a:ext cx="0" cy="381000"/>
-          </a:xfrm>
-          <a:prstGeom prst="line">
-            <a:avLst/>
-          </a:prstGeom>
-        </p:spPr>
-        <p:style>
-          <a:lnRef idx="1">
-            <a:schemeClr val="accent1"/>
-          </a:lnRef>
-          <a:fillRef idx="0">
-            <a:schemeClr val="accent1"/>
-          </a:fillRef>
-          <a:effectRef idx="0">
-            <a:schemeClr val="accent1"/>
-          </a:effectRef>
-          <a:fontRef idx="minor">
-            <a:schemeClr val="tx1"/>
-          </a:fontRef>
-        </p:style>
-      </p:cxnSp>
-      <p:cxnSp>
-        <p:nvCxnSpPr>
-          <p:cNvPr id="14" name="Straight Connector 13"/>
-          <p:cNvCxnSpPr/>
-          <p:nvPr/>
-        </p:nvCxnSpPr>
-        <p:spPr>
-          <a:xfrm>
-            <a:off x="2971800" y="3581400"/>
-            <a:ext cx="0" cy="381000"/>
-          </a:xfrm>
-          <a:prstGeom prst="line">
-            <a:avLst/>
-          </a:prstGeom>
-        </p:spPr>
-        <p:style>
-          <a:lnRef idx="1">
-            <a:schemeClr val="accent1"/>
-          </a:lnRef>
-          <a:fillRef idx="0">
-            <a:schemeClr val="accent1"/>
-          </a:fillRef>
-          <a:effectRef idx="0">
-            <a:schemeClr val="accent1"/>
-          </a:effectRef>
-          <a:fontRef idx="minor">
-            <a:schemeClr val="tx1"/>
-          </a:fontRef>
-        </p:style>
-      </p:cxnSp>
-      <p:cxnSp>
-        <p:nvCxnSpPr>
-          <p:cNvPr id="15" name="Straight Connector 14"/>
-          <p:cNvCxnSpPr/>
-          <p:nvPr/>
-        </p:nvCxnSpPr>
-        <p:spPr>
-          <a:xfrm>
-            <a:off x="4191000" y="3561497"/>
-            <a:ext cx="0" cy="381000"/>
-          </a:xfrm>
-          <a:prstGeom prst="line">
-            <a:avLst/>
-          </a:prstGeom>
-        </p:spPr>
-        <p:style>
-          <a:lnRef idx="1">
-            <a:schemeClr val="accent1"/>
-          </a:lnRef>
-          <a:fillRef idx="0">
-            <a:schemeClr val="accent1"/>
-          </a:fillRef>
-          <a:effectRef idx="0">
-            <a:schemeClr val="accent1"/>
-          </a:effectRef>
-          <a:fontRef idx="minor">
-            <a:schemeClr val="tx1"/>
-          </a:fontRef>
-        </p:style>
-      </p:cxnSp>
-      <p:cxnSp>
-        <p:nvCxnSpPr>
-          <p:cNvPr id="16" name="Straight Connector 15"/>
-          <p:cNvCxnSpPr/>
-          <p:nvPr/>
-        </p:nvCxnSpPr>
-        <p:spPr>
-          <a:xfrm>
-            <a:off x="6172200" y="3561497"/>
-            <a:ext cx="0" cy="381000"/>
-          </a:xfrm>
-          <a:prstGeom prst="line">
-            <a:avLst/>
-          </a:prstGeom>
-        </p:spPr>
-        <p:style>
-          <a:lnRef idx="1">
-            <a:schemeClr val="accent1"/>
-          </a:lnRef>
-          <a:fillRef idx="0">
-            <a:schemeClr val="accent1"/>
-          </a:fillRef>
-          <a:effectRef idx="0">
-            <a:schemeClr val="accent1"/>
-          </a:effectRef>
-          <a:fontRef idx="minor">
-            <a:schemeClr val="tx1"/>
-          </a:fontRef>
-        </p:style>
-      </p:cxnSp>
-      <p:sp>
-        <p:nvSpPr>
-          <p:cNvPr id="18" name="Oval 17"/>
-          <p:cNvSpPr/>
-          <p:nvPr/>
-        </p:nvSpPr>
-        <p:spPr>
-          <a:xfrm>
-            <a:off x="2895600" y="3657600"/>
-            <a:ext cx="152400" cy="152400"/>
-          </a:xfrm>
-          <a:prstGeom prst="ellipse">
-            <a:avLst/>
-          </a:prstGeom>
-          <a:solidFill>
-            <a:srgbClr val="FFFF00"/>
-          </a:solidFill>
-        </p:spPr>
-        <p:style>
-          <a:lnRef idx="2">
-            <a:schemeClr val="accent1">
-              <a:shade val="50000"/>
-            </a:schemeClr>
-          </a:lnRef>
-          <a:fillRef idx="1">
-            <a:schemeClr val="accent1"/>
-          </a:fillRef>
-          <a:effectRef idx="0">
-            <a:schemeClr val="accent1"/>
-          </a:effectRef>
-          <a:fontRef idx="minor">
-            <a:schemeClr val="lt1"/>
-          </a:fontRef>
-        </p:style>
-        <p:txBody>
-          <a:bodyPr rtlCol="0" anchor="ctr"/>
-          <a:lstStyle/>
-          <a:p>
-            <a:pPr algn="ctr"/>
-            <a:endParaRPr lang="en-US"/>
-          </a:p>
-        </p:txBody>
-      </p:sp>
-      <p:sp>
-        <p:nvSpPr>
-          <p:cNvPr id="19" name="Oval 18"/>
-          <p:cNvSpPr/>
-          <p:nvPr/>
-        </p:nvSpPr>
-        <p:spPr>
-          <a:xfrm>
-            <a:off x="4114800" y="3654188"/>
-            <a:ext cx="152400" cy="152400"/>
-          </a:xfrm>
-          <a:prstGeom prst="ellipse">
-            <a:avLst/>
-          </a:prstGeom>
-          <a:solidFill>
-            <a:srgbClr val="FFFF00"/>
-          </a:solidFill>
-        </p:spPr>
-        <p:style>
-          <a:lnRef idx="2">
-            <a:schemeClr val="accent1">
-              <a:shade val="50000"/>
-            </a:schemeClr>
-          </a:lnRef>
-          <a:fillRef idx="1">
-            <a:schemeClr val="accent1"/>
-          </a:fillRef>
-          <a:effectRef idx="0">
-            <a:schemeClr val="accent1"/>
-          </a:effectRef>
-          <a:fontRef idx="minor">
-            <a:schemeClr val="lt1"/>
-          </a:fontRef>
-        </p:style>
-        <p:txBody>
-          <a:bodyPr rtlCol="0" anchor="ctr"/>
-          <a:lstStyle/>
-          <a:p>
-            <a:pPr algn="ctr"/>
-            <a:endParaRPr lang="en-US"/>
-          </a:p>
-        </p:txBody>
-      </p:sp>
-      <p:sp>
-        <p:nvSpPr>
-          <p:cNvPr id="20" name="Oval 19"/>
-          <p:cNvSpPr/>
-          <p:nvPr/>
-        </p:nvSpPr>
-        <p:spPr>
-          <a:xfrm>
-            <a:off x="6096000" y="3657600"/>
-            <a:ext cx="152400" cy="152400"/>
-          </a:xfrm>
-          <a:prstGeom prst="ellipse">
-            <a:avLst/>
-          </a:prstGeom>
-          <a:solidFill>
-            <a:srgbClr val="FFFF00"/>
-          </a:solidFill>
-        </p:spPr>
-        <p:style>
-          <a:lnRef idx="2">
-            <a:schemeClr val="accent1">
-              <a:shade val="50000"/>
-            </a:schemeClr>
-          </a:lnRef>
-          <a:fillRef idx="1">
-            <a:schemeClr val="accent1"/>
-          </a:fillRef>
-          <a:effectRef idx="0">
-            <a:schemeClr val="accent1"/>
-          </a:effectRef>
-          <a:fontRef idx="minor">
-            <a:schemeClr val="lt1"/>
-          </a:fontRef>
-        </p:style>
-        <p:txBody>
-          <a:bodyPr rtlCol="0" anchor="ctr"/>
-          <a:lstStyle/>
-          <a:p>
-            <a:pPr algn="ctr"/>
-            <a:endParaRPr lang="en-US"/>
-          </a:p>
-        </p:txBody>
-      </p:sp>
-      <p:sp>
-        <p:nvSpPr>
-          <p:cNvPr id="21" name="Oval 20"/>
-          <p:cNvSpPr/>
-          <p:nvPr/>
-        </p:nvSpPr>
-        <p:spPr>
-          <a:xfrm>
-            <a:off x="2743200" y="3657600"/>
-            <a:ext cx="152400" cy="152400"/>
-          </a:xfrm>
-          <a:prstGeom prst="ellipse">
-            <a:avLst/>
-          </a:prstGeom>
-          <a:solidFill>
-            <a:srgbClr val="FFFF00"/>
-          </a:solidFill>
-        </p:spPr>
-        <p:style>
-          <a:lnRef idx="2">
-            <a:schemeClr val="accent1">
-              <a:shade val="50000"/>
-            </a:schemeClr>
-          </a:lnRef>
-          <a:fillRef idx="1">
-            <a:schemeClr val="accent1"/>
-          </a:fillRef>
-          <a:effectRef idx="0">
-            <a:schemeClr val="accent1"/>
-          </a:effectRef>
-          <a:fontRef idx="minor">
-            <a:schemeClr val="lt1"/>
-          </a:fontRef>
-        </p:style>
-        <p:txBody>
-          <a:bodyPr rtlCol="0" anchor="ctr"/>
-          <a:lstStyle/>
-          <a:p>
-            <a:pPr algn="ctr"/>
-            <a:endParaRPr lang="en-US"/>
-          </a:p>
-        </p:txBody>
-      </p:sp>
-      <p:sp>
-        <p:nvSpPr>
-          <p:cNvPr id="22" name="Oval 21"/>
-          <p:cNvSpPr/>
-          <p:nvPr/>
-        </p:nvSpPr>
-        <p:spPr>
-          <a:xfrm>
-            <a:off x="3048000" y="3654188"/>
-            <a:ext cx="152400" cy="152400"/>
-          </a:xfrm>
-          <a:prstGeom prst="ellipse">
-            <a:avLst/>
-          </a:prstGeom>
-          <a:solidFill>
-            <a:srgbClr val="FFFF00"/>
-          </a:solidFill>
-        </p:spPr>
-        <p:style>
-          <a:lnRef idx="2">
-            <a:schemeClr val="accent1">
-              <a:shade val="50000"/>
-            </a:schemeClr>
-          </a:lnRef>
-          <a:fillRef idx="1">
-            <a:schemeClr val="accent1"/>
-          </a:fillRef>
-          <a:effectRef idx="0">
-            <a:schemeClr val="accent1"/>
-          </a:effectRef>
-          <a:fontRef idx="minor">
-            <a:schemeClr val="lt1"/>
-          </a:fontRef>
-        </p:style>
-        <p:txBody>
-          <a:bodyPr rtlCol="0" anchor="ctr"/>
-          <a:lstStyle/>
-          <a:p>
-            <a:pPr algn="ctr"/>
-            <a:endParaRPr lang="en-US"/>
-          </a:p>
-        </p:txBody>
-      </p:sp>
-      <p:sp>
-        <p:nvSpPr>
-          <p:cNvPr id="23" name="Oval 22"/>
-          <p:cNvSpPr/>
-          <p:nvPr/>
-        </p:nvSpPr>
-        <p:spPr>
-          <a:xfrm>
-            <a:off x="4267200" y="3657600"/>
-            <a:ext cx="152400" cy="152400"/>
-          </a:xfrm>
-          <a:prstGeom prst="ellipse">
-            <a:avLst/>
-          </a:prstGeom>
-          <a:solidFill>
-            <a:srgbClr val="FFFF00"/>
-          </a:solidFill>
-        </p:spPr>
-        <p:style>
-          <a:lnRef idx="2">
-            <a:schemeClr val="accent1">
-              <a:shade val="50000"/>
-            </a:schemeClr>
-          </a:lnRef>
-          <a:fillRef idx="1">
-            <a:schemeClr val="accent1"/>
-          </a:fillRef>
-          <a:effectRef idx="0">
-            <a:schemeClr val="accent1"/>
-          </a:effectRef>
-          <a:fontRef idx="minor">
-            <a:schemeClr val="lt1"/>
-          </a:fontRef>
-        </p:style>
-        <p:txBody>
-          <a:bodyPr rtlCol="0" anchor="ctr"/>
-          <a:lstStyle/>
-          <a:p>
-            <a:pPr algn="ctr"/>
-            <a:endParaRPr lang="en-US"/>
-          </a:p>
-        </p:txBody>
-      </p:sp>
-      <p:sp>
-        <p:nvSpPr>
-          <p:cNvPr id="24" name="Oval 23"/>
-          <p:cNvSpPr/>
-          <p:nvPr/>
-        </p:nvSpPr>
-        <p:spPr>
-          <a:xfrm>
-            <a:off x="3962400" y="3657600"/>
-            <a:ext cx="152400" cy="152400"/>
-          </a:xfrm>
-          <a:prstGeom prst="ellipse">
-            <a:avLst/>
-          </a:prstGeom>
-          <a:solidFill>
-            <a:srgbClr val="FFFF00"/>
-          </a:solidFill>
-        </p:spPr>
-        <p:style>
-          <a:lnRef idx="2">
-            <a:schemeClr val="accent1">
-              <a:shade val="50000"/>
-            </a:schemeClr>
-          </a:lnRef>
-          <a:fillRef idx="1">
-            <a:schemeClr val="accent1"/>
-          </a:fillRef>
-          <a:effectRef idx="0">
-            <a:schemeClr val="accent1"/>
-          </a:effectRef>
-          <a:fontRef idx="minor">
-            <a:schemeClr val="lt1"/>
-          </a:fontRef>
-        </p:style>
-        <p:txBody>
-          <a:bodyPr rtlCol="0" anchor="ctr"/>
-          <a:lstStyle/>
-          <a:p>
-            <a:pPr algn="ctr"/>
-            <a:endParaRPr lang="en-US"/>
-          </a:p>
-        </p:txBody>
-      </p:sp>
-      <p:sp>
-        <p:nvSpPr>
-          <p:cNvPr id="25" name="Oval 24"/>
-          <p:cNvSpPr/>
-          <p:nvPr/>
-        </p:nvSpPr>
-        <p:spPr>
-          <a:xfrm>
-            <a:off x="5943600" y="3657600"/>
-            <a:ext cx="152400" cy="152400"/>
-          </a:xfrm>
-          <a:prstGeom prst="ellipse">
-            <a:avLst/>
-          </a:prstGeom>
-          <a:solidFill>
-            <a:srgbClr val="FFFF00"/>
-          </a:solidFill>
-        </p:spPr>
-        <p:style>
-          <a:lnRef idx="2">
-            <a:schemeClr val="accent1">
-              <a:shade val="50000"/>
-            </a:schemeClr>
-          </a:lnRef>
-          <a:fillRef idx="1">
-            <a:schemeClr val="accent1"/>
-          </a:fillRef>
-          <a:effectRef idx="0">
-            <a:schemeClr val="accent1"/>
-          </a:effectRef>
-          <a:fontRef idx="minor">
-            <a:schemeClr val="lt1"/>
-          </a:fontRef>
-        </p:style>
-        <p:txBody>
-          <a:bodyPr rtlCol="0" anchor="ctr"/>
-          <a:lstStyle/>
-          <a:p>
-            <a:pPr algn="ctr"/>
-            <a:endParaRPr lang="en-US"/>
-          </a:p>
-        </p:txBody>
-      </p:sp>
-      <p:sp>
-        <p:nvSpPr>
-          <p:cNvPr id="26" name="Oval 25"/>
-          <p:cNvSpPr/>
-          <p:nvPr/>
-        </p:nvSpPr>
-        <p:spPr>
-          <a:xfrm>
-            <a:off x="6248400" y="3657600"/>
-            <a:ext cx="152400" cy="152400"/>
-          </a:xfrm>
-          <a:prstGeom prst="ellipse">
-            <a:avLst/>
-          </a:prstGeom>
-          <a:solidFill>
-            <a:srgbClr val="FFFF00"/>
-          </a:solidFill>
-        </p:spPr>
-        <p:style>
-          <a:lnRef idx="2">
-            <a:schemeClr val="accent1">
-              <a:shade val="50000"/>
-            </a:schemeClr>
-          </a:lnRef>
-          <a:fillRef idx="1">
-            <a:schemeClr val="accent1"/>
-          </a:fillRef>
-          <a:effectRef idx="0">
-            <a:schemeClr val="accent1"/>
-          </a:effectRef>
-          <a:fontRef idx="minor">
-            <a:schemeClr val="lt1"/>
-          </a:fontRef>
-        </p:style>
-        <p:txBody>
-          <a:bodyPr rtlCol="0" anchor="ctr"/>
-          <a:lstStyle/>
-          <a:p>
-            <a:pPr algn="ctr"/>
-            <a:endParaRPr lang="en-US"/>
-          </a:p>
-        </p:txBody>
-      </p:sp>
-      <p:sp>
-        <p:nvSpPr>
-          <p:cNvPr id="27" name="Oval 26"/>
-          <p:cNvSpPr/>
-          <p:nvPr/>
-        </p:nvSpPr>
-        <p:spPr>
-          <a:xfrm>
-            <a:off x="2286000" y="3657600"/>
-            <a:ext cx="152400" cy="152400"/>
-          </a:xfrm>
-          <a:prstGeom prst="ellipse">
-            <a:avLst/>
-          </a:prstGeom>
-          <a:solidFill>
-            <a:srgbClr val="FFFF00"/>
-          </a:solidFill>
-        </p:spPr>
-        <p:style>
-          <a:lnRef idx="2">
-            <a:schemeClr val="accent1">
-              <a:shade val="50000"/>
-            </a:schemeClr>
-          </a:lnRef>
-          <a:fillRef idx="1">
-            <a:schemeClr val="accent1"/>
-          </a:fillRef>
-          <a:effectRef idx="0">
-            <a:schemeClr val="accent1"/>
-          </a:effectRef>
-          <a:fontRef idx="minor">
-            <a:schemeClr val="lt1"/>
-          </a:fontRef>
-        </p:style>
-        <p:txBody>
-          <a:bodyPr rtlCol="0" anchor="ctr"/>
-          <a:lstStyle/>
-          <a:p>
-            <a:pPr algn="ctr"/>
-            <a:endParaRPr lang="en-US"/>
-          </a:p>
-        </p:txBody>
-      </p:sp>
-      <p:sp>
-        <p:nvSpPr>
-          <p:cNvPr id="28" name="Oval 27"/>
-          <p:cNvSpPr/>
-          <p:nvPr/>
-        </p:nvSpPr>
-        <p:spPr>
-          <a:xfrm>
-            <a:off x="3505200" y="3657600"/>
-            <a:ext cx="152400" cy="152400"/>
-          </a:xfrm>
-          <a:prstGeom prst="ellipse">
-            <a:avLst/>
-          </a:prstGeom>
-          <a:solidFill>
-            <a:srgbClr val="FFFF00"/>
-          </a:solidFill>
-        </p:spPr>
-        <p:style>
-          <a:lnRef idx="2">
-            <a:schemeClr val="accent1">
-              <a:shade val="50000"/>
-            </a:schemeClr>
-          </a:lnRef>
-          <a:fillRef idx="1">
-            <a:schemeClr val="accent1"/>
-          </a:fillRef>
-          <a:effectRef idx="0">
-            <a:schemeClr val="accent1"/>
-          </a:effectRef>
-          <a:fontRef idx="minor">
-            <a:schemeClr val="lt1"/>
-          </a:fontRef>
-        </p:style>
-        <p:txBody>
-          <a:bodyPr rtlCol="0" anchor="ctr"/>
-          <a:lstStyle/>
-          <a:p>
-            <a:pPr algn="ctr"/>
-            <a:endParaRPr lang="en-US"/>
-          </a:p>
-        </p:txBody>
-      </p:sp>
-      <p:sp>
-        <p:nvSpPr>
-          <p:cNvPr id="29" name="Oval 28"/>
-          <p:cNvSpPr/>
-          <p:nvPr/>
-        </p:nvSpPr>
-        <p:spPr>
-          <a:xfrm>
-            <a:off x="5105400" y="3654188"/>
-            <a:ext cx="152400" cy="152400"/>
-          </a:xfrm>
-          <a:prstGeom prst="ellipse">
-            <a:avLst/>
-          </a:prstGeom>
-          <a:solidFill>
-            <a:srgbClr val="FFFF00"/>
-          </a:solidFill>
-        </p:spPr>
-        <p:style>
-          <a:lnRef idx="2">
-            <a:schemeClr val="accent1">
-              <a:shade val="50000"/>
-            </a:schemeClr>
-          </a:lnRef>
-          <a:fillRef idx="1">
-            <a:schemeClr val="accent1"/>
-          </a:fillRef>
-          <a:effectRef idx="0">
-            <a:schemeClr val="accent1"/>
-          </a:effectRef>
-          <a:fontRef idx="minor">
-            <a:schemeClr val="lt1"/>
-          </a:fontRef>
-        </p:style>
-        <p:txBody>
-          <a:bodyPr rtlCol="0" anchor="ctr"/>
-          <a:lstStyle/>
-          <a:p>
-            <a:pPr algn="ctr"/>
-            <a:endParaRPr lang="en-US"/>
-          </a:p>
-        </p:txBody>
-      </p:sp>
-      <p:sp>
-        <p:nvSpPr>
-          <p:cNvPr id="30" name="Oval 29"/>
-          <p:cNvSpPr/>
-          <p:nvPr/>
-        </p:nvSpPr>
-        <p:spPr>
-          <a:xfrm>
-            <a:off x="7162800" y="3657600"/>
-            <a:ext cx="152400" cy="152400"/>
-          </a:xfrm>
-          <a:prstGeom prst="ellipse">
-            <a:avLst/>
-          </a:prstGeom>
-          <a:solidFill>
-            <a:srgbClr val="FFFF00"/>
-          </a:solidFill>
-        </p:spPr>
-        <p:style>
-          <a:lnRef idx="2">
-            <a:schemeClr val="accent1">
-              <a:shade val="50000"/>
-            </a:schemeClr>
-          </a:lnRef>
-          <a:fillRef idx="1">
-            <a:schemeClr val="accent1"/>
-          </a:fillRef>
-          <a:effectRef idx="0">
-            <a:schemeClr val="accent1"/>
-          </a:effectRef>
-          <a:fontRef idx="minor">
-            <a:schemeClr val="lt1"/>
-          </a:fontRef>
-        </p:style>
-        <p:txBody>
-          <a:bodyPr rtlCol="0" anchor="ctr"/>
-          <a:lstStyle/>
-          <a:p>
-            <a:pPr algn="ctr"/>
-            <a:endParaRPr lang="en-US"/>
-          </a:p>
-        </p:txBody>
-      </p:sp>
-      <p:sp>
-        <p:nvSpPr>
-          <p:cNvPr id="31" name="Oval 30"/>
-          <p:cNvSpPr/>
-          <p:nvPr/>
-        </p:nvSpPr>
-        <p:spPr>
-          <a:xfrm>
-            <a:off x="1828800" y="3657600"/>
-            <a:ext cx="152400" cy="152400"/>
-          </a:xfrm>
-          <a:prstGeom prst="ellipse">
-            <a:avLst/>
-          </a:prstGeom>
-          <a:solidFill>
-            <a:srgbClr val="FFFF00"/>
-          </a:solidFill>
-        </p:spPr>
-        <p:style>
-          <a:lnRef idx="2">
-            <a:schemeClr val="accent1">
-              <a:shade val="50000"/>
-            </a:schemeClr>
-          </a:lnRef>
-          <a:fillRef idx="1">
-            <a:schemeClr val="accent1"/>
-          </a:fillRef>
-          <a:effectRef idx="0">
-            <a:schemeClr val="accent1"/>
-          </a:effectRef>
-          <a:fontRef idx="minor">
-            <a:schemeClr val="lt1"/>
-          </a:fontRef>
-        </p:style>
-        <p:txBody>
-          <a:bodyPr rtlCol="0" anchor="ctr"/>
-          <a:lstStyle/>
-          <a:p>
-            <a:pPr algn="ctr"/>
-            <a:endParaRPr lang="en-US"/>
-          </a:p>
-        </p:txBody>
-      </p:sp>
-      <p:sp>
-        <p:nvSpPr>
-          <p:cNvPr id="32" name="Oval 31"/>
-          <p:cNvSpPr/>
-          <p:nvPr/>
-        </p:nvSpPr>
-        <p:spPr>
-          <a:xfrm>
-            <a:off x="1219200" y="3657600"/>
-            <a:ext cx="152400" cy="152400"/>
-          </a:xfrm>
-          <a:prstGeom prst="ellipse">
-            <a:avLst/>
-          </a:prstGeom>
-          <a:solidFill>
-            <a:srgbClr val="FFFF00"/>
-          </a:solidFill>
-        </p:spPr>
-        <p:style>
-          <a:lnRef idx="2">
-            <a:schemeClr val="accent1">
-              <a:shade val="50000"/>
-            </a:schemeClr>
-          </a:lnRef>
-          <a:fillRef idx="1">
-            <a:schemeClr val="accent1"/>
-          </a:fillRef>
-          <a:effectRef idx="0">
-            <a:schemeClr val="accent1"/>
-          </a:effectRef>
-          <a:fontRef idx="minor">
-            <a:schemeClr val="lt1"/>
-          </a:fontRef>
-        </p:style>
-        <p:txBody>
-          <a:bodyPr rtlCol="0" anchor="ctr"/>
-          <a:lstStyle/>
-          <a:p>
-            <a:pPr algn="ctr"/>
-            <a:endParaRPr lang="en-US"/>
-          </a:p>
-        </p:txBody>
-      </p:sp>
-      <p:sp>
-        <p:nvSpPr>
-          <p:cNvPr id="33" name="TextBox 32"/>
-          <p:cNvSpPr txBox="1"/>
-          <p:nvPr/>
-        </p:nvSpPr>
-        <p:spPr>
-          <a:xfrm>
-            <a:off x="1752600" y="3962400"/>
-            <a:ext cx="304800" cy="369332"/>
-          </a:xfrm>
-          <a:prstGeom prst="rect">
-            <a:avLst/>
-          </a:prstGeom>
-          <a:noFill/>
-        </p:spPr>
-        <p:txBody>
-          <a:bodyPr wrap="square" rtlCol="0">
-            <a:spAutoFit/>
-          </a:bodyPr>
-          <a:lstStyle/>
-          <a:p>
-            <a:r>
-              <a:rPr lang="en-US" dirty="0" smtClean="0"/>
-              <a:t>0</a:t>
-            </a:r>
-            <a:endParaRPr lang="en-US" dirty="0"/>
-          </a:p>
-        </p:txBody>
-      </p:sp>
-      <p:sp>
-        <p:nvSpPr>
-          <p:cNvPr id="34" name="TextBox 33"/>
-          <p:cNvSpPr txBox="1"/>
-          <p:nvPr/>
-        </p:nvSpPr>
-        <p:spPr>
-          <a:xfrm>
-            <a:off x="2743200" y="3962400"/>
-            <a:ext cx="457200" cy="369332"/>
-          </a:xfrm>
-          <a:prstGeom prst="rect">
-            <a:avLst/>
-          </a:prstGeom>
-          <a:noFill/>
-        </p:spPr>
-        <p:txBody>
-          <a:bodyPr wrap="square" rtlCol="0">
-            <a:spAutoFit/>
-          </a:bodyPr>
-          <a:lstStyle/>
-          <a:p>
-            <a:r>
-              <a:rPr lang="en-US" dirty="0" smtClean="0"/>
-              <a:t>50</a:t>
-            </a:r>
-            <a:endParaRPr lang="en-US" dirty="0"/>
-          </a:p>
-        </p:txBody>
-      </p:sp>
-      <p:sp>
-        <p:nvSpPr>
-          <p:cNvPr id="36" name="TextBox 35"/>
-          <p:cNvSpPr txBox="1"/>
-          <p:nvPr/>
-        </p:nvSpPr>
-        <p:spPr>
-          <a:xfrm>
-            <a:off x="3886200" y="3962400"/>
-            <a:ext cx="571500" cy="369332"/>
-          </a:xfrm>
-          <a:prstGeom prst="rect">
-            <a:avLst/>
-          </a:prstGeom>
-          <a:noFill/>
-        </p:spPr>
-        <p:txBody>
-          <a:bodyPr wrap="square" rtlCol="0">
-            <a:spAutoFit/>
-          </a:bodyPr>
-          <a:lstStyle/>
-          <a:p>
-            <a:r>
-              <a:rPr lang="en-US" dirty="0" smtClean="0"/>
-              <a:t>100</a:t>
-            </a:r>
-            <a:endParaRPr lang="en-US" dirty="0"/>
-          </a:p>
-        </p:txBody>
-      </p:sp>
-      <p:sp>
-        <p:nvSpPr>
-          <p:cNvPr id="37" name="TextBox 36"/>
-          <p:cNvSpPr txBox="1"/>
-          <p:nvPr/>
-        </p:nvSpPr>
-        <p:spPr>
-          <a:xfrm>
-            <a:off x="5943600" y="3942497"/>
-            <a:ext cx="533400" cy="369332"/>
-          </a:xfrm>
-          <a:prstGeom prst="rect">
-            <a:avLst/>
-          </a:prstGeom>
-          <a:noFill/>
-        </p:spPr>
-        <p:txBody>
-          <a:bodyPr wrap="square" rtlCol="0">
-            <a:spAutoFit/>
-          </a:bodyPr>
-          <a:lstStyle/>
-          <a:p>
-            <a:r>
-              <a:rPr lang="en-US" dirty="0" smtClean="0"/>
-              <a:t>200</a:t>
-            </a:r>
-            <a:endParaRPr lang="en-US" dirty="0"/>
-          </a:p>
-        </p:txBody>
-      </p:sp>
       <p:pic>
         <p:nvPicPr>
           <p:cNvPr id="8" name="Content Placeholder 7" descr="Screen Clipping"/>
@@ -7167,10 +6286,10 @@
           </p:nvPr>
         </p:nvPicPr>
         <p:blipFill>
-          <a:blip r:embed="rId2">
+          <a:blip r:embed="rId2" cstate="print">
             <a:extLst>
               <a:ext uri="{28A0092B-C50C-407E-A947-70E740481C1C}">
-                <a14:useLocalDpi xmlns:a14="http://schemas.microsoft.com/office/drawing/2010/main" val="0"/>
+                <a14:useLocalDpi xmlns:a14="http://schemas.microsoft.com/office/drawing/2010/main" xmlns="" val="0"/>
               </a:ext>
             </a:extLst>
           </a:blip>
@@ -7180,15 +6299,15 @@
         </p:blipFill>
         <p:spPr>
           <a:xfrm>
-            <a:off x="762000" y="2139263"/>
-            <a:ext cx="7772400" cy="4490137"/>
+            <a:off x="2095500" y="2121590"/>
+            <a:ext cx="4953000" cy="4584010"/>
           </a:xfrm>
         </p:spPr>
       </p:pic>
     </p:spTree>
     <p:extLst>
       <p:ext uri="{BB962C8B-B14F-4D97-AF65-F5344CB8AC3E}">
-        <p14:creationId xmlns:p14="http://schemas.microsoft.com/office/powerpoint/2010/main" val="929554970"/>
+        <p14:creationId xmlns:p14="http://schemas.microsoft.com/office/powerpoint/2010/main" xmlns="" val="929554970"/>
       </p:ext>
     </p:extLst>
   </p:cSld>
@@ -7198,1383 +6317,14 @@
   <p:timing>
     <p:tnLst>
       <p:par>
-        <p:cTn id="1" dur="indefinite" restart="never" nodeType="tmRoot">
-          <p:childTnLst>
-            <p:seq concurrent="1" nextAc="seek">
-              <p:cTn id="2" dur="indefinite" nodeType="mainSeq">
-                <p:childTnLst>
-                  <p:par>
-                    <p:cTn id="3" fill="hold">
-                      <p:stCondLst>
-                        <p:cond delay="indefinite"/>
-                      </p:stCondLst>
-                      <p:childTnLst>
-                        <p:par>
-                          <p:cTn id="4" fill="hold">
-                            <p:stCondLst>
-                              <p:cond delay="0"/>
-                            </p:stCondLst>
-                            <p:childTnLst>
-                              <p:par>
-                                <p:cTn id="5" presetID="2" presetClass="entr" presetSubtype="4" fill="hold" nodeType="clickEffect">
-                                  <p:stCondLst>
-                                    <p:cond delay="0"/>
-                                  </p:stCondLst>
-                                  <p:childTnLst>
-                                    <p:set>
-                                      <p:cBhvr>
-                                        <p:cTn id="6" dur="1" fill="hold">
-                                          <p:stCondLst>
-                                            <p:cond delay="0"/>
-                                          </p:stCondLst>
-                                        </p:cTn>
-                                        <p:tgtEl>
-                                          <p:spTgt spid="7"/>
-                                        </p:tgtEl>
-                                        <p:attrNameLst>
-                                          <p:attrName>style.visibility</p:attrName>
-                                        </p:attrNameLst>
-                                      </p:cBhvr>
-                                      <p:to>
-                                        <p:strVal val="visible"/>
-                                      </p:to>
-                                    </p:set>
-                                    <p:anim calcmode="lin" valueType="num">
-                                      <p:cBhvr additive="base">
-                                        <p:cTn id="7" dur="500" fill="hold"/>
-                                        <p:tgtEl>
-                                          <p:spTgt spid="7"/>
-                                        </p:tgtEl>
-                                        <p:attrNameLst>
-                                          <p:attrName>ppt_x</p:attrName>
-                                        </p:attrNameLst>
-                                      </p:cBhvr>
-                                      <p:tavLst>
-                                        <p:tav tm="0">
-                                          <p:val>
-                                            <p:strVal val="#ppt_x"/>
-                                          </p:val>
-                                        </p:tav>
-                                        <p:tav tm="100000">
-                                          <p:val>
-                                            <p:strVal val="#ppt_x"/>
-                                          </p:val>
-                                        </p:tav>
-                                      </p:tavLst>
-                                    </p:anim>
-                                    <p:anim calcmode="lin" valueType="num">
-                                      <p:cBhvr additive="base">
-                                        <p:cTn id="8" dur="500" fill="hold"/>
-                                        <p:tgtEl>
-                                          <p:spTgt spid="7"/>
-                                        </p:tgtEl>
-                                        <p:attrNameLst>
-                                          <p:attrName>ppt_y</p:attrName>
-                                        </p:attrNameLst>
-                                      </p:cBhvr>
-                                      <p:tavLst>
-                                        <p:tav tm="0">
-                                          <p:val>
-                                            <p:strVal val="1+#ppt_h/2"/>
-                                          </p:val>
-                                        </p:tav>
-                                        <p:tav tm="100000">
-                                          <p:val>
-                                            <p:strVal val="#ppt_y"/>
-                                          </p:val>
-                                        </p:tav>
-                                      </p:tavLst>
-                                    </p:anim>
-                                  </p:childTnLst>
-                                </p:cTn>
-                              </p:par>
-                              <p:par>
-                                <p:cTn id="9" presetID="2" presetClass="entr" presetSubtype="4" fill="hold" nodeType="withEffect">
-                                  <p:stCondLst>
-                                    <p:cond delay="0"/>
-                                  </p:stCondLst>
-                                  <p:childTnLst>
-                                    <p:set>
-                                      <p:cBhvr>
-                                        <p:cTn id="10" dur="1" fill="hold">
-                                          <p:stCondLst>
-                                            <p:cond delay="0"/>
-                                          </p:stCondLst>
-                                        </p:cTn>
-                                        <p:tgtEl>
-                                          <p:spTgt spid="10"/>
-                                        </p:tgtEl>
-                                        <p:attrNameLst>
-                                          <p:attrName>style.visibility</p:attrName>
-                                        </p:attrNameLst>
-                                      </p:cBhvr>
-                                      <p:to>
-                                        <p:strVal val="visible"/>
-                                      </p:to>
-                                    </p:set>
-                                    <p:anim calcmode="lin" valueType="num">
-                                      <p:cBhvr additive="base">
-                                        <p:cTn id="11" dur="500" fill="hold"/>
-                                        <p:tgtEl>
-                                          <p:spTgt spid="10"/>
-                                        </p:tgtEl>
-                                        <p:attrNameLst>
-                                          <p:attrName>ppt_x</p:attrName>
-                                        </p:attrNameLst>
-                                      </p:cBhvr>
-                                      <p:tavLst>
-                                        <p:tav tm="0">
-                                          <p:val>
-                                            <p:strVal val="#ppt_x"/>
-                                          </p:val>
-                                        </p:tav>
-                                        <p:tav tm="100000">
-                                          <p:val>
-                                            <p:strVal val="#ppt_x"/>
-                                          </p:val>
-                                        </p:tav>
-                                      </p:tavLst>
-                                    </p:anim>
-                                    <p:anim calcmode="lin" valueType="num">
-                                      <p:cBhvr additive="base">
-                                        <p:cTn id="12" dur="500" fill="hold"/>
-                                        <p:tgtEl>
-                                          <p:spTgt spid="10"/>
-                                        </p:tgtEl>
-                                        <p:attrNameLst>
-                                          <p:attrName>ppt_y</p:attrName>
-                                        </p:attrNameLst>
-                                      </p:cBhvr>
-                                      <p:tavLst>
-                                        <p:tav tm="0">
-                                          <p:val>
-                                            <p:strVal val="1+#ppt_h/2"/>
-                                          </p:val>
-                                        </p:tav>
-                                        <p:tav tm="100000">
-                                          <p:val>
-                                            <p:strVal val="#ppt_y"/>
-                                          </p:val>
-                                        </p:tav>
-                                      </p:tavLst>
-                                    </p:anim>
-                                  </p:childTnLst>
-                                </p:cTn>
-                              </p:par>
-                              <p:par>
-                                <p:cTn id="13" presetID="2" presetClass="entr" presetSubtype="4" fill="hold" nodeType="withEffect">
-                                  <p:stCondLst>
-                                    <p:cond delay="0"/>
-                                  </p:stCondLst>
-                                  <p:childTnLst>
-                                    <p:set>
-                                      <p:cBhvr>
-                                        <p:cTn id="14" dur="1" fill="hold">
-                                          <p:stCondLst>
-                                            <p:cond delay="0"/>
-                                          </p:stCondLst>
-                                        </p:cTn>
-                                        <p:tgtEl>
-                                          <p:spTgt spid="14"/>
-                                        </p:tgtEl>
-                                        <p:attrNameLst>
-                                          <p:attrName>style.visibility</p:attrName>
-                                        </p:attrNameLst>
-                                      </p:cBhvr>
-                                      <p:to>
-                                        <p:strVal val="visible"/>
-                                      </p:to>
-                                    </p:set>
-                                    <p:anim calcmode="lin" valueType="num">
-                                      <p:cBhvr additive="base">
-                                        <p:cTn id="15" dur="500" fill="hold"/>
-                                        <p:tgtEl>
-                                          <p:spTgt spid="14"/>
-                                        </p:tgtEl>
-                                        <p:attrNameLst>
-                                          <p:attrName>ppt_x</p:attrName>
-                                        </p:attrNameLst>
-                                      </p:cBhvr>
-                                      <p:tavLst>
-                                        <p:tav tm="0">
-                                          <p:val>
-                                            <p:strVal val="#ppt_x"/>
-                                          </p:val>
-                                        </p:tav>
-                                        <p:tav tm="100000">
-                                          <p:val>
-                                            <p:strVal val="#ppt_x"/>
-                                          </p:val>
-                                        </p:tav>
-                                      </p:tavLst>
-                                    </p:anim>
-                                    <p:anim calcmode="lin" valueType="num">
-                                      <p:cBhvr additive="base">
-                                        <p:cTn id="16" dur="500" fill="hold"/>
-                                        <p:tgtEl>
-                                          <p:spTgt spid="14"/>
-                                        </p:tgtEl>
-                                        <p:attrNameLst>
-                                          <p:attrName>ppt_y</p:attrName>
-                                        </p:attrNameLst>
-                                      </p:cBhvr>
-                                      <p:tavLst>
-                                        <p:tav tm="0">
-                                          <p:val>
-                                            <p:strVal val="1+#ppt_h/2"/>
-                                          </p:val>
-                                        </p:tav>
-                                        <p:tav tm="100000">
-                                          <p:val>
-                                            <p:strVal val="#ppt_y"/>
-                                          </p:val>
-                                        </p:tav>
-                                      </p:tavLst>
-                                    </p:anim>
-                                  </p:childTnLst>
-                                </p:cTn>
-                              </p:par>
-                              <p:par>
-                                <p:cTn id="17" presetID="2" presetClass="entr" presetSubtype="4" fill="hold" nodeType="withEffect">
-                                  <p:stCondLst>
-                                    <p:cond delay="0"/>
-                                  </p:stCondLst>
-                                  <p:childTnLst>
-                                    <p:set>
-                                      <p:cBhvr>
-                                        <p:cTn id="18" dur="1" fill="hold">
-                                          <p:stCondLst>
-                                            <p:cond delay="0"/>
-                                          </p:stCondLst>
-                                        </p:cTn>
-                                        <p:tgtEl>
-                                          <p:spTgt spid="15"/>
-                                        </p:tgtEl>
-                                        <p:attrNameLst>
-                                          <p:attrName>style.visibility</p:attrName>
-                                        </p:attrNameLst>
-                                      </p:cBhvr>
-                                      <p:to>
-                                        <p:strVal val="visible"/>
-                                      </p:to>
-                                    </p:set>
-                                    <p:anim calcmode="lin" valueType="num">
-                                      <p:cBhvr additive="base">
-                                        <p:cTn id="19" dur="500" fill="hold"/>
-                                        <p:tgtEl>
-                                          <p:spTgt spid="15"/>
-                                        </p:tgtEl>
-                                        <p:attrNameLst>
-                                          <p:attrName>ppt_x</p:attrName>
-                                        </p:attrNameLst>
-                                      </p:cBhvr>
-                                      <p:tavLst>
-                                        <p:tav tm="0">
-                                          <p:val>
-                                            <p:strVal val="#ppt_x"/>
-                                          </p:val>
-                                        </p:tav>
-                                        <p:tav tm="100000">
-                                          <p:val>
-                                            <p:strVal val="#ppt_x"/>
-                                          </p:val>
-                                        </p:tav>
-                                      </p:tavLst>
-                                    </p:anim>
-                                    <p:anim calcmode="lin" valueType="num">
-                                      <p:cBhvr additive="base">
-                                        <p:cTn id="20" dur="500" fill="hold"/>
-                                        <p:tgtEl>
-                                          <p:spTgt spid="15"/>
-                                        </p:tgtEl>
-                                        <p:attrNameLst>
-                                          <p:attrName>ppt_y</p:attrName>
-                                        </p:attrNameLst>
-                                      </p:cBhvr>
-                                      <p:tavLst>
-                                        <p:tav tm="0">
-                                          <p:val>
-                                            <p:strVal val="1+#ppt_h/2"/>
-                                          </p:val>
-                                        </p:tav>
-                                        <p:tav tm="100000">
-                                          <p:val>
-                                            <p:strVal val="#ppt_y"/>
-                                          </p:val>
-                                        </p:tav>
-                                      </p:tavLst>
-                                    </p:anim>
-                                  </p:childTnLst>
-                                </p:cTn>
-                              </p:par>
-                              <p:par>
-                                <p:cTn id="21" presetID="2" presetClass="entr" presetSubtype="4" fill="hold" nodeType="withEffect">
-                                  <p:stCondLst>
-                                    <p:cond delay="0"/>
-                                  </p:stCondLst>
-                                  <p:childTnLst>
-                                    <p:set>
-                                      <p:cBhvr>
-                                        <p:cTn id="22" dur="1" fill="hold">
-                                          <p:stCondLst>
-                                            <p:cond delay="0"/>
-                                          </p:stCondLst>
-                                        </p:cTn>
-                                        <p:tgtEl>
-                                          <p:spTgt spid="16"/>
-                                        </p:tgtEl>
-                                        <p:attrNameLst>
-                                          <p:attrName>style.visibility</p:attrName>
-                                        </p:attrNameLst>
-                                      </p:cBhvr>
-                                      <p:to>
-                                        <p:strVal val="visible"/>
-                                      </p:to>
-                                    </p:set>
-                                    <p:anim calcmode="lin" valueType="num">
-                                      <p:cBhvr additive="base">
-                                        <p:cTn id="23" dur="500" fill="hold"/>
-                                        <p:tgtEl>
-                                          <p:spTgt spid="16"/>
-                                        </p:tgtEl>
-                                        <p:attrNameLst>
-                                          <p:attrName>ppt_x</p:attrName>
-                                        </p:attrNameLst>
-                                      </p:cBhvr>
-                                      <p:tavLst>
-                                        <p:tav tm="0">
-                                          <p:val>
-                                            <p:strVal val="#ppt_x"/>
-                                          </p:val>
-                                        </p:tav>
-                                        <p:tav tm="100000">
-                                          <p:val>
-                                            <p:strVal val="#ppt_x"/>
-                                          </p:val>
-                                        </p:tav>
-                                      </p:tavLst>
-                                    </p:anim>
-                                    <p:anim calcmode="lin" valueType="num">
-                                      <p:cBhvr additive="base">
-                                        <p:cTn id="24" dur="500" fill="hold"/>
-                                        <p:tgtEl>
-                                          <p:spTgt spid="16"/>
-                                        </p:tgtEl>
-                                        <p:attrNameLst>
-                                          <p:attrName>ppt_y</p:attrName>
-                                        </p:attrNameLst>
-                                      </p:cBhvr>
-                                      <p:tavLst>
-                                        <p:tav tm="0">
-                                          <p:val>
-                                            <p:strVal val="1+#ppt_h/2"/>
-                                          </p:val>
-                                        </p:tav>
-                                        <p:tav tm="100000">
-                                          <p:val>
-                                            <p:strVal val="#ppt_y"/>
-                                          </p:val>
-                                        </p:tav>
-                                      </p:tavLst>
-                                    </p:anim>
-                                  </p:childTnLst>
-                                </p:cTn>
-                              </p:par>
-                              <p:par>
-                                <p:cTn id="25" presetID="2" presetClass="entr" presetSubtype="4" fill="hold" grpId="0" nodeType="withEffect">
-                                  <p:stCondLst>
-                                    <p:cond delay="0"/>
-                                  </p:stCondLst>
-                                  <p:childTnLst>
-                                    <p:set>
-                                      <p:cBhvr>
-                                        <p:cTn id="26" dur="1" fill="hold">
-                                          <p:stCondLst>
-                                            <p:cond delay="0"/>
-                                          </p:stCondLst>
-                                        </p:cTn>
-                                        <p:tgtEl>
-                                          <p:spTgt spid="37"/>
-                                        </p:tgtEl>
-                                        <p:attrNameLst>
-                                          <p:attrName>style.visibility</p:attrName>
-                                        </p:attrNameLst>
-                                      </p:cBhvr>
-                                      <p:to>
-                                        <p:strVal val="visible"/>
-                                      </p:to>
-                                    </p:set>
-                                    <p:anim calcmode="lin" valueType="num">
-                                      <p:cBhvr additive="base">
-                                        <p:cTn id="27" dur="500" fill="hold"/>
-                                        <p:tgtEl>
-                                          <p:spTgt spid="37"/>
-                                        </p:tgtEl>
-                                        <p:attrNameLst>
-                                          <p:attrName>ppt_x</p:attrName>
-                                        </p:attrNameLst>
-                                      </p:cBhvr>
-                                      <p:tavLst>
-                                        <p:tav tm="0">
-                                          <p:val>
-                                            <p:strVal val="#ppt_x"/>
-                                          </p:val>
-                                        </p:tav>
-                                        <p:tav tm="100000">
-                                          <p:val>
-                                            <p:strVal val="#ppt_x"/>
-                                          </p:val>
-                                        </p:tav>
-                                      </p:tavLst>
-                                    </p:anim>
-                                    <p:anim calcmode="lin" valueType="num">
-                                      <p:cBhvr additive="base">
-                                        <p:cTn id="28" dur="500" fill="hold"/>
-                                        <p:tgtEl>
-                                          <p:spTgt spid="37"/>
-                                        </p:tgtEl>
-                                        <p:attrNameLst>
-                                          <p:attrName>ppt_y</p:attrName>
-                                        </p:attrNameLst>
-                                      </p:cBhvr>
-                                      <p:tavLst>
-                                        <p:tav tm="0">
-                                          <p:val>
-                                            <p:strVal val="1+#ppt_h/2"/>
-                                          </p:val>
-                                        </p:tav>
-                                        <p:tav tm="100000">
-                                          <p:val>
-                                            <p:strVal val="#ppt_y"/>
-                                          </p:val>
-                                        </p:tav>
-                                      </p:tavLst>
-                                    </p:anim>
-                                  </p:childTnLst>
-                                </p:cTn>
-                              </p:par>
-                              <p:par>
-                                <p:cTn id="29" presetID="2" presetClass="entr" presetSubtype="4" fill="hold" grpId="0" nodeType="withEffect">
-                                  <p:stCondLst>
-                                    <p:cond delay="0"/>
-                                  </p:stCondLst>
-                                  <p:childTnLst>
-                                    <p:set>
-                                      <p:cBhvr>
-                                        <p:cTn id="30" dur="1" fill="hold">
-                                          <p:stCondLst>
-                                            <p:cond delay="0"/>
-                                          </p:stCondLst>
-                                        </p:cTn>
-                                        <p:tgtEl>
-                                          <p:spTgt spid="36"/>
-                                        </p:tgtEl>
-                                        <p:attrNameLst>
-                                          <p:attrName>style.visibility</p:attrName>
-                                        </p:attrNameLst>
-                                      </p:cBhvr>
-                                      <p:to>
-                                        <p:strVal val="visible"/>
-                                      </p:to>
-                                    </p:set>
-                                    <p:anim calcmode="lin" valueType="num">
-                                      <p:cBhvr additive="base">
-                                        <p:cTn id="31" dur="500" fill="hold"/>
-                                        <p:tgtEl>
-                                          <p:spTgt spid="36"/>
-                                        </p:tgtEl>
-                                        <p:attrNameLst>
-                                          <p:attrName>ppt_x</p:attrName>
-                                        </p:attrNameLst>
-                                      </p:cBhvr>
-                                      <p:tavLst>
-                                        <p:tav tm="0">
-                                          <p:val>
-                                            <p:strVal val="#ppt_x"/>
-                                          </p:val>
-                                        </p:tav>
-                                        <p:tav tm="100000">
-                                          <p:val>
-                                            <p:strVal val="#ppt_x"/>
-                                          </p:val>
-                                        </p:tav>
-                                      </p:tavLst>
-                                    </p:anim>
-                                    <p:anim calcmode="lin" valueType="num">
-                                      <p:cBhvr additive="base">
-                                        <p:cTn id="32" dur="500" fill="hold"/>
-                                        <p:tgtEl>
-                                          <p:spTgt spid="36"/>
-                                        </p:tgtEl>
-                                        <p:attrNameLst>
-                                          <p:attrName>ppt_y</p:attrName>
-                                        </p:attrNameLst>
-                                      </p:cBhvr>
-                                      <p:tavLst>
-                                        <p:tav tm="0">
-                                          <p:val>
-                                            <p:strVal val="1+#ppt_h/2"/>
-                                          </p:val>
-                                        </p:tav>
-                                        <p:tav tm="100000">
-                                          <p:val>
-                                            <p:strVal val="#ppt_y"/>
-                                          </p:val>
-                                        </p:tav>
-                                      </p:tavLst>
-                                    </p:anim>
-                                  </p:childTnLst>
-                                </p:cTn>
-                              </p:par>
-                              <p:par>
-                                <p:cTn id="33" presetID="2" presetClass="entr" presetSubtype="4" fill="hold" grpId="0" nodeType="withEffect">
-                                  <p:stCondLst>
-                                    <p:cond delay="0"/>
-                                  </p:stCondLst>
-                                  <p:childTnLst>
-                                    <p:set>
-                                      <p:cBhvr>
-                                        <p:cTn id="34" dur="1" fill="hold">
-                                          <p:stCondLst>
-                                            <p:cond delay="0"/>
-                                          </p:stCondLst>
-                                        </p:cTn>
-                                        <p:tgtEl>
-                                          <p:spTgt spid="34"/>
-                                        </p:tgtEl>
-                                        <p:attrNameLst>
-                                          <p:attrName>style.visibility</p:attrName>
-                                        </p:attrNameLst>
-                                      </p:cBhvr>
-                                      <p:to>
-                                        <p:strVal val="visible"/>
-                                      </p:to>
-                                    </p:set>
-                                    <p:anim calcmode="lin" valueType="num">
-                                      <p:cBhvr additive="base">
-                                        <p:cTn id="35" dur="500" fill="hold"/>
-                                        <p:tgtEl>
-                                          <p:spTgt spid="34"/>
-                                        </p:tgtEl>
-                                        <p:attrNameLst>
-                                          <p:attrName>ppt_x</p:attrName>
-                                        </p:attrNameLst>
-                                      </p:cBhvr>
-                                      <p:tavLst>
-                                        <p:tav tm="0">
-                                          <p:val>
-                                            <p:strVal val="#ppt_x"/>
-                                          </p:val>
-                                        </p:tav>
-                                        <p:tav tm="100000">
-                                          <p:val>
-                                            <p:strVal val="#ppt_x"/>
-                                          </p:val>
-                                        </p:tav>
-                                      </p:tavLst>
-                                    </p:anim>
-                                    <p:anim calcmode="lin" valueType="num">
-                                      <p:cBhvr additive="base">
-                                        <p:cTn id="36" dur="500" fill="hold"/>
-                                        <p:tgtEl>
-                                          <p:spTgt spid="34"/>
-                                        </p:tgtEl>
-                                        <p:attrNameLst>
-                                          <p:attrName>ppt_y</p:attrName>
-                                        </p:attrNameLst>
-                                      </p:cBhvr>
-                                      <p:tavLst>
-                                        <p:tav tm="0">
-                                          <p:val>
-                                            <p:strVal val="1+#ppt_h/2"/>
-                                          </p:val>
-                                        </p:tav>
-                                        <p:tav tm="100000">
-                                          <p:val>
-                                            <p:strVal val="#ppt_y"/>
-                                          </p:val>
-                                        </p:tav>
-                                      </p:tavLst>
-                                    </p:anim>
-                                  </p:childTnLst>
-                                </p:cTn>
-                              </p:par>
-                              <p:par>
-                                <p:cTn id="37" presetID="2" presetClass="entr" presetSubtype="4" fill="hold" grpId="0" nodeType="withEffect">
-                                  <p:stCondLst>
-                                    <p:cond delay="0"/>
-                                  </p:stCondLst>
-                                  <p:childTnLst>
-                                    <p:set>
-                                      <p:cBhvr>
-                                        <p:cTn id="38" dur="1" fill="hold">
-                                          <p:stCondLst>
-                                            <p:cond delay="0"/>
-                                          </p:stCondLst>
-                                        </p:cTn>
-                                        <p:tgtEl>
-                                          <p:spTgt spid="33"/>
-                                        </p:tgtEl>
-                                        <p:attrNameLst>
-                                          <p:attrName>style.visibility</p:attrName>
-                                        </p:attrNameLst>
-                                      </p:cBhvr>
-                                      <p:to>
-                                        <p:strVal val="visible"/>
-                                      </p:to>
-                                    </p:set>
-                                    <p:anim calcmode="lin" valueType="num">
-                                      <p:cBhvr additive="base">
-                                        <p:cTn id="39" dur="500" fill="hold"/>
-                                        <p:tgtEl>
-                                          <p:spTgt spid="33"/>
-                                        </p:tgtEl>
-                                        <p:attrNameLst>
-                                          <p:attrName>ppt_x</p:attrName>
-                                        </p:attrNameLst>
-                                      </p:cBhvr>
-                                      <p:tavLst>
-                                        <p:tav tm="0">
-                                          <p:val>
-                                            <p:strVal val="#ppt_x"/>
-                                          </p:val>
-                                        </p:tav>
-                                        <p:tav tm="100000">
-                                          <p:val>
-                                            <p:strVal val="#ppt_x"/>
-                                          </p:val>
-                                        </p:tav>
-                                      </p:tavLst>
-                                    </p:anim>
-                                    <p:anim calcmode="lin" valueType="num">
-                                      <p:cBhvr additive="base">
-                                        <p:cTn id="40" dur="500" fill="hold"/>
-                                        <p:tgtEl>
-                                          <p:spTgt spid="33"/>
-                                        </p:tgtEl>
-                                        <p:attrNameLst>
-                                          <p:attrName>ppt_y</p:attrName>
-                                        </p:attrNameLst>
-                                      </p:cBhvr>
-                                      <p:tavLst>
-                                        <p:tav tm="0">
-                                          <p:val>
-                                            <p:strVal val="1+#ppt_h/2"/>
-                                          </p:val>
-                                        </p:tav>
-                                        <p:tav tm="100000">
-                                          <p:val>
-                                            <p:strVal val="#ppt_y"/>
-                                          </p:val>
-                                        </p:tav>
-                                      </p:tavLst>
-                                    </p:anim>
-                                  </p:childTnLst>
-                                </p:cTn>
-                              </p:par>
-                            </p:childTnLst>
-                          </p:cTn>
-                        </p:par>
-                      </p:childTnLst>
-                    </p:cTn>
-                  </p:par>
-                  <p:par>
-                    <p:cTn id="41" fill="hold">
-                      <p:stCondLst>
-                        <p:cond delay="indefinite"/>
-                      </p:stCondLst>
-                      <p:childTnLst>
-                        <p:par>
-                          <p:cTn id="42" fill="hold">
-                            <p:stCondLst>
-                              <p:cond delay="0"/>
-                            </p:stCondLst>
-                            <p:childTnLst>
-                              <p:par>
-                                <p:cTn id="43" presetID="10" presetClass="entr" presetSubtype="0" fill="hold" grpId="0" nodeType="clickEffect">
-                                  <p:stCondLst>
-                                    <p:cond delay="0"/>
-                                  </p:stCondLst>
-                                  <p:childTnLst>
-                                    <p:set>
-                                      <p:cBhvr>
-                                        <p:cTn id="44" dur="1" fill="hold">
-                                          <p:stCondLst>
-                                            <p:cond delay="0"/>
-                                          </p:stCondLst>
-                                        </p:cTn>
-                                        <p:tgtEl>
-                                          <p:spTgt spid="18"/>
-                                        </p:tgtEl>
-                                        <p:attrNameLst>
-                                          <p:attrName>style.visibility</p:attrName>
-                                        </p:attrNameLst>
-                                      </p:cBhvr>
-                                      <p:to>
-                                        <p:strVal val="visible"/>
-                                      </p:to>
-                                    </p:set>
-                                    <p:animEffect transition="in" filter="fade">
-                                      <p:cBhvr>
-                                        <p:cTn id="45" dur="500"/>
-                                        <p:tgtEl>
-                                          <p:spTgt spid="18"/>
-                                        </p:tgtEl>
-                                      </p:cBhvr>
-                                    </p:animEffect>
-                                  </p:childTnLst>
-                                </p:cTn>
-                              </p:par>
-                              <p:par>
-                                <p:cTn id="46" presetID="10" presetClass="entr" presetSubtype="0" fill="hold" grpId="0" nodeType="withEffect">
-                                  <p:stCondLst>
-                                    <p:cond delay="0"/>
-                                  </p:stCondLst>
-                                  <p:childTnLst>
-                                    <p:set>
-                                      <p:cBhvr>
-                                        <p:cTn id="47" dur="1" fill="hold">
-                                          <p:stCondLst>
-                                            <p:cond delay="0"/>
-                                          </p:stCondLst>
-                                        </p:cTn>
-                                        <p:tgtEl>
-                                          <p:spTgt spid="19"/>
-                                        </p:tgtEl>
-                                        <p:attrNameLst>
-                                          <p:attrName>style.visibility</p:attrName>
-                                        </p:attrNameLst>
-                                      </p:cBhvr>
-                                      <p:to>
-                                        <p:strVal val="visible"/>
-                                      </p:to>
-                                    </p:set>
-                                    <p:animEffect transition="in" filter="fade">
-                                      <p:cBhvr>
-                                        <p:cTn id="48" dur="500"/>
-                                        <p:tgtEl>
-                                          <p:spTgt spid="19"/>
-                                        </p:tgtEl>
-                                      </p:cBhvr>
-                                    </p:animEffect>
-                                  </p:childTnLst>
-                                </p:cTn>
-                              </p:par>
-                              <p:par>
-                                <p:cTn id="49" presetID="10" presetClass="entr" presetSubtype="0" fill="hold" grpId="0" nodeType="withEffect">
-                                  <p:stCondLst>
-                                    <p:cond delay="0"/>
-                                  </p:stCondLst>
-                                  <p:childTnLst>
-                                    <p:set>
-                                      <p:cBhvr>
-                                        <p:cTn id="50" dur="1" fill="hold">
-                                          <p:stCondLst>
-                                            <p:cond delay="0"/>
-                                          </p:stCondLst>
-                                        </p:cTn>
-                                        <p:tgtEl>
-                                          <p:spTgt spid="20"/>
-                                        </p:tgtEl>
-                                        <p:attrNameLst>
-                                          <p:attrName>style.visibility</p:attrName>
-                                        </p:attrNameLst>
-                                      </p:cBhvr>
-                                      <p:to>
-                                        <p:strVal val="visible"/>
-                                      </p:to>
-                                    </p:set>
-                                    <p:animEffect transition="in" filter="fade">
-                                      <p:cBhvr>
-                                        <p:cTn id="51" dur="500"/>
-                                        <p:tgtEl>
-                                          <p:spTgt spid="20"/>
-                                        </p:tgtEl>
-                                      </p:cBhvr>
-                                    </p:animEffect>
-                                  </p:childTnLst>
-                                </p:cTn>
-                              </p:par>
-                            </p:childTnLst>
-                          </p:cTn>
-                        </p:par>
-                      </p:childTnLst>
-                    </p:cTn>
-                  </p:par>
-                  <p:par>
-                    <p:cTn id="52" fill="hold">
-                      <p:stCondLst>
-                        <p:cond delay="indefinite"/>
-                      </p:stCondLst>
-                      <p:childTnLst>
-                        <p:par>
-                          <p:cTn id="53" fill="hold">
-                            <p:stCondLst>
-                              <p:cond delay="0"/>
-                            </p:stCondLst>
-                            <p:childTnLst>
-                              <p:par>
-                                <p:cTn id="54" presetID="10" presetClass="entr" presetSubtype="0" fill="hold" grpId="0" nodeType="clickEffect">
-                                  <p:stCondLst>
-                                    <p:cond delay="0"/>
-                                  </p:stCondLst>
-                                  <p:childTnLst>
-                                    <p:set>
-                                      <p:cBhvr>
-                                        <p:cTn id="55" dur="1" fill="hold">
-                                          <p:stCondLst>
-                                            <p:cond delay="0"/>
-                                          </p:stCondLst>
-                                        </p:cTn>
-                                        <p:tgtEl>
-                                          <p:spTgt spid="21"/>
-                                        </p:tgtEl>
-                                        <p:attrNameLst>
-                                          <p:attrName>style.visibility</p:attrName>
-                                        </p:attrNameLst>
-                                      </p:cBhvr>
-                                      <p:to>
-                                        <p:strVal val="visible"/>
-                                      </p:to>
-                                    </p:set>
-                                    <p:animEffect transition="in" filter="fade">
-                                      <p:cBhvr>
-                                        <p:cTn id="56" dur="500"/>
-                                        <p:tgtEl>
-                                          <p:spTgt spid="21"/>
-                                        </p:tgtEl>
-                                      </p:cBhvr>
-                                    </p:animEffect>
-                                  </p:childTnLst>
-                                </p:cTn>
-                              </p:par>
-                              <p:par>
-                                <p:cTn id="57" presetID="10" presetClass="entr" presetSubtype="0" fill="hold" grpId="0" nodeType="withEffect">
-                                  <p:stCondLst>
-                                    <p:cond delay="0"/>
-                                  </p:stCondLst>
-                                  <p:childTnLst>
-                                    <p:set>
-                                      <p:cBhvr>
-                                        <p:cTn id="58" dur="1" fill="hold">
-                                          <p:stCondLst>
-                                            <p:cond delay="0"/>
-                                          </p:stCondLst>
-                                        </p:cTn>
-                                        <p:tgtEl>
-                                          <p:spTgt spid="22"/>
-                                        </p:tgtEl>
-                                        <p:attrNameLst>
-                                          <p:attrName>style.visibility</p:attrName>
-                                        </p:attrNameLst>
-                                      </p:cBhvr>
-                                      <p:to>
-                                        <p:strVal val="visible"/>
-                                      </p:to>
-                                    </p:set>
-                                    <p:animEffect transition="in" filter="fade">
-                                      <p:cBhvr>
-                                        <p:cTn id="59" dur="500"/>
-                                        <p:tgtEl>
-                                          <p:spTgt spid="22"/>
-                                        </p:tgtEl>
-                                      </p:cBhvr>
-                                    </p:animEffect>
-                                  </p:childTnLst>
-                                </p:cTn>
-                              </p:par>
-                              <p:par>
-                                <p:cTn id="60" presetID="10" presetClass="entr" presetSubtype="0" fill="hold" grpId="0" nodeType="withEffect">
-                                  <p:stCondLst>
-                                    <p:cond delay="0"/>
-                                  </p:stCondLst>
-                                  <p:childTnLst>
-                                    <p:set>
-                                      <p:cBhvr>
-                                        <p:cTn id="61" dur="1" fill="hold">
-                                          <p:stCondLst>
-                                            <p:cond delay="0"/>
-                                          </p:stCondLst>
-                                        </p:cTn>
-                                        <p:tgtEl>
-                                          <p:spTgt spid="24"/>
-                                        </p:tgtEl>
-                                        <p:attrNameLst>
-                                          <p:attrName>style.visibility</p:attrName>
-                                        </p:attrNameLst>
-                                      </p:cBhvr>
-                                      <p:to>
-                                        <p:strVal val="visible"/>
-                                      </p:to>
-                                    </p:set>
-                                    <p:animEffect transition="in" filter="fade">
-                                      <p:cBhvr>
-                                        <p:cTn id="62" dur="500"/>
-                                        <p:tgtEl>
-                                          <p:spTgt spid="24"/>
-                                        </p:tgtEl>
-                                      </p:cBhvr>
-                                    </p:animEffect>
-                                  </p:childTnLst>
-                                </p:cTn>
-                              </p:par>
-                              <p:par>
-                                <p:cTn id="63" presetID="10" presetClass="entr" presetSubtype="0" fill="hold" grpId="0" nodeType="withEffect">
-                                  <p:stCondLst>
-                                    <p:cond delay="0"/>
-                                  </p:stCondLst>
-                                  <p:childTnLst>
-                                    <p:set>
-                                      <p:cBhvr>
-                                        <p:cTn id="64" dur="1" fill="hold">
-                                          <p:stCondLst>
-                                            <p:cond delay="0"/>
-                                          </p:stCondLst>
-                                        </p:cTn>
-                                        <p:tgtEl>
-                                          <p:spTgt spid="23"/>
-                                        </p:tgtEl>
-                                        <p:attrNameLst>
-                                          <p:attrName>style.visibility</p:attrName>
-                                        </p:attrNameLst>
-                                      </p:cBhvr>
-                                      <p:to>
-                                        <p:strVal val="visible"/>
-                                      </p:to>
-                                    </p:set>
-                                    <p:animEffect transition="in" filter="fade">
-                                      <p:cBhvr>
-                                        <p:cTn id="65" dur="500"/>
-                                        <p:tgtEl>
-                                          <p:spTgt spid="23"/>
-                                        </p:tgtEl>
-                                      </p:cBhvr>
-                                    </p:animEffect>
-                                  </p:childTnLst>
-                                </p:cTn>
-                              </p:par>
-                              <p:par>
-                                <p:cTn id="66" presetID="10" presetClass="entr" presetSubtype="0" fill="hold" grpId="0" nodeType="withEffect">
-                                  <p:stCondLst>
-                                    <p:cond delay="0"/>
-                                  </p:stCondLst>
-                                  <p:childTnLst>
-                                    <p:set>
-                                      <p:cBhvr>
-                                        <p:cTn id="67" dur="1" fill="hold">
-                                          <p:stCondLst>
-                                            <p:cond delay="0"/>
-                                          </p:stCondLst>
-                                        </p:cTn>
-                                        <p:tgtEl>
-                                          <p:spTgt spid="25"/>
-                                        </p:tgtEl>
-                                        <p:attrNameLst>
-                                          <p:attrName>style.visibility</p:attrName>
-                                        </p:attrNameLst>
-                                      </p:cBhvr>
-                                      <p:to>
-                                        <p:strVal val="visible"/>
-                                      </p:to>
-                                    </p:set>
-                                    <p:animEffect transition="in" filter="fade">
-                                      <p:cBhvr>
-                                        <p:cTn id="68" dur="500"/>
-                                        <p:tgtEl>
-                                          <p:spTgt spid="25"/>
-                                        </p:tgtEl>
-                                      </p:cBhvr>
-                                    </p:animEffect>
-                                  </p:childTnLst>
-                                </p:cTn>
-                              </p:par>
-                              <p:par>
-                                <p:cTn id="69" presetID="10" presetClass="entr" presetSubtype="0" fill="hold" grpId="0" nodeType="withEffect">
-                                  <p:stCondLst>
-                                    <p:cond delay="0"/>
-                                  </p:stCondLst>
-                                  <p:childTnLst>
-                                    <p:set>
-                                      <p:cBhvr>
-                                        <p:cTn id="70" dur="1" fill="hold">
-                                          <p:stCondLst>
-                                            <p:cond delay="0"/>
-                                          </p:stCondLst>
-                                        </p:cTn>
-                                        <p:tgtEl>
-                                          <p:spTgt spid="26"/>
-                                        </p:tgtEl>
-                                        <p:attrNameLst>
-                                          <p:attrName>style.visibility</p:attrName>
-                                        </p:attrNameLst>
-                                      </p:cBhvr>
-                                      <p:to>
-                                        <p:strVal val="visible"/>
-                                      </p:to>
-                                    </p:set>
-                                    <p:animEffect transition="in" filter="fade">
-                                      <p:cBhvr>
-                                        <p:cTn id="71" dur="500"/>
-                                        <p:tgtEl>
-                                          <p:spTgt spid="26"/>
-                                        </p:tgtEl>
-                                      </p:cBhvr>
-                                    </p:animEffect>
-                                  </p:childTnLst>
-                                </p:cTn>
-                              </p:par>
-                            </p:childTnLst>
-                          </p:cTn>
-                        </p:par>
-                      </p:childTnLst>
-                    </p:cTn>
-                  </p:par>
-                  <p:par>
-                    <p:cTn id="72" fill="hold">
-                      <p:stCondLst>
-                        <p:cond delay="indefinite"/>
-                      </p:stCondLst>
-                      <p:childTnLst>
-                        <p:par>
-                          <p:cTn id="73" fill="hold">
-                            <p:stCondLst>
-                              <p:cond delay="0"/>
-                            </p:stCondLst>
-                            <p:childTnLst>
-                              <p:par>
-                                <p:cTn id="74" presetID="10" presetClass="entr" presetSubtype="0" fill="hold" grpId="0" nodeType="clickEffect">
-                                  <p:stCondLst>
-                                    <p:cond delay="0"/>
-                                  </p:stCondLst>
-                                  <p:childTnLst>
-                                    <p:set>
-                                      <p:cBhvr>
-                                        <p:cTn id="75" dur="1" fill="hold">
-                                          <p:stCondLst>
-                                            <p:cond delay="0"/>
-                                          </p:stCondLst>
-                                        </p:cTn>
-                                        <p:tgtEl>
-                                          <p:spTgt spid="27"/>
-                                        </p:tgtEl>
-                                        <p:attrNameLst>
-                                          <p:attrName>style.visibility</p:attrName>
-                                        </p:attrNameLst>
-                                      </p:cBhvr>
-                                      <p:to>
-                                        <p:strVal val="visible"/>
-                                      </p:to>
-                                    </p:set>
-                                    <p:animEffect transition="in" filter="fade">
-                                      <p:cBhvr>
-                                        <p:cTn id="76" dur="500"/>
-                                        <p:tgtEl>
-                                          <p:spTgt spid="27"/>
-                                        </p:tgtEl>
-                                      </p:cBhvr>
-                                    </p:animEffect>
-                                  </p:childTnLst>
-                                </p:cTn>
-                              </p:par>
-                              <p:par>
-                                <p:cTn id="77" presetID="10" presetClass="entr" presetSubtype="0" fill="hold" grpId="0" nodeType="withEffect">
-                                  <p:stCondLst>
-                                    <p:cond delay="0"/>
-                                  </p:stCondLst>
-                                  <p:childTnLst>
-                                    <p:set>
-                                      <p:cBhvr>
-                                        <p:cTn id="78" dur="1" fill="hold">
-                                          <p:stCondLst>
-                                            <p:cond delay="0"/>
-                                          </p:stCondLst>
-                                        </p:cTn>
-                                        <p:tgtEl>
-                                          <p:spTgt spid="28"/>
-                                        </p:tgtEl>
-                                        <p:attrNameLst>
-                                          <p:attrName>style.visibility</p:attrName>
-                                        </p:attrNameLst>
-                                      </p:cBhvr>
-                                      <p:to>
-                                        <p:strVal val="visible"/>
-                                      </p:to>
-                                    </p:set>
-                                    <p:animEffect transition="in" filter="fade">
-                                      <p:cBhvr>
-                                        <p:cTn id="79" dur="500"/>
-                                        <p:tgtEl>
-                                          <p:spTgt spid="28"/>
-                                        </p:tgtEl>
-                                      </p:cBhvr>
-                                    </p:animEffect>
-                                  </p:childTnLst>
-                                </p:cTn>
-                              </p:par>
-                              <p:par>
-                                <p:cTn id="80" presetID="10" presetClass="entr" presetSubtype="0" fill="hold" grpId="0" nodeType="withEffect">
-                                  <p:stCondLst>
-                                    <p:cond delay="0"/>
-                                  </p:stCondLst>
-                                  <p:childTnLst>
-                                    <p:set>
-                                      <p:cBhvr>
-                                        <p:cTn id="81" dur="1" fill="hold">
-                                          <p:stCondLst>
-                                            <p:cond delay="0"/>
-                                          </p:stCondLst>
-                                        </p:cTn>
-                                        <p:tgtEl>
-                                          <p:spTgt spid="29"/>
-                                        </p:tgtEl>
-                                        <p:attrNameLst>
-                                          <p:attrName>style.visibility</p:attrName>
-                                        </p:attrNameLst>
-                                      </p:cBhvr>
-                                      <p:to>
-                                        <p:strVal val="visible"/>
-                                      </p:to>
-                                    </p:set>
-                                    <p:animEffect transition="in" filter="fade">
-                                      <p:cBhvr>
-                                        <p:cTn id="82" dur="500"/>
-                                        <p:tgtEl>
-                                          <p:spTgt spid="29"/>
-                                        </p:tgtEl>
-                                      </p:cBhvr>
-                                    </p:animEffect>
-                                  </p:childTnLst>
-                                </p:cTn>
-                              </p:par>
-                              <p:par>
-                                <p:cTn id="83" presetID="10" presetClass="entr" presetSubtype="0" fill="hold" grpId="0" nodeType="withEffect">
-                                  <p:stCondLst>
-                                    <p:cond delay="0"/>
-                                  </p:stCondLst>
-                                  <p:childTnLst>
-                                    <p:set>
-                                      <p:cBhvr>
-                                        <p:cTn id="84" dur="1" fill="hold">
-                                          <p:stCondLst>
-                                            <p:cond delay="0"/>
-                                          </p:stCondLst>
-                                        </p:cTn>
-                                        <p:tgtEl>
-                                          <p:spTgt spid="30"/>
-                                        </p:tgtEl>
-                                        <p:attrNameLst>
-                                          <p:attrName>style.visibility</p:attrName>
-                                        </p:attrNameLst>
-                                      </p:cBhvr>
-                                      <p:to>
-                                        <p:strVal val="visible"/>
-                                      </p:to>
-                                    </p:set>
-                                    <p:animEffect transition="in" filter="fade">
-                                      <p:cBhvr>
-                                        <p:cTn id="85" dur="500"/>
-                                        <p:tgtEl>
-                                          <p:spTgt spid="30"/>
-                                        </p:tgtEl>
-                                      </p:cBhvr>
-                                    </p:animEffect>
-                                  </p:childTnLst>
-                                </p:cTn>
-                              </p:par>
-                            </p:childTnLst>
-                          </p:cTn>
-                        </p:par>
-                      </p:childTnLst>
-                    </p:cTn>
-                  </p:par>
-                  <p:par>
-                    <p:cTn id="86" fill="hold">
-                      <p:stCondLst>
-                        <p:cond delay="indefinite"/>
-                      </p:stCondLst>
-                      <p:childTnLst>
-                        <p:par>
-                          <p:cTn id="87" fill="hold">
-                            <p:stCondLst>
-                              <p:cond delay="0"/>
-                            </p:stCondLst>
-                            <p:childTnLst>
-                              <p:par>
-                                <p:cTn id="88" presetID="10" presetClass="entr" presetSubtype="0" fill="hold" grpId="0" nodeType="clickEffect">
-                                  <p:stCondLst>
-                                    <p:cond delay="0"/>
-                                  </p:stCondLst>
-                                  <p:childTnLst>
-                                    <p:set>
-                                      <p:cBhvr>
-                                        <p:cTn id="89" dur="1" fill="hold">
-                                          <p:stCondLst>
-                                            <p:cond delay="0"/>
-                                          </p:stCondLst>
-                                        </p:cTn>
-                                        <p:tgtEl>
-                                          <p:spTgt spid="31"/>
-                                        </p:tgtEl>
-                                        <p:attrNameLst>
-                                          <p:attrName>style.visibility</p:attrName>
-                                        </p:attrNameLst>
-                                      </p:cBhvr>
-                                      <p:to>
-                                        <p:strVal val="visible"/>
-                                      </p:to>
-                                    </p:set>
-                                    <p:animEffect transition="in" filter="fade">
-                                      <p:cBhvr>
-                                        <p:cTn id="90" dur="500"/>
-                                        <p:tgtEl>
-                                          <p:spTgt spid="31"/>
-                                        </p:tgtEl>
-                                      </p:cBhvr>
-                                    </p:animEffect>
-                                  </p:childTnLst>
-                                </p:cTn>
-                              </p:par>
-                              <p:par>
-                                <p:cTn id="91" presetID="10" presetClass="entr" presetSubtype="0" fill="hold" grpId="0" nodeType="withEffect">
-                                  <p:stCondLst>
-                                    <p:cond delay="0"/>
-                                  </p:stCondLst>
-                                  <p:childTnLst>
-                                    <p:set>
-                                      <p:cBhvr>
-                                        <p:cTn id="92" dur="1" fill="hold">
-                                          <p:stCondLst>
-                                            <p:cond delay="0"/>
-                                          </p:stCondLst>
-                                        </p:cTn>
-                                        <p:tgtEl>
-                                          <p:spTgt spid="32"/>
-                                        </p:tgtEl>
-                                        <p:attrNameLst>
-                                          <p:attrName>style.visibility</p:attrName>
-                                        </p:attrNameLst>
-                                      </p:cBhvr>
-                                      <p:to>
-                                        <p:strVal val="visible"/>
-                                      </p:to>
-                                    </p:set>
-                                    <p:animEffect transition="in" filter="fade">
-                                      <p:cBhvr>
-                                        <p:cTn id="93" dur="500"/>
-                                        <p:tgtEl>
-                                          <p:spTgt spid="32"/>
-                                        </p:tgtEl>
-                                      </p:cBhvr>
-                                    </p:animEffect>
-                                  </p:childTnLst>
-                                </p:cTn>
-                              </p:par>
-                            </p:childTnLst>
-                          </p:cTn>
-                        </p:par>
-                      </p:childTnLst>
-                    </p:cTn>
-                  </p:par>
-                  <p:par>
-                    <p:cTn id="94" fill="hold">
-                      <p:stCondLst>
-                        <p:cond delay="indefinite"/>
-                      </p:stCondLst>
-                      <p:childTnLst>
-                        <p:par>
-                          <p:cTn id="95" fill="hold">
-                            <p:stCondLst>
-                              <p:cond delay="0"/>
-                            </p:stCondLst>
-                            <p:childTnLst>
-                              <p:par>
-                                <p:cTn id="96" presetID="10" presetClass="entr" presetSubtype="0" fill="hold" nodeType="clickEffect">
-                                  <p:stCondLst>
-                                    <p:cond delay="0"/>
-                                  </p:stCondLst>
-                                  <p:childTnLst>
-                                    <p:set>
-                                      <p:cBhvr>
-                                        <p:cTn id="97" dur="1" fill="hold">
-                                          <p:stCondLst>
-                                            <p:cond delay="0"/>
-                                          </p:stCondLst>
-                                        </p:cTn>
-                                        <p:tgtEl>
-                                          <p:spTgt spid="8"/>
-                                        </p:tgtEl>
-                                        <p:attrNameLst>
-                                          <p:attrName>style.visibility</p:attrName>
-                                        </p:attrNameLst>
-                                      </p:cBhvr>
-                                      <p:to>
-                                        <p:strVal val="visible"/>
-                                      </p:to>
-                                    </p:set>
-                                    <p:animEffect transition="in" filter="fade">
-                                      <p:cBhvr>
-                                        <p:cTn id="98" dur="500"/>
-                                        <p:tgtEl>
-                                          <p:spTgt spid="8"/>
-                                        </p:tgtEl>
-                                      </p:cBhvr>
-                                    </p:animEffect>
-                                  </p:childTnLst>
-                                </p:cTn>
-                              </p:par>
-                            </p:childTnLst>
-                          </p:cTn>
-                        </p:par>
-                      </p:childTnLst>
-                    </p:cTn>
-                  </p:par>
-                </p:childTnLst>
-              </p:cTn>
-              <p:prevCondLst>
-                <p:cond evt="onPrev" delay="0">
-                  <p:tgtEl>
-                    <p:sldTgt/>
-                  </p:tgtEl>
-                </p:cond>
-              </p:prevCondLst>
-              <p:nextCondLst>
-                <p:cond evt="onNext" delay="0">
-                  <p:tgtEl>
-                    <p:sldTgt/>
-                  </p:tgtEl>
-                </p:cond>
-              </p:nextCondLst>
-            </p:seq>
-          </p:childTnLst>
-        </p:cTn>
+        <p:cTn id="1" dur="indefinite" restart="never" nodeType="tmRoot"/>
       </p:par>
     </p:tnLst>
-    <p:bldLst>
-      <p:bldP spid="18" grpId="0" animBg="1"/>
-      <p:bldP spid="19" grpId="0" animBg="1"/>
-      <p:bldP spid="20" grpId="0" animBg="1"/>
-      <p:bldP spid="21" grpId="0" animBg="1"/>
-      <p:bldP spid="22" grpId="0" animBg="1"/>
-      <p:bldP spid="23" grpId="0" animBg="1"/>
-      <p:bldP spid="24" grpId="0" animBg="1"/>
-      <p:bldP spid="25" grpId="0" animBg="1"/>
-      <p:bldP spid="26" grpId="0" animBg="1"/>
-      <p:bldP spid="27" grpId="0" animBg="1"/>
-      <p:bldP spid="28" grpId="0" animBg="1"/>
-      <p:bldP spid="29" grpId="0" animBg="1"/>
-      <p:bldP spid="30" grpId="0" animBg="1"/>
-      <p:bldP spid="31" grpId="0" animBg="1"/>
-      <p:bldP spid="32" grpId="0" animBg="1"/>
-      <p:bldP spid="33" grpId="0"/>
-      <p:bldP spid="34" grpId="0"/>
-      <p:bldP spid="36" grpId="0"/>
-      <p:bldP spid="37" grpId="0"/>
-    </p:bldLst>
   </p:timing>
 </p:sld>
 </file>
 
-<file path=ppt/slides/slide4.xml><?xml version="1.0" encoding="utf-8"?>
+<file path=ppt/slides/slide8.xml><?xml version="1.0" encoding="utf-8"?>
 <p:sld xmlns:a="http://schemas.openxmlformats.org/drawingml/2006/main" xmlns:r="http://schemas.openxmlformats.org/officeDocument/2006/relationships" xmlns:p="http://schemas.openxmlformats.org/presentationml/2006/main">
   <p:cSld>
     <p:spTree>
@@ -8593,6 +6343,110 @@
       </p:grpSpPr>
       <p:sp>
         <p:nvSpPr>
+          <p:cNvPr id="5" name="Title 4"/>
+          <p:cNvSpPr>
+            <a:spLocks noGrp="1"/>
+          </p:cNvSpPr>
+          <p:nvPr>
+            <p:ph type="title"/>
+          </p:nvPr>
+        </p:nvSpPr>
+        <p:spPr>
+          <a:xfrm>
+            <a:off x="609600" y="3048000"/>
+            <a:ext cx="7924800" cy="503238"/>
+          </a:xfrm>
+        </p:spPr>
+        <p:txBody>
+          <a:bodyPr/>
+          <a:lstStyle/>
+          <a:p>
+            <a:pPr algn="ctr"/>
+            <a:r>
+              <a:rPr lang="en-US" dirty="0" smtClean="0"/>
+              <a:t>Equivalence class</a:t>
+            </a:r>
+            <a:br>
+              <a:rPr lang="en-US" dirty="0" smtClean="0"/>
+            </a:br>
+            <a:r>
+              <a:rPr lang="en-US" dirty="0" smtClean="0"/>
+              <a:t>(EQC)</a:t>
+            </a:r>
+            <a:endParaRPr lang="en-US" dirty="0"/>
+          </a:p>
+        </p:txBody>
+      </p:sp>
+    </p:spTree>
+  </p:cSld>
+  <p:clrMapOvr>
+    <a:masterClrMapping/>
+  </p:clrMapOvr>
+</p:sld>
+</file>
+
+<file path=ppt/slides/slide9.xml><?xml version="1.0" encoding="utf-8"?>
+<p:sld xmlns:a="http://schemas.openxmlformats.org/drawingml/2006/main" xmlns:r="http://schemas.openxmlformats.org/officeDocument/2006/relationships" xmlns:p="http://schemas.openxmlformats.org/presentationml/2006/main">
+  <p:cSld>
+    <p:spTree>
+      <p:nvGrpSpPr>
+        <p:cNvPr id="1" name=""/>
+        <p:cNvGrpSpPr/>
+        <p:nvPr/>
+      </p:nvGrpSpPr>
+      <p:grpSpPr>
+        <a:xfrm>
+          <a:off x="0" y="0"/>
+          <a:ext cx="0" cy="0"/>
+          <a:chOff x="0" y="0"/>
+          <a:chExt cx="0" cy="0"/>
+        </a:xfrm>
+      </p:grpSpPr>
+      <p:sp>
+        <p:nvSpPr>
+          <p:cNvPr id="2" name="Content Placeholder 1"/>
+          <p:cNvSpPr>
+            <a:spLocks noGrp="1"/>
+          </p:cNvSpPr>
+          <p:nvPr>
+            <p:ph sz="quarter" idx="13"/>
+          </p:nvPr>
+        </p:nvSpPr>
+        <p:spPr>
+          <a:xfrm>
+            <a:off x="609600" y="1600200"/>
+            <a:ext cx="7848600" cy="4114800"/>
+          </a:xfrm>
+        </p:spPr>
+        <p:txBody>
+          <a:bodyPr/>
+          <a:lstStyle/>
+          <a:p>
+            <a:r>
+              <a:rPr lang="en-US" dirty="0" smtClean="0"/>
+              <a:t>Classifying</a:t>
+            </a:r>
+            <a:r>
+              <a:rPr lang="en-US" dirty="0" smtClean="0"/>
+              <a:t> Inputs and Outputs into classes whereas values in the same class produce same behaviors.</a:t>
+            </a:r>
+          </a:p>
+          <a:p>
+            <a:r>
+              <a:rPr lang="en-US" dirty="0" smtClean="0"/>
+              <a:t>Choosing Test cases by picking only 1 value for a value domain in which all values performs the same behavior to test</a:t>
+            </a:r>
+          </a:p>
+          <a:p>
+            <a:endParaRPr lang="en-US" dirty="0" smtClean="0"/>
+          </a:p>
+          <a:p>
+            <a:endParaRPr lang="en-US" dirty="0"/>
+          </a:p>
+        </p:txBody>
+      </p:sp>
+      <p:sp>
+        <p:nvSpPr>
           <p:cNvPr id="4" name="Title 3"/>
           <p:cNvSpPr>
             <a:spLocks noGrp="1"/>
@@ -8607,626 +6461,59 @@
           <a:lstStyle/>
           <a:p>
             <a:r>
-              <a:rPr lang="en-US" sz="5400" dirty="0">
+              <a:rPr lang="en-US" sz="5400" dirty="0" smtClean="0">
                 <a:solidFill>
                   <a:srgbClr val="FFFFFF"/>
                 </a:solidFill>
               </a:rPr>
-              <a:t>BOUNDARY TEST</a:t>
+              <a:t>EQC</a:t>
             </a:r>
             <a:endParaRPr lang="en-US" dirty="0"/>
           </a:p>
         </p:txBody>
       </p:sp>
-      <p:sp>
-        <p:nvSpPr>
-          <p:cNvPr id="6" name="Content Placeholder 5"/>
-          <p:cNvSpPr>
-            <a:spLocks noGrp="1"/>
-          </p:cNvSpPr>
-          <p:nvPr>
-            <p:ph sz="quarter" idx="13"/>
-          </p:nvPr>
-        </p:nvSpPr>
-        <p:spPr>
+      <p:pic>
+        <p:nvPicPr>
+          <p:cNvPr id="1028" name="Picture 4"/>
+          <p:cNvPicPr>
+            <a:picLocks noChangeAspect="1" noChangeArrowheads="1"/>
+          </p:cNvPicPr>
+          <p:nvPr/>
+        </p:nvPicPr>
+        <p:blipFill>
+          <a:blip r:embed="rId2" cstate="print"/>
+          <a:srcRect/>
+          <a:stretch>
+            <a:fillRect/>
+          </a:stretch>
+        </p:blipFill>
+        <p:spPr bwMode="auto">
           <a:xfrm>
-            <a:off x="609600" y="1371600"/>
-            <a:ext cx="7924800" cy="4724400"/>
+            <a:off x="1600200" y="2895600"/>
+            <a:ext cx="5867400" cy="3528424"/>
           </a:xfrm>
+          <a:prstGeom prst="rect">
+            <a:avLst/>
+          </a:prstGeom>
+          <a:noFill/>
+          <a:ln w="9525">
+            <a:noFill/>
+            <a:miter lim="800000"/>
+            <a:headEnd/>
+            <a:tailEnd/>
+          </a:ln>
         </p:spPr>
-        <p:txBody>
-          <a:bodyPr>
-            <a:normAutofit fontScale="92500" lnSpcReduction="10000"/>
-          </a:bodyPr>
-          <a:lstStyle/>
-          <a:p>
-            <a:pPr>
-              <a:buFont typeface="Wingdings" pitchFamily="2" charset="2"/>
-              <a:buChar char="v"/>
-            </a:pPr>
-            <a:r>
-              <a:rPr lang="en-US" sz="2800" dirty="0" smtClean="0"/>
-              <a:t>Pros and cons</a:t>
-            </a:r>
-          </a:p>
-          <a:p>
-            <a:pPr>
-              <a:buFont typeface="Wingdings" pitchFamily="2" charset="2"/>
-              <a:buChar char="ü"/>
-            </a:pPr>
-            <a:r>
-              <a:rPr lang="en-US" sz="2400" dirty="0" smtClean="0"/>
-              <a:t>Relatively straightforward test-case generation</a:t>
-            </a:r>
-          </a:p>
-          <a:p>
-            <a:pPr>
-              <a:buFont typeface="Wingdings" pitchFamily="2" charset="2"/>
-              <a:buChar char="ü"/>
-            </a:pPr>
-            <a:r>
-              <a:rPr lang="en-US" sz="2400" dirty="0" smtClean="0"/>
-              <a:t>Pre-test</a:t>
-            </a:r>
-          </a:p>
-          <a:p>
-            <a:pPr>
-              <a:buFont typeface="Wingdings" pitchFamily="2" charset="2"/>
-              <a:buChar char="ü"/>
-            </a:pPr>
-            <a:r>
-              <a:rPr lang="en-US" sz="2400" dirty="0" smtClean="0"/>
-              <a:t>Suitable for input data that:</a:t>
-            </a:r>
-          </a:p>
-          <a:p>
-            <a:pPr lvl="1"/>
-            <a:r>
-              <a:rPr lang="en-US" sz="2400" dirty="0" smtClean="0"/>
-              <a:t>Independent</a:t>
-            </a:r>
-          </a:p>
-          <a:p>
-            <a:pPr lvl="1"/>
-            <a:r>
-              <a:rPr lang="en-US" sz="2400" dirty="0" smtClean="0"/>
-              <a:t>Physical measure </a:t>
-            </a:r>
-          </a:p>
-          <a:p>
-            <a:pPr marL="457200" lvl="1" indent="0">
-              <a:buNone/>
-            </a:pPr>
-            <a:endParaRPr lang="en-US" sz="2400" dirty="0"/>
-          </a:p>
-          <a:p>
-            <a:pPr>
-              <a:buFont typeface="Courier New" pitchFamily="49" charset="0"/>
-              <a:buChar char="o"/>
-            </a:pPr>
-            <a:r>
-              <a:rPr lang="en-US" sz="2400" dirty="0" smtClean="0"/>
-              <a:t>Bounds are not always obvious</a:t>
-            </a:r>
-          </a:p>
-          <a:p>
-            <a:pPr>
-              <a:buFont typeface="Courier New" pitchFamily="49" charset="0"/>
-              <a:buChar char="o"/>
-            </a:pPr>
-            <a:r>
-              <a:rPr lang="en-US" sz="2400" dirty="0" smtClean="0"/>
-              <a:t>Bounds are not always appropriate</a:t>
-            </a:r>
-          </a:p>
-          <a:p>
-            <a:pPr>
-              <a:buFont typeface="Courier New" pitchFamily="49" charset="0"/>
-              <a:buChar char="o"/>
-            </a:pPr>
-            <a:r>
-              <a:rPr lang="en-US" sz="2400" dirty="0" smtClean="0"/>
-              <a:t>Inadequate when there are dependencies between variables</a:t>
-            </a:r>
-          </a:p>
-          <a:p>
-            <a:pPr marL="0" indent="0">
-              <a:buNone/>
-            </a:pPr>
-            <a:endParaRPr lang="en-US" dirty="0"/>
-          </a:p>
-          <a:p>
-            <a:pPr marL="457200" lvl="1" indent="0">
-              <a:buNone/>
-            </a:pPr>
-            <a:endParaRPr lang="en-US" dirty="0" smtClean="0"/>
-          </a:p>
-        </p:txBody>
-      </p:sp>
+      </p:pic>
     </p:spTree>
     <p:extLst>
       <p:ext uri="{BB962C8B-B14F-4D97-AF65-F5344CB8AC3E}">
-        <p14:creationId xmlns:p14="http://schemas.microsoft.com/office/powerpoint/2010/main" val="2183450863"/>
+        <p14:creationId xmlns:p14="http://schemas.microsoft.com/office/powerpoint/2010/main" xmlns="" val="2183450863"/>
       </p:ext>
     </p:extLst>
   </p:cSld>
   <p:clrMapOvr>
     <a:masterClrMapping/>
   </p:clrMapOvr>
-  <p:timing>
-    <p:tnLst>
-      <p:par>
-        <p:cTn id="1" dur="indefinite" restart="never" nodeType="tmRoot">
-          <p:childTnLst>
-            <p:seq concurrent="1" nextAc="seek">
-              <p:cTn id="2" dur="indefinite" nodeType="mainSeq">
-                <p:childTnLst>
-                  <p:par>
-                    <p:cTn id="3" fill="hold">
-                      <p:stCondLst>
-                        <p:cond delay="indefinite"/>
-                      </p:stCondLst>
-                      <p:childTnLst>
-                        <p:par>
-                          <p:cTn id="4" fill="hold">
-                            <p:stCondLst>
-                              <p:cond delay="0"/>
-                            </p:stCondLst>
-                            <p:childTnLst>
-                              <p:par>
-                                <p:cTn id="5" presetID="10" presetClass="entr" presetSubtype="0" fill="hold" grpId="0" nodeType="clickEffect">
-                                  <p:stCondLst>
-                                    <p:cond delay="0"/>
-                                  </p:stCondLst>
-                                  <p:childTnLst>
-                                    <p:set>
-                                      <p:cBhvr>
-                                        <p:cTn id="6" dur="1" fill="hold">
-                                          <p:stCondLst>
-                                            <p:cond delay="0"/>
-                                          </p:stCondLst>
-                                        </p:cTn>
-                                        <p:tgtEl>
-                                          <p:spTgt spid="6">
-                                            <p:txEl>
-                                              <p:pRg st="0" end="0"/>
-                                            </p:txEl>
-                                          </p:spTgt>
-                                        </p:tgtEl>
-                                        <p:attrNameLst>
-                                          <p:attrName>style.visibility</p:attrName>
-                                        </p:attrNameLst>
-                                      </p:cBhvr>
-                                      <p:to>
-                                        <p:strVal val="visible"/>
-                                      </p:to>
-                                    </p:set>
-                                    <p:animEffect transition="in" filter="fade">
-                                      <p:cBhvr>
-                                        <p:cTn id="7" dur="500"/>
-                                        <p:tgtEl>
-                                          <p:spTgt spid="6">
-                                            <p:txEl>
-                                              <p:pRg st="0" end="0"/>
-                                            </p:txEl>
-                                          </p:spTgt>
-                                        </p:tgtEl>
-                                      </p:cBhvr>
-                                    </p:animEffect>
-                                  </p:childTnLst>
-                                </p:cTn>
-                              </p:par>
-                            </p:childTnLst>
-                          </p:cTn>
-                        </p:par>
-                      </p:childTnLst>
-                    </p:cTn>
-                  </p:par>
-                  <p:par>
-                    <p:cTn id="8" fill="hold">
-                      <p:stCondLst>
-                        <p:cond delay="indefinite"/>
-                      </p:stCondLst>
-                      <p:childTnLst>
-                        <p:par>
-                          <p:cTn id="9" fill="hold">
-                            <p:stCondLst>
-                              <p:cond delay="0"/>
-                            </p:stCondLst>
-                            <p:childTnLst>
-                              <p:par>
-                                <p:cTn id="10" presetID="10" presetClass="entr" presetSubtype="0" fill="hold" grpId="0" nodeType="clickEffect">
-                                  <p:stCondLst>
-                                    <p:cond delay="0"/>
-                                  </p:stCondLst>
-                                  <p:childTnLst>
-                                    <p:set>
-                                      <p:cBhvr>
-                                        <p:cTn id="11" dur="1" fill="hold">
-                                          <p:stCondLst>
-                                            <p:cond delay="0"/>
-                                          </p:stCondLst>
-                                        </p:cTn>
-                                        <p:tgtEl>
-                                          <p:spTgt spid="6">
-                                            <p:txEl>
-                                              <p:pRg st="1" end="1"/>
-                                            </p:txEl>
-                                          </p:spTgt>
-                                        </p:tgtEl>
-                                        <p:attrNameLst>
-                                          <p:attrName>style.visibility</p:attrName>
-                                        </p:attrNameLst>
-                                      </p:cBhvr>
-                                      <p:to>
-                                        <p:strVal val="visible"/>
-                                      </p:to>
-                                    </p:set>
-                                    <p:animEffect transition="in" filter="fade">
-                                      <p:cBhvr>
-                                        <p:cTn id="12" dur="500"/>
-                                        <p:tgtEl>
-                                          <p:spTgt spid="6">
-                                            <p:txEl>
-                                              <p:pRg st="1" end="1"/>
-                                            </p:txEl>
-                                          </p:spTgt>
-                                        </p:tgtEl>
-                                      </p:cBhvr>
-                                    </p:animEffect>
-                                  </p:childTnLst>
-                                </p:cTn>
-                              </p:par>
-                              <p:par>
-                                <p:cTn id="13" presetID="10" presetClass="entr" presetSubtype="0" fill="hold" grpId="0" nodeType="withEffect">
-                                  <p:stCondLst>
-                                    <p:cond delay="0"/>
-                                  </p:stCondLst>
-                                  <p:childTnLst>
-                                    <p:set>
-                                      <p:cBhvr>
-                                        <p:cTn id="14" dur="1" fill="hold">
-                                          <p:stCondLst>
-                                            <p:cond delay="0"/>
-                                          </p:stCondLst>
-                                        </p:cTn>
-                                        <p:tgtEl>
-                                          <p:spTgt spid="6">
-                                            <p:txEl>
-                                              <p:pRg st="2" end="2"/>
-                                            </p:txEl>
-                                          </p:spTgt>
-                                        </p:tgtEl>
-                                        <p:attrNameLst>
-                                          <p:attrName>style.visibility</p:attrName>
-                                        </p:attrNameLst>
-                                      </p:cBhvr>
-                                      <p:to>
-                                        <p:strVal val="visible"/>
-                                      </p:to>
-                                    </p:set>
-                                    <p:animEffect transition="in" filter="fade">
-                                      <p:cBhvr>
-                                        <p:cTn id="15" dur="500"/>
-                                        <p:tgtEl>
-                                          <p:spTgt spid="6">
-                                            <p:txEl>
-                                              <p:pRg st="2" end="2"/>
-                                            </p:txEl>
-                                          </p:spTgt>
-                                        </p:tgtEl>
-                                      </p:cBhvr>
-                                    </p:animEffect>
-                                  </p:childTnLst>
-                                </p:cTn>
-                              </p:par>
-                              <p:par>
-                                <p:cTn id="16" presetID="10" presetClass="entr" presetSubtype="0" fill="hold" grpId="0" nodeType="withEffect">
-                                  <p:stCondLst>
-                                    <p:cond delay="0"/>
-                                  </p:stCondLst>
-                                  <p:childTnLst>
-                                    <p:set>
-                                      <p:cBhvr>
-                                        <p:cTn id="17" dur="1" fill="hold">
-                                          <p:stCondLst>
-                                            <p:cond delay="0"/>
-                                          </p:stCondLst>
-                                        </p:cTn>
-                                        <p:tgtEl>
-                                          <p:spTgt spid="6">
-                                            <p:txEl>
-                                              <p:pRg st="3" end="3"/>
-                                            </p:txEl>
-                                          </p:spTgt>
-                                        </p:tgtEl>
-                                        <p:attrNameLst>
-                                          <p:attrName>style.visibility</p:attrName>
-                                        </p:attrNameLst>
-                                      </p:cBhvr>
-                                      <p:to>
-                                        <p:strVal val="visible"/>
-                                      </p:to>
-                                    </p:set>
-                                    <p:animEffect transition="in" filter="fade">
-                                      <p:cBhvr>
-                                        <p:cTn id="18" dur="500"/>
-                                        <p:tgtEl>
-                                          <p:spTgt spid="6">
-                                            <p:txEl>
-                                              <p:pRg st="3" end="3"/>
-                                            </p:txEl>
-                                          </p:spTgt>
-                                        </p:tgtEl>
-                                      </p:cBhvr>
-                                    </p:animEffect>
-                                  </p:childTnLst>
-                                </p:cTn>
-                              </p:par>
-                              <p:par>
-                                <p:cTn id="19" presetID="10" presetClass="entr" presetSubtype="0" fill="hold" grpId="0" nodeType="withEffect">
-                                  <p:stCondLst>
-                                    <p:cond delay="0"/>
-                                  </p:stCondLst>
-                                  <p:childTnLst>
-                                    <p:set>
-                                      <p:cBhvr>
-                                        <p:cTn id="20" dur="1" fill="hold">
-                                          <p:stCondLst>
-                                            <p:cond delay="0"/>
-                                          </p:stCondLst>
-                                        </p:cTn>
-                                        <p:tgtEl>
-                                          <p:spTgt spid="6">
-                                            <p:txEl>
-                                              <p:pRg st="4" end="4"/>
-                                            </p:txEl>
-                                          </p:spTgt>
-                                        </p:tgtEl>
-                                        <p:attrNameLst>
-                                          <p:attrName>style.visibility</p:attrName>
-                                        </p:attrNameLst>
-                                      </p:cBhvr>
-                                      <p:to>
-                                        <p:strVal val="visible"/>
-                                      </p:to>
-                                    </p:set>
-                                    <p:animEffect transition="in" filter="fade">
-                                      <p:cBhvr>
-                                        <p:cTn id="21" dur="500"/>
-                                        <p:tgtEl>
-                                          <p:spTgt spid="6">
-                                            <p:txEl>
-                                              <p:pRg st="4" end="4"/>
-                                            </p:txEl>
-                                          </p:spTgt>
-                                        </p:tgtEl>
-                                      </p:cBhvr>
-                                    </p:animEffect>
-                                  </p:childTnLst>
-                                </p:cTn>
-                              </p:par>
-                              <p:par>
-                                <p:cTn id="22" presetID="10" presetClass="entr" presetSubtype="0" fill="hold" grpId="0" nodeType="withEffect">
-                                  <p:stCondLst>
-                                    <p:cond delay="0"/>
-                                  </p:stCondLst>
-                                  <p:childTnLst>
-                                    <p:set>
-                                      <p:cBhvr>
-                                        <p:cTn id="23" dur="1" fill="hold">
-                                          <p:stCondLst>
-                                            <p:cond delay="0"/>
-                                          </p:stCondLst>
-                                        </p:cTn>
-                                        <p:tgtEl>
-                                          <p:spTgt spid="6">
-                                            <p:txEl>
-                                              <p:pRg st="5" end="5"/>
-                                            </p:txEl>
-                                          </p:spTgt>
-                                        </p:tgtEl>
-                                        <p:attrNameLst>
-                                          <p:attrName>style.visibility</p:attrName>
-                                        </p:attrNameLst>
-                                      </p:cBhvr>
-                                      <p:to>
-                                        <p:strVal val="visible"/>
-                                      </p:to>
-                                    </p:set>
-                                    <p:animEffect transition="in" filter="fade">
-                                      <p:cBhvr>
-                                        <p:cTn id="24" dur="500"/>
-                                        <p:tgtEl>
-                                          <p:spTgt spid="6">
-                                            <p:txEl>
-                                              <p:pRg st="5" end="5"/>
-                                            </p:txEl>
-                                          </p:spTgt>
-                                        </p:tgtEl>
-                                      </p:cBhvr>
-                                    </p:animEffect>
-                                  </p:childTnLst>
-                                </p:cTn>
-                              </p:par>
-                            </p:childTnLst>
-                          </p:cTn>
-                        </p:par>
-                      </p:childTnLst>
-                    </p:cTn>
-                  </p:par>
-                  <p:par>
-                    <p:cTn id="25" fill="hold">
-                      <p:stCondLst>
-                        <p:cond delay="indefinite"/>
-                      </p:stCondLst>
-                      <p:childTnLst>
-                        <p:par>
-                          <p:cTn id="26" fill="hold">
-                            <p:stCondLst>
-                              <p:cond delay="0"/>
-                            </p:stCondLst>
-                            <p:childTnLst>
-                              <p:par>
-                                <p:cTn id="27" presetID="10" presetClass="entr" presetSubtype="0" fill="hold" grpId="0" nodeType="clickEffect">
-                                  <p:stCondLst>
-                                    <p:cond delay="0"/>
-                                  </p:stCondLst>
-                                  <p:childTnLst>
-                                    <p:set>
-                                      <p:cBhvr>
-                                        <p:cTn id="28" dur="1" fill="hold">
-                                          <p:stCondLst>
-                                            <p:cond delay="0"/>
-                                          </p:stCondLst>
-                                        </p:cTn>
-                                        <p:tgtEl>
-                                          <p:spTgt spid="6">
-                                            <p:txEl>
-                                              <p:pRg st="7" end="7"/>
-                                            </p:txEl>
-                                          </p:spTgt>
-                                        </p:tgtEl>
-                                        <p:attrNameLst>
-                                          <p:attrName>style.visibility</p:attrName>
-                                        </p:attrNameLst>
-                                      </p:cBhvr>
-                                      <p:to>
-                                        <p:strVal val="visible"/>
-                                      </p:to>
-                                    </p:set>
-                                    <p:animEffect transition="in" filter="fade">
-                                      <p:cBhvr>
-                                        <p:cTn id="29" dur="500"/>
-                                        <p:tgtEl>
-                                          <p:spTgt spid="6">
-                                            <p:txEl>
-                                              <p:pRg st="7" end="7"/>
-                                            </p:txEl>
-                                          </p:spTgt>
-                                        </p:tgtEl>
-                                      </p:cBhvr>
-                                    </p:animEffect>
-                                  </p:childTnLst>
-                                </p:cTn>
-                              </p:par>
-                              <p:par>
-                                <p:cTn id="30" presetID="10" presetClass="entr" presetSubtype="0" fill="hold" grpId="0" nodeType="withEffect">
-                                  <p:stCondLst>
-                                    <p:cond delay="0"/>
-                                  </p:stCondLst>
-                                  <p:childTnLst>
-                                    <p:set>
-                                      <p:cBhvr>
-                                        <p:cTn id="31" dur="1" fill="hold">
-                                          <p:stCondLst>
-                                            <p:cond delay="0"/>
-                                          </p:stCondLst>
-                                        </p:cTn>
-                                        <p:tgtEl>
-                                          <p:spTgt spid="6">
-                                            <p:txEl>
-                                              <p:pRg st="8" end="8"/>
-                                            </p:txEl>
-                                          </p:spTgt>
-                                        </p:tgtEl>
-                                        <p:attrNameLst>
-                                          <p:attrName>style.visibility</p:attrName>
-                                        </p:attrNameLst>
-                                      </p:cBhvr>
-                                      <p:to>
-                                        <p:strVal val="visible"/>
-                                      </p:to>
-                                    </p:set>
-                                    <p:animEffect transition="in" filter="fade">
-                                      <p:cBhvr>
-                                        <p:cTn id="32" dur="500"/>
-                                        <p:tgtEl>
-                                          <p:spTgt spid="6">
-                                            <p:txEl>
-                                              <p:pRg st="8" end="8"/>
-                                            </p:txEl>
-                                          </p:spTgt>
-                                        </p:tgtEl>
-                                      </p:cBhvr>
-                                    </p:animEffect>
-                                  </p:childTnLst>
-                                </p:cTn>
-                              </p:par>
-                              <p:par>
-                                <p:cTn id="33" presetID="10" presetClass="entr" presetSubtype="0" fill="hold" grpId="0" nodeType="withEffect">
-                                  <p:stCondLst>
-                                    <p:cond delay="0"/>
-                                  </p:stCondLst>
-                                  <p:childTnLst>
-                                    <p:set>
-                                      <p:cBhvr>
-                                        <p:cTn id="34" dur="1" fill="hold">
-                                          <p:stCondLst>
-                                            <p:cond delay="0"/>
-                                          </p:stCondLst>
-                                        </p:cTn>
-                                        <p:tgtEl>
-                                          <p:spTgt spid="6">
-                                            <p:txEl>
-                                              <p:pRg st="9" end="9"/>
-                                            </p:txEl>
-                                          </p:spTgt>
-                                        </p:tgtEl>
-                                        <p:attrNameLst>
-                                          <p:attrName>style.visibility</p:attrName>
-                                        </p:attrNameLst>
-                                      </p:cBhvr>
-                                      <p:to>
-                                        <p:strVal val="visible"/>
-                                      </p:to>
-                                    </p:set>
-                                    <p:animEffect transition="in" filter="fade">
-                                      <p:cBhvr>
-                                        <p:cTn id="35" dur="500"/>
-                                        <p:tgtEl>
-                                          <p:spTgt spid="6">
-                                            <p:txEl>
-                                              <p:pRg st="9" end="9"/>
-                                            </p:txEl>
-                                          </p:spTgt>
-                                        </p:tgtEl>
-                                      </p:cBhvr>
-                                    </p:animEffect>
-                                  </p:childTnLst>
-                                </p:cTn>
-                              </p:par>
-                            </p:childTnLst>
-                          </p:cTn>
-                        </p:par>
-                      </p:childTnLst>
-                    </p:cTn>
-                  </p:par>
-                </p:childTnLst>
-              </p:cTn>
-              <p:prevCondLst>
-                <p:cond evt="onPrev" delay="0">
-                  <p:tgtEl>
-                    <p:sldTgt/>
-                  </p:tgtEl>
-                </p:cond>
-              </p:prevCondLst>
-              <p:nextCondLst>
-                <p:cond evt="onNext" delay="0">
-                  <p:tgtEl>
-                    <p:sldTgt/>
-                  </p:tgtEl>
-                </p:cond>
-              </p:nextCondLst>
-            </p:seq>
-          </p:childTnLst>
-        </p:cTn>
-      </p:par>
-    </p:tnLst>
-    <p:bldLst>
-      <p:bldP spid="6" grpId="0" uiExpand="1" build="p"/>
-    </p:bldLst>
-  </p:timing>
 </p:sld>
 </file>
 

--- a/UnitTest.pptx
+++ b/UnitTest.pptx
@@ -195,7 +195,7 @@
           <a:p>
             <a:fld id="{0A2CF3C6-EE73-4E29-87F7-59AFD49DD7BE}" type="datetimeFigureOut">
               <a:rPr lang="en-US" smtClean="0"/>
-              <a:t>6/26/2013</a:t>
+              <a:t>6/27/2013</a:t>
             </a:fld>
             <a:endParaRPr lang="en-US"/>
           </a:p>
@@ -522,7 +522,7 @@
           <a:p>
             <a:fld id="{0EC04F12-F0A0-49AF-8AB5-6198677F2261}" type="datetimeFigureOut">
               <a:rPr lang="en-US" smtClean="0"/>
-              <a:t>6/26/2013</a:t>
+              <a:t>6/27/2013</a:t>
             </a:fld>
             <a:endParaRPr lang="en-US"/>
           </a:p>
@@ -838,7 +838,7 @@
           <a:p>
             <a:fld id="{0EC04F12-F0A0-49AF-8AB5-6198677F2261}" type="datetimeFigureOut">
               <a:rPr lang="en-US" smtClean="0"/>
-              <a:t>6/26/2013</a:t>
+              <a:t>6/27/2013</a:t>
             </a:fld>
             <a:endParaRPr lang="en-US"/>
           </a:p>
@@ -1013,7 +1013,7 @@
           <a:p>
             <a:fld id="{0EC04F12-F0A0-49AF-8AB5-6198677F2261}" type="datetimeFigureOut">
               <a:rPr lang="en-US" smtClean="0"/>
-              <a:t>6/26/2013</a:t>
+              <a:t>6/27/2013</a:t>
             </a:fld>
             <a:endParaRPr lang="en-US"/>
           </a:p>
@@ -1131,7 +1131,7 @@
           <a:p>
             <a:fld id="{0EC04F12-F0A0-49AF-8AB5-6198677F2261}" type="datetimeFigureOut">
               <a:rPr lang="en-US" smtClean="0"/>
-              <a:t>6/26/2013</a:t>
+              <a:t>6/27/2013</a:t>
             </a:fld>
             <a:endParaRPr lang="en-US"/>
           </a:p>
@@ -1429,7 +1429,7 @@
           <a:p>
             <a:fld id="{0EC04F12-F0A0-49AF-8AB5-6198677F2261}" type="datetimeFigureOut">
               <a:rPr lang="en-US" smtClean="0"/>
-              <a:t>6/26/2013</a:t>
+              <a:t>6/27/2013</a:t>
             </a:fld>
             <a:endParaRPr lang="en-US"/>
           </a:p>
@@ -1722,7 +1722,7 @@
           <a:p>
             <a:fld id="{0EC04F12-F0A0-49AF-8AB5-6198677F2261}" type="datetimeFigureOut">
               <a:rPr lang="en-US" smtClean="0"/>
-              <a:t>6/26/2013</a:t>
+              <a:t>6/27/2013</a:t>
             </a:fld>
             <a:endParaRPr lang="en-US"/>
           </a:p>
@@ -2150,7 +2150,7 @@
           <a:p>
             <a:fld id="{0EC04F12-F0A0-49AF-8AB5-6198677F2261}" type="datetimeFigureOut">
               <a:rPr lang="en-US" smtClean="0"/>
-              <a:t>6/26/2013</a:t>
+              <a:t>6/27/2013</a:t>
             </a:fld>
             <a:endParaRPr lang="en-US"/>
           </a:p>
@@ -2268,7 +2268,7 @@
           <a:p>
             <a:fld id="{0EC04F12-F0A0-49AF-8AB5-6198677F2261}" type="datetimeFigureOut">
               <a:rPr lang="en-US" smtClean="0"/>
-              <a:t>6/26/2013</a:t>
+              <a:t>6/27/2013</a:t>
             </a:fld>
             <a:endParaRPr lang="en-US"/>
           </a:p>
@@ -2358,7 +2358,7 @@
           <a:p>
             <a:fld id="{0EC04F12-F0A0-49AF-8AB5-6198677F2261}" type="datetimeFigureOut">
               <a:rPr lang="en-US" smtClean="0"/>
-              <a:t>6/26/2013</a:t>
+              <a:t>6/27/2013</a:t>
             </a:fld>
             <a:endParaRPr lang="en-US"/>
           </a:p>
@@ -2608,7 +2608,7 @@
           <a:p>
             <a:fld id="{0EC04F12-F0A0-49AF-8AB5-6198677F2261}" type="datetimeFigureOut">
               <a:rPr lang="en-US" smtClean="0"/>
-              <a:t>6/26/2013</a:t>
+              <a:t>6/27/2013</a:t>
             </a:fld>
             <a:endParaRPr lang="en-US"/>
           </a:p>
@@ -3124,7 +3124,7 @@
           <a:p>
             <a:fld id="{0EC04F12-F0A0-49AF-8AB5-6198677F2261}" type="datetimeFigureOut">
               <a:rPr lang="en-US" smtClean="0"/>
-              <a:t>6/26/2013</a:t>
+              <a:t>6/27/2013</a:t>
             </a:fld>
             <a:endParaRPr lang="en-US"/>
           </a:p>
@@ -3354,7 +3354,7 @@
           <a:p>
             <a:fld id="{0EC04F12-F0A0-49AF-8AB5-6198677F2261}" type="datetimeFigureOut">
               <a:rPr lang="en-US" smtClean="0"/>
-              <a:t>6/26/2013</a:t>
+              <a:t>6/27/2013</a:t>
             </a:fld>
             <a:endParaRPr lang="en-US"/>
           </a:p>
@@ -3911,7 +3911,7 @@
         </p:blipFill>
         <p:spPr>
           <a:xfrm>
-            <a:off x="4724400" y="3124200"/>
+            <a:off x="4782972" y="3075654"/>
             <a:ext cx="3810000" cy="2258346"/>
           </a:xfrm>
         </p:spPr>
@@ -4187,6 +4187,306 @@
           </a:p>
         </p:txBody>
       </p:sp>
+      <p:grpSp>
+        <p:nvGrpSpPr>
+          <p:cNvPr id="18" name="Group 17"/>
+          <p:cNvGrpSpPr/>
+          <p:nvPr/>
+        </p:nvGrpSpPr>
+        <p:grpSpPr>
+          <a:xfrm>
+            <a:off x="4648200" y="4039611"/>
+            <a:ext cx="4191000" cy="760989"/>
+            <a:chOff x="4648200" y="3962400"/>
+            <a:chExt cx="4191000" cy="760989"/>
+          </a:xfrm>
+        </p:grpSpPr>
+        <p:cxnSp>
+          <p:nvCxnSpPr>
+            <p:cNvPr id="3" name="Straight Arrow Connector 2"/>
+            <p:cNvCxnSpPr/>
+            <p:nvPr/>
+          </p:nvCxnSpPr>
+          <p:spPr>
+            <a:xfrm>
+              <a:off x="4648200" y="4114800"/>
+              <a:ext cx="4191000" cy="0"/>
+            </a:xfrm>
+            <a:prstGeom prst="straightConnector1">
+              <a:avLst/>
+            </a:prstGeom>
+            <a:ln w="28575">
+              <a:solidFill>
+                <a:srgbClr val="00B0F0"/>
+              </a:solidFill>
+              <a:tailEnd type="arrow"/>
+            </a:ln>
+          </p:spPr>
+          <p:style>
+            <a:lnRef idx="1">
+              <a:schemeClr val="accent1"/>
+            </a:lnRef>
+            <a:fillRef idx="0">
+              <a:schemeClr val="accent1"/>
+            </a:fillRef>
+            <a:effectRef idx="0">
+              <a:schemeClr val="accent1"/>
+            </a:effectRef>
+            <a:fontRef idx="minor">
+              <a:schemeClr val="tx1"/>
+            </a:fontRef>
+          </p:style>
+        </p:cxnSp>
+        <p:cxnSp>
+          <p:nvCxnSpPr>
+            <p:cNvPr id="9" name="Straight Connector 8"/>
+            <p:cNvCxnSpPr/>
+            <p:nvPr/>
+          </p:nvCxnSpPr>
+          <p:spPr>
+            <a:xfrm>
+              <a:off x="5753100" y="3962400"/>
+              <a:ext cx="0" cy="304800"/>
+            </a:xfrm>
+            <a:prstGeom prst="line">
+              <a:avLst/>
+            </a:prstGeom>
+          </p:spPr>
+          <p:style>
+            <a:lnRef idx="1">
+              <a:schemeClr val="accent1"/>
+            </a:lnRef>
+            <a:fillRef idx="0">
+              <a:schemeClr val="accent1"/>
+            </a:fillRef>
+            <a:effectRef idx="0">
+              <a:schemeClr val="accent1"/>
+            </a:effectRef>
+            <a:fontRef idx="minor">
+              <a:schemeClr val="tx1"/>
+            </a:fontRef>
+          </p:style>
+        </p:cxnSp>
+        <p:cxnSp>
+          <p:nvCxnSpPr>
+            <p:cNvPr id="15" name="Straight Connector 14"/>
+            <p:cNvCxnSpPr/>
+            <p:nvPr/>
+          </p:nvCxnSpPr>
+          <p:spPr>
+            <a:xfrm>
+              <a:off x="7200900" y="3962400"/>
+              <a:ext cx="0" cy="304800"/>
+            </a:xfrm>
+            <a:prstGeom prst="line">
+              <a:avLst/>
+            </a:prstGeom>
+          </p:spPr>
+          <p:style>
+            <a:lnRef idx="1">
+              <a:schemeClr val="accent1"/>
+            </a:lnRef>
+            <a:fillRef idx="0">
+              <a:schemeClr val="accent1"/>
+            </a:fillRef>
+            <a:effectRef idx="0">
+              <a:schemeClr val="accent1"/>
+            </a:effectRef>
+            <a:fontRef idx="minor">
+              <a:schemeClr val="tx1"/>
+            </a:fontRef>
+          </p:style>
+        </p:cxnSp>
+        <p:sp>
+          <p:nvSpPr>
+            <p:cNvPr id="11" name="TextBox 10"/>
+            <p:cNvSpPr txBox="1"/>
+            <p:nvPr/>
+          </p:nvSpPr>
+          <p:spPr>
+            <a:xfrm>
+              <a:off x="5524500" y="4343400"/>
+              <a:ext cx="457200" cy="369332"/>
+            </a:xfrm>
+            <a:prstGeom prst="rect">
+              <a:avLst/>
+            </a:prstGeom>
+            <a:noFill/>
+          </p:spPr>
+          <p:txBody>
+            <a:bodyPr wrap="square" rtlCol="0">
+              <a:spAutoFit/>
+            </a:bodyPr>
+            <a:lstStyle/>
+            <a:p>
+              <a:r>
+                <a:rPr lang="en-US" dirty="0" smtClean="0"/>
+                <a:t>50</a:t>
+              </a:r>
+              <a:endParaRPr lang="en-US" dirty="0"/>
+            </a:p>
+          </p:txBody>
+        </p:sp>
+        <p:sp>
+          <p:nvSpPr>
+            <p:cNvPr id="17" name="TextBox 16"/>
+            <p:cNvSpPr txBox="1"/>
+            <p:nvPr/>
+          </p:nvSpPr>
+          <p:spPr>
+            <a:xfrm>
+              <a:off x="6934200" y="4354057"/>
+              <a:ext cx="533400" cy="369332"/>
+            </a:xfrm>
+            <a:prstGeom prst="rect">
+              <a:avLst/>
+            </a:prstGeom>
+            <a:noFill/>
+          </p:spPr>
+          <p:txBody>
+            <a:bodyPr wrap="square" rtlCol="0">
+              <a:spAutoFit/>
+            </a:bodyPr>
+            <a:lstStyle/>
+            <a:p>
+              <a:r>
+                <a:rPr lang="en-US" dirty="0" smtClean="0"/>
+                <a:t>100</a:t>
+              </a:r>
+              <a:endParaRPr lang="en-US" dirty="0"/>
+            </a:p>
+          </p:txBody>
+        </p:sp>
+      </p:grpSp>
+      <p:sp>
+        <p:nvSpPr>
+          <p:cNvPr id="12" name="Left Brace 11"/>
+          <p:cNvSpPr/>
+          <p:nvPr/>
+        </p:nvSpPr>
+        <p:spPr>
+          <a:xfrm rot="5400000">
+            <a:off x="4914900" y="3314700"/>
+            <a:ext cx="457200" cy="990600"/>
+          </a:xfrm>
+          <a:prstGeom prst="leftBrace">
+            <a:avLst/>
+          </a:prstGeom>
+          <a:ln>
+            <a:solidFill>
+              <a:srgbClr val="00B0F0"/>
+            </a:solidFill>
+          </a:ln>
+        </p:spPr>
+        <p:style>
+          <a:lnRef idx="1">
+            <a:schemeClr val="accent1"/>
+          </a:lnRef>
+          <a:fillRef idx="0">
+            <a:schemeClr val="accent1"/>
+          </a:fillRef>
+          <a:effectRef idx="0">
+            <a:schemeClr val="accent1"/>
+          </a:effectRef>
+          <a:fontRef idx="minor">
+            <a:schemeClr val="tx1"/>
+          </a:fontRef>
+        </p:style>
+        <p:txBody>
+          <a:bodyPr rtlCol="0" anchor="ctr"/>
+          <a:lstStyle/>
+          <a:p>
+            <a:pPr algn="ctr"/>
+            <a:endParaRPr lang="en-US"/>
+          </a:p>
+        </p:txBody>
+      </p:sp>
+      <p:sp>
+        <p:nvSpPr>
+          <p:cNvPr id="21" name="Left Brace 20"/>
+          <p:cNvSpPr/>
+          <p:nvPr/>
+        </p:nvSpPr>
+        <p:spPr>
+          <a:xfrm rot="5400000">
+            <a:off x="7772400" y="3124200"/>
+            <a:ext cx="457200" cy="1371600"/>
+          </a:xfrm>
+          <a:prstGeom prst="leftBrace">
+            <a:avLst/>
+          </a:prstGeom>
+          <a:ln>
+            <a:solidFill>
+              <a:srgbClr val="00B0F0"/>
+            </a:solidFill>
+          </a:ln>
+        </p:spPr>
+        <p:style>
+          <a:lnRef idx="1">
+            <a:schemeClr val="accent1"/>
+          </a:lnRef>
+          <a:fillRef idx="0">
+            <a:schemeClr val="accent1"/>
+          </a:fillRef>
+          <a:effectRef idx="0">
+            <a:schemeClr val="accent1"/>
+          </a:effectRef>
+          <a:fontRef idx="minor">
+            <a:schemeClr val="tx1"/>
+          </a:fontRef>
+        </p:style>
+        <p:txBody>
+          <a:bodyPr rtlCol="0" anchor="ctr"/>
+          <a:lstStyle/>
+          <a:p>
+            <a:pPr algn="ctr"/>
+            <a:endParaRPr lang="en-US"/>
+          </a:p>
+        </p:txBody>
+      </p:sp>
+      <p:sp>
+        <p:nvSpPr>
+          <p:cNvPr id="24" name="Left Brace 23"/>
+          <p:cNvSpPr/>
+          <p:nvPr/>
+        </p:nvSpPr>
+        <p:spPr>
+          <a:xfrm rot="5400000">
+            <a:off x="6228497" y="3162300"/>
+            <a:ext cx="457200" cy="1295400"/>
+          </a:xfrm>
+          <a:prstGeom prst="leftBrace">
+            <a:avLst/>
+          </a:prstGeom>
+          <a:ln>
+            <a:solidFill>
+              <a:srgbClr val="FFFF00"/>
+            </a:solidFill>
+          </a:ln>
+        </p:spPr>
+        <p:style>
+          <a:lnRef idx="1">
+            <a:schemeClr val="accent1"/>
+          </a:lnRef>
+          <a:fillRef idx="0">
+            <a:schemeClr val="accent1"/>
+          </a:fillRef>
+          <a:effectRef idx="0">
+            <a:schemeClr val="accent1"/>
+          </a:effectRef>
+          <a:fontRef idx="minor">
+            <a:schemeClr val="tx1"/>
+          </a:fontRef>
+        </p:style>
+        <p:txBody>
+          <a:bodyPr rtlCol="0" anchor="ctr"/>
+          <a:lstStyle/>
+          <a:p>
+            <a:pPr algn="ctr"/>
+            <a:endParaRPr lang="en-US"/>
+          </a:p>
+        </p:txBody>
+      </p:sp>
     </p:spTree>
     <p:extLst>
       <p:ext uri="{BB962C8B-B14F-4D97-AF65-F5344CB8AC3E}">
@@ -4333,7 +4633,7 @@
                             </p:stCondLst>
                             <p:childTnLst>
                               <p:par>
-                                <p:cTn id="12" presetID="42" presetClass="entr" presetSubtype="0" fill="hold" grpId="0" nodeType="clickEffect">
+                                <p:cTn id="12" presetID="10" presetClass="entr" presetSubtype="0" fill="hold" nodeType="clickEffect">
                                   <p:stCondLst>
                                     <p:cond delay="0"/>
                                   </p:stCondLst>
@@ -4346,7 +4646,7 @@
                                           </p:stCondLst>
                                         </p:cTn>
                                         <p:tgtEl>
-                                          <p:spTgt spid="23"/>
+                                          <p:spTgt spid="18"/>
                                         </p:tgtEl>
                                         <p:attrNameLst>
                                           <p:attrName>style.visibility</p:attrName>
@@ -4358,7 +4658,60 @@
                                     </p:set>
                                     <p:animEffect transition="in" filter="fade">
                                       <p:cBhvr>
-                                        <p:cTn id="14" dur="1000"/>
+                                        <p:cTn id="14" dur="500"/>
+                                        <p:tgtEl>
+                                          <p:spTgt spid="18"/>
+                                        </p:tgtEl>
+                                      </p:cBhvr>
+                                    </p:animEffect>
+                                  </p:childTnLst>
+                                </p:cTn>
+                              </p:par>
+                            </p:childTnLst>
+                          </p:cTn>
+                        </p:par>
+                      </p:childTnLst>
+                    </p:cTn>
+                  </p:par>
+                  <p:par>
+                    <p:cTn id="15" fill="hold">
+                      <p:stCondLst>
+                        <p:cond delay="indefinite"/>
+                      </p:stCondLst>
+                      <p:childTnLst>
+                        <p:par>
+                          <p:cTn id="16" fill="hold">
+                            <p:stCondLst>
+                              <p:cond delay="0"/>
+                            </p:stCondLst>
+                            <p:childTnLst>
+                              <p:par>
+                                <p:cTn id="17" presetID="42" presetClass="entr" presetSubtype="0" fill="hold" grpId="0" nodeType="clickEffect">
+                                  <p:stCondLst>
+                                    <p:cond delay="0"/>
+                                  </p:stCondLst>
+                                  <p:childTnLst>
+                                    <p:set>
+                                      <p:cBhvr>
+                                        <p:cTn id="18" dur="1" fill="hold">
+                                          <p:stCondLst>
+                                            <p:cond delay="0"/>
+                                          </p:stCondLst>
+                                        </p:cTn>
+                                        <p:tgtEl>
+                                          <p:spTgt spid="23"/>
+                                        </p:tgtEl>
+                                        <p:attrNameLst>
+                                          <p:attrName>style.visibility</p:attrName>
+                                        </p:attrNameLst>
+                                      </p:cBhvr>
+                                      <p:to>
+                                        <p:strVal val="visible"/>
+                                      </p:to>
+                                    </p:set>
+                                    <p:animEffect transition="in" filter="fade">
+                                      <p:cBhvr>
+                                        <p:cTn id="19" dur="1000"/>
                                         <p:tgtEl>
                                           <p:spTgt spid="23"/>
                                         </p:tgtEl>
@@ -4366,7 +4719,7 @@
                                     </p:animEffect>
                                     <p:anim calcmode="lin" valueType="num">
                                       <p:cBhvr>
-                                        <p:cTn id="15" dur="1000" fill="hold"/>
+                                        <p:cTn id="20" dur="1000" fill="hold"/>
                                         <p:tgtEl>
                                           <p:spTgt spid="23"/>
                                         </p:tgtEl>
@@ -4389,7 +4742,7 @@
                                     </p:anim>
                                     <p:anim calcmode="lin" valueType="num">
                                       <p:cBhvr>
-                                        <p:cTn id="16" dur="1000" fill="hold"/>
+                                        <p:cTn id="21" dur="1000" fill="hold"/>
                                         <p:tgtEl>
                                           <p:spTgt spid="23"/>
                                         </p:tgtEl>
@@ -4420,32 +4773,32 @@
                     </p:cTn>
                   </p:par>
                   <p:par>
-                    <p:cTn id="17" fill="hold">
+                    <p:cTn id="22" fill="hold">
                       <p:stCondLst>
                         <p:cond delay="indefinite"/>
                       </p:stCondLst>
                       <p:childTnLst>
                         <p:par>
-                          <p:cTn id="18" fill="hold">
+                          <p:cTn id="23" fill="hold">
                             <p:stCondLst>
                               <p:cond delay="0"/>
                             </p:stCondLst>
                             <p:childTnLst>
                               <p:par>
-                                <p:cTn id="19" presetID="10" presetClass="entr" presetSubtype="0" fill="hold" nodeType="clickEffect">
+                                <p:cTn id="24" presetID="10" presetClass="entr" presetSubtype="0" fill="hold" grpId="0" nodeType="clickEffect">
                                   <p:stCondLst>
                                     <p:cond delay="0"/>
                                   </p:stCondLst>
                                   <p:childTnLst>
                                     <p:set>
                                       <p:cBhvr>
-                                        <p:cTn id="20" dur="1" fill="hold">
+                                        <p:cTn id="25" dur="1" fill="hold">
                                           <p:stCondLst>
                                             <p:cond delay="0"/>
                                           </p:stCondLst>
                                         </p:cTn>
                                         <p:tgtEl>
-                                          <p:spTgt spid="22"/>
+                                          <p:spTgt spid="24"/>
                                         </p:tgtEl>
                                         <p:attrNameLst>
                                           <p:attrName>style.visibility</p:attrName>
@@ -4457,12 +4810,325 @@
                                     </p:set>
                                     <p:animEffect transition="in" filter="fade">
                                       <p:cBhvr>
-                                        <p:cTn id="21" dur="500"/>
+                                        <p:cTn id="26" dur="500"/>
+                                        <p:tgtEl>
+                                          <p:spTgt spid="24"/>
+                                        </p:tgtEl>
+                                      </p:cBhvr>
+                                    </p:animEffect>
+                                  </p:childTnLst>
+                                </p:cTn>
+                              </p:par>
+                            </p:childTnLst>
+                          </p:cTn>
+                        </p:par>
+                      </p:childTnLst>
+                    </p:cTn>
+                  </p:par>
+                  <p:par>
+                    <p:cTn id="27" fill="hold">
+                      <p:stCondLst>
+                        <p:cond delay="indefinite"/>
+                      </p:stCondLst>
+                      <p:childTnLst>
+                        <p:par>
+                          <p:cTn id="28" fill="hold">
+                            <p:stCondLst>
+                              <p:cond delay="0"/>
+                            </p:stCondLst>
+                            <p:childTnLst>
+                              <p:par>
+                                <p:cTn id="29" presetID="10" presetClass="entr" presetSubtype="0" fill="hold" grpId="0" nodeType="clickEffect">
+                                  <p:stCondLst>
+                                    <p:cond delay="0"/>
+                                  </p:stCondLst>
+                                  <p:childTnLst>
+                                    <p:set>
+                                      <p:cBhvr>
+                                        <p:cTn id="30" dur="1" fill="hold">
+                                          <p:stCondLst>
+                                            <p:cond delay="0"/>
+                                          </p:stCondLst>
+                                        </p:cTn>
+                                        <p:tgtEl>
+                                          <p:spTgt spid="12"/>
+                                        </p:tgtEl>
+                                        <p:attrNameLst>
+                                          <p:attrName>style.visibility</p:attrName>
+                                        </p:attrNameLst>
+                                      </p:cBhvr>
+                                      <p:to>
+                                        <p:strVal val="visible"/>
+                                      </p:to>
+                                    </p:set>
+                                    <p:animEffect transition="in" filter="fade">
+                                      <p:cBhvr>
+                                        <p:cTn id="31" dur="500"/>
+                                        <p:tgtEl>
+                                          <p:spTgt spid="12"/>
+                                        </p:tgtEl>
+                                      </p:cBhvr>
+                                    </p:animEffect>
+                                  </p:childTnLst>
+                                </p:cTn>
+                              </p:par>
+                              <p:par>
+                                <p:cTn id="32" presetID="10" presetClass="entr" presetSubtype="0" fill="hold" grpId="0" nodeType="withEffect">
+                                  <p:stCondLst>
+                                    <p:cond delay="0"/>
+                                  </p:stCondLst>
+                                  <p:childTnLst>
+                                    <p:set>
+                                      <p:cBhvr>
+                                        <p:cTn id="33" dur="1" fill="hold">
+                                          <p:stCondLst>
+                                            <p:cond delay="0"/>
+                                          </p:stCondLst>
+                                        </p:cTn>
+                                        <p:tgtEl>
+                                          <p:spTgt spid="21"/>
+                                        </p:tgtEl>
+                                        <p:attrNameLst>
+                                          <p:attrName>style.visibility</p:attrName>
+                                        </p:attrNameLst>
+                                      </p:cBhvr>
+                                      <p:to>
+                                        <p:strVal val="visible"/>
+                                      </p:to>
+                                    </p:set>
+                                    <p:animEffect transition="in" filter="fade">
+                                      <p:cBhvr>
+                                        <p:cTn id="34" dur="500"/>
+                                        <p:tgtEl>
+                                          <p:spTgt spid="21"/>
+                                        </p:tgtEl>
+                                      </p:cBhvr>
+                                    </p:animEffect>
+                                  </p:childTnLst>
+                                </p:cTn>
+                              </p:par>
+                            </p:childTnLst>
+                          </p:cTn>
+                        </p:par>
+                      </p:childTnLst>
+                    </p:cTn>
+                  </p:par>
+                  <p:par>
+                    <p:cTn id="35" fill="hold">
+                      <p:stCondLst>
+                        <p:cond delay="indefinite"/>
+                      </p:stCondLst>
+                      <p:childTnLst>
+                        <p:par>
+                          <p:cTn id="36" fill="hold">
+                            <p:stCondLst>
+                              <p:cond delay="0"/>
+                            </p:stCondLst>
+                            <p:childTnLst>
+                              <p:par>
+                                <p:cTn id="37" presetID="1" presetClass="exit" presetSubtype="0" fill="hold" nodeType="clickEffect">
+                                  <p:stCondLst>
+                                    <p:cond delay="0"/>
+                                  </p:stCondLst>
+                                  <p:childTnLst>
+                                    <p:set>
+                                      <p:cBhvr>
+                                        <p:cTn id="38" dur="1" fill="hold">
+                                          <p:stCondLst>
+                                            <p:cond delay="0"/>
+                                          </p:stCondLst>
+                                        </p:cTn>
+                                        <p:tgtEl>
+                                          <p:spTgt spid="18"/>
+                                        </p:tgtEl>
+                                        <p:attrNameLst>
+                                          <p:attrName>style.visibility</p:attrName>
+                                        </p:attrNameLst>
+                                      </p:cBhvr>
+                                      <p:to>
+                                        <p:strVal val="hidden"/>
+                                      </p:to>
+                                    </p:set>
+                                  </p:childTnLst>
+                                </p:cTn>
+                              </p:par>
+                              <p:par>
+                                <p:cTn id="39" presetID="1" presetClass="exit" presetSubtype="0" fill="hold" grpId="1" nodeType="withEffect">
+                                  <p:stCondLst>
+                                    <p:cond delay="0"/>
+                                  </p:stCondLst>
+                                  <p:childTnLst>
+                                    <p:set>
+                                      <p:cBhvr>
+                                        <p:cTn id="40" dur="1" fill="hold">
+                                          <p:stCondLst>
+                                            <p:cond delay="0"/>
+                                          </p:stCondLst>
+                                        </p:cTn>
+                                        <p:tgtEl>
+                                          <p:spTgt spid="24"/>
+                                        </p:tgtEl>
+                                        <p:attrNameLst>
+                                          <p:attrName>style.visibility</p:attrName>
+                                        </p:attrNameLst>
+                                      </p:cBhvr>
+                                      <p:to>
+                                        <p:strVal val="hidden"/>
+                                      </p:to>
+                                    </p:set>
+                                  </p:childTnLst>
+                                </p:cTn>
+                              </p:par>
+                              <p:par>
+                                <p:cTn id="41" presetID="1" presetClass="exit" presetSubtype="0" fill="hold" grpId="1" nodeType="withEffect">
+                                  <p:stCondLst>
+                                    <p:cond delay="0"/>
+                                  </p:stCondLst>
+                                  <p:childTnLst>
+                                    <p:set>
+                                      <p:cBhvr>
+                                        <p:cTn id="42" dur="1" fill="hold">
+                                          <p:stCondLst>
+                                            <p:cond delay="0"/>
+                                          </p:stCondLst>
+                                        </p:cTn>
+                                        <p:tgtEl>
+                                          <p:spTgt spid="12"/>
+                                        </p:tgtEl>
+                                        <p:attrNameLst>
+                                          <p:attrName>style.visibility</p:attrName>
+                                        </p:attrNameLst>
+                                      </p:cBhvr>
+                                      <p:to>
+                                        <p:strVal val="hidden"/>
+                                      </p:to>
+                                    </p:set>
+                                  </p:childTnLst>
+                                </p:cTn>
+                              </p:par>
+                              <p:par>
+                                <p:cTn id="43" presetID="1" presetClass="exit" presetSubtype="0" fill="hold" grpId="1" nodeType="withEffect">
+                                  <p:stCondLst>
+                                    <p:cond delay="0"/>
+                                  </p:stCondLst>
+                                  <p:childTnLst>
+                                    <p:set>
+                                      <p:cBhvr>
+                                        <p:cTn id="44" dur="1" fill="hold">
+                                          <p:stCondLst>
+                                            <p:cond delay="0"/>
+                                          </p:stCondLst>
+                                        </p:cTn>
+                                        <p:tgtEl>
+                                          <p:spTgt spid="21"/>
+                                        </p:tgtEl>
+                                        <p:attrNameLst>
+                                          <p:attrName>style.visibility</p:attrName>
+                                        </p:attrNameLst>
+                                      </p:cBhvr>
+                                      <p:to>
+                                        <p:strVal val="hidden"/>
+                                      </p:to>
+                                    </p:set>
+                                  </p:childTnLst>
+                                </p:cTn>
+                              </p:par>
+                            </p:childTnLst>
+                          </p:cTn>
+                        </p:par>
+                      </p:childTnLst>
+                    </p:cTn>
+                  </p:par>
+                  <p:par>
+                    <p:cTn id="45" fill="hold">
+                      <p:stCondLst>
+                        <p:cond delay="indefinite"/>
+                      </p:stCondLst>
+                      <p:childTnLst>
+                        <p:par>
+                          <p:cTn id="46" fill="hold">
+                            <p:stCondLst>
+                              <p:cond delay="0"/>
+                            </p:stCondLst>
+                            <p:childTnLst>
+                              <p:par>
+                                <p:cTn id="47" presetID="42" presetClass="entr" presetSubtype="0" fill="hold" nodeType="clickEffect">
+                                  <p:stCondLst>
+                                    <p:cond delay="0"/>
+                                  </p:stCondLst>
+                                  <p:childTnLst>
+                                    <p:set>
+                                      <p:cBhvr>
+                                        <p:cTn id="48" dur="1" fill="hold">
+                                          <p:stCondLst>
+                                            <p:cond delay="0"/>
+                                          </p:stCondLst>
+                                        </p:cTn>
                                         <p:tgtEl>
                                           <p:spTgt spid="22"/>
                                         </p:tgtEl>
+                                        <p:attrNameLst>
+                                          <p:attrName>style.visibility</p:attrName>
+                                        </p:attrNameLst>
+                                      </p:cBhvr>
+                                      <p:to>
+                                        <p:strVal val="visible"/>
+                                      </p:to>
+                                    </p:set>
+                                    <p:animEffect transition="in" filter="fade">
+                                      <p:cBhvr>
+                                        <p:cTn id="49" dur="1000"/>
+                                        <p:tgtEl>
+                                          <p:spTgt spid="22"/>
+                                        </p:tgtEl>
                                       </p:cBhvr>
                                     </p:animEffect>
+                                    <p:anim calcmode="lin" valueType="num">
+                                      <p:cBhvr>
+                                        <p:cTn id="50" dur="1000" fill="hold"/>
+                                        <p:tgtEl>
+                                          <p:spTgt spid="22"/>
+                                        </p:tgtEl>
+                                        <p:attrNameLst>
+                                          <p:attrName>ppt_x</p:attrName>
+                                        </p:attrNameLst>
+                                      </p:cBhvr>
+                                      <p:tavLst>
+                                        <p:tav tm="0">
+                                          <p:val>
+                                            <p:strVal val="#ppt_x"/>
+                                          </p:val>
+                                        </p:tav>
+                                        <p:tav tm="100000">
+                                          <p:val>
+                                            <p:strVal val="#ppt_x"/>
+                                          </p:val>
+                                        </p:tav>
+                                      </p:tavLst>
+                                    </p:anim>
+                                    <p:anim calcmode="lin" valueType="num">
+                                      <p:cBhvr>
+                                        <p:cTn id="51" dur="1000" fill="hold"/>
+                                        <p:tgtEl>
+                                          <p:spTgt spid="22"/>
+                                        </p:tgtEl>
+                                        <p:attrNameLst>
+                                          <p:attrName>ppt_y</p:attrName>
+                                        </p:attrNameLst>
+                                      </p:cBhvr>
+                                      <p:tavLst>
+                                        <p:tav tm="0">
+                                          <p:val>
+                                            <p:strVal val="#ppt_y+.1"/>
+                                          </p:val>
+                                        </p:tav>
+                                        <p:tav tm="100000">
+                                          <p:val>
+                                            <p:strVal val="#ppt_y"/>
+                                          </p:val>
+                                        </p:tav>
+                                      </p:tavLst>
+                                    </p:anim>
                                   </p:childTnLst>
                                 </p:cTn>
                               </p:par>
@@ -4496,6 +5162,12 @@
     <p:bldLst>
       <p:bldP spid="20" grpId="0" build="p"/>
       <p:bldP spid="23" grpId="0"/>
+      <p:bldP spid="12" grpId="0" animBg="1"/>
+      <p:bldP spid="12" grpId="1" animBg="1"/>
+      <p:bldP spid="21" grpId="0" animBg="1"/>
+      <p:bldP spid="21" grpId="1" animBg="1"/>
+      <p:bldP spid="24" grpId="0" animBg="1"/>
+      <p:bldP spid="24" grpId="1" animBg="1"/>
     </p:bldLst>
   </p:timing>
 </p:sld>
